--- a/Slides/Clase_9_2020.pptx
+++ b/Slides/Clase_9_2020.pptx
@@ -5,7 +5,7 @@
     <p:sldMasterId id="2147483657" r:id="rId1"/>
   </p:sldMasterIdLst>
   <p:notesMasterIdLst>
-    <p:notesMasterId r:id="rId27"/>
+    <p:notesMasterId r:id="rId25"/>
   </p:notesMasterIdLst>
   <p:sldIdLst>
     <p:sldId id="256" r:id="rId2"/>
@@ -16,47 +16,49 @@
     <p:sldId id="550" r:id="rId7"/>
     <p:sldId id="524" r:id="rId8"/>
     <p:sldId id="614" r:id="rId9"/>
-    <p:sldId id="615" r:id="rId10"/>
-    <p:sldId id="620" r:id="rId11"/>
-    <p:sldId id="622" r:id="rId12"/>
-    <p:sldId id="623" r:id="rId13"/>
-    <p:sldId id="624" r:id="rId14"/>
-    <p:sldId id="625" r:id="rId15"/>
-    <p:sldId id="626" r:id="rId16"/>
-    <p:sldId id="627" r:id="rId17"/>
-    <p:sldId id="630" r:id="rId18"/>
-    <p:sldId id="631" r:id="rId19"/>
-    <p:sldId id="638" r:id="rId20"/>
-    <p:sldId id="639" r:id="rId21"/>
-    <p:sldId id="640" r:id="rId22"/>
-    <p:sldId id="641" r:id="rId23"/>
-    <p:sldId id="642" r:id="rId24"/>
-    <p:sldId id="643" r:id="rId25"/>
-    <p:sldId id="371" r:id="rId26"/>
+    <p:sldId id="622" r:id="rId10"/>
+    <p:sldId id="623" r:id="rId11"/>
+    <p:sldId id="624" r:id="rId12"/>
+    <p:sldId id="625" r:id="rId13"/>
+    <p:sldId id="626" r:id="rId14"/>
+    <p:sldId id="627" r:id="rId15"/>
+    <p:sldId id="630" r:id="rId16"/>
+    <p:sldId id="631" r:id="rId17"/>
+    <p:sldId id="638" r:id="rId18"/>
+    <p:sldId id="639" r:id="rId19"/>
+    <p:sldId id="640" r:id="rId20"/>
+    <p:sldId id="641" r:id="rId21"/>
+    <p:sldId id="642" r:id="rId22"/>
+    <p:sldId id="643" r:id="rId23"/>
+    <p:sldId id="371" r:id="rId24"/>
   </p:sldIdLst>
   <p:sldSz cx="9144000" cy="5143500" type="screen16x9"/>
   <p:notesSz cx="6858000" cy="9144000"/>
   <p:embeddedFontLst>
     <p:embeddedFont>
       <p:font typeface="Arvo" panose="020B0604020202020204" charset="0"/>
-      <p:regular r:id="rId28"/>
-      <p:bold r:id="rId29"/>
-      <p:italic r:id="rId30"/>
-      <p:boldItalic r:id="rId31"/>
+      <p:regular r:id="rId26"/>
+      <p:bold r:id="rId27"/>
+      <p:italic r:id="rId28"/>
+      <p:boldItalic r:id="rId29"/>
     </p:embeddedFont>
     <p:embeddedFont>
-      <p:font typeface="Roboto Condensed" panose="020B0604020202020204" charset="0"/>
-      <p:regular r:id="rId32"/>
-      <p:bold r:id="rId33"/>
-      <p:italic r:id="rId34"/>
-      <p:boldItalic r:id="rId35"/>
+      <p:font typeface="Inconsolata" pitchFamily="1" charset="0"/>
+      <p:regular r:id="rId30"/>
     </p:embeddedFont>
     <p:embeddedFont>
-      <p:font typeface="Roboto Condensed Light" panose="020B0604020202020204" charset="0"/>
-      <p:regular r:id="rId36"/>
-      <p:bold r:id="rId37"/>
-      <p:italic r:id="rId38"/>
-      <p:boldItalic r:id="rId39"/>
+      <p:font typeface="Roboto Condensed" panose="02000000000000000000" pitchFamily="2" charset="0"/>
+      <p:regular r:id="rId31"/>
+      <p:bold r:id="rId32"/>
+      <p:italic r:id="rId33"/>
+      <p:boldItalic r:id="rId34"/>
+    </p:embeddedFont>
+    <p:embeddedFont>
+      <p:font typeface="Roboto Condensed Light" panose="02000000000000000000" pitchFamily="2" charset="0"/>
+      <p:regular r:id="rId35"/>
+      <p:bold r:id="rId36"/>
+      <p:italic r:id="rId37"/>
+      <p:boldItalic r:id="rId38"/>
     </p:embeddedFont>
   </p:embeddedFontLst>
   <p:defaultTextStyle>
@@ -302,17 +304,17 @@
     <inkml:context xml:id="ctx0">
       <inkml:inkSource xml:id="inkSrc0">
         <inkml:traceFormat>
-          <inkml:channel name="X" type="integer" max="3360" units="cm"/>
-          <inkml:channel name="Y" type="integer" max="1872" units="cm"/>
+          <inkml:channel name="X" type="integer" max="5120" units="cm"/>
+          <inkml:channel name="Y" type="integer" max="1800" units="cm"/>
           <inkml:channel name="T" type="integer" max="2.14748E9" units="dev"/>
         </inkml:traceFormat>
         <inkml:channelProperties>
-          <inkml:channelProperty channel="X" name="resolution" value="114.28571" units="1/cm"/>
-          <inkml:channelProperty channel="Y" name="resolution" value="112.77109" units="1/cm"/>
+          <inkml:channelProperty channel="X" name="resolution" value="174.14966" units="1/cm"/>
+          <inkml:channelProperty channel="Y" name="resolution" value="109.09091" units="1/cm"/>
           <inkml:channelProperty channel="T" name="resolution" value="1" units="1/dev"/>
         </inkml:channelProperties>
       </inkml:inkSource>
-      <inkml:timestamp xml:id="ts0" timeString="2020-09-24T16:50:53.199"/>
+      <inkml:timestamp xml:id="ts0" timeString="2021-10-08T02:17:04.084"/>
     </inkml:context>
     <inkml:brush xml:id="br0">
       <inkml:brushProperty name="width" value="0.05292" units="cm"/>
@@ -320,268 +322,13 @@
       <inkml:brushProperty name="color" value="#FF0000"/>
     </inkml:brush>
   </inkml:definitions>
-  <inkml:trace contextRef="#ctx0" brushRef="#br0">7295 10487 0,'0'0'0,"0"0"16,0 0-1,0 0-15,15-8 16,8 0-16,7-7 15,31-8-15,29 0 16,9-7 0,-16-8-16,30-16 15,-113 54-15</inkml:trace>
-  <inkml:trace contextRef="#ctx0" brushRef="#br0" timeOffset="24557.22">7787 11265 0,'0'0'15,"0"0"-15,0 0 16,0 0-16,0 0 16,0 0-1,0 0-15,7-7 16,31-9-16,53-22 16,30-8-16,68-30 15,-38 7 1,-8 1-16</inkml:trace>
-  <inkml:trace contextRef="#ctx0" brushRef="#br0" timeOffset="126980.24">6743 4663 0,'0'0'0,"0"0"0,15-7 15,311-199-15,-221 145 16,-29 22-16,-8 1 16,0 8-16,-7-1 15,-16 16-15,-7 0 16,-8-1-1,-7 1-15,-8 7 16,-15 1-16,0 7 16</inkml:trace>
-  <inkml:trace contextRef="#ctx0" brushRef="#br0" timeOffset="127610.74">6774 4526 0,'0'0'0,"0"0"15,0 0 1,0 0-16,0 0 16,0 0-16,0 0 15,0 0 1,0 0-16,0 0 15,0 0-15,0 0 16,7-8 0,8 1-16,8-9 15,0 1-15,-1 7 16,1 1-16,-8-1 16,0 1-16,-7 7 15,-1 0 1,-7 0-16,0 0 15,0 0-15,0 0 16,0 0 0,0 0-16,0 0 15,0 0-15,0 0 16,0 0-16,0 0 16,0 0-1,0 0-15,-7 7 16,-1-7-16,1 0 15,-1 0-15,8 0 16,0 0 0,0 0-16</inkml:trace>
-  <inkml:trace contextRef="#ctx0" brushRef="#br0" timeOffset="163465.95">17849 7655 0,'0'0'0,"0"0"0,0 0 15,-8-8-15,-7 1 16,-8 7-16,-14 7 15,-1 1-15,8 7 16,-8 16-16,7 7 16,1 0-1,8 8-15,6 0 16,9 0-16,7-8 16,0-8-16,7-7 15,1-8 1,0 1-16,7-9 15,7-7-15,16-7 16,0-9 0,0-6-16,-8-9 15,0 1-15,-7-1 16,-8 0 0,-7-14-16,-1-9 15,-7 1-15,-7 7 16,-1 15-16,0 9 15,1-1 1,-1 7-16,8 9 16,0-1-16,0 8 15,0 0-15,0 0 16,0 0 0,0 0-16,0 0 15,8-7-15,7-1 16,0 0-1,0 1-15,8-1 16,0 0-16,14 1 16,1-1-16,0 0 15,-8 8 1,-7 0-16,0 0 16,-8 0-16,-8 0 15,1 0 1,-8 0-16,0 0 15,-8 8-15,8-8 16</inkml:trace>
-  <inkml:trace contextRef="#ctx0" brushRef="#br0" timeOffset="164720.26">18559 7312 0,'0'0'0,"0"0"16,0 0-16,0 0 15,0 0-15,-15 7 16,-7 16-1,-1 0-15,0 0 16,-7 15-16,7 16 16,1 22-1,6 0-15,16-15 16,8-7-16,7-9 16,0 1-16,8 0 15,0-8 1,-1-15-16,1 0 15,-8-8-15,0 1 16,-15-16-16</inkml:trace>
-  <inkml:trace contextRef="#ctx0" brushRef="#br0" timeOffset="165452.51">18779 7670 0,'0'0'0,"0"0"15,0 0-15,0 8 16,0 7-16,0 1 16,0-1-1,0 0-15,0-7 16,0-1-16,0 1 16,0 0-16,0-8 15,0 0 1,0 0-16,0 0 15,0 0-15,0 0 16,0-16 0,0-14-16,0-1 15,0-7-15,7 8 16,8 7-16,0 0 16,8 8-1,0-1-15,-8 9 16,0-1-16,0 8 15,-7 8 1,-1-1-16,1 9 16,-1-1-16,1 8 15,-8 0-15,0-1 16,0-6 0,0-9-16,0 1 15,0 0-15,7 7 16,1 0-16,7 0 15,0 1 1,8-9-16,0 9 16,-1-9-16,-7 1 15,1-1 1,-9 1-16,1 0 16,-8-1-16,0 1 15,0 0 1,0-8-16,0 7 15,0-7-15</inkml:trace>
-  <inkml:trace contextRef="#ctx0" brushRef="#br0" timeOffset="166427.91">19330 7625 0,'0'0'16,"0"0"-16,0 0 15,0 0-15,0 0 16,0 0-1,0 0-15,0 0 16,0 0-16,0 0 16,0 0-16,0 0 15,0 0 1,0 0-16,0 0 16,0 0-16,0 0 15,0 7-15,0 8 16,0 8-1,-7 8-15,-1-8 16,1 0-16,7 0 16,0-8-1,0 0-15,7 0 16,1 1-16,-1-9 16,9 1-1,6-8-15,-22 0 16</inkml:trace>
-  <inkml:trace contextRef="#ctx0" brushRef="#br0" timeOffset="166724.39">19557 7159 0,'0'0'16,"0"0"-16,8 0 15,14 15-15,9 16 16,14 30-16,-15 0 16,-7 0-1,-8 8-15,-15 15 16,0 0-16,-23-8 15,-14-7 1,-39 30-16,76-99 16</inkml:trace>
-  <inkml:trace contextRef="#ctx0" brushRef="#br0" timeOffset="167375.51">16397 7876 0,'0'0'16,"0"0"-16,0 0 15,0 0-15,0 0 16,0 0-16,0 0 15,0 0 1,0 0-16,0-7 16,0-8-16,0 15 15</inkml:trace>
-  <inkml:trace contextRef="#ctx0" brushRef="#br0" timeOffset="167804.53">16397 7785 0,'0'0'0,"0"0"16,0 0 0,0 0-16,0 0 15,0 0-15,0 0 16,0 0-1,-7 0-15,-1 0 16,1 0-16,7 0 16,0 0-16,0 0 15,0 0 1,0 0-16,7 0 16,8 0-16,0 0 15,8 0-15,7 0 16,8 0-1,0 7-15,7 1 16,-7 0-16,0-1 16,-8-7-1,-7 0-15,-1 0 16,-6 0-16,-1 0 16,7-7-16,9-16 15,-31 23 1</inkml:trace>
-  <inkml:trace contextRef="#ctx0" brushRef="#br0" timeOffset="168123.15">16571 7762 0,'0'0'16,"0"0"-16,0 0 15,0 0-15,0 0 16,0 15-16,0 0 16,0 8-1,0 0-15,0 8 16,0-8-16,0 7 15,0 1-15,-7-1 16,7 1 0,0-8-16,0-23 15</inkml:trace>
-  <inkml:trace contextRef="#ctx0" brushRef="#br0" timeOffset="168393.59">16843 7884 0,'0'0'0,"0"0"15,0 0-15,0 15 16,8 8-1,-1 15-15,1-7 16,0-1-16,-8-7 16,0 0-16,0-7 15,0 6 1,0-22-16</inkml:trace>
-  <inkml:trace contextRef="#ctx0" brushRef="#br0" timeOffset="168806.01">17161 8159 0,'0'0'0,"0"0"15,0 0-15,0 0 16,0 0-16,0 0 16,0 0-1,0 0-15,0 0 16,0 0-16,0 7 16,0 1-16,0 0 15,0-8 1,0 7-16,7 1 15,-7-8-15,0 0 16,0 0-16,8 0 16,7 0-1,8 0-15,7 0 16,0 0-16,0 0 16,-7 0-1,0 0-15,-23 0 16</inkml:trace>
-  <inkml:trace contextRef="#ctx0" brushRef="#br0" timeOffset="169370.45">17584 7449 0,'0'0'0,"0"0"16,-7 8-16,-9 22 15,-14 31-15,-8 31 16,8-8 0,8 7-16,-1 9 15,8-16-15,7-16 16,8-22-16,8 0 15,7-8 1,8 0-16,7-7 16,0-8-16,-30-23 15</inkml:trace>
-  <inkml:trace contextRef="#ctx0" brushRef="#br0" timeOffset="169906.19">19761 7128 0,'0'0'16,"23"8"-16,22 7 16,16 16-1,-1 15-15,-7 15 16,-7-8-16,7 16 15,-8-8 1,-7 15-16,-16 1 16,-14-9-16,-8 1 15,-15 15-15,-15 8 16,-1-24 0,31-68-16</inkml:trace>
-  <inkml:trace contextRef="#ctx0" brushRef="#br0" timeOffset="171243.3">17720 8098 0,'0'0'15,"0"0"-15,-7 7 16,-1 1-16,1-8 16,-1 8-1,8-8-15,0 0 16,0 0 0,0 0-16,0 0 15,0 0-15,0 0 16,8 0-16,14 7 15,24 1-15,-9-8 16,1 0 0,30-8-16,46 1 15,-9-1-15,-14-7 16,53 0 0,-31-8-16,-30 7 15,53-7-15,-7 1 16,-38 6-16,37-7 15,-14 8 1,-46 8-16,-15-1 16,-1 0-16,1 1 15,-15-1 1,-8 8-16,-7 0 16,0 0-16,-8 0 15,0 0-15,0 0 16,-7 0-1,7 0-15,-8 0 16,1 8-16,-1-1 16,-7-7-1</inkml:trace>
-  <inkml:trace contextRef="#ctx0" brushRef="#br0" timeOffset="179427.54">16337 8632 0,'0'0'15,"0"0"-15</inkml:trace>
-  <inkml:trace contextRef="#ctx0" brushRef="#br0" timeOffset="180778.3">16254 8602 0,'0'0'0,"0"0"16,0 0-16,0 0 16,7 0-1,16 0-15,7 0 16,0 0-16,-7 0 16,7 0-16,16-8 15,14 0 1,23 1-16,0-1 15,-7-7-15,30-1 16,15 1 0,-30-8-16,14 0 15,77-7-15,-61 7 16,68 0-16,-83 8 16,67-8-1,1 0-15,-7 8 16,14-1-16,-60 9 15,76-1-15,-39 1 16,69-9 0,-106 9-16,83-1 15,-37 0-15,22 1 16,-84-1 0,31-7-16,38 0 15,-60-1-15,37 9 16,-45-9-1,-23 9-15,30-8 16,1-1-16,-31 1 16,-30 0-1,-15 0-15,-1-8 16,1 0-16,-8-8 16,-7 1-16,-15-1 15,-1-7 1,-14-15-16,-1-16 15,-7-7-15,7 7 16,-7 8-16,0 0 16,0-16-1,0 1-15,0 7 16,0 24-16,7-9 16,1-7-16,-1 8 15,0-1 1,1 8-16,-1 8 15,1 8-15,-1 7 16,8 8 0,-7-1-16,-1 1 15,1 7-15,-1 1 16,-7-8 0,-15-1-16,-8 1 15,8 0-15,-8 7 16,-38-7-16,-30 0 15,-15-1 1,-45 1-16,0 7 16,-1 8-16,-29 8 15,-16 7 1,46 1-16,-99 7 16,46-8-16,-23 0 15,-7 16-15,14-16 16,16 0-1,0 8-15,-16 8 16,39-9-16,37 9 16,-22-8-16,37 0 15,0-8 1,24 8-16,51-8 16,17-7-16,-1-1 15,0 9 1,15-9-16,8 1 15,7 0-15,8-1 16,0 1-16,7-1 16,-7 9-1,0 7-15,0 7 16,7 24-16,1-1 16,-1 0-1,-7 9-15,0 21 16,0 9-16,7-8 15,8-23-15,0 8 16,8-1 0,-1-6-16,1-1 15,-1-8-15,1 0 16,7 54 0,-15-107-16</inkml:trace>
-  <inkml:trace contextRef="#ctx0" brushRef="#br0" timeOffset="182481.63">22664 6854 0,'0'0'16,"0"0"-16,0 0 15,0 0 1,0 0-16,0 0 16,-7 7-16,-8 16 15,0 8-15,-16 7 16,-7 8-1,1-8-15,-9 0 16,1 8-16,0 0 16,7-1-16,8 1 15,-1 0 1,1-15-16,7-1 16,-7 1-16,8-8 15,-1-8 1,8 0-16,0 0 15,-1 1-15,1-1 16,8-8 0,7-7-16</inkml:trace>
-  <inkml:trace contextRef="#ctx0" brushRef="#br0" timeOffset="183441.55">21568 6976 0,'0'0'0,"0"0"15,0 0 1,0 0-16,0 0 15,0 0-15,0 0 16,0 0-16,0 0 16,0 0-1,0 0-15,0 0 16,0 0-16,0 0 16,0 0-1,0 0-15,0 0 16,0 0-16,0 0 15,8 0 1,-1 0-16,8 0 16,1 0-16,6 0 15,16 7-15,7 1 16,1 0 0,7 7-16,7 0 15,1 1-15,7 6 16,-8 1-1,-15-7-15,-7-9 16,0 1-16,0 7 16,7 0-16,1 1 15,-1-1 1,-7 0-16,0 0 16,-8 1-16,0-9 15,-7 1-15,-8 0 16,0-1-1,0 1-15,0-1 16,-7 1-16,-1-8 16,-7 0-1,0 0-15,0 0 16,0 0-16,0 0 16,0 0-16,0 0 15,0 0 1,8-8-16,-8-14 15,0-1-15,0 0 16,0 0 0,0-15-16,0 7 15,0 1-15,0-8 16,0 7-16,0 8 16,0-7-1,0 7-15,0 7 16,0 16-16</inkml:trace>
-  <inkml:trace contextRef="#ctx0" brushRef="#br0" timeOffset="183800.27">21886 6976 0,'0'0'15,"0"0"-15,0 0 16,0 0 0,0 0-16,7 7 15,8 9-15,0 7 16,1 15-16,6 23 15,9 38 1,-16-15-16,0-15 16,0-1-1,-8 9-15,1-9 16,0-14-16,-1-8 16,1-16-16,-1-7 15,-7-23-15</inkml:trace>
-  <inkml:trace contextRef="#ctx0" brushRef="#br0" timeOffset="184748.8">23299 7502 0,'0'0'0,"0"0"15,0 0-15,0 0 16,0 0-16,0 0 15,0 0 1,-7-7-16,-8-1 16,0 1-16,-1 7 15,1 0-15,0 0 16,0 0 0,8 0-16,-1 0 15,8 0-15,0 0 16,0 0-1,0 7-15,8 1 16,7-1-16,0 1 16,0 0-1,-15-8-15</inkml:trace>
-  <inkml:trace contextRef="#ctx0" brushRef="#br0" timeOffset="185952.07">23723 6701 0,'0'0'0,"0"0"15,0 0-15,0 0 16,0 0-16,0 0 16,0 0-1,0 8-15,0-1 16,0 9-16,0 14 15,0 24 1,0 22-16,0-7 16,0-24-16,0 24 15,7 0-15,-7-16 16,0 1 0,0-16-16,0-15 15,0-8-15,0 0 16,0-15-1,0 0-15</inkml:trace>
-  <inkml:trace contextRef="#ctx0" brushRef="#br0" timeOffset="186612.94">23632 6732 0,'0'0'16,"0"0"-16,0 0 16,0 0-16,0 0 15,8 0 1,7-8-16,7 0 15,24-7-15,14 0 16,8 7-16,-15 1 16,0 7-1,8 7-15,-9 8 16,-6 1-16,-8 14 16,-8 1-16,-15-1 15,-7 1 1,-1-1-16,-7 1 15,-7-1-15,-9-7 16,-6 0 0,-1 0-16,8 0 15,0-8-15,0 1 16,7-9-16,1 1 16,-1-1-1,8-7-15,0 0 16,0 0-16,0 0 15,0 0 1,15 8-16,0 0 16,8 7-16,0 0 15,-1 8 1,1 0-16,0 0 16,-1 7-16,-7-7 15,-7 0-15,0-8 16,-1 1-1,1-9-15,-1 1 16,8 0-16,-7-8 16,-8 0-16</inkml:trace>
-  <inkml:trace contextRef="#ctx0" brushRef="#br0" timeOffset="187058.21">24471 7128 0,'0'0'16,"0"0"-16,8 0 15,7 0-15,0 0 16,8-7-1,-1 7-15,-7 0 16,1 0-16,-1 0 16,-8 0-1,1 0-15,-8 0 16,0 0-16,0 7 16,0 1-16,0 7 15,0 1 1,0-1-16,7 8 15,1 0-15,-1 7 16,1 1 0,-8-1-16,0 1 15,0-8-15,-8 0 16,1 0-16,-16-1 16,-7 9-1,-8-1-15,38-30 16</inkml:trace>
-  <inkml:trace contextRef="#ctx0" brushRef="#br0" timeOffset="189000.54">16344 6884 0,'0'0'16,"0"0"-16,0 0 15,0 0 1,0 0-16,0 0 16,-7 0-1,-1 0-15,1-7 16,-1-1-16,1 0 15,-1 1-15,8-1 16,0-7 0,0-8-16,8 0 15,7-7-15,7-1 16,1 0-16,7 1 16,-15 7-1,8 8-15,0-1 16,7 1-16,15 0 15,8 7-15,15 8 16,-7-7 0,-8 7-16,15 0 15,7 0-15,1 0 16,-8 0 0,-15 0-16,30 0 15,8 0-15,-8 0 16,0-8-1,0 0-15,15 8 16,-22-7-16,-15-1 16,-24 8-16,1-7 15,-8-1 1,-7 8-16,0-8 16,-1 1-16,1-1 15,-8 0 1,0 1-16,0-9 15,1 1-15,-1 0 16,0-8-16,0 0 16,0-7-1,-7 7-15,-1 0 16,-7 0-16,0 0 16,0 8-1,0 7-15,0 1 16,0 7-16,0 0 15,0 0-15,0 0 16,8 7 0,-1 8-16,8 8 15,1 0-15,6 0 16,1 0-16,0 0 16,-1 0-1,9 7-15,6 1 16,16-8-16,8 0 15,7-8 1,-23-7-16,23-8 16,15-16-16,0 1 15,1-8 1,-1 8-16,15-8 16,8 0-16,-23 0 15,-7 0 1,22 0-16,15 0 15,-22-7-15,15 7 16,15 0-16,-15 8 16,-16 0-16,24 7 15,7 8 1,-15 0-16,-8 15 16,8 1-16,-23-1 15,-38 8 1,-7 0-16,0-1 15,-8 9-15,0 0 16,-7-1 0,-8 1-16,0-1 15,-15-30-15</inkml:trace>
-</inkml:ink>
-</file>
-
-<file path=ppt/ink/ink10.xml><?xml version="1.0" encoding="utf-8"?>
-<inkml:ink xmlns:inkml="http://www.w3.org/2003/InkML">
-  <inkml:definitions>
-    <inkml:context xml:id="ctx0">
-      <inkml:inkSource xml:id="inkSrc0">
-        <inkml:traceFormat>
-          <inkml:channel name="X" type="integer" max="3360" units="cm"/>
-          <inkml:channel name="Y" type="integer" max="1872" units="cm"/>
-          <inkml:channel name="T" type="integer" max="2.14748E9" units="dev"/>
-        </inkml:traceFormat>
-        <inkml:channelProperties>
-          <inkml:channelProperty channel="X" name="resolution" value="114.28571" units="1/cm"/>
-          <inkml:channelProperty channel="Y" name="resolution" value="112.77109" units="1/cm"/>
-          <inkml:channelProperty channel="T" name="resolution" value="1" units="1/dev"/>
-        </inkml:channelProperties>
-      </inkml:inkSource>
-      <inkml:timestamp xml:id="ts0" timeString="2020-09-24T17:15:40.862"/>
-    </inkml:context>
-    <inkml:brush xml:id="br0">
-      <inkml:brushProperty name="width" value="0.05292" units="cm"/>
-      <inkml:brushProperty name="height" value="0.05292" units="cm"/>
-      <inkml:brushProperty name="color" value="#0070C0"/>
-    </inkml:brush>
-  </inkml:definitions>
-  <inkml:trace contextRef="#ctx0" brushRef="#br0">13177 6289 0,'0'0'15,"0"0"-15,0 0 16,-30-8-16,-8-7 16,-8 0-1,9 7-15,-1 1 16,8 7-16,-8 0 16,-15 7-1,-23 16-15,-15 8 16,1-1-16,-1 8 15,-15 0-15,8 16 16,30 7 0,-8 8-16,8-16 15,0 8-15,15-7 16,0 14-16,8 1 16,7 7-1,16-15-15,-1 23 16,8 23-16,15-23 15,7-23 1,8 0-16,16 8 16,6-8-16,24-8 15,7-15 1,-15-7-16,38-8 16,30-15-16,-16-8 15,1-16-15,8-7 16,-9 0-16,-36 1 15,36-17 1,24 1-16,-38 8 16,-1-1-16,69-15 15,-68 16 1,-8-8-16,23-8 16,22-8-16,16-14 15</inkml:trace>
-</inkml:ink>
-</file>
-
-<file path=ppt/ink/ink11.xml><?xml version="1.0" encoding="utf-8"?>
-<inkml:ink xmlns:inkml="http://www.w3.org/2003/InkML">
-  <inkml:definitions>
-    <inkml:context xml:id="ctx0">
-      <inkml:inkSource xml:id="inkSrc0">
-        <inkml:traceFormat>
-          <inkml:channel name="X" type="integer" max="3360" units="cm"/>
-          <inkml:channel name="Y" type="integer" max="1872" units="cm"/>
-          <inkml:channel name="T" type="integer" max="2.14748E9" units="dev"/>
-        </inkml:traceFormat>
-        <inkml:channelProperties>
-          <inkml:channelProperty channel="X" name="resolution" value="114.28571" units="1/cm"/>
-          <inkml:channelProperty channel="Y" name="resolution" value="112.77109" units="1/cm"/>
-          <inkml:channelProperty channel="T" name="resolution" value="1" units="1/dev"/>
-        </inkml:channelProperties>
-      </inkml:inkSource>
-      <inkml:timestamp xml:id="ts0" timeString="2020-09-24T17:27:18.127"/>
-    </inkml:context>
-    <inkml:brush xml:id="br0">
-      <inkml:brushProperty name="width" value="0.05292" units="cm"/>
-      <inkml:brushProperty name="height" value="0.05292" units="cm"/>
-      <inkml:brushProperty name="color" value="#FF0000"/>
-    </inkml:brush>
-  </inkml:definitions>
-  <inkml:trace contextRef="#ctx0" brushRef="#br0">4422 6373 0,'0'0'0,"-7"0"15,-8 0 1,-8 8-16,0-1 16,1 1-16,-1-1 15,8-7 1,0 8-16,0 0 15,0-1-15,-1 1 16,-6 0-16,-1 7 16,0 0-1,-7 0-15,0 8 16,0 0-16,0 0 16,7 0-16,0 0 15,0 0 1,1 0-16,-1-8 15,8 8-15,0 0 16,0 0-16,0 0 16,0 7-1,-1 1-15,9-1 16,-1 8 0,8 0-16,0 1 15,0-9-15,0 1 16,8-8-16,-1 7 15,9 1-15,-1-1 16,7 8 0,1 0-16,7 1 15,8-1-15,0-8 16,7 1 0,-7-1-16,-8-7 15,16 0-15,-1 0 16,8 0-16,0 7 15,7 1 1,-7-8-16,0 0 16,8 7-16,-1 1 15,1-8 1,-1 0-16,-15-8 16,1 0-16,-1 0 15,8 1-15,0-9 16,7 1-1,-7 0-15,0-1 16,8-7-16,-8-7 16,15-1-16,-8-7 15,1-1 1,-8-6-16,-8-1 16,-7 0-16,7-8 15,0 1-15,1-1 16,-1 1-1,-7-1-15,0 1 16,0-9-16,-8 1 16,0 0-16,-7 0 15,-1 0 1,-7 0-16,-7 15 16,0-8-16,-1 1 15,-7-1 1,0-7-16,0-8 15,-7 0-15,-1 1 16,0-1-16,1 8 16,-8-1-1,0 1-15,0 0 16,-8-15-16,0 7 16,-7 0-1,0 8-15,0 0 16,-1 7-16,1 1 15,7 7-15,-7-8 16,-15 1 0,-1-1-16,-7 8 15,-7 0-15,0 8 16,-9 0-16,1 7 16,-7 8-1,-1 8-15,1 0 16,7 7-16,-16 0 15,-21 8 1,21 0-16,-6 0 16,-1 7-16,0 8 15,8 8 1,15 0-16,8 7 16,7 1-16,-8 7 15,-7 0-15,68-61 16</inkml:trace>
-  <inkml:trace contextRef="#ctx0" brushRef="#br0" timeOffset="34524.37">5269 6129 0,'0'0'0,"0"0"0,0 0 0,8-31 0,7 1 16,0-1-1,15-7-15,8-16 16,7 9-16,8-16 16,-7 7-16,-9-7 15,1 0 1,23-30-16,-1-1 15,8 16-15,-7 7 16,-8 8-16,0 0 16,-1 0-1,-6 7-15,-1 9 16,-7 14-16,-8 8 16,-7 0-1,-8 8-15,0 7 16,-7 1-16,-8 7 15,0 0-15</inkml:trace>
-  <inkml:trace contextRef="#ctx0" brushRef="#br0" timeOffset="34972.99">5239 6075 0,'0'0'0,"0"0"16,0 0 0,0 0-16,0 0 15,0 0-15,8-7 16,-1-9-16,8-14 16,0-1-1,-7-7-15,-1 8 16,-7 7-16,0 15 15,0 8-15,0 0 16,0 8 0,0 7-16,0 8 15,8 0-15,0 0 16,-8-8 0,0-15-16</inkml:trace>
-  <inkml:trace contextRef="#ctx0" brushRef="#br0" timeOffset="37151.85">6396 4602 0,'0'0'16,"0"0"-16,0 0 15,0 0-15,0 0 16,0 0-16,0 0 16,0 0-1,0 0-15,0 8 16,0 15-16,7 15 15,1 15-15,7 8 16,0 0 0,8 1-16,7 14 15,0-7-15,-7-16 16,-8-15 0,0-7-16,-7-1 15,-1-7-15,1-8 16,-1 1-16,1-9 15,-8-7 1</inkml:trace>
-  <inkml:trace contextRef="#ctx0" brushRef="#br0" timeOffset="37638.85">6358 4518 0,'0'0'0,"0"0"15,0 0-15,0 0 16,0 0-16,0 0 15,0 0 1,0 0-16,0-7 16,0-16-16,7 0 15,1 8 1,-1-1-16,1 9 16,7-1-16,-7 8 15,7 8 1,0-1-16,0 9 15,-7 6-15,-1 1 16,1 0-16,-8 0 16,0 0-1,-8 0-15,1 0 16,-1 0-16,-7 0 16,0 0-16,7-1 15,1 1 1,-1-7-16,8-16 15</inkml:trace>
-  <inkml:trace contextRef="#ctx0" brushRef="#br0" timeOffset="37996.44">7091 5007 0,'0'0'15,"0"0"-15,0-8 16,-7 0-1,-1-7-15,-7 0 16,0-8-16,0 0 16,0-7-1,7 7-15,0-8 16,8 1-16,8-1 16,0 1-1,7 7-15,-15 23 16</inkml:trace>
-  <inkml:trace contextRef="#ctx0" brushRef="#br0" timeOffset="38510.44">7431 4724 0,'0'0'0,"0"0"16,0 0-1,0 0-15,0 0 16,-7 0-16,-8-7 16,0-1-1,-8 0-15,0 1 16,-7 7-16,0 7 15,-1 9-15,1 7 16,8 15 0,6 0-16,9-8 15,7 1-15,0-8 16,7-8-16,1-7 16,0-1-1,-1-7-15,8 0 16,0-7-16,0-1 15,1-7 1,-1-8-16,0 0 16,-8 0-16,-7-7 15,-7 7-15,-1 7 16,-7 1 0,8 8-16,-1 7 15,8 0-15,0 0 16,0 0-1</inkml:trace>
-  <inkml:trace contextRef="#ctx0" brushRef="#br0" timeOffset="39138.55">7651 4732 0,'0'0'16,"0"0"-16,0 0 15,7 8-15,8-1 16,0 1-1,0-1-15,1-7 16,-9 0-16,1-7 16,7-1-16,0-15 15,-8 0-15,1-7 16,0 7 0,-1 0-16,-7 8 15,0 7-15,0 8 16,0 0-1,0 0-15,15 8 16,0 15-16,16 15 16,-1 8-16,0-8 15,0 0 1,-7-7-16,0-9 16,-8 1-16,0 0 15,0 0 1,-7-8-16,-1 1 15,-7-1-15,-7 0 16,-8 0-16,-8 1 16,-7-1-1,7-7-15,0-8 16,8 0-16,8-8 16,-1 0-16,0-30 15,24-30 1,6-9-16,-22 77 15</inkml:trace>
-  <inkml:trace contextRef="#ctx0" brushRef="#br0" timeOffset="39581.55">8218 4472 0,'0'0'0,"0"0"16,0 0-16,0 0 15,0 0-15,0 0 16,0 0-16,7 8 16,1-8-1,-1 0-15,1 0 16,-1 0-16,1 0 16,-8 0-1,7 0-15,-7 0 16,0 0-16,0 0 15,0-8-15,-7 1 16,-1-1 0,1 8-16,-8 0 15,7 0-15,-7 8 16,7-1-16,1 1 16,7 0-1,0 7-15,0 0 16,7-7-16,1 0 15,7 7 1,0-8-16,8 1 16,0-8-16,-1-8 15,8 1-15,-30 7 16</inkml:trace>
-  <inkml:trace contextRef="#ctx0" brushRef="#br0" timeOffset="39935.55">8716 4327 0,'0'0'16,"0"0"-16,0 0 15,0 0-15,0 0 16,0 0-1,0 0-15,0 0 16,0 0-16,0 0 16,-7 0-16,-1 8 15,-7 7 1,0 8-16,8-7 16,-1-1-16,8 8 15,0-8-15,8 0 16,7-7-1,0-1-15,7-7 16,1 0-16,-8 0 16,-15 0-1</inkml:trace>
-  <inkml:trace contextRef="#ctx0" brushRef="#br0" timeOffset="55865.95">6736 6381 0,'0'0'0,"0"0"15,0 0 1,0 0-16,0 0 15,0 0-15,0 0 16,0 0 0,0 0-16,0 0 15,0 0-15,0 0 16,0 0-16,7-8 16,8 0-1,16-7-15,7-8 16,-1-7-16,9-9 15,-9 1-15,-6 0 16,-9 8 0,1 7-16,-8 0 15,0 0-15,8-8 16,7 1-16,0-8 16,8-1-1,-38 39-15</inkml:trace>
-  <inkml:trace contextRef="#ctx0" brushRef="#br0" timeOffset="56698.5">7892 6373 0,'0'0'0,"0"0"16,0 0-1,0 0-15,16-8 16,6 1-16,8-9 16,8-14-1,15-8-15,0-16 16,-8 8-16,8 1 15,8-1-15,-1 0 16,1 0 0,-16 8-16,-7 8 15,-38 30-15</inkml:trace>
-  <inkml:trace contextRef="#ctx0" brushRef="#br0" timeOffset="57391.35">9215 6541 0,'0'0'0,"8"-8"16,7-7-1,8-8-15,37-23 16,23-7-16,-7-1 16,-8-7-16,15-7 15,23-16 1,-30 7-16,-76 77 15</inkml:trace>
-  <inkml:trace contextRef="#ctx0" brushRef="#br0" timeOffset="58174.47">12398 6304 0,'0'0'16,"0"0"-1,0 0-15,0 0 16,0 0-16,0 0 16,0 0-16,8 8 15,-1-1 1,1 1-16,-1-8 16,16-8-16,7-22 15,38-54-15,15-46 16,1-15-1,-31 31-15,-1-8 16,-6 30-16,-46 92 16</inkml:trace>
-  <inkml:trace contextRef="#ctx0" brushRef="#br0" timeOffset="61935.8">3568 8724 0,'0'0'16,"0"0"-16,0 0 16,0 0-16,8-8 15,7 0-15,0 1 16,8-1 0,-1 0-16,9-7 15,-1 8-15,0-1 16,0 0-16,8 1 15,0-1 1,7 0-16,1 1 16,-1 7-16,0 0 15,1-8 1,-16 8-16,15 0 16,1-7-16,14-1 15,8 0-15,-7 8 16,-1-7-1,-7 7-15,15-8 16,-7 8-16,-8 0 16,-8 0-1,0 8-15,-15-8 16,-7 7-16,0 1 16,7 0-16,8-1 15,0 1 1,-1-1-16,9 1 15,-8 0-15,-1-1 16,1 1-16,-8 0 16,1-1-1,-9 1-15,9-1 16,-9 1-16,9 0 16,-1-8-1,-8 0-15,1 0 16,-8 0-16,-7 0 15,-1 0-15,1 0 16,0 0 0,-1 0-16,1-8 15,-1 0-15,8 1 16,0-1-16,-7-7 16,7 0-1,0-8-15,-7 0 16,7-8-16,0-7 15,-7-8-15,-1 1 16,8-1 0,-7 8-16,-1-1 15,1-6-15,0-1 16,-1-8 0,1 1-16,-1 15 15,1 0-15,-1 15 16,1 0-1,-8 8-15,0 7 16,0 0-16,0 1 16,0 7-16,0 0 15,0 0 1,0-8-16,-8 1 16,-7-1-16,-7 0 15,-9 1-15,-7 7 16,-7 0-1,0-8-15,-1 0 16,1 1-16,0-1 16,-16 0-1,-7 1-15,0-1 16,0 1-16,23-1 16,-16-7-16,-7-1 15,-7 1 1,-1 0-16,8 0 15,0 7-15,0 0 16,0 1-16,0 7 16,15 0-1,8 0-15,7 0 16,7 0-16,-6 0 16,6 0-16,1 0 15,8 0 1,-1 0-16,0 7 15,1 1-15,-1 0 16,0 7-16,8 0 16,0 16-1,-8 22-15,8 23 16,8-7-16,7 0 16,0-16-1,0 16-15,0 7 16,7-7-16,1-8 15,-1-15-15,1 0 16,-1 7 0,8 0-16,-15-53 15</inkml:trace>
-  <inkml:trace contextRef="#ctx0" brushRef="#br0" timeOffset="63242.61">6713 8602 0,'0'0'0,"0"0"15,0 0 1,0 0-16,0 0 15,8 7-15,-1 1 16,8-1-16,0 9 16,8-1-1,7 8-15,8 0 16,0 0-16,0 0 16,-8-1-1,0-6-15,-7 7 16,0-8-16,7 0 15,8 0-15,7-7 16,8 0 0,0-1-16,0 1 15,-8-8-15,1 0 16,-1-8-16,0 8 16,-7 0-1,-8 0-15,0 0 16,-7-7-16,-8 7 15,0 0 1,-7 0-16,0 0 16,-8 0-16,0 0 15,0 0-15,0 0 16,0 0 0,0 0-16,0 0 15,0 0-15</inkml:trace>
-  <inkml:trace contextRef="#ctx0" brushRef="#br0" timeOffset="63969.68">6879 8525 0,'0'0'0,"0"0"15,0 0-15,-7 0 16,-1 0-16,1 8 15,-1-1 1,1 1-16,-8 7 16,-1 16-16,1 15 15,0 7-15,8-7 16,-1-8 0,0-15-16,8-8 15,0 0-15,0 1 16,0-9-1,0-7-15,0 0 16,0 0-16,0 0 16,0 0-16,0 0 15,0-15 1,0-8-16,8-7 16,0-8-16,7-1 15,0 16-15,0 8 16,0 0-1,-7 7-15,-1 1 16,8-1-16,-7 0 16,-1 8-1,9 0-15,-1 0 16,0 0-16,0 8 16,-8 0-16,1-8 15,0 7 1,-1 1-16,-7-8 15,0 8-15,0-1 16,0 1 0,-7-1-16,-1 9 15,0-9-15,-7 1 16,-7 0-16,22-8 16</inkml:trace>
-  <inkml:trace contextRef="#ctx0" brushRef="#br0" timeOffset="65335.42">6260 7663 0,'0'0'16,"0"0"-16,-8 0 16,-7 0-16,0-8 15,0 0 1,-8 1-16,0-1 15,1 8-15,6 0 16,-6 0 0,-1 0-16,0 0 15,1 8-15,-9 7 16,-6 0-16,-1 8 16,0 8-16,0-1 15,8 1 1,0-1-16,0 9 15,-1 6-15,16 1 16,0 15 0,0-15-16,7 0 15,1-8-15,-1 8 16,8 7-16,8 1 16,-1-1-1,9-7-15,-1-8 16,7 0-16,9 0 15,-1 0 1,8-7-16,-1 7 16,1 0-16,0-7 15,-8 7-15,8-7 16,7-1 0,1 1-16,-1-9 15,0 1-15,-7-7 16,-7-9-16,-9-7 15,16 0 1,22-7-16,16-16 16,-8-8-16,0-7 15,-22 8-15,-1-9 16,-7 9 0,-1-1-16,1-7 15,-7 0-15,6-15 16,-14-1-1,0 1-15,-8 15 16,-8-8-16,1 0 16,-16 0-1,-7-15-15,0 8 16,-8-8-16,1 7 16,-8 8-16,-1 8 15,1-8 1,-8 8-16,-15 0 15,-7 0-15,-8 0 16,15 15-16,-8 0 16,-22 15-1,-38 24-15,8 22 16,113-38-16</inkml:trace>
-  <inkml:trace contextRef="#ctx0" brushRef="#br0" timeOffset="72260.63">9525 5190 0,'0'0'0,"0"0"15,0 0 1,0 0-16,0 0 15,0 0-15,0 0 16,0 0 0,0 0-16,0 0 15,0 0-15,0 0 16,0 0-16,0 0 16,0 0-16,-7 8 15,-16 7 1,0 8-16,-7 7 15,-15 8-15,-1 8 16,9 8 0,-1 7-16,0-16 15,0-6-15,0-9 16,8-7 0,0 0-16,7-8 15,8-7-15,0-1 16,15-7-16</inkml:trace>
-  <inkml:trace contextRef="#ctx0" brushRef="#br0" timeOffset="72653.6">9125 5259 0,'0'0'0,"0"0"15,0 0-15,7 0 16,8 7 0,0 1-16,-7-1 15,0 1-15,7 0 16,-8 7-16,8 8 15,1 7 1,6 9-16,1-1 16,7 8-16,0-16 15,1 1 1,6-8-16,-6-1 16,-1-6-16,-7-1 15,-8-7-15,0-1 16,0 1-1,-8-8-15,-7 0 16</inkml:trace>
-  <inkml:trace contextRef="#ctx0" brushRef="#br0" timeOffset="73103.17">9404 5175 0,'0'0'0,"0"0"16,0 0-1,0 0-15,0 0 16,0 0-16,0 0 16,8 7-16,0 1 15,-1 0 1,1 7-16,-1 8 16,1 0-16,-1-1 15,1 24-15,-1 0 16,-7 8-1,0-9-15,0-7 16,0-7-16,0-8 16,0-8-1,0 0-15,0-7 16,0 0-16,0-1 16,0-7-1</inkml:trace>
-  <inkml:trace contextRef="#ctx0" brushRef="#br0" timeOffset="73480.12">9170 5396 0,'0'0'16,"0"0"-1,0 0-15,0 0 16,0 8-16,8 7 15,-1 0-15,8-7 16,0-1-16,23 9 16,23-9-1,7 1-15,0-8 16,-15 0-16,22 0 16,-75 0-1</inkml:trace>
-  <inkml:trace contextRef="#ctx0" brushRef="#br0" timeOffset="95552.56">3591 9952 0,'0'0'16,"0"0"-16,0 0 15,0 0-15,0 0 16,0 0-16,7 0 15,1 0 1,0 0-16,-1 0 16,8 0-16,-7 0 15,7 0 1,0 0-16,0 0 16,0 0-16,8 0 15,-8 0 1,8 0-16,-1 0 15,1 0-15,7 0 16,1 0-16,6 0 16,1 0-16,8 0 15,-9 0 1,1 0-16,-8 0 16,1 0-16,6 0 15,9 0 1,7 8-16,0-8 15,7 8-15,-7-8 16,0 7-16,0-7 16,7 8-1,1 0-15,-8-1 16,0 1-16,-16-8 16,1 0-16,8 7 15,7 1 1,-1 0-16,9-1 15,-8 1-15,7 0 16,-7-1 0,8 1-16,-1-8 15,8 8-15,-15-8 16,0 0-16,-15 0 16,0 0-1,7 7-15,0-7 16,8 0-16,-7 0 15,-1 0-15,0 0 16,1 0 0,-1 0-16,-7 0 15,0 0-15,0 0 16,-8 0 0,0 0-16,-7 0 15,-1 0-15,9 0 16,-9-7-16,1-1 15,0 0 1,-8 8-16,-8 0 16,1-7-16,-1-1 15,1 0-15,0 8 16,-1 0 0,1-7-16,-1-1 15,1 8-15,-1 0 16,1-8-1,-8 8-15,7-7 16,1-8-16,0-1 16,-1-14-16,1-8 15,-1-8 1,1 8-16,-1-8 16,1 8-16,0-8 15,-1 0-15,1-7 16,-1-1-1,1 1-15,-1 7 16,-7 0-16,8-7 16,-1-1-1,-7 1-15,0 0 16,0 14-16,0 9 16,0 7-16,0 8 15,0-1 1,0 9-16,0-1 15,0 1-15,0 7 16,0 0 0,0 0-16,0-8 15,-7 0-15,-1 1 16,1-1-16,-8 0 16,0 1-1,-1-1-15,1 8 16,-7-8-16,-9 8 15,-6-7-15,-16-1 16,0 1 0,0-1-16,0 8 15,0-8-15,0 1 16,-15-1 0,0 0-16,0 1 15,0-1-15,-8 1 16,1-1-16,-1-7 15,-7 7 1,7 0-16,1 1 16,-1-1-16,1 0 15,7 1-15,7-1 16,-7 1 0,-8-1-16,1 0 15,7 1-15,7-1 16,1 0-1,-1 1-15,8-1 16,0 1-16,1-1 16,14 0-16,0 1 15,8 7 1,-1-8-16,1 0 16,0 1-16,0 7 15,0-8 1,7 8-16,0 0 15,1 0-15,6 0 16,1 0-16,0 0 16,8 0-1,-1 0-15,8 0 16,0 0-16,0 0 16,-8 8-16,1-1 15,-1 9 1,8 7-16,0 15 15,0-8-15,0 8 16,0 8-16,-7 15 16,-1 8-1,1 0-15,-1-16 16,1-7-16,-1 7 16,-7 16-1,7-16-15,1 1 16,7-1-16,0-15 15,7-7 1,1-1-16,7 1 16,-15-31-16</inkml:trace>
-  <inkml:trace contextRef="#ctx0" brushRef="#br0" timeOffset="97986.52">6433 9945 0,'0'0'0,"0"0"16,0 0 0,0 0-16,0 0 15,8 0-15,0 0 16,7 0-1,7 0-15,1 0 16,7 0-16,8 0 16,0 0-16,0 7 15,15 1 1,7 0-16,8-1 16,8 1-16,-23-8 15,15 0-15,15 0 16,8 0-1,-1 0-15,9 0 16,14 0-16,8 0 16,-46 8-1,31-1-15,23 1 16,-16-1-16,16 9 16,-8-1-16,-31 0 15,24 1 1,14-1-16,-14 0 15,-1 0-15,23 1 16,-30-9 0,-23 1-16,38 7 15,-23 0-15,-14 1 16,-9-1-16,8 0 16,0 0-1,-14-7-15,-24 0 16,-7-1-16,7 1 15,0 0-15,1-1 16,-1 1 0,-7-8-16,0 0 15,-8 0-15,-7-8 16,-1 1-16,-7-1 16,1 0-1,-1 1-15,7-9 16,-7-6-16,1-1 15,-1 0 1,0-8-16,-8 1 16,1-1-16,0 1 15,-1-9-15,1 1 16,-8-7 0,0-1-16,0 0 15,0 8-15,0 0 16,-8-8-16,1 0 15,7 0 1,-8 0-16,8 8 16,0 0-16,-8 8 15,1-1 1,7 8-16,-8 0 16,8 0-16,0 8 15,-7 0-15,-1 0 16,1-1-1,-1 1-15,0 0 16,1 0-16,-1-1 16,-7 1-1,-7 0-15,-1-8 16,-7 0-16,-1 0 16,-6 0-16,-1 0 15,-8 0 1,-14 0-16,-16 1 15,-14-1-15,-9 0 16,-6 7-16,-1 1 16,15 8-1,8-1-15,-31 0 16,-14 1-16,15-1 16,-16 0-1,0 8-15,24 0 16,-47 0-16,16 0 15,-7 0 1,7 8-16,37 0 16,-37-1-16,-7 1 15,22-8-15,-8 0 16,1 0 0,45-8-16,-38 1 15,-8 7-15,23-8 16,0 0-16,1 8 15,14 0 1,38 0-16,8 0 16,-8 8-16,0 0 15,7 7-15,-7 15 16,0 24 0,8 30-16,45-84 15</inkml:trace>
-  <inkml:trace contextRef="#ctx0" brushRef="#br0" timeOffset="149536.78">3772 9731 0,'0'0'0,"0"0"0,8 0 0,294 23 16,-249-8-16,0 0 15,8-7-15,7 0 16,-8-1-16,-7-7 16,15-7-1,0-1-15,8 0 16,-1 8-16,-7-7 16,0 7-1,16 0-15,-1 0 16,0 7-16,-15-7 15,15 0-15,0 0 16,0 8 0,-15-8-16,-7 0 15,-1 0-15,1 0 16,-8 0-16,-8 0 16,-7 0-1,-8 0-15,0 0 16,-7 8-16,0-8 15,-1 7-15,1 1 16,0-8 0,-8 0-16,0 0 15,-7 0-15,-1 0 16,1 0 0,-8 0-16,7 0 15,-7 0-15,0 0 16,8 8-1,-1-8-15,9 7 16,-16-7-16</inkml:trace>
-  <inkml:trace contextRef="#ctx0" brushRef="#br0" timeOffset="160619.6">17682 8006 0,'0'0'0,"0"0"16,-7-7-16,-1-1 15,1 0 1,-1 1-16,-7-9 15,0 9-15,-8-1 16,-7 1-16,-8-1 16,0 0-1,1 8-15,6 0 16,1 8-16,7 0 16,8 7-1,0 0-15,8 0 16,7 1-16,0-1 15,7 8-15,8 0 16,0 0 0,8-1-16,0 1 15,0 0-15,-8-8 16,0 1 0,-8 14-16,1 1 15,-8 7-15,-8-8 16,-7 9-16,-7-1 15,-16-8 1,-8-7-16,9 0 16,6-8-16,1-7 15,-8 0 1,0-1-16,1 1 16,14-8-16,0 0 15,23 0-15</inkml:trace>
-  <inkml:trace contextRef="#ctx0" brushRef="#br0" timeOffset="161600.06">18265 7991 0,'0'0'16,"0"0"-16,0 0 15,0 0-15,0 0 16,0 0 0,0 0-16,0 0 15,-8-8-15,0 1 16,-7-1-1,-7 0-15,-1 1 16,-7-1-16,-1 8 16,-6 8-1,6 7-15,1 0 16,7 1-16,8 6 16,0-6-16,8-1 15,-1 0 1,8 1-16,0-9 15,0 1-15,0-1 16,8 1-16,7 0 16,0-1-1,8 1-15,-8-8 16,-8 0-16,1 0 16,-8 0-16,0 0 15,-8 8 1,-7-1-16,0 8 15,-8 1 1,8 7-16,-7 0 16,6 7-16,1-7 15,0 0-15,8 0 16,-1 0 0,8 0-16,0-1 15,8 1-15,-1 0 16,1-8-16,14 1 15,1-1 1,15 0-16,7-7 16,1-8-16,-9-8 15,1-7 1,-8-8-16,1 0 16,-31 23-16</inkml:trace>
-  <inkml:trace contextRef="#ctx0" brushRef="#br0" timeOffset="162055.2">18620 7945 0,'0'0'0,"0"0"16,0 0-16,0 23 16,-8 15-16,1 8 15,-8 7 1,-1 1-16,-6 7 16,-1-8-16,0 1 15,8-16 1,8-8-16,-1-7 15,1-7-15,7-1 16,0 0-16,7-7 16,8-1-1,16 1-15,-9-8 16,1 0-16,0-8 16,7 1-1,8-9-15,-8 9 16,0-1-16,0 1 15,-15-1-15,1 0 16,-9 1 0,-7 7-16</inkml:trace>
-  <inkml:trace contextRef="#ctx0" brushRef="#br0" timeOffset="162695.18">19504 7991 0,'0'0'0,"0"0"15,0 0-15,0 0 16,0 0-16,0 0 15,-15-8 1,0 1-16,-8-1 16,8 8-16,0 0 15,-8 8-15,1 7 16,-16 15 0,8 9-16,7-1 15,8-8-15,7-7 16,8 0-1,8 0-15,0-8 16,-1 1-16,1-9 16,-8-7-16,0 0 15,0 0 1,0 0-16,0 0 16,0 0-16,0 0 15,0 0 1,-8 0-16,-7 0 15,-8 8-15,-7 7 16,0 0-16,0 8 16,7 0-1,8 0-15,7 0 16,8 0-16,8-8 16,14 8-1,16 0-15,0-8 16,-8-7-16,-7-1 15,-8 1-15,0-8 16,-7 0 0,7 0-16,8-15 15,-23 15-15</inkml:trace>
-  <inkml:trace contextRef="#ctx0" brushRef="#br0" timeOffset="163084.19">20034 8006 0,'0'0'16,"0"0"0,0 0-16,0 0 15,0 0-15,0 0 16,-8 0-16,-15 0 15,-15 0 1,8 0-16,0 0 16,0 15-16,0 1 15,-1 14 1,9 8-16,6 1 16,9 14-16,-1 8 15,16-15-15,7-8 16,0-7-1,8-9-15,15 1 16,-1-7-16,1-1 16,-8-15-16,-7 0 15,7-23 1,-30 23-16</inkml:trace>
-  <inkml:trace contextRef="#ctx0" brushRef="#br0" timeOffset="163473.39">20457 7960 0,'0'0'0,"15"0"16,23 0-1,7-7-15,1 7 16,-16 0-16,-8 0 16,-6 0-1,-9 0-15,-7 0 16,0 0-16,0 0 16</inkml:trace>
-  <inkml:trace contextRef="#ctx0" brushRef="#br0" timeOffset="163694.57">20472 8021 0,'0'0'16,"0"0"-16,0 8 16,0 30-16,0 31 15,0 38 1,0-8-16,0-46 15,0-14-15,0-17 16,0-6 0,0-16-16,0 0 15,0 0-15</inkml:trace>
-  <inkml:trace contextRef="#ctx0" brushRef="#br0" timeOffset="164017.69">21583 7892 0,'0'0'15,"0"0"-15,-7 7 16,-8 24 0,-23 38-16,-23 7 15,8-15-15,-15 15 16,23-15 0,7-15-16,16-8 15,-1-15-15,8-8 16,0-15-16,15 0 15</inkml:trace>
-  <inkml:trace contextRef="#ctx0" brushRef="#br0" timeOffset="164215.69">21319 8151 0,'0'0'0,"0"0"16,22 15-16,31 31 16,0 23-16,0 0 15,8-1-15,-16-22 16,-45-46 0</inkml:trace>
-  <inkml:trace contextRef="#ctx0" brushRef="#br0" timeOffset="164928.31">22558 7892 0,'0'0'16,"0"0"-16,8 15 16,0 23-1,7 31-15,-8 15 16,-7 0-16,0 0 15,0-31-15,0-15 16,0-15 0,0-23-16</inkml:trace>
-  <inkml:trace contextRef="#ctx0" brushRef="#br0" timeOffset="165225.29">22249 7831 0,'0'0'0,"0"0"16,0 0-1,0 0-15,0 0 16,15 0-16,15 0 15,8 0 1,7-8-16,8 0 16,-8-7-16,1 0 15,7 0 1,7-8-16,16 0 16,-76 23-16</inkml:trace>
-  <inkml:trace contextRef="#ctx0" brushRef="#br0" timeOffset="165566.41">22490 7976 0,'0'0'0,"0"0"16,16 7-16,6 1 15,16 0-15,7-1 16,8 1-1,0-8-15,0-8 16,-7-7-16,-16 0 16,0-1-1,-30 16-15</inkml:trace>
-  <inkml:trace contextRef="#ctx0" brushRef="#br0" timeOffset="166219.21">23262 7655 0,'0'0'0,"0"0"15,0 23 1,-16 23-16,1 15 16,0 23-16,-15 23 15,7-31-15,8-23 16,0-14-1,7-9-15,1-7 16,-1 0-16,1-8 16,7-7-1,0-1-15,0-7 16,0 0-16,0 0 16</inkml:trace>
-  <inkml:trace contextRef="#ctx0" brushRef="#br0" timeOffset="166742.59">23284 7693 0,'0'0'0,"0"0"16,0 0-16,0 0 16,0 0-1,0 0-15,15 0 16,8-7-16,7 7 16,8-8-1,-8 8-15,1 0 16,-1 8-16,-8 7 15,1 0-15,-8 0 16,-7 8 0,-8 0-16,0 0 15,-8-8-15,-7 8 16,8-7-16,-1-1 16,0-8-1,1 1-15,7 0 16,0-1-16,15 16 15,23 0 1,0 0-16,-8-8 16,0-7-16,-7 0 15,-1-1 1,-6-7-16,-1 0 16,-8 0-16,1 0 15,-8 0-15</inkml:trace>
-  <inkml:trace contextRef="#ctx0" brushRef="#br0" timeOffset="167159.59">24055 7632 0,'0'0'15,"0"0"-15,0 0 16,-7 8-16,-8 7 16,-8 16-16,-7 22 15,7-7 1,0 15-16,8 8 16,8-8-16,14-16 15,8-14 1,1-8-16,-1-15 15,0-8-15,7-8 16,1-7-16,0-8 16,-1-8-1,-6 1-15,-9-8 16,1-1-16,-8-6 16,-8-1-1,1 8-15,-1 7 16,0 16-16,1 0 15,-1-1-15,8 16 16</inkml:trace>
-  <inkml:trace contextRef="#ctx0" brushRef="#br0" timeOffset="167820.56">24441 7670 0,'0'0'0,"0"8"16,0 15-16,0 15 16,0 8-1,0 7-15,0 1 16,0-24-16,0-7 15,0-8 1,0-7-16,0 0 16,0-8-16,0 0 15,0 0-15,0 0 16,0 0 0,0-8-16,0-7 15,0-8-15,0 0 16,0 0-16,0 0 15,0 8 1,0 7-16,0 8 16,0 0-16,0 0 15,0 0 1,0 8-16,0 0 16,7 7-16,1-8 15,7 1 1,8 0-16,7-8 15,8-8-15,7-7 16,-7-8-16,-8 0 16,0-8-1,-7 9-15,-8 6 16,-7 1-16,-1 7 16,-7 8-16,0 0 15,0 23 1,-7 31-16,-1 37 15,1-7-15,-1-23 16,1-15 0,7-8-16,0-15 15,0-23-15</inkml:trace>
-  <inkml:trace contextRef="#ctx0" brushRef="#br0" timeOffset="185618.09">13177 10227 0,'0'0'0,"0"0"16,0 0-1,0 0-15,0 0 16,0 8-16,-8 15 16,1 7-16,-8 16 15,-1 15 1,-29 46-16,7-31 15,8 1 1,0 7-16,-8-1 16,15-6-16,8-24 15,0-7-15,7-8 16,1-15-16,7 0 16,0-8-1,0-7-15,0-1 16,7 1-16,9 7 15,37 1 1,-8-9-16,0 1 16,-7-8-16,-8 0 15,1 0 1,-9 0-16,1 0 16,-8 0-16,-15 0 15,0 0-15</inkml:trace>
-  <inkml:trace contextRef="#ctx0" brushRef="#br0" timeOffset="187220.81">13532 10662 0,'0'0'0,"0"0"15,0 0 1,0 0-16,0 0 15,0 0-15,8 8 16,-1-1-16,-7-7 16,8 8-1,-1 0-15,8-1 16,1 1-16,-16-8 16</inkml:trace>
-  <inkml:trace contextRef="#ctx0" brushRef="#br0" timeOffset="187413.81">13585 10868 0,'0'0'15,"0"0"-15,15 8 16,-15-8-16</inkml:trace>
-  <inkml:trace contextRef="#ctx0" brushRef="#br0" timeOffset="188214.24">14734 10082 0,'0'0'15,"0"0"-15,0 0 16,-7 0 0,-16 0-16,-15 0 15,-15-7-15,-7-1 16,-1 8-1,16 0-15,7 0 16,8 8-16,7-1 16,-7 1-16,0 7 15,7 16 1,0 7-16,8 8 16,0-1-16,7 1 15,16 8 1,0 14-16,-1 9 15,8-9-15,-7 1 16,-1 0-16,8 30 16,-7-15-1,0-16-15,-1-6 16,-7-9-16,8-7 16,-8-8-1,7-8-15,1 1 16,7-8-16,8 0 15,14 7-15,24-14 16,-8-9 0,-8 1-16,1-8 15,-1-8-15,8 1 16,-53 7 0</inkml:trace>
-  <inkml:trace contextRef="#ctx0" brushRef="#br0" timeOffset="191039.46">15309 10441 0,'0'0'16,"0"0"-16,0 0 16,0 0-1,0 0-15,0 0 16,0 0-16,-8 15 16,-7 16-16,-8 7 15,1 0 1,-1 0-16,0 0 15,1 8-15,-1 0 16,0-8 0,1 8-16,6-8 15,1 0-15,8-7 16,-1-8-16,1-1 16,7-6-1,0-9-15,0 1 16,0-8-16,7 0 15,16-23 1,-23 23-16</inkml:trace>
-  <inkml:trace contextRef="#ctx0" brushRef="#br0" timeOffset="191352.96">15377 10342 0,'0'0'0,"0"0"15,0 0 1,0 0-16,0 0 16,0 0-16,0 0 15,0 7-15,7 1 16,1 15 0,-1 23-16,1 7 15,7 16-15,-7-16 16,7-15-1,-8 0-15,8-7 16,-7 0-16,7-9 16,-7-6-16,-1-9 15,1 1 1,-1 0-16,-7-8 16,0 0-16</inkml:trace>
-  <inkml:trace contextRef="#ctx0" brushRef="#br0" timeOffset="191553.57">15384 10784 0,'0'0'0,"0"0"16,0 0-16,0 0 15,15-7 1,16-1-16,6 0 15,9-7-15,-8 0 16,-1-8-16,-37 23 16</inkml:trace>
-  <inkml:trace contextRef="#ctx0" brushRef="#br0" timeOffset="191969.57">15853 10723 0,'0'0'0,"0"0"16,0 0-16,0 0 16,0 0-1,0 0-15,0 0 16,0 0-16,15-7 15,0-1 1,0 8-16,0 0 16,1 0-16,-1 8 15,-8-1-15,1 1 16,-8 7 0,0 8-16,-8 15 15,-7-7-15,0-1 16,7-7-1,1-8-15,-1 1 16,8-1-16,0 0 16,8-7-16,15 7 15,-1-7 1,16-8-16,-38 0 16</inkml:trace>
-  <inkml:trace contextRef="#ctx0" brushRef="#br0" timeOffset="192210.57">16465 10784 0,'0'0'16,"0"0"-16,0 0 15,-7 16-15,-8 37 16,-23 31-1,8-23-15,-1 0 16,1-8-16,0 1 16,15-8-1,7-16-15,8-14 16,0-16-16</inkml:trace>
-  <inkml:trace contextRef="#ctx0" brushRef="#br0" timeOffset="193098.87">17221 10235 0,'0'0'0,"0"0"16,0 15-16,-7 16 16,-8 30-1,-8 53-15,0-7 16,1-31-16,-1-22 16,0-16-16,8-15 15,0 0 1,7-16-16,8-7 15,0 0-15,0 0 16,0 0 0,8-7-16,0-16 15,7-31-15,7-22 16,-7 15 0,1 15-16,-1 0 15,0 8-15,-8 8 16,1 7-16,-1 8 15,-7 7 1,0 8-16,0 0 16,0 0-16,8 8 15,0 7 1,7 8-16,7 15 16,1 0-16,-8-7 15,0-1-15,0-7 16,-7-8-1,0-7-15,-1 0 16,-7-8-16,0 0 16,0 0-16,0 0 15,-7 0 1,-9 0-16,1 0 16,0 0-16,8 0 15,-1 7 1,1-7-16,-1 0 15,8 0-15,0 0 16,0 0 0,0 0-16,0 0 15,15-7-15,15-9 16,8 1-16,-38 15 16</inkml:trace>
-  <inkml:trace contextRef="#ctx0" brushRef="#br0" timeOffset="193333.03">17750 10655 0,'0'0'16,"0"0"-16,0 7 15,0 24 1,0 37-16,-7 24 15,7-31 1,0-23-16,0-15 16,0-15-16,0-8 15,7-8-15,-7 8 16</inkml:trace>
-  <inkml:trace contextRef="#ctx0" brushRef="#br0" timeOffset="193682.41">18423 10868 0,'0'0'0,"-7"16"16,-1 6-16,1 1 15,-1 0 1,0-8-16,1-7 16,7-8-16</inkml:trace>
-  <inkml:trace contextRef="#ctx0" brushRef="#br0" timeOffset="194354.53">18983 10212 0,'0'8'0,"-23"30"16,-7 23-1,-16 30-15,-6 24 16,14-46-16,7-24 15,9-7 1,7-15-16,0 0 16,7-7-16,0-9 15,8-7-15,0 0 16,0 0 0,0 0-16,16-23 15,14-53-15,8-8 16,-8 0-1,8-15-15,-8 15 16,0 15-16,-15 23 16,0 16-16,0 7 15,-7 8 1,0 7-16,-1 8 16,1 0-16,14 15 15,9 31 1,-1 8-16,-7-1 15,-1 0-15,1 1 16,-8-1-16,-7-7 16,-1-15-1,1-9-15,-8-6 16,0-9-16,0-7 16,0 0-1</inkml:trace>
-  <inkml:trace contextRef="#ctx0" brushRef="#br0" timeOffset="194550.53">18915 10647 0,'0'0'0,"0"0"16,0 0-16,0 0 16,0 0-1,15 0-15,0 0 16,15-15-16,16-8 15,6 8 1,1-8-16,-53 23 16</inkml:trace>
-  <inkml:trace contextRef="#ctx0" brushRef="#br0" timeOffset="194989.73">19512 10647 0,'0'0'0,"0"0"16,0 0-16,0 0 16,0 0-16,0 0 15,0 0 1,7-8-16,9 1 16,14-1-16,0 0 15,0 8 1,-7 0-16,0 0 15,-8 8-15,-8 0 16,1-1-16,-1 1 16,-7 0-1,0 7-15,0 0 16,0 0-16,0 1 16,0-1-16,0 0 15,0 0 1,0 8-16,0 0 15,0 0-15,0 15 16,-15-7 0,-15 7-16,-30 0 15,-8-7-15,30-16 16,0-15 0,0-15-16,-7-31 15,45 46-15</inkml:trace>
-  <inkml:trace contextRef="#ctx0" brushRef="#br0" timeOffset="195485.93">19965 9662 0,'0'0'0,"0"0"15,0 0-15,16 0 16,6 0-16,1 0 16,15 0-1,0 0-15,7 8 16,-7-8-16,7 8 15,-7-1 1,0 9-16,-8 14 16,0 23-16,0 24 15,-14 7-15,-9 23 16,-7 15 0,-7-23-16,-1 0 15,-7 23-15,-8-7 16,0 30-1,8-8-15,0-45 16,15-31-16,0-31 16,8-7-16,-8-15 15,0-8 1,0 0-16,-23-46 16,-15-23-16,38 69 15</inkml:trace>
-</inkml:ink>
-</file>
-
-<file path=ppt/ink/ink12.xml><?xml version="1.0" encoding="utf-8"?>
-<inkml:ink xmlns:inkml="http://www.w3.org/2003/InkML">
-  <inkml:definitions>
-    <inkml:context xml:id="ctx0">
-      <inkml:inkSource xml:id="inkSrc0">
-        <inkml:traceFormat>
-          <inkml:channel name="X" type="integer" max="3360" units="cm"/>
-          <inkml:channel name="Y" type="integer" max="1872" units="cm"/>
-          <inkml:channel name="T" type="integer" max="2.14748E9" units="dev"/>
-        </inkml:traceFormat>
-        <inkml:channelProperties>
-          <inkml:channelProperty channel="X" name="resolution" value="114.28571" units="1/cm"/>
-          <inkml:channelProperty channel="Y" name="resolution" value="112.77109" units="1/cm"/>
-          <inkml:channelProperty channel="T" name="resolution" value="1" units="1/dev"/>
-        </inkml:channelProperties>
-      </inkml:inkSource>
-      <inkml:timestamp xml:id="ts0" timeString="2020-09-24T17:31:03.819"/>
-    </inkml:context>
-    <inkml:brush xml:id="br0">
-      <inkml:brushProperty name="width" value="0.05292" units="cm"/>
-      <inkml:brushProperty name="height" value="0.05292" units="cm"/>
-      <inkml:brushProperty name="color" value="#FF0000"/>
-    </inkml:brush>
-  </inkml:definitions>
-  <inkml:trace contextRef="#ctx0" brushRef="#br0">3289 7632 0,'0'0'0,"0"0"15,0 0-15,15-7 16,0-1 0,0 0-16,0 1 15,0 7-15,0-8 16,-7 8-16,7 0 16,0 0-1,8 0-15,7 0 16,23 0-16,15 0 15,0 8 1,-8-1-16,8 1 16,23 7-16,7 0 15,-22 1-15,7-1 16,46 8 0,-8 0-16,0 0 15,15-8-15,-23 8 16,-7-8-16,22 0 15,-14-7 1,-8 0-16,22-1 16,-14-7-16,-31 0 15,8 0 1,7-7-16,-15-1 16,-15 8-16,-8-8 15,-7 1-15,0 7 16,-7 0-1,-1 7-15,0 1 16,-7 0-16,-8 7 16,1 8-16,-31-23 15</inkml:trace>
-  <inkml:trace contextRef="#ctx0" brushRef="#br0" timeOffset="3492.58">8815 9113 0,'0'0'0,"7"0"16,8 0-16,8-8 16,15 1-16,30-1 15,0-7 1,-8 7-16,-14 0 16,-1 1-16,23 7 15,30-8-15,-14 8 16,-16 0-1,30 0-15,8 0 16,-15 8-16,-39-8 16,16 0-16,8 0 15,7 0 1,-22-8-16,-8 8 16,-8-7-16,-7 7 15,0 0 1,-8-8-16,0 0 15,0 8-15,-7 0 16,0 0 0,-16 0-16,-7 0 15</inkml:trace>
-  <inkml:trace contextRef="#ctx0" brushRef="#br0" timeOffset="4974.32">8648 10471 0,'0'0'0,"0"0"16,0 0-16,0 0 15,0 0-15,0 0 16,0 0-1,0 0-15,0 0 16,8 0-16,0 0 16,7 0-1,0 0-15,7 8 16,1 0-16,0-8 16,0 7-16,-1 1 15,1 0 1,7-8-16,8 7 15,0 1-15,7-1 16,0 1 0,-7-8-16,0 0 15,-8 0-15,-7 0 16,0 0-16,14 0 16,9 0-1,7-8-15,0 1 16,0-1-16,-8 1 15,0-1-15,1 0 16,7 8 0,-1-7-16,9-1 15,-8 8-15,-8 0 16,-7 0-16,-8 0 16,0 0-1,16 0-15,-1 0 16,8-8-16,0 8 15,0 0-15,-8 0 16,1 0 0,-1 0-16,8 0 15,0 0-15,7 0 16,-7 0 0,-7 0-16,-1 0 15,8 0-15,7 0 16,8 0-16,0 0 15,0 0 1,-15-7-16,23-1 16,0 0-16,-1 1 15,-14-1 1,-8 8-16,7-7 16,8-1-16,0 8 15,-7-8-15,-8 8 16,-8-7-1,0-1-15,1 8 16,-1 0-16,0 0 16,1 0-16,-8 0 15,-1 0 1,-6 0-16,-9 0 16,1 8-16,0-8 15,-1 7 1,1 1-16,0-8 15,-1 8-15,1-1 16,-23-7-16</inkml:trace>
-</inkml:ink>
-</file>
-
-<file path=ppt/ink/ink13.xml><?xml version="1.0" encoding="utf-8"?>
-<inkml:ink xmlns:inkml="http://www.w3.org/2003/InkML">
-  <inkml:definitions>
-    <inkml:context xml:id="ctx0">
-      <inkml:inkSource xml:id="inkSrc0">
-        <inkml:traceFormat>
-          <inkml:channel name="X" type="integer" max="3360" units="cm"/>
-          <inkml:channel name="Y" type="integer" max="1872" units="cm"/>
-          <inkml:channel name="T" type="integer" max="2.14748E9" units="dev"/>
-        </inkml:traceFormat>
-        <inkml:channelProperties>
-          <inkml:channelProperty channel="X" name="resolution" value="114.28571" units="1/cm"/>
-          <inkml:channelProperty channel="Y" name="resolution" value="112.77109" units="1/cm"/>
-          <inkml:channelProperty channel="T" name="resolution" value="1" units="1/dev"/>
-        </inkml:channelProperties>
-      </inkml:inkSource>
-      <inkml:timestamp xml:id="ts0" timeString="2020-09-24T17:32:47.958"/>
-    </inkml:context>
-    <inkml:brush xml:id="br0">
-      <inkml:brushProperty name="width" value="0.05292" units="cm"/>
-      <inkml:brushProperty name="height" value="0.05292" units="cm"/>
-      <inkml:brushProperty name="color" value="#FF0000"/>
-    </inkml:brush>
-    <inkml:context xml:id="ctx1">
-      <inkml:inkSource xml:id="inkSrc15">
-        <inkml:traceFormat>
-          <inkml:channel name="X" type="integer" max="3200" units="cm"/>
-          <inkml:channel name="Y" type="integer" max="1800" units="cm"/>
-          <inkml:channel name="T" type="integer" max="2.14748E9" units="dev"/>
-        </inkml:traceFormat>
-        <inkml:channelProperties>
-          <inkml:channelProperty channel="X" name="resolution" value="108.84354" units="1/cm"/>
-          <inkml:channelProperty channel="Y" name="resolution" value="109.09091" units="1/cm"/>
-          <inkml:channelProperty channel="T" name="resolution" value="1" units="1/dev"/>
-        </inkml:channelProperties>
-      </inkml:inkSource>
-      <inkml:timestamp xml:id="ts1" timeString="2020-09-24T17:34:39.049"/>
-    </inkml:context>
-  </inkml:definitions>
-  <inkml:trace contextRef="#ctx0" brushRef="#br0">2774 5434 0,'0'0'15,"0"0"-15,0 0 0,76 0 16,-46 0-16,1 0 16,-9 0-16,1 0 15,0 0 1,7 0-16,0 0 15,0-7-15,1-1 16,6 0-16,16 1 16,0-1-1,0 0-15,-8 1 16,-14 7-16,6 0 16,1-8-16,8 0 15,7 8 1,-1-7-16,1-1 15,-7 8-15,-1-7 16,0 7 0,-7 0-16,0 0 15,0 0-15,-8-8 16,0 8-16,-7 0 16,0 0-1,-1 0-15,-6 0 16,-1 0-16,0 0 15,-8 0-15,1 0 16,-1 0 0,-7 0-16,0 0 15,0 0-15,0 0 16,0 0 0,0 0-16,0 0 15,0 0-15,8 0 16,0 0-16,-1-8 15,1 1 1,-1-1-16,1 0 16,-1-7-16,1 0 15,-1-8-15,1 0 16,0 0 0,-1-7-16,1 7 15,-1 0-15,1 0 16,-1-8-1,1 9-15,-1-1 16,1 0-16,0 0 16,7 0-16,0 0 15,-8 8 1,9-8-16,-9 8 16,1-1-16,-1 9 15,-7 7-15,0 0 16,0 0-1,0 0-15,0 0 16,0 0-16,0 0 16,0 0-1,0 0-15,0 0 16,0 0-16,0 0 16,0-8-16,-7 0 15,-1 1 1,-7-1-16,0 1 15,0-1-15,-8 0 16,-7 1-16,-8-9 16,-7 1-1,-1 7-15,-7 1 16,-7-8-16,-1-1 16,-7 9-1,0-1-15,-7 0 16,7 1-16,15-1 15,-8 8-15,-7 0 16,0 0 0,0 0-16,0 8 15,8-8-15,7 0 16,7 0-16,1 0 16,7 0-1,8 0-15,7-8 16,1 1-16,-1 7 15,8 0-15,0 0 16,0 0 0,7 0-16,0 0 15,1 0 1,-1 0-16,1 0 16,-1 7-16,-7 8 15,0 16-15,-8 15 16,1 0-1,-1 15-15,0 7 16,1 16-16,-1 0 16,0-15-16,1 0 15,-1 22 1,23-91-16</inkml:trace>
-  <inkml:trace contextRef="#ctx0" brushRef="#br0" timeOffset="1898.72">3833 5823 0,'0'0'0,"0"0"15,0 0 1,0 0-16,0 0 16,0 0-16,7 0 15,1 0 1,7 0-16,8-7 15,15 7-15,14-8 16,1 8-16,-7 0 16,14-8-1,31 1-15,15-1 16,-16 1-16,-6-1 16,21 0-1,-14 1-15,-23-1 16,0 0-16,15 1 15,23-8-15,-7-1 16,-1 1 0,15 7-16,1-7 15,-39 7-15,24 1 16,14-8-16,-7 7 16,-23 0-1,15-7-15,0 0 16,-30 0-16,-15 7 15,-15 0 1,8-7-16,6-8 16,1 8-16,-7 0 15,-8-1-15,-8 1 16,-8 7 0,-6 1-16,-16 7 15</inkml:trace>
-  <inkml:trace contextRef="#ctx0" brushRef="#br0" timeOffset="2562.32">3644 6144 0,'0'0'0,"15"0"16,15 0-16,8 0 15,7 0-15,16 8 16,30-1 0,-1 8-16,-22-7 15,23 7-15,53 1 16,-39-9-16,39 1 15,15 0 1,-53-8-16,75 7 16,-52-7-16,29 8 15,1-1-15,-76 1 16,61 0 0,-8-1-16,-45-7 15,37-15-15,-22 0 16,-23-23-16,-83 38 15</inkml:trace>
-  <inkml:trace contextRef="#ctx0" brushRef="#br0" timeOffset="3160.99">3387 6693 0,'0'0'16,"0"0"-16,7-7 16,16-1-1,22 1-15,39 7 16,14 0-16,-7 7 15,52 24 1,8-1-16,-15 16 16,69 23-16,-32-23 15,32-8-15,-24-23 16,31-7 0,37-16-16,-83-7 15,-7-1-15</inkml:trace>
-  <inkml:trace contextRef="#ctx0" brushRef="#br0" timeOffset="7455.47">3818 7976 0,'0'0'0,"0"0"16,0 0-16,0 0 15,7 0 1,8 0-16,1 0 16,-1 0-16,7 0 15,1 0-15,7-8 16,8 0 0,-8 1-16,1-1 15,-9 1-15,1-1 16,-8 8-16,0-8 15,0 8 1,0-7-16,0 7 16,1 0-16,6 0 15,1 0 1,0 0-16,-1 0 16,9 0-16,-9 0 15,8 0-15,1 0 16,-1 0-1,-7 0-15,-1 0 16,1 0-16,0 0 16,7 0-16,-7 0 15,-1 0 1,1 0-16,7 0 16,-7 0-16,0 0 15,-1 7-15,1 1 16,0 0-1,-1-1-15,1 1 16,0-1-16,-8 1 16,7 0-1,1-1-15,0 1 16,-1 0-16,1-1 16,7 1-16,1-1 15,-1 9 1,8-9-16,-8 9 15,0-9-15,0 1 16,1 0 0,-1-1-16,0 1 15,0-1-15,1 1 16,6 0-16,1-1 16,8 1-1,-9-8-15,-6 0 16,-1 0-16,-8 0 15,1 0-15,7 0 16,8 0 0,0 0-16,0 0 15,7 0-15,1 0 16,-1 0 0,-7 0-16,-1 0 15,9-8-15,-1 1 16,1-1-16,6 0 15,1-7 1,-7 0-16,-8 0 16,-8 7-16,0-7 15,8-1-15,7 1 16,8 0 0,-8 7-16,1 1 15,-8-1-15,-1 0 16,1 1-16,0-1 15,7 1 1,1-1-16,-1 0 16,0 1-16,1-1 15,-16 0 1,-7 1-16,-1-1 16,-6 8-16,-1-8 15,-8 1 1,1 7-16,-1-8 15,1 8-15,-1-7 16,1-1-16,0 0 16,-8 8-1,7-7-15,1-1 16,-8 0-16,7 1 16,1-9-16,-1 1 15,1 8 1,-8-9-16,0 1 15,0 0-15,0 0 16,0-8 0,-8 0-16,1 0 15,-1 0-15,1 0 16,-8 0-16,-1 0 16,-6-7-1,-16-1-15,-23-15 16,-7 1-16,-7-9 15,-16 1 1,0 7-16,8 15 16,38 9-16,7 6 15,-22 1-15,-8 0 16,-8-1-16,0 1 16,1 0-1,-1 7-15,-15-7 16,8 7-16,15 1 15,15-1 1,-15 1-16,-7 7 16,-8 0-16,7 0 15,0 0-15,1 7 16,-8-7 0,-1 8-16,24-1 15,7-7-15,-15 8 16,0 0-1,0-8-15,0 7 16,15-7-16,8 0 16,-8 0-16,0 8 15,0 0 1,0-1-16,0 1 16,15-1-16,8-7 15,-8 8-15,0 0 16,1-1-1,-1 1-15,0 7 16,0 1-16,0-1 16,1 8-16,6-8 15,9 0 1,-1 0-16,0 1 16,1-1-16,-1 8 15,0 0 1,1-8-16,6 0 15,1 1-15,0 7 16,0-8-16,0 8 16,0 0-1,7-8-15,1 8 16,-1 0-16,1 0 16,-1-1-16,8 1 15,0 0 1,0 0-16,0 0 15,8-8-15,-1 1 16,1 6 0,-1-6-16,8-1 15,1 0-15,-1 0 16,0 1-16,0-1 16,0-7-1,8 7-15,-1-7 16,1-1-1,7 1-15,1-1 16,-1 1-16,0 0 16,0-1-16,1 1 15,-1 0-15,-8-1 16,1 1 0,0-8-16,-1 0 15,9 0-15,-1 0 16,8 8-1,7-1-15,0 1 16,-45-8-16</inkml:trace>
-  <inkml:trace contextRef="#ctx0" brushRef="#br0" timeOffset="15758.68">4869 7876 0,'0'0'15,"0"0"1,0 0-16,0 0 16,0 0-16,0 0 15,0 0-15,0 0 16,0 0 0</inkml:trace>
-  <inkml:trace contextRef="#ctx0" brushRef="#br0" timeOffset="55647.73">3735 7663 0,'0'0'15,"0"0"-15</inkml:trace>
-  <inkml:trace contextRef="#ctx0" brushRef="#br0" timeOffset="55938.88">3818 7365 0,'0'0'16,"0"0"-16,0 0 15,0 0-15,0 0 16,0 0 0,0 0-16,0 8 15,0-1-15,0 9 16,0 7-16,0 7 15,0 16 1,0 7-16,7 8 16,1-7-16,-1-8 15,1-1-15,-8-7 16,0-7 0,0-8-16,0 0 15,0-8-15,0 0 16,0-7-1,0-8-15</inkml:trace>
-  <inkml:trace contextRef="#ctx0" brushRef="#br0" timeOffset="57075.53">3848 7266 0,'0'0'16,"0"0"-16,0 0 16,0 0-16,0 0 15,0 0 1,0 0-16,0 0 16,8-8-16,7 1 15,15-1-15,8 0 16,15-7-1,0 7-15,-8 1 16,0-1-16,23 1 16,0-1-1,0 0-15,-7 1 16,-8 7-16,-8-8 16,8 8-16,-8-8 15,1 8 1,-8 0-16,-1 0 15,-14 0-15,0 0 16,-8 0-16,0 0 16,-8 0-1,1 0-15,0 8 16,-1 0-16,1-1 16,-8 1-1,0 7-15,7 8 16,-7 8-16,0-1 15,0 1-15,0-1 16,0-7 0,0 0-16,0 0 15,0 0-15,0 0 16,0 0-16,0-1 16,0-6-1,0 7-15,0-8 16,0 0-16,0 0 15,0-7-15,0 0 16,0-1 0,0 1-16,0 0 15,-7-1-15,-1 1 16,1 7 0,-9-7-16,1-1 15,-7 9-15,-1-9 16,-7 1-1,0 0-15,-1 7 16,-7 0-16,-14 0 16,-16 1-16,-16-9 15,16 1 1,15-1-16,-22 1 16,-16-8-16,8 8 15,7-8-15,1 0 16,7 0-1,0 0-15,7 0 16,8 0-16,15 0 16,8 0-1,8 0-15,-9 0 16,1 0-16,0-8 16,7 8-16,0 0 15,8 0-15,8 0 16,-1 0-1,1-8-15,7 8 16</inkml:trace>
-  <inkml:trace contextRef="#ctx0" brushRef="#br0" timeOffset="57942.08">4876 7167 0,'0'0'0,"0"0"16,0 0-16,0 0 15,15-8-15,8 0 16,15-15 0,22-7-16,8-1 15,-7-7-15,7 0 16,22-8-1,24-7-15,-31 15 16,-15 7-16,15-7 16,8 8-1,-8-1-15,-22 8 16,-16 0-16,0 8 16,1 0-16,-9-1 15,1 9 1,-8-1-16,1-7 15,-31 15-15</inkml:trace>
-  <inkml:trace contextRef="#ctx0" brushRef="#br0" timeOffset="71187.07">3236 7434 0,'0'0'15,"0"0"-15,0 0 16,7 0-16,8 0 16,0 0-1,8 0-15,-8 0 16,8 0-16,0 0 16,-1 0-16,-7 0 15,0 7 1,8 1-16,7 0 15,1-1-15,-1 1 16,-7 0 0,-1-1-16,1 1 15,0-8-15,-8 0 16,0 0-16,0 0 16,0 0-1,-7 0-15,-1 0 16,1 0-16,-8 0 15,0 0-15,0 0 16,0 0 0,0 0-16,0 0 15,0 0-15,0 0 16,0 0 0,0 0-16,0 0 15,0 0-15,7 0 16,8 7-16,1 1 15,-1 0 1,0-1-16,-8 1 16,1 0-16,-8-8 15,0 0-15,0 0 16,0 0 0,0 0-16,0 0 15,0 0-15,0 0 16,0 0-16,0 0 15</inkml:trace>
-  <inkml:trace contextRef="#ctx0" brushRef="#br0" timeOffset="72531.17">7227 6564 0,'0'0'15,"0"0"-15,0 0 16,0 0 0,0 0-16,0-8 15,0 8-15,0-8 16,0 1-16,0 7 16,0 0-1,0 0-15,0 0 16,-15 0-16,-8 15 15,-7 16 1,-15 14-16,-23 16 16,-8 8-16,-15 15 15,31-15-15,-8-8 16,7-8 0,1-15-16,-1 1 15,9-1-15,14-8 16,0 8-16,0 1 15,8-9 1,0 1-16,-1-1 16,1-7-16,8-8 15,-1 1 1,8-9-16,0 1 16,-1 0-16,9-1 15,-1-7 1,1 0-16,7 0 15,0 0-15,0 0 16,0-7-16,7-1 16,8-15-16,1 8 15,-1-1 1,0 1-16,-8 8 16,-7 7-16,0 0 15,0 0 1,0 7-16,0 8 15,0 1-15,0-9 16,0 1-16,0-8 16,0 0-1,0 0-15,0 0 16,0 0-16,8-8 16,0-7-1,-8 15-15</inkml:trace>
-  <inkml:trace contextRef="#ctx0" brushRef="#br0" timeOffset="103151.98">7008 8953 0,'0'0'0,"0"0"15,0 0 1,0 0-16,0 0 16,0 0-16,0 0 15,0 0 1,0 0-16,0 0 16,0 0-16,0 0 15,0 0-15,8-8 16,-1 8-1,1 0-15,-1-8 16,1 8-16,-1 0 16,8 0-16,1 0 15,-1 0 1,7-7-16,1-1 16,7 8-16,1 0 15,6-8 1,1 8-16,0-7 15,-8 7-15,-7 0 16,0 0-16,-1 0 16,-7 0-1,0 0-15,1 0 16,-9 0-16,1 0 16,-8 0-16,0 0 15,0 0 1,0 0-16,0 0 15,0 0-15,0 0 16,0 0 0,0 0-16,0 0 15,0 0-15,0 0 16,0 0-16,0 0 16,0 0-1,0 0-15,0 0 16,0 0-16,0 0 15,0 0-15,0 0 16,0 0 0,0 0-16,7-8 15,-7 8-15,0 0 16,0-7 0,0-1-16,0-7 15,0-1-15,8-7 16,-8-7-16,7-8 15,1 0 1,-1-1-16,1 1 16,-8-7-16,0-1 15,0 8 1,0-1-16,0 16 16,0 1-16,0 6 15,0 1-15,0 7 16,0 1-1,0-1-15,0 8 16,0 0-16,0-7 16,0 7-16,0 0 15,-8-8 1,1 0-16,-1 1 16,1-1-16,-1 0 15,-7 1 1,0-1-16,-8 0 15,-7 1-15,0-1 16,-8 1-16,8-1 16,0 0-1,-1 1-15,1-1 16,7 0-16,1 8 16,7 0-16,-1 0 15,1 0 1,0 0-16,8 0 15,-1 0-15,1 0 16,-1 0 0,8 0-16,0 0 15,-8 0-15,1 0 16,-1 8 0,-7 0-16,0 15 15,-8 15-15,1 8 16,7-8-16,-1 0 15,1 0-15,0 0 16,0 0 0,0 8-16,0 0 15,7-8-15,8-7 16,0-1 0,0-7-16,0-8 15,0 1-15,8-1 16,-1-8-1,-7 1-15,8 0 16,0-1-16,-1 1 16,1 0-16,7-1 15,0 1 1,8-8-16,-1 0 16,9-8-16,-31 8 15</inkml:trace>
-  <inkml:trace contextRef="#ctx0" brushRef="#br0" timeOffset="105856.87">7106 9143 0,'0'0'15,"0"0"-15,0 0 16,0 0 0,0 0-16,0 0 15,0 0-15,0 0 16,8-7-16,-1-1 15,8 0 1,8 1-16,7-1 16,8 8-16,0 0 15,-8 0 1,0-7-16,-7 7 16,-8 0-16,-7 0 15,-1 0-15,1 0 16,-8 0-1,0 0-15,0 0 16,0 0-16,0 0 16,8 7-1,-8 8-15,0 8 16,-8 8-16,-7 7 16,0 0-16,0 8 15,-1 0 1,-6 0-16,7-8 15,0-8-15,7-14 16,0-1-16,1 0 16,-1-7-1,8-8-15,0 0 16,0 0-16,0 0 16,0 0-1,0 0-15,0 0 16,0 0-16,8 7 15,15-7-15,-1 0 16,1 0 0,0 0-16,-8 0 15,0-7-15,0-1 16,0 0-16,0 1 16,0 7-1,8-8-15,0 1 16,-8 7-16,0 0 15,-8 0-15,1 0 16,-8 0 0,0 0-16,0 0 15</inkml:trace>
-  <inkml:trace contextRef="#ctx0" brushRef="#br0" timeOffset="106169.01">7280 9319 0,'0'0'15,"0"0"-15,0 0 16,0 0 0,0 0-16,15 0 15,8 0-15,0 0 16,-1-8 0,16 1-16,7-9 15,8 1-15,-53 15 16</inkml:trace>
-  <inkml:trace contextRef="#ctx1" brushRef="#br0">7287 9319 0</inkml:trace>
-  <inkml:trace contextRef="#ctx0" brushRef="#br0" timeOffset="113080.76">4362 8777 0,'0'0'0,"0"0"15,-8 0 1,-14-8-16,-1 1 16,0-1-16,1 1 15,-9-1-15,1-7 16,-15-1-1,-8 1-15,-7 0 16,-1 0-16,-7 7 16,-8 0-1,1 8-15,-16 0 16,31 8-16,7 0 16,-15 7-16,-8 0 15,0 0-15,1 8 16,14 0-1,-14 8-15,-1-1 16,8 1 0,8-8-16,14 0 15,16-8-15,-8 8 16,8 0-16,0 7 16,7-7-1,0 8-15,8-1 16,0 1-16,8-1 15,7 1-15,7-8 16,8-1-16,0 1 16,16 16-1,29-9-15,23 8 16,0-7-16,8-8 16,30-8-1,-15-7-15,-30-1 16,29-7-16,9 0 15,-16 0 1,-7-7-16,15-9 16,-8 1-16,-22 0 15,-8-8-15,7 0 16,8 0 0,0-7-16,-22-1 15,-8 0-15,-15 1 16,-8-1-16,-7 8 15,-8 8 1,-8 0-16,-7-8 16,-15 0-16,-23-7 15,-45-16-15,-23 0 16,-22 0 0,-46 0-16,0 24 15,-30 22-15,75 22 16,-67 24-1,22 15-15,-45 46 16,83-38-16</inkml:trace>
-  <inkml:trace contextRef="#ctx0" brushRef="#br0" timeOffset="138669.94">19353 8907 0,'0'0'16,"0"0"-16,0 0 15,0 0 1,0 0-16,0 0 16,0 0-16,0 0 15,0 0 1,0 0-16,0 0 16,0 0-16,0 0 15,8 0 1,-1 7-16,8 1 15,0 0-15,8-1 16,7-7-16,1 0 16,-1 0-1,8 0-15,-1 0 16,-6 0-16,-9 0 16,1 0-1,7 0-15,8 0 16,0 0-16,0 0 15,0 0-15,-1 0 16,1 0 0,-8 0-16,-7 0 15,0 0-15,-1 0 16,-6 0-16,-1-7 16,0 7-1,0 0-15,-8 0 16,1 0-16,0 0 15,-1 0 1,1 0-16,-1 0 16,-7 0-16,8 0 15,-8 0 1,0 0-16,0 0 16,0 0-16,7-8 15,-7 8-15,8-8 16,-1 8-1,1-7-15,-8 7 16,8-8-16,-1 1 16,1-1-16,-1-7 15,1-8 1,-1 0-16,-7 0 16,0 0-16,0-7 15,8-1 1,-8 0-16,0 1 15,8-8-15,-1-16 16,1-7 0,-8 8-16,0 7 15,0 16-15,0-1 16,0 8-16,-8 0 16,8 8-1,-7 0-15,7 7 16,0 0-16,0 1 15,0 7-15,0 0 16,0 0 0,-8-8-16,0 1 15,8 7-15,-7 0 16,-1 0 0,1 0-16,-1 0 15,1 0-15,-1 0 16,-7 0-16,0 0 15,0 0 1,-16 0-16,-6 0 16,-1 7-16,-8-7 15,1 0 1,7 0-16,1 0 16,-1 0-16,0 8 15,0-8-15,0 0 16,1 0-1,6 0-15,1 0 16,0 0-16,7 0 16,0 0-1,8 0-15,0 0 16,0 0-16,8 0 16,-1 0-16,0 0 15,8 0 1,-7 0-16,7 0 15,0 0-15,0 0 16,0 0 0,-8 0-16,8 0 15,-7 7-15,7-7 16,-8 8-16,1 0 16,-1-1-1,0 9-15,1-1 16,-1 15-16,1 1 15,7 7 1,-8-7-16,8-1 16,-7 1-16,7-1 15,-8-7-15,1 0 16,7-8 0,-8 1-16,0-1 15,1 0-15,7-15 16</inkml:trace>
-  <inkml:trace contextRef="#ctx0" brushRef="#br0" timeOffset="152622.32">15248 5350 0,'0'0'0,"0"0"16,0 0-16,0 0 15,0 0-15,0 0 16,0 0 0,0 0-16,8 0 15,7 0-15,8-7 16,7 7-1,8 0-15,14-8 16,17 0-16,6 1 16,-14-1-1,-16 0-15,23 1 16,8-1-16,14 0 16,-14 1-16,-1-1 15,9 8 1,-1 0-16,-8 0 15,-22 0-15,-15 0 16,-8 8 0,8-1-16,0 1 15,-8 0-15,-7-8 16,0 7-16,-8-7 16,-8 0-1,1 0-15,-1 0 16,-7 0-16,0 0 15,0 0 1,0 0-16,0 0 16,0 0-16,0 0 15,0-7-15,-7-9 16,-1-6 0,1-9-16,-8-7 15,-1 0-15,9 7 16,-1 1-16,1-1 15,-1 8 1,1 0-16,7-7 16,0 7-16,0-8 15,0 9 1,0-1-16,0 7 16,0 1-16,0 7 15,0 1 1,0 7-16,0 0 15,0 0-15,0 0 16,-8 0-16,-7-8 16,-15 1-1,-16 7-15,-14-8 16,-8 8-16,-8 0 16,-30 0-1,1 0-15,14 15 16,-15 0-16,-15 1 15,0-1-15,23 0 16,-8 1 0,23-1-16,15 0 15,30-7-15,38-8 16</inkml:trace>
-  <inkml:trace contextRef="#ctx0" brushRef="#br0" timeOffset="153471.25">15097 7449 0,'0'0'16,"0"0"-16,0 0 16,0 0-1,15 0-15,15 0 16,23 0-16,8-8 16,-1 1-1,23-1-15,31-7 16,-31 0-16,-15-1 15,38-7-15,7 1 16,-22-1 0,-91 23-16</inkml:trace>
-  <inkml:trace contextRef="#ctx0" brushRef="#br0" timeOffset="154004.43">15112 8403 0,'0'0'16,"15"0"-16,31 8 15,29-1-15,16-7 16,45-7 0,-30-9-16,0-6 15,60-17-15,-38 1 16,24-8-16</inkml:trace>
-  <inkml:trace contextRef="#ctx0" brushRef="#br0" timeOffset="154589.41">15173 9349 0,'0'0'16,"0"0"-1,0 0-15,22-7 16,8-8-16,16-1 15,14 1-15,31-15 16,7-1 0,1 8-16,-1-7 15,61-9-15,-31 1 16,69-15-16,-46 15 16,113-54-1,-211 84-15,106-7 16,0-8-16,15-7 15,-15-1 1,60-15-16,-68 16 16</inkml:trace>
-  <inkml:trace contextRef="#ctx0" brushRef="#br0" timeOffset="164166.04">18272 9189 0,'0'0'0,"0"0"15,0 0 1,0 0-16,0 0 16,0 0-16,0 0 15,0 0 1,-7 8-16,-1-1 15,-7 9-15,0 7 16,0 0 0,-1-1-16,1 9 15,8-1-15,-1-7 16,1 0-16,-1 8 16,1 7-1,-1-8-15,0 1 16,1-8-16,7 0 15,0 0-15,0 0 16,7-1 0,1 1-16,0 0 15,-1 0-15,8 0 16,0 0 0,0-8-16,1 0 15,-1 1-15,-8-9 16,8 1-16,1-8 15,6 0 1,1-8-16,7-7 16,0 0-16,-7-8 15,0 0 1,-1 8-16,1-8 16,-8-8-16,8 1 15,0-16 1,-1-7-16,-7 14 15,-7 1-15,-1 8 16,-7-1-16,0 8 16,0 0-1,-7 8-15,-16 0 16,-7-8-16,-15 8 16,-1 0-16,1-1 15,45 16 1</inkml:trace>
-</inkml:ink>
-</file>
-
-<file path=ppt/ink/ink14.xml><?xml version="1.0" encoding="utf-8"?>
-<inkml:ink xmlns:inkml="http://www.w3.org/2003/InkML">
-  <inkml:definitions>
-    <inkml:context xml:id="ctx0">
-      <inkml:inkSource xml:id="inkSrc0">
-        <inkml:traceFormat>
-          <inkml:channel name="X" type="integer" max="3360" units="cm"/>
-          <inkml:channel name="Y" type="integer" max="1872" units="cm"/>
-          <inkml:channel name="T" type="integer" max="2.14748E9" units="dev"/>
-        </inkml:traceFormat>
-        <inkml:channelProperties>
-          <inkml:channelProperty channel="X" name="resolution" value="114.28571" units="1/cm"/>
-          <inkml:channelProperty channel="Y" name="resolution" value="112.77109" units="1/cm"/>
-          <inkml:channelProperty channel="T" name="resolution" value="1" units="1/dev"/>
-        </inkml:channelProperties>
-      </inkml:inkSource>
-      <inkml:timestamp xml:id="ts0" timeString="2020-09-24T17:35:55.468"/>
-    </inkml:context>
-    <inkml:brush xml:id="br0">
-      <inkml:brushProperty name="width" value="0.05292" units="cm"/>
-      <inkml:brushProperty name="height" value="0.05292" units="cm"/>
-      <inkml:brushProperty name="color" value="#FF0000"/>
-    </inkml:brush>
-  </inkml:definitions>
-  <inkml:trace contextRef="#ctx0" brushRef="#br0">6970 8998 0,'0'0'16,"0"0"-16,0 0 15,-7 0 1,-1 0-16,0 0 15,8 0-15,0 0 16,-7 8 0,7-8-16,0 0 15,0 0-15,7 15 16,9 8-16,6 0 16,1 0-1,15 0-15,7 0 16,8 0-16,0-16 15,7 1 1,-14 0-16,-1-8 16,-7 0-16,7 0 15,1 7-15,-9-7 16,1 0 0,-8 0-16,1 0 15,-9 0-15,1 0 16,0 0-1,-8 0-15,-8 0 16,1 0-16,0 0 16,-8 0-16,0 0 15,7 0-15,-7 0 16,0 0 0,0 0-16,0 0 15,8-7-15,-1-1 16,-7-7-1,8-8-15,-8 0 16,0 0-16,0 0 16,0-7-16,0 7 15,0-16 1,0-14-16,0-8 16,0 8-16,0 14 15,0 9 1,0-1-16,0 8 15,0 8-15,0 0 16,-8 0-16,1-1 16,-1 9-1,8-1-15,-7 1 16,-1-1-16,0 0 16,-14-7-1,-8 7-15,-1 1 16,-7-1-16,1 8 15,-9 0-15,-29 0 16,-8 8 0,7-1-16,23 1 15,0 0-15,-15-1 16,-7 1-16,-1 7 16,0-7-1,23-1-15,-7 9 16,15-9-16,7 9 15,8-9 1,7 1-16,0 7 16,8 0-16,0 8 15,0 8-15,7 7 16,8 0 0,8 16-16,7-1 15,8 8-15,-1 0 16,-7-15-16,1-8 15,-1-7 1,-8-9-16,1-6 16,-1-1-16,1 0 15,-1-7 1,1 0-16,-8-8 16</inkml:trace>
+  <inkml:trace contextRef="#ctx0" brushRef="#br0">3942 5345 0,'14'-14'125,"65"14"-125,-53 0 16,107 0-16,105 0 16,93 0-16,-186 0 15,225 0-15,133 0 16,-40 0-16,-304 0 16,158-13-16,27-27 15,-92-12-15,-94 38 16,-105 1-1,-39 0-15,-1 13 16</inkml:trace>
+  <inkml:trace contextRef="#ctx0" brushRef="#br0" timeOffset="1111.83">3863 6747 0,'26'26'94,"54"14"-79,79 0-15,12 13 16,-118-53-16,186 13 16,197-13-16,67 0 15,-344 0-15,264 0 16,40 0-16,-93 0 16,-290 0-16,105 0 15,-145 0-15</inkml:trace>
+  <inkml:trace contextRef="#ctx0" brushRef="#br0" timeOffset="2480.44">3916 8242 0,'0'-13'172,"92"13"-156,28 0-16,78 0 15,93 0-15,66 0 16,-211 0-16,224 0 16,93 0-16,80 0 15,-371 0-15,251 0 16,13 0-16,-12 0 15,-94 0-15,-237 0 16,119-27-16,-27 1 16,-66-14-16,-93 40 15,14 0-15,-27 0 16</inkml:trace>
+  <inkml:trace contextRef="#ctx0" brushRef="#br0" timeOffset="4296.02">3784 9485 0,'13'0'110,"132"0"-95,-79 0-15,54 0 16,104 0 0,200 0-16,-252 0 0,264 0 15,133 0 1,146 0-16,-107 0 16,-410 0-16,252 0 15,13 0-15,-66 0 16,-278 0-16,146 0 15,-40 0-15,-67 0 16,-105 0-16,0 0 16,-13 0-16,-27 0 15</inkml:trace>
+  <inkml:trace contextRef="#ctx0" brushRef="#br0" timeOffset="6289.54">4141 10610 0,'39'-13'94,"54"-1"-79,66-12-15,-14-1 16,-52 14-16,224-13 16,160 12-16,92 14 15,-305 0-15,517 0 16,39 0-16,-66-26 15,-529 26-15,489 0 16,-251 0-16,-92 0 16,-160 0-16,-158 0 15,0 0-15</inkml:trace>
+  <inkml:trace contextRef="#ctx0" brushRef="#br0" timeOffset="8041.22">3321 11827 0,'26'13'125,"40"-13"-125,-26 0 16,66 0-16,39 0 15,-39 0-15,-40 0 16,212 40-16,79-40 15,119 0-15,27 0 16,-331 0-16,331 0 16,66 0-16,39 0 15,-449 0-15,238 0 16,0 0-16,-146 0 16,-172 0-16,93 0 15,-119 0-15,-39 0 16</inkml:trace>
+  <inkml:trace contextRef="#ctx0" brushRef="#br0" timeOffset="39387.08">15134 6707 0</inkml:trace>
 </inkml:ink>
 </file>
 
@@ -591,17 +338,17 @@
     <inkml:context xml:id="ctx0">
       <inkml:inkSource xml:id="inkSrc0">
         <inkml:traceFormat>
-          <inkml:channel name="X" type="integer" max="3360" units="cm"/>
-          <inkml:channel name="Y" type="integer" max="1872" units="cm"/>
+          <inkml:channel name="X" type="integer" max="5120" units="cm"/>
+          <inkml:channel name="Y" type="integer" max="1800" units="cm"/>
           <inkml:channel name="T" type="integer" max="2.14748E9" units="dev"/>
         </inkml:traceFormat>
         <inkml:channelProperties>
-          <inkml:channelProperty channel="X" name="resolution" value="114.28571" units="1/cm"/>
-          <inkml:channelProperty channel="Y" name="resolution" value="112.77109" units="1/cm"/>
+          <inkml:channelProperty channel="X" name="resolution" value="174.14966" units="1/cm"/>
+          <inkml:channelProperty channel="Y" name="resolution" value="109.09091" units="1/cm"/>
           <inkml:channelProperty channel="T" name="resolution" value="1" units="1/dev"/>
         </inkml:channelProperties>
       </inkml:inkSource>
-      <inkml:timestamp xml:id="ts0" timeString="2020-09-24T16:52:49.421"/>
+      <inkml:timestamp xml:id="ts0" timeString="2021-10-08T02:18:11.712"/>
     </inkml:context>
     <inkml:brush xml:id="br0">
       <inkml:brushProperty name="width" value="0.05292" units="cm"/>
@@ -609,13 +356,18 @@
       <inkml:brushProperty name="color" value="#FF0000"/>
     </inkml:brush>
   </inkml:definitions>
-  <inkml:trace contextRef="#ctx0" brushRef="#br0">2759 2648 0,'0'0'0,"0"0"0,15 0 0,303 8 16,-250-16-16,0 1 16,-7-1-16,-16 0 15,-7 8-15,7-7 16,16-1 0,7 1-16,0 7 15,-8-8-15,-7 8 16,0 0-1,7 0-15,8 0 16,0 0-16,-15 0 16,-7 0-16,-8 0 15,7 0 1,15 0-16,8-8 16,-7 8-16,-8 0 15,-8 0-15,1 0 16,6 0-1,1 0-15,8 0 16,-1 0-16,-7 0 16,-15 0-1,7 0-15,1 0 16,7 8-16,15-8 16,-8 0-16,-7 0 15,8 0 1,7 0-16,7 0 15,8 0-15,-15 0 16,0 0-16,16 8 16,6-1-1,-6-7-15,-16 8 16,7-8-16,1 7 16,7 1-1,-15-8-15,-15 0 16,-8 0-16,23 8 15,15-1-15,-7 1 16,-76-8 0</inkml:trace>
-  <inkml:trace contextRef="#ctx0" brushRef="#br0" timeOffset="5029.85">6191 5251 0,'0'0'0,"0"0"16,0 0-16,0 0 15,-7 0 1,-8 0-16,-8 8 16,0-1-16,1 1 15,-1-1 1,8 1-16,-8 7 16,1 1-16,-1 7 15,0 22 1,1 9-16,6-8 15,1-1-15,8 1 16,-1 0-16,1-8 16,7 0-1,0-7-15,0-1 16,7 1-16,1-1 16,7 1-16,0-1 15,8 1 1,-1-1-16,9 1 15,14 0-15,0-1 16,1-7 0,-1-8-16,-7-7 15,-15 0-15,-1-8 16,1 0-16,0 0 16,7-8-1,0 0-15,0 1 16,1-9-16,-9 1 15,8-8-15,-7 0 16,0 0 0,-8 0-16,0-7 15,-7-1-15,-1 1 16,-7-1 0,0 1-16,0-1 15,0 1-15,0-1 16,-7-7-16,-1 0 15,0 0 1,-7 0-16,0 7 16,0-7-16,0 7 15,-8 9-15,1-1 16,-1 0 0,8 7-16,0 1 15,0-8-15,-1 8 16,-6-8-1,-1 8-15,0 7 16,-7 1-16,0 7 16,-8 7-1,-22 16-15,60-23 16</inkml:trace>
-  <inkml:trace contextRef="#ctx0" brushRef="#br0" timeOffset="8223.89">7023 5907 0,'0'0'0,"0"0"15,0 0 1,0 0-16,0 0 15,0 0-15,0 0 16,0 0 0,0 0-16,0 0 15,0 0-15,-7 0 16,-16 0-16,-7 0 16,-8 8-1,0 0-15,8-1 16,0 8-16,7 1 15,0-1 1,8 0-16,0 8 16,7 0-16,1 0 15,7 0-15,0 0 16,0 0-16,7 0 16,-7-8-1,8-8-15,-1 1 16,1 0-16,-8-8 15</inkml:trace>
-  <inkml:trace contextRef="#ctx0" brushRef="#br0" timeOffset="9854.92">7084 5839 0,'0'0'0,"0"0"15,0 0-15,0 0 16,0 0 0,0 0-16,0 0 15,0 0 1,0 0-16,0 0 15,0 0-15,-8 7 16,-15 9-16,-7 6 16,-8 9-16,0-1 15,-7 1 1,0 7-16,7-7 16,-7 15-16,-8-1 15,0-7 1,7-7-16,9-8 15,37-23-15</inkml:trace>
-  <inkml:trace contextRef="#ctx0" brushRef="#br0" timeOffset="10070.1">6441 5984 0,'0'0'0,"0"0"16,8 0-16,7 0 16,15 0-1,15 7-15,8 1 16,0 15-16,23 30 16,45 46-16,-121-99 15</inkml:trace>
-  <inkml:trace contextRef="#ctx0" brushRef="#br0" timeOffset="13811.97">11650 4969 0,'0'0'0,"0"0"15,0 0 1,0 0-16,0 0 16,0 0-16,0 0 15,0 0-15,0 0 16,0 0 0,0 7-16,0 16 15,7 15-15,-7 16 16,0-9-16,0 1 15,0-8 1,0 1-16,0-1 16,0-8-16,-7 1 15,7-8 1,0-8-16,0 0 16,0 1-16,0-9 15,0 1-15,0-1 16,0-7-1,0 0-15,7 8 16,1 0-16,-1-8 16,16 0-1,0 0-15,-1-8 16,9 0-16,-1-7 16,8 0-16,-1-8 15,9 0 1,7 0-16,-8-7 15,-15-1-15,8-7 16,0 0-16,0 0 16,-8 7-1,-7 8-15,-1 0 16,1 0-16,-8 8 16,8 0-1,-8 0-15,0-1 16,0 9-16,0-1 15,0 0-15,-7 1 16,0-1 0,-1 8-16,-7 0 15,0 0-15,0 0 16,0 0-16,0 0 16,0 0-1,8 0-15,-8 0 16,7 0-16,1 0 15,-1 0 1,8 8-16,1-1 16,6 16-16,1 0 15,0 15-15,-1 1 16,1-1 0,0 0-16,-1-8 15,1 9-15,-8-17 16,8 17-1,-1-1-15,-6 0 16,-1-7-16,0-1 16,0-7-16,0 0 15,0 0 1,-7-8-16,-1 0 16,1 1-16,-1-9 15,-7 1-15,8-1 16,-8 1-1,0-8-15,0 0 16,0 0-16,0 8 16,0-8-1,0 0-15,0 0 16,0 0-16,0 0 16,0 0-1,0 0-15,0 0 16,0 0-16,-15 0 15,-8 0-15,1 0 16,-1-8 0,-7 0-16,-8-7 15,-8-15-15,1-1 16,0 1-16,-1-1 16,1 1-1,-8-1-15,0 0 16,0-7-16,8 0 15,0-8 1,-16-7-16,-15-1 16,8 9-16,0 7 15,0 7-15,-7 8 16,-1 0 0,1 8-16,75 15 15</inkml:trace>
-  <inkml:trace contextRef="#ctx0" brushRef="#br0" timeOffset="26254.62">6199 9456 0,'0'0'16,"0"0"-16,0 0 15,0 0-15,0 0 16,0 0 0,8 0-16,-1 0 15,8 0-15,0 0 16,1 0-16,-1 0 15,0 0 1,0 0-16,0 0 16,8 0-16,14 0 15,9 8 1,7 0-16,0-1 16,0-7-16,0 8 15,-1-8-15,24 7 16,7-7-1,-7 0-15,-23 0 16,7 0-16,23 0 16,8 0-16,-23 0 15,8 0 1,14 8-16,16 0 16,-23-1-16,-22 1 15,7 0 1,38 7-16,-8 0 15,-15-7-15,-7-1 16,7-7-16,8 0 16,-16 0-1,-22 0-15,23 0 16,7 8-16,8-8 16,-8 8-1,-8-8-15,9 7 16,-1-7-16,0 8 15,-30-8-15,0 0 16,22 0 0,8 8-16,1-8 15,-16 0-15,15 7 16,0-7 0,15 8-16,-30-1 15,-15-7-15,23 0 16,7 0-16,8 0 15,-8-7 1,0-1-16,15 8 16,8 0-16,-38-7 15,15 7-15,16-8 16,-1 8 0,-7-8-16,-1 1 15,16-1-15,-8 0 16,-22 1-16,22 7 15,23-8 1,-15 1-16,0-1 16,0 8-16,0-8 15,-23 1 1,23-1-16,15 8 16,-16-8-16,9 1 15,-1-1-15,-7-7 16,-15 7-1,68 1-15,-69-1 16,-7 0-16,69 8 16,-39-7-16,-30-1 15,38 8 1,8 0-16,-24-8 16,32 1-16,-9 7 15,-52 0 1,29 0-16,32 0 15,-32 7-15,1-7 16,23 0 0,-23 0-16,-31-7 15,31-1-15,15 1 16,-15-1-16,0 0 16,7 1-1,-15-1-15,-22 8 16,22 0-16,0-8 15,-7 8 1,-8-7-16,1-1 16,-1 8-16,-15 0 15,-15-8 1,-16 8-16,-6 0 16,6 0-16,-6 0 15,-1 0-15,-7 0 16,-1 0-16,1 8 15,-8 0 1,0 15-16,-15-23 16</inkml:trace>
+  <inkml:trace contextRef="#ctx0" brushRef="#br0">4432 8070 0,'13'-13'281,"40"13"-265,-13 0-16,26-14 15,-27 1-15,-25 13 16,25 0-16,1 0 15,-27 0-15,1-13 16</inkml:trace>
+  <inkml:trace contextRef="#ctx0" brushRef="#br0" timeOffset="13762.06">7739 8202 0</inkml:trace>
+  <inkml:trace contextRef="#ctx0" brushRef="#br0" timeOffset="14992.57">10120 5001 0,'-53'66'31,"-39"26"-15,-1 54-16,-39 13 15,92-93-15,-66 66 16,14-26-16,39-40 16,0 0-16,0-13 15,-13 13-15,39-39 16,14 12-1,0-39 142,13-13-142,0-13-15,-13 26 16,0-14-16,13 1 16,13 26 77,0 1-77,-13-1-16,13 13 16,0-26-16,-13 14 15,27-14 48,-1-53-48,-26 26-15,0-12 16,0 25 0,14 1-16</inkml:trace>
+  <inkml:trace contextRef="#ctx0" brushRef="#br0" timeOffset="16328.91">20558 4868 0,'13'0'16,"-13"66"-16,0-13 15,-13-13-15,-40 79 16,-13-26-16,0 65 15,53-131 1,-40 92-16,-40 0 0,93-79 16,-26 13-16,12-14 15,-25 14 1,39-39-16,0 12 16,0-13-1,0 0 1,-13-13-1,13-13 79,0-53-94,-14 0 16,14 53-16,0-14 15,14 27 48,-1 40-47,0-27 15</inkml:trace>
+  <inkml:trace contextRef="#ctx0" brushRef="#br0" timeOffset="18092.62">8043 7990 0,'66'0'188,"54"-13"-188,-28 13 16,-39 0-16,79 0 15,1 0 1,-1 0-16,-79 0 0,13 0 15,40-13-15,-27 13 16,-66-13 0,27 13-16,-27 0 15,1 0-15,25-14 63,-25 14-48,-1 0-15,0 0 16</inkml:trace>
+  <inkml:trace contextRef="#ctx0" brushRef="#br0" timeOffset="19345.53">20069 8850 0,'53'14'79,"52"-14"-79,28 0 15,25 0-15,-78 0 16,79 0-16,-80 0 15,66 0-15,-78 0 16,78 0-16,-26 0 16,-26 0-16,-54 0 15,-12 0-15,-14 0 16,0 0-16</inkml:trace>
+  <inkml:trace contextRef="#ctx0" brushRef="#br0" timeOffset="20721.97">8281 10610 0,'14'0'78,"52"0"-63,53 0 1,0-13-16,0 13 16,-26 0-16,118 0 15,120 0-15,92 0 16,-277 0-16,171 0 15,14 0-15,-119 0 16,-133 0-16,27 0 16,-66 0-16</inkml:trace>
+  <inkml:trace contextRef="#ctx0" brushRef="#br0" timeOffset="22040.84">19804 9776 0,'106'-26'78,"-13"-1"-78,-14 14 16,66 0-16,-26 13 15,80 0-15,-93-13 16,158 13-16,-12 0 16,-1 0-16,-158 0 15,79 0-15,-40 0 16,-66-13 0,-39 13-16,-14 0 15,0 0 48,27 0-63,-27 0 15,0 0 1</inkml:trace>
+  <inkml:trace contextRef="#ctx0" brushRef="#br0" timeOffset="116336.61">6324 3836 0,'13'27'0,"-13"39"15,0-13-15,0-27 16,0 41-16,0-1 15,0 40-15,0-67 16,0 67-16,0 26 16,0-52-16,0 39 15,0-106-15,0 66 16,0-39-16,13-27 16,-13-66 109,0 0-110,-13 27 1,13 13-1,0 132 48,0-53-47,0-40-1,0 14-15,0-27 0,0 14 16,13-14-1,0-13 1,14 0 15,-1-66-31,-26 26 16,13-26-16,-13 40 16,0 12-1,0 1-15,0 0 47,-39-14-31,25 14-16,1 13 15,-26 0-15,25 0 16,1 0-16</inkml:trace>
+  <inkml:trace contextRef="#ctx0" brushRef="#br0" timeOffset="117877.27">17793 3598 0,'0'27'32,"0"12"-32,0 14 15,0 40 1,0 0-16,0 39 16,13 13-16,-13-92 0,0 27 15,14 39 1,-1 13-16,-13-92 15,0 52-15,13 1 16,0-27-16,-13-39 16,0-1-1,-26-66 110,-27-39-109,27 66-16,12-14 16,14 40 46,0 14-46,0-14-16,40 27 15,-40-14 1,13-12-16,0 12 16,14-13 30,-1-13-30,14-13 0,0 0-16,-1-27 15,1 0-15,-13 27 16,-27 0-16,13 13 16,-13-13-1,-27 13 48,14 0-63,-79 0 15,39 0-15,0 0 16,13 0-16,-13 0 16,40 0-16,0 0 31</inkml:trace>
+  <inkml:trace contextRef="#ctx0" brushRef="#br0" timeOffset="121990.63">15558 11258 0,'0'13'63,"-40"27"-47,0 0-16,14-27 15,-67 40 1,-39-27-16,-27 27 0,-26 13 15,158-52 1,-145 12-16,-105 27 16,38-13-16,134-40 15,-173 0-15,0 0 16,-13 0-16,185 0 16,-119-14-16,27-12 15,13-14-15,39-26 16,93 40-16,-53-1 15,40 14-15,0-27 16,53 40-16,0-13 16,26 13 124,26-13-140,-52 13 47,-66 0-47,-27 0 16,0 0-1,80 0-15,13 0 16,-1-13 15,28 13-31,78-67 16,27 14-16,-92 14 16,-1 26-16,-26-1 15,13 14-15</inkml:trace>
+  <inkml:trace contextRef="#ctx0" brushRef="#br0" timeOffset="122798.33">11179 12052 0,'0'13'0,"13"0"16,0 0-16,0 1 16,27-1-16,26 27 15,-39-14-15,65 14 16,54 26-16,92 26 15,-119-52-15,265 40 16,184 12-16,-25-39 16,118-13-16,-39-40 31,-185 0-31,-146 0 16,-212 0-16,93-13 0,-66-40 15,-66-14-15,-27 41 16,-13 0-16,13-27 15,-13-27-15,13 27 16,14 14-16,-14-27 16,13 26-1,-12 0-15,12 14 16,1-14-16,12 0 16,-12 14-16,-27 13 15,-119 13 32,39 0-47,41 0 16,-54 39-16,14 1 15,39-14-15,0-12 16,27-14-16,0 0 78,13-27-78,0 14 16</inkml:trace>
 </inkml:ink>
 </file>
 
@@ -625,17 +377,17 @@
     <inkml:context xml:id="ctx0">
       <inkml:inkSource xml:id="inkSrc0">
         <inkml:traceFormat>
-          <inkml:channel name="X" type="integer" max="3360" units="cm"/>
-          <inkml:channel name="Y" type="integer" max="1872" units="cm"/>
+          <inkml:channel name="X" type="integer" max="5120" units="cm"/>
+          <inkml:channel name="Y" type="integer" max="1800" units="cm"/>
           <inkml:channel name="T" type="integer" max="2.14748E9" units="dev"/>
         </inkml:traceFormat>
         <inkml:channelProperties>
-          <inkml:channelProperty channel="X" name="resolution" value="114.28571" units="1/cm"/>
-          <inkml:channelProperty channel="Y" name="resolution" value="112.77109" units="1/cm"/>
+          <inkml:channelProperty channel="X" name="resolution" value="174.14966" units="1/cm"/>
+          <inkml:channelProperty channel="Y" name="resolution" value="109.09091" units="1/cm"/>
           <inkml:channelProperty channel="T" name="resolution" value="1" units="1/dev"/>
         </inkml:channelProperties>
       </inkml:inkSource>
-      <inkml:timestamp xml:id="ts0" timeString="2020-09-24T16:57:07.971"/>
+      <inkml:timestamp xml:id="ts0" timeString="2021-10-08T02:17:54.988"/>
     </inkml:context>
     <inkml:brush xml:id="br0">
       <inkml:brushProperty name="width" value="0.05292" units="cm"/>
@@ -643,8 +395,20 @@
       <inkml:brushProperty name="color" value="#FF0000"/>
     </inkml:brush>
   </inkml:definitions>
-  <inkml:trace contextRef="#ctx0" brushRef="#br0">14243 4556 0,'0'0'0,"-8"0"16,-7 0-16,-257 23 0,249 0 15,1 8-15,-1 15 16,8-1-16,0 9 16,7-1-1,16 16-15,7 7 16,0 8-16,0-15 16,0-8-16,0 0 15,0 0 1,8 8-16,-8-16 15,8-7-15,-1 0 16,-6-16 0,6 1-16,1-8 15,0 0-15,7-1 16,0 1-16,-7-7 16,-1-1-1,1-7-15,7-1 16,16 1-16,14-1 15,8-7 1,-15 0-16,-7-7 16,-9-1-16,1-7 15,0 0-15,0-16 16,0 1 0,-1-16-16,1-8 15,-8 9-15,1 14 16,-16 1-16,0 7 15,-8-8 1,1 1-16,-8-1 16,-15-15-16,-8-7 15,-15-1 1,1 1-16,-1 0 16,-8-1-16,-22-7 15,-7-8 1,-8 1-16,22 14 15,16 8-15,-16 1 16,-7 6-16,-15 9 16,15-1-1,-8 9-15,-14-1 16,-16 7-16,106 16 16</inkml:trace>
-  <inkml:trace contextRef="#ctx0" brushRef="#br0" timeOffset="10915.48">2404 4190 0,'0'0'16,"-8"0"-16,-7-8 15,-15-7 1,-8 0-16,-7 0 16,0-1-16,7 9 15,8-1-15,7 8 16,-7 0-1,-1 0-15,-6 15 16,-9 1-16,8-1 16,8 8-16,0 7 15,0 9 1,-1 6-16,9 16 16,7-7-16,7 7 15,1 8 1,7 14-16,0-14 15,7 0-15,1-16 16,7-7-16,0-8 16,-8-7-16,1-1 15,7-7 1,0 0-16,0-8 16,1 8-1,-1-7-15,7-1 16,1 8-16,-8 0 15,8-1-15,15 1 16,15 0-16,7 8 16,0-16-1,-7 0-15,-7-7 16,-1 0-16,0-1 16,1 1-1,-1-8-15,1 0 16,-1 0-16,-7 0 15,-8-8-15,-7 1 16,-8 7 0,0-8-16,8 0 15,-1-7-15,1-8 16,0-23 0,-8 1-16,-8-16 15,-14-16-15,-8-22 16,-1 15-16,-6 15 15,-8 16 1,-8-1-16,7 16 16,-14-7-16,0-1 15,7 15-15,8 1 16,0 7 0,-8 0-16,0 15 15,-7 1-15,14 14 16,31-7-16</inkml:trace>
+  <inkml:trace contextRef="#ctx0" brushRef="#br0">2196 6654 0,'13'0'78,"106"0"-62,-66 0-16,119 0 16,-13 0-16,158 0 15,80 0-15,-238 0 16,370 0-16,80 0 15,39 0-15,-476 0 16,357 0-16,40 0 16,-132 0-16,-318 0 15,172 0-15,-66 0 16,-80 0 0,-105 0-16,-14 0 15,-12 0 157,12 0-156,-13 0-16,14 0 15,12 0-15,67 0 16,79 0-16,-118 0 16,78 0-16,67 0 15,-1 0-15,-118 0 16,79 0-16,-27 0 15,-52 0-15,-80 0 16,1 0 234,-14-79-250,0-80 16,13 0-16,-13 67 15,0 12-15,0-78 16,0 25-16,0-65 16,0 119-16,0-120 15,0 27 1,0 27-16,0 92 15,0-53-15,0 13 16,0 40-16,0 27 16,0-14-16,0 14 15,0-27-15,0 26 16,0 14-16,0-13 16,-40 12 140,-26 14-141,-27 0-15,27 0 16,-93 0-16,-13 0 16,27 0-16,92 0 15,-119 0 1,-93 0-16,14 0 16,-80 0-16,212 0 15,-225 0-15,-53 0 16,-79 0-16,317 0 15,-343 0-15,-67 0 16,27 0-16,370 0 16,-199 0-16,40 0 15,146 0-15,13 0 16,106 0-16,-40 0 16,80 0-16,-1 0 15,14 0 1,-13 0-16,-14 0 15,27 0-15,-27 0 16,0 0-16,-26 0 16,-13 0-16,-67 0 15,107 0-15,-80 0 16,-14 0-16,41 0 16,12 0-16,67 0 15,0 40 204,13 66-203,0 26-16,0 1 15,0-14-15,0-66 16,0 66-16,0 39 15,0-25-15,0-67 16,0 93-16,0-14 16,0-26-16,0-79 15,0 52-15,0-12 16,0-41 0,0 28-16,0-14 15,0-40 1,0 13-16,0-13 15,0 14-15,0-1 16,0-12-16,0-1 16,0 0-16</inkml:trace>
+  <inkml:trace contextRef="#ctx0" brushRef="#br0" timeOffset="5906.11">17926 4551 0,'0'13'15,"-14"-13"1,14-13-16,-13 13 16,0 0-1,0 0 1,-1 0 15,-12-13-15,-1 13-1,14 0-15,0-14 16,-27-12-16,14 26 16,-14-27-16,27 27 15,-14-13-15,-12 0 16,12 13-1,1 0-15,-1-13 16,-12 13-16,12 0 16,14 0-16,-27-13 15,-13 13-15,27 0 16,0 0-16,12-14 16,-25 14-16,-14 0 15,39 0-15,-25 0 16,12 0-16,-12 0 15,-14 0 1,0 0-16,0 0 16,-40 14-16,67-1 15,-40 0 1,0 13 0,-14 1-16,40-14 0,-12 14 15,-68 26-15,68-40 16,25 0-16,-52 0 15,39 27-15,-26-14 16,0 14-16,39-27 16,-12 27-16,-54 39 15,40-52 1,27-1-16,-27 14 16,0 13-16,40-40 15,-54 27-15,28-1 16,-1 14-16,0 14 15,-26-15 1,40 15-16,-27 12 16,26-53-16,-26 41 15,-13-1-15,-13 40 16,66-80-16,-27 53 16,-26 40-16,26-39 15,27-54-15,-40 54 16,27-1-16,-1 0 15,-39 14-15,66-53 16,0 13-16,-26-14 16,26 27-16,0-52 15,0 39-15,0-14 16,0 27-16,0-52 16,0 25-16,0 1 15,0 0 1,0 26-16,0-53 15,0 14-15,0 39 16,0-13-16,0-27 16,0 40-16,0 0 15,0 0-15,0-52 16,0 39-16,0 0 16,0 13-16,0-53 15,0 53-15,0-13 16,13 66-1,0-92-15,13 39 16,1 13-16,-1 0 16,-26-52-16,27 39 15,-27 0-15,26 0 16,-12-39-16,52 92 16,-40 13-16,1-92 15,-27-1-15,26 1 16,-26-13-1,13 12-15,0-39 16,1 40 0,-1-14-16,27 27 0,-14-39 15,1 12 1,12 27-16,1-40 16,13 14-16,-40-14 15,53 0-15,14 53 16,12-39-16,-52-27 15,26 26-15,80 40 16,-27-39-16,-66-14 16,66 40-16,0-13 15,-27-27-15,-12 13 16,-14 27-16,0-40 16,53 14-16,-40-27 15,-52 0-15,92 26 16,-13-12-16,0-14 15,-54 0-15,28 0 16,39 0-16,0 0 16,-93 0-16,80 0 15,-13-27-15,39-39 16,-52 26-16,-28 27 16,28-53-1,39-13-15,-40 12 16,-13 28-16,14-27 15,12 13-15,-12-40 16,-41 53-16,54-39 16,13-40-16,-14 0 15,1 40-15,-53 12 16,39-52-16,-13 0 16,14 0-16,-80 106 15,39-80-15,-12-39 16,-14 39-16,14 41 15,-14-81-15,-13 1 16,0-14-16,0 27 16,0 53-16,-13-53 15,-14 13-15,1 14 16,-1 39-16,-13-53 16,1-13-16,-67 13 15,93 66-15,-14-79 16,-12 27-16,-41-27 15,54 79-15,-67-92 16,1 13-16,12 52 16,14 15-16,0 25 15,13 1-15,0-14 16,-13 0 0,39 27-16,-12-40 15,-41-26-15,-12 13 16,79 52-16,-54-25 15,1-14-15,-13 26 16,-1 14-16,54 13 16,-40 0-1,53 0-15</inkml:trace>
+  <inkml:trace contextRef="#ctx0" brushRef="#br0" timeOffset="22626.79">4815 6469 0,'93'0'125,"-14"0"-125,67-40 15,-40 40-15,-27 0 16,14-13-16,-1 0 16,-26 13-16,-39 0 15,-1 0-15</inkml:trace>
+  <inkml:trace contextRef="#ctx0" brushRef="#br0" timeOffset="23662.84">8189 6416 0,'145'0'141,"-39"-13"-141,-79 13 15,92 0-15,-40-13 16,0-1-16,-26 14 16,0 0-16,27-13 15,-41 13-15,-25 0 16,-1 0-1</inkml:trace>
+  <inkml:trace contextRef="#ctx0" brushRef="#br0" timeOffset="50224.49">1746 7924 0,'0'13'47,"0"80"-31,0 13 0,0-53-16,0 106 15,0-27-15,0 53 16,0-119-16,0 40 15,0 66-15,0-13 16,0-67-16,0 80 16,0 40-16,0 13 15,0-13-15,0-133 16,0 53-16,0 1 16,0-14-16,0-80 15,0 54-15,13 52 16,-13-25-1,0-1 1,0-40-16,0-39 16,0-14-1,0-13-15,0 1 32,0-1-17,14-13 1,-14 13-1,0 0 1,0 14 0,0-14 15,0 0-31,0 0 31,0 27-15,13-13-16,-13-14 15,0 13-15,0 1 16,0-14-16,0 0 16,0 0-16,0 14 15,0-14 1,26 0 93,54-13-93,65 0-16,-92 0 0,53 0 16,106 0-1,-1 0-15,-105 0 16,172 0-16,-27 0 15,40 0-15,0 0 16,-185 0-16,106 0 16,39 0-16,-39 0 15,-119 0-15,118 0 16,14 0-16,-40 0 16,-105 0-16,105 0 15,212-26 1,-199-14-16,-105 40 15,145 0-15,66-40 16,67 27-16,-265 0 16,224-13-16,-12 26 15,12-14-15,-210 1 16,118-27-16,26 27 16,146 13-1,-330 0 1,92 0-16,0 0 15,-14 0-15,-78 0 16,92-13-16,-13 0 0,-14 13 16,-92 0-16,66 0 15,0 0 1,13 0-16,-92 0 16,53 0-16,-27-14 15,13 14-15,-26 0 16,-26 0-16,39-13 15,-27 13-15,-12-13 16,13 0-16,-14 13 16,14 0-16,-14-13 15,1 13-15,12 0 16,14-14-16,53 1 16,40 13-1,12 0 1,-12 0-16,-27 0 0,-79 0 15,39 0-15,-66 0 16,0-13 78,-13-27-79,0-13 1,0-53-16,0 1 16,0 78-16,0-105 15,0 52-15,-13-78 16,13 78-16,-26-105 16,26-13-16,0-1 15,-27 1-15,27 118 16,-13-118-16,13 26 15,-26 13-15,26 80 16,-14-106-16,1-1 16,-40-65-1,27 92-15,-1 1 16,14 39-16,0 52 16,0-25-16,-1 52 15,14 14-15,0-1 16,-13-12-16,0 12 15,13 14 1,-13-27-16,13 27 16,0 0-16,-14-1 109,-78 14-109,-1 27 16,-39-14-16,39 14 15,-145-1-15,-238-13 16,-93-13-16,-39 0 16,475 0-16,-184 0 15,-40 0-15,105 0 16,160 0-16,-107 14 15,14-1-15,13-13 16,93 13-16,-80 27 16,-40-27-16,27 13 15,67-26 1,-147 14-16,-39-14 0,-26 0 16,-40 0-16,224 0 15,-211 0-15,-119 0 16,66 0-16,252 0 15,-199 0-15,-13 0 16,0 0-16,224 0 16,-158 0-1,40 0-15,79 13 16,79-13-16,54 13 16,-14-13-16,-13 13 15,26-13-15,0 0 16,-26 0-1,26 0-15,1 0 16,-54 14 0,14-14-16,-27 26 15,93-26-15,-1 0 16,-12 0-16,13 0 16,-1 0-1,1 0-15,0 0 16,13 13 93,0 27-109,0 26 16</inkml:trace>
+  <inkml:trace contextRef="#ctx0" brushRef="#br0" timeOffset="51711.99">5834 7276 0,'0'13'47,"-13"27"-31,-40 26-16,13-39 16,-26 25-16,-13 15 15,13-1-15,13-13 16,26-40-16,-39 40 15,26-40-15,1 53 16,12-53 0,27-39 140,0 0-140,0 12-1,0 28 110</inkml:trace>
+  <inkml:trace contextRef="#ctx0" brushRef="#br0" timeOffset="52651.65">10954 6588 0,'-13'53'31,"-27"0"-16,0 0-15,27-53 16,-27 66-16,-13 27 16,-53-14-16,67-26 15,-41 53-15,14-40 16,-13 40-16,66-80 16,-40 40-16,26-26 15,1 0-15,13-40 16,-1 13-1,1-53 110,13 14-109,-13-1-16,39 41 78,-26-1-47,14-13 1</inkml:trace>
+  <inkml:trace contextRef="#ctx0" brushRef="#br0" timeOffset="58896.73">6548 8850 0,'-13'0'31,"13"14"-31,0 52 0,0-27 16,0 67-16,0-66 15,0 53-15,0-1 16,0 14-16,0-40 15,0 53-15,0-13 16,0-13-16,0-67 16,0 53-1,0 1-15,0 12 16,0-52-16,0 26 0,0 14 16,0 12-16,0 27 15,0-79 1,0 66-16,0-14 0,0-25 15,0-54 1,0 0 0,0 0 62,13 0-63,1-13 1,-14 14-16,0-1 0,0 0 16,0 0-1,0 1 48,13 12-48,0-13-15,0 1 16,1-14-16,12 0 16,14 0-16,13 0 15,39 0-15,41 0 16,-67 0-16,13 0 16,53 0-1,27 0-15,-27 0 16,-52 0-16,52 0 15,-26 0-15,-66 0 16,-27 0-16,-13-53 109,0 26-109,0-39 16,0-13-16,0-67 16,13-13-16,0 133 15,1-93-15,-1-40 16,0-13-16,-13 106 16,13-119-1,-13 52-15,0 1 0,0 13 16,0 79-16,0-52 15,0-1 1,0 54-16,0 25 0,0-25 16,0 12-1,0 1-15,0-14 16,0 27-16,0 0 31,0-1 63,-26 14-78,-67 0-1,-39 0-15,0 0 0,65 0 16,-171 0-16,-159 0 15,40 0-15,238 0 16,-93-13-16,41-13 16,38 26-16,107 0 15</inkml:trace>
+  <inkml:trace contextRef="#ctx0" brushRef="#br0" timeOffset="60777.97">2024 8797 0,'-13'0'16,"13"40"-16,0 26 16,0 40-16,0 13 15,0-79-15,0 79 16,0 0-16,0-13 15,0 13-15,0-66 16,0 79-16,0-39 16,0 26-16,0-53 15,0 40-15,0 0 16,0-54-16,0-12 16,0 13-1,0 13-15,0-26 16,0 13-1,0 0-15,0-14 16,-13 28-16,13-54 16,0 26-16,0 1 15,0 0-15,0-27 16,0 0 93,13 1-93,27 12-16,12-26 16,-25 0-16,26 26 15,26 1-15,-52-27 16,-1 0-16,14 13 15,-27-13 1,27 0 0,-14 0-16,1 0 15,39-40-15,-40 40 16,27-13-16,-13 0 16,-14-13-16,1 12 15,-1-12-15,-13 26 16,1-13-1,-14-14 1,13-13-16,0 1 16,0-1-16,1-53 15,12 1-15,-26-1 16,27-65-16,-27 91 16,26-118-16,-26 40 15,0-1-15,0 27 16,0 79-16,13-79 15,-13 0-15,13-13 16,-13 0 0,0 26-1,0 79-15,0 14 0,0-13 16,0 12-16,0 1 31,0 0-15,0 0 46,0 0 1,-79-1-63,-40 1 15,0 13-15,-13-13 16,92 0-16,-53-1 16,-12 14-1,38-13-15,54 13 0,0 0 16</inkml:trace>
+  <inkml:trace contextRef="#ctx0" brushRef="#br0" timeOffset="104123.34">18825 5120 0,'-40'26'31,"14"-13"-31,26 1 16,-26 12-16,12-13 15,1 1-15,-13 25 16,12-26-16,-39 27 16,40-27-16,-26 27 15,-1 13-15,0 13 16,0-39-16,27-1 16,-13 14-16,13 13 15,-27 0-15,27-14 16,-27 27-1,27 1-15,-27-1 16,14-40-16,12 40 16,1-26-16,0 53 15,-14-67-15,14 40 16,-13 14-16,26-28 16,-27 28-16,27-40 15,-53 52-15,27 14 16,13-27-16,-1-52 15,1 39-15,0 13 16,13 14-16,0-53 16,0-1-1,-13 14-15,13-13 16,0-27-16,0 27 16,0-1-16,0 1 15,0-13-15,0-1 16,0 14-16,0-1 15,0-25-15,0 25 16,0 14-16,0 27 16,0-54-16,0 40 15,0-13-15,0 0 16,0-13-16,0-27 16,0 40-16,0-13 15,0-1-15,0-25 16,0 25-1,0-12-15,0 12 0,0-12 16,0 52-16,0-13 16,0 27-1,26 0-15,-26-67 16,27 67-16,26-14 16,-40-53-16,-13-12 15,26 25-15,-26-25 16,14-1-16,-1 13 15,0 14-15,13-27 16,1 67-16,26-54 16,-40 1-16,27 25 15,-1-25-15,28 13 16,-54-40-16,53 39 16,-26-39-16,-1 14 15,1 12-15,-14-26 16,14 0-16,0 13 15,-14-13-15,-12 0 16,12 0-16,0 0 16,1 0-16,-1 0 15,14-66-15,13 26 16,0-52 0,-40 52-16,40-39 15,0-1-15,13-12 0,-26 39 16,26-80-1,13 28-15,-13-14 16,-13 26-16,-26 53 16,12-79-16,14-13 15,-26 26-15,-14 66 16,14-65-16,-1 12 16,0-26-16,-26 92 15,14-52-15,-1 0 16,0-27-16,0 0 15,1 53-15,12-66 16,-13 13-16,1-13 16,-1 40-16,0 13 15,0-67-15,-13 28 16,0 52-16,0-53 16,0 40-16,13-53 15,-13 13-15,0 66 16,0-26-16,0 0 15,0 0-15,0 26 16,0 0 0,0-39-16,0 39 15,-13 27-15,-26-53 0,39 39 16,-40-12 0,27 12-16,-1-12 15,-25 12-15,25-13 16,-25-13-16,26 40 15,-14 0-15,1-40 16,-1 27-16,14 12 16,0-12-16,-27 13 15,0-1-15,14 1 16,-1 0 0,14 13-1,0 0 1,0 0-16,0 0 15,-14 0-15,1 0 16,-14 0-16,27 0 16,-1 0-16,-12 13 15,-14-13-15,1 53 16,12-26-16,1-1 16,-1 14-1,-12-14-15,-41 80 0,67-93 16,-27 53-1,14 1-15,-27 25 16,26-65-16,1 52 16,0 40-16,-1-26 15,1-67-15,-1 40 16,1 14-16,12-27 16,14-14-16,-26 27 15,26-39-15,0 52 16,0 14-16,0-93 0,0 701 140</inkml:trace>
+  <inkml:trace contextRef="#ctx0" brushRef="#br0" timeOffset="104129.35">18587 6998 0</inkml:trace>
+  <inkml:trace contextRef="#ctx0" brushRef="#br0" timeOffset="121873.08">3056 6641 0,'66'-26'141,"-26"26"-141,66 0 15,26 0-15,-39 0 16,-41 0-16,107 0 15,40 0-15,39 0 16,-27 0-16,-105 0 16,146 0-16,-41 0 15,14 0-15,-159 0 16,106 0-16,-13 0 16,-27 0-16,-92 0 15,39 0-15,54 0 16,-41 0-16,54 0 15,-93 0-15,105 0 16,-52 0-16,0 0 16,-53 0-16,53 0 15,-40 0 1,13 0-16,-26 0 0,53 0 16,40 0-1,-14 0-15,-13 0 16,-26 0-16,79 0 0,26-14 15,-26 14 1,-119 0-16,79 0 16,-79 0-16,-13 0 15,-27 0 1,0 0-16,1 0 16,12 0 202,27 0-218,0 0 16,13 0-16,13 0 16,67 0-16,-1 0 15,-78 14 1,91 12-16,-25-13 15,-41-13-15,-79-13 188,-13-13-188,0-41 16,0 54-16,14-26 15,-14-41-15,13-12 16,-13-14-16,0 66 15,13-79-15,0-13 16,14 13-16,-27 66 16,0-27-16,0 54 15,0-1 1,0 14 125,-27 13-126,-26 0-15,0 0 16,14 0-16,-54 13 15,-13-13-15,-52 14 16,12-1-16,106-13 16,-52 26-16,-1-26 15,14 0-15,13 0 16,-53 0-16,-27 14 16,40-14-16,53 0 15,-66 0-15,-13 13 16,13-13-16,-27 0 15,93 0-15,-105 0 16,-1 0-16,-26 0 16,92 0-1,-79 0-15,0 0 16,27 0-16,105 0 16,-53 0-16,1 0 15,39 0-15,40 0 16,-40 0-16,-27 13 15,27 0-15,1 0 16,12-13-16,-40 0 16,1 0-16,-27 0 15,67 0-15,-54 0 16,-13 0-16,27 0 16,13 0-16,-14 0 15,-26 14-15,-26-14 16,53 0-16,13 0 15,-14 0-15,27 0 16,-26 26-16,66-26 16,-27 0-16,14 0 15,-14 0-15,13 0 16,1 13-16,-14 1 16,1-14-1,-14 13-15,26-13 0,-39 13 16,13-13-1,0 0-15,40 0 16,-27 0-16,1 0 16,12 0-16,14 0 15,0 0-15,-1 0 16,-12 0-16,0 0 16,12 0-1,-12 0 1,13 0-1,-14 0 1,14 0-16,0 0 16,-1 0-16,-25 0 15,-14 0-15,-26 0 16,65 0-16,-12 0 16,-1 0-16,14 0 15,0 0 188,-40 13-187,13-13-16,27 0 16,-40 0-16,-26 0 15,39 0-15,0 0 16,14 0-1,13 0 1,-14 40 109,27 26-125,0 0 16,0-53-16,-13 54 15,13-28 1,-13 27-16,13-52 16,0 25-16,0-25 15,0 12-15,0 14 16,0-27-1,0 0-15,0 0 16,0 1-16,0 12 16,0 1-16,0-14 15,0 0 1,0 27-16,0-27 47,0 0 109</inkml:trace>
+  <inkml:trace contextRef="#ctx0" brushRef="#br0" timeOffset="153294.01">20227 4908 0,'0'0'0,"-185"-13"32,106 13-32,26-13 15,-13 13-15,39 0 16,-39 0-16,-13 0 15,39 0-15,27 0 16,-67 0-16,54 0 16,-14 0-16,-13 0 15,27 0-15,0 0 16,-27 26-16,-40 14 16,80-40-16,-67 39 15,1 14-15,-40-26 16,79-1-16,-26 14 15,-40 13-15,27 13 16,13-40-16,53-12 16,-40 25-16,26 1 15,-26 13-15,40-27 16,-53 27-16,13 27 16,0 26-1,40-80-15,-80 80 16,14-14-16,13-25 0,0 25 15,52-65 1,1 52-16,-27 0 16,14-39-16,13-27 15,-1 53-15,-52 27 16,40-40-16,13-13 16,-1 39-16,1 27 15,0 13-15,13-79 16,-13 39-16,-1 27 15,14 13-15,0-27 16,0-52-16,0 92 16,0 1-16,14-80 15,12 13-15,-13-26 16,40 65-16,0 28 16,-40-80-16,27 39 15,40 40-15,25 67 16,-38-54-16,-54-118 15,93 92-15,13 13 16,26-13-16,-79-66 16,106 53-1,0 0-15,-13-40 16,-80-26-16,107 26 16,-1-26-16,-13-14 0,-93-13 15,80 14 1,0 12-16,-14-12 15,14-14-15,-106 0 16,106 1-16,-14-14 16,1 13-16,-80-13 15,93 0-15,-14 0 16,1 0-16,-1 0 16,-92 0-16,79-27 15,14-26-15,-14-13 16,-79 27-16,119-67 15,13-13-15,-39 39 16,-67 27-16,53-66 16,1 0-16,-27 13 15,-80 67-15,14-54 16,-14-26-16,-26 0 16,27-40-1,-27 120-15,0-81 0,0-38 16,0 25-16,0 107 15,0-80-15,-40-53 16,-26 27 0,39 53-16,1-27 15,-54-66-15,28 26 16,-1 120-16,-27-93 16,-12 0-16,12 13 15,-12-13-15,65 79 16,-65-52-16,25-1 15,28 40-15,26 53 16,-27-66-16,-26-13 16,39 52-16,14 1 15,-27-40-15,-26-14 16,0 27-16,26 0 16,14 27-16,-27-14 15,-26-39-15,26 66 16,39-1-16,-38-25 15,-28 12-15,14-26 16,-53-26 0,53 66-1,-14-27-15,1 0 16,53 40-16,-27-13 16,0-13-16,-27 12 0,67 1 15,-27 0-15,1 0 16,26-1-16,-14 14 15,-13-13 1,40 0-16,-13 13 16,-13 0-16,13-13 31,-1 0-31,1 13 16,-13-14-16,-14 1 15,0 0-15,-13 0 16,-26-14-16,39 1 15,-26-1-15,26 14 16,14 0 0,13 13 31,-14-13-32</inkml:trace>
+  <inkml:trace contextRef="#ctx0" brushRef="#br0" timeOffset="-182685.25">1998 9671 0,'13'0'109,"40"0"-93,79 0-1,-13 0-15,40 0 0,-80-14 16,27 14 0,0 0-16,-80 0 15,-12 0 1,-1 0 31,27-13-32,92 13-15,27 0 16,-1 0-16,14 0 16,-106 0-16,93 0 15,-79-13-15,-41 13 16,-39-13-16,13-1 47,-13-25-32,0 12-15,0-26 16,0-39-16,0 65 16,27-65-16,-27 12 15,13 14-15,-13 40 16,13-27 0,-13 0-16,0 0 0,0 0 15,14 27 1,-1-27-16,0-27 15,-13 14-15,0 40 16,13-27-16,1-13 16,-1-14-16,0 67 15,-13 0-15,13 0 16,-13-1-16,27-12 16,-14 13-16,0 13 15,27 0-15,39-14 16,-52 14-16,92-13 15,26 13-15,-26 0 16,-53 0-16,54 0 16,-15 0-16,-39 0 15,67 0-15,-67 0 16,93 0-16,13 0 16,26 0-16,-132 0 15,93 0-15,-106 0 16,-13 0-16,-27 0 94,13 0-94,-12 27 15,-14 12 1,13-12-16,0 26 15,-13-40-15,13 66 16,-13-39-16,0 53 16,0-80-16,0 66 15,13 14-15,1-40 16,-14 39-16,0-78 16,0 65-16,0 14 15,0-1-15,0-39 16,0 40-16,0 12 15,0-38-15,13-41 16,0 53-16,14-52 16,-27-14-16,13 0 15,0 14 17,0-27-17,14 0-15,12 26 16,41 1-16,12-1 15,-52 1-15,92 26 16,-26-14 0,-13-12-16,52-1 15,-92-13-15,106 1 16,26-14-16,-66 0 16,-79 0-16,53 0 15,12 0-15,1 0 16,-66-14-16,79-25 15,0-1-15,0-26 16,-26 0-16,-54 52 16,28-65-16,-28 39 15,-12-26-15,-27 40 16,0-27-16,13-26 16,-13-1-16,0 54 15,0-67-15,0 53 16,0-26-1,0 40-15,0-14 0,13 0 16,14-39-16,-27 39 16,0 27-16,0-27 15,0 14-15,0-14 16,-14 14 0,-39-14-16,1-13 15,-28 53 1,40-26-16,-52 13 15,-54-1-15,1-25 16,118 39-16,-92 0 16,-66-27-16,0 14 15,79 0-15,-92-1 16,-27-25-16,26 12 16,120 14-16,-120-13 31,-264-27-31,411 53 15,-451 0 17,423 0-32,-343 0 15,172 0-15,145 0 16,-145 0 0,39 0-16,13 0 0,-105 0 78,132 0-47,-13 0-15,132 0-16,-40 0 15,-39 0-15,-132 0 31,65 0 1,120 0-17,-27 0 1,80 0-16,-14 26 31,13-13-31,1 27 0,-1-13 16,1-1-1,-14 40-15,-66 40 32,14-13-1,12 65-15,41 14 15,39-145-16,0-14 48</inkml:trace>
 </inkml:ink>
 </file>
 
@@ -654,17 +418,17 @@
     <inkml:context xml:id="ctx0">
       <inkml:inkSource xml:id="inkSrc0">
         <inkml:traceFormat>
-          <inkml:channel name="X" type="integer" max="3360" units="cm"/>
-          <inkml:channel name="Y" type="integer" max="1872" units="cm"/>
+          <inkml:channel name="X" type="integer" max="5120" units="cm"/>
+          <inkml:channel name="Y" type="integer" max="1800" units="cm"/>
           <inkml:channel name="T" type="integer" max="2.14748E9" units="dev"/>
         </inkml:traceFormat>
         <inkml:channelProperties>
-          <inkml:channelProperty channel="X" name="resolution" value="114.28571" units="1/cm"/>
-          <inkml:channelProperty channel="Y" name="resolution" value="112.77109" units="1/cm"/>
+          <inkml:channelProperty channel="X" name="resolution" value="174.14966" units="1/cm"/>
+          <inkml:channelProperty channel="Y" name="resolution" value="109.09091" units="1/cm"/>
           <inkml:channelProperty channel="T" name="resolution" value="1" units="1/dev"/>
         </inkml:channelProperties>
       </inkml:inkSource>
-      <inkml:timestamp xml:id="ts0" timeString="2020-09-24T17:03:38.390"/>
+      <inkml:timestamp xml:id="ts0" timeString="2021-10-08T02:24:12.856"/>
     </inkml:context>
     <inkml:brush xml:id="br0">
       <inkml:brushProperty name="width" value="0.05292" units="cm"/>
@@ -672,14 +436,7 @@
       <inkml:brushProperty name="color" value="#FF0000"/>
     </inkml:brush>
   </inkml:definitions>
-  <inkml:trace contextRef="#ctx0" brushRef="#br0">2963 1397 0,'0'0'0,"-15"0"0,-7-8 0,-394 123 15,318-39-15,22 0 16,-7 31-16,15-8 16,22-7-1,1 22-15,22-7 16,8-15-16,8 7 16,7-7-16,0-1 15,15-22 1,15-16-16,15 8 15,23 0-15,8-7 16,15-8 0,52 7-16,-37-15 15,45-7-15,23-8 16,-15-16 0,30-14-16,-60-9 15,52-14-15,-68-1 16,1-14-16,-1-9 15,-22 8-15,-31 0 16,8-30 0,-7-8-16,-16 8 15,-14 15-15,-9-15 16,-14-8 0,-8 7-16,-23 9 15,-7-1-15,0-7 16,-31-16-1,-30 8-15,-14 8 16,6 22-16,-44 1 16,14 22-16,-14 1 15,-39 15 1,1 15-16,-8 15 16,22 0-16,-29 16 15,-23 22-15,45 8 16,22-8-1</inkml:trace>
-  <inkml:trace contextRef="#ctx0" brushRef="#br0" timeOffset="10939.93">6577 4534 0,'0'0'0,"0"0"16,0 0-16,0 0 15,-8 0-15,1 0 16,-1 0-16,-7 0 16,0-8-1,-8 0-15,8 1 16,0-1-16,0 0 15,-8 1 1,-7-1-16,0 0 16,-8 1-16,-7-1 15,-1 8-15,1 8 16,0 7 0,7 0-16,-15 8 15,-8 15-15,-14 8 16,7 15-16,0 8 15,30-16 1,8-7-16,0 8 16,-8 7-16,8 0 15,7 0 1,15-8-16,1-7 16,14 0-16,1 7 15,7 16-15,8 7 16,22 8-1,15-7-15,31 6 16,-15-14-16,-1-8 16,39 8-1,-8-23-15,-46-31 16,46 0-16,45-22 16,-45-24-16,30-22 15,-15 7 1,-45 0-16,-1 0 15,1 0-15,7-22 16,-15-1-16,-15 8 16,-8 8-1,-7-8-15,-8-8 16,-15 0-16,-7-7 16,0 7-1,-16 0-15,-15-14 16,-30-9-16,-30 0 15,0 31-15,-45 8 16,-46 7 0,-46 38-16,62 24 15,-77 29-15,84-14 16</inkml:trace>
-  <inkml:trace contextRef="#ctx0" brushRef="#br0" timeOffset="30864.21">8119 5152 0,'0'0'0,"0"0"16,8 0 0,14-8-16,9 0 15,22-7-15,15-8 16,0-7-1,-8-1-15,46-22 16,53-16-16,-31-15 16,69-15-16,-91 38 15,0 7 1,45 1-16,-53 7 16,0 16-16,23-1 15,-60 16-15,-61 15 16</inkml:trace>
-  <inkml:trace contextRef="#ctx0" brushRef="#br0" timeOffset="31463.11">8308 6480 0,'0'0'16,"15"-8"-16,23 0 15,8-14-15,6-9 16,77-22-1,15-24-15,-1-14 16,61-16-16,-83 15 16,99-53-16,-62 54 15,39 7 1,-84 15-16,61-15 16,-30 15-16</inkml:trace>
-  <inkml:trace contextRef="#ctx0" brushRef="#br0" timeOffset="32425.38">9472 7655 0,'8'-8'15,"22"-14"-15,46-32 16,52-7 0,-14-15-16,-8-8 15,37 0-15,-22 23 16,-7 7-1,22-14-15,-30-1 16,-38 16-16,0 14 16,0 9-16,-68 30 15</inkml:trace>
-  <inkml:trace contextRef="#ctx0" brushRef="#br0" timeOffset="32936.57">9344 8869 0,'7'0'15,"39"-8"-15,14-15 16,16-15 0,68-23-16,-31 7 15,-30 1-15,61-23 16,15-24-16,-39 17 15,17 6 1,-24 9-16,-37-9 16,7 9-16,7 14 15,-90 54 1</inkml:trace>
-  <inkml:trace contextRef="#ctx0" brushRef="#br0" timeOffset="33587.37">9820 10067 0,'0'0'16,"23"-15"-16,15-16 15,37-38-15,54-22 16,-8 14-16,0 9 15,45-31 1,-68 15-16,38-16 16,-7 16-16,-31 8 15,-22 7 1,-16 31-16,-22 15 16,-38 23-16</inkml:trace>
-  <inkml:trace contextRef="#ctx0" brushRef="#br0" timeOffset="34053.54">9563 11586 0,'0'0'0,"0"0"15,0 0-15,23-8 16,37-15 0,31-15-16,0-15 15,-8-16-15,53-30 16,0 15-1,15-16-15,53-22 16,-60 23-16,105-46 16,24-7-16,-152 90 15</inkml:trace>
+  <inkml:trace contextRef="#ctx0" brushRef="#br0">4485 6376 0,'39'0'125,"1"0"-109,53-13-16,39 13 16,-13 0-16,119 0 15,-106 0-15,239 0 16,264 0-16,-40-53 15,-383 53-15,515-79 16,-65 39-16,-146-13 16,-119 40-16,-305 0 15,80-14 1,-53 27-16</inkml:trace>
 </inkml:ink>
 </file>
 
@@ -689,17 +446,17 @@
     <inkml:context xml:id="ctx0">
       <inkml:inkSource xml:id="inkSrc0">
         <inkml:traceFormat>
-          <inkml:channel name="X" type="integer" max="3360" units="cm"/>
-          <inkml:channel name="Y" type="integer" max="1872" units="cm"/>
+          <inkml:channel name="X" type="integer" max="5120" units="cm"/>
+          <inkml:channel name="Y" type="integer" max="1800" units="cm"/>
           <inkml:channel name="T" type="integer" max="2.14748E9" units="dev"/>
         </inkml:traceFormat>
         <inkml:channelProperties>
-          <inkml:channelProperty channel="X" name="resolution" value="114.28571" units="1/cm"/>
-          <inkml:channelProperty channel="Y" name="resolution" value="112.77109" units="1/cm"/>
+          <inkml:channelProperty channel="X" name="resolution" value="174.14966" units="1/cm"/>
+          <inkml:channelProperty channel="Y" name="resolution" value="109.09091" units="1/cm"/>
           <inkml:channelProperty channel="T" name="resolution" value="1" units="1/dev"/>
         </inkml:channelProperties>
       </inkml:inkSource>
-      <inkml:timestamp xml:id="ts0" timeString="2020-09-24T17:09:33.964"/>
+      <inkml:timestamp xml:id="ts0" timeString="2021-10-08T02:24:24.569"/>
     </inkml:context>
     <inkml:brush xml:id="br0">
       <inkml:brushProperty name="width" value="0.05292" units="cm"/>
@@ -707,10 +464,12 @@
       <inkml:brushProperty name="color" value="#FF0000"/>
     </inkml:brush>
   </inkml:definitions>
-  <inkml:trace contextRef="#ctx0" brushRef="#br0">8452 7289 0,'0'0'16,"0"0"-16,-8 7 15,-14 9 1,-1-1-16,8 8 16,0 0-16,0-8 15,7 0 1,0 8-16,1 0 16,7 0-16,7 7 15,9 9-15,6-1 16,9 8-1,6-1-15,1-14 16,7-1-16,16-7 16,22-7-1,0-9-15,0-7 16,16-7-16,-1-9 16,-22 1-16,-16-8 15,1 8 1,-9-8-16,1 0 15,-7 0-15,-8-7 16,-8 7-16,-8 0 16,-6 8-1,-1-8-15,-8 0 16,-7 0-16,-7 0 16,-16-15-1,-22-8-15,-16 8 16,-7 7-16,-38 16 15,-15 7-15,16 24 16,-32 14 0,9 8-16,37 8 15,-30 8-15,0 7 16,121-61 0</inkml:trace>
-  <inkml:trace contextRef="#ctx0" brushRef="#br0" timeOffset="1211.38">21137 8189 0,'0'0'16,"-7"-7"-16,-16-9 16,-15-14-1,-15-1-15,0 9 16,8-1-16,0 0 16,-23 7-16,-38 1 15,8 23 1,14 7-16,-44 23 15,37-7-15,23-1 16,23 1 0,7-1-16,8 1 15,7-1-15,8 1 16,15-1 0,7 9-16,16-1 15,38 15-15,52-7 16,16-8-16,29-7 15,-52-24 1,23 1-16,22-8 16,-45-15-16,-1-1 15,16-22-15,-30-8 16,-30-7 0,-8 0-16,-16 7 15,-6 8-15,-16 0 16,-15-8-1,-15 0-15,-53-23 16,-91-7-16,15 0 16</inkml:trace>
-  <inkml:trace contextRef="#ctx0" brushRef="#br0" timeOffset="2769.31">9979 9891 0,'0'0'0,"0"0"15,0 0-15,0-7 16,-15-9-16,-8-6 16,-30-17-1,-30 1-15,7 8 16,-14-1-16,-31 1 15,15 14-15,-38-7 16,-45 1 0,8 14-16,-1 16 15,69-1-15,-46 8 16,16 1 0,14 7-16,1 15 15,37-8-15,0 16 16,-15 15-1,16-7-15,29-9 16,8 1-16,23 0 16,7 23-16,16-1 15,22 1 1,30 7-16,46 8 16,-15-23-16,37 8 15,38-15-15,0-24 16,46-15-1,-38-7-15,37-16 16,1-15-16,-1-7 16,-44-1-16,21-14 15,16-9 1,-15 8-16,-68 8 16,15-23-16,-8-15 15,-29 22 1,-31 9-16,-16 6 15,-14 1-15,-15-8 16,-24-22-16,-44-16 16,-69-8-1,-52 8-15,-84 23 16,-29 23-16,-77 15 16,258 16-16</inkml:trace>
-  <inkml:trace contextRef="#ctx0" brushRef="#br0" timeOffset="3986.14">21568 9059 0,'0'0'16,"0"0"-16,0 0 15,-15-7-15,-23-8 16,-37-16-1,-24 0-15,-29 1 16,-31-1-16,46 9 16,-76-17-1,22 24-15,-22 15 16,53 8-16,30 15 16,-30 0-16,15 15 15,31 7 1,7 17-16,7 6 15,23-7-15,23-15 16,15-8 0,7 8-16,23 15 15,31 8-15,22-8 16,45 8 0,31-24-16,-31-14 15,69-1-15,-16-22 16,15 0-16,-75-16 15,53-7 1,7-23-16,-7-1 16,7-14-16,-60 0 15,30-1-15,-7 8 16,-23 8 0,-38 0-16,-16 0 15,-14 7-15,-15 1 16,-15-1-1,-31-7-15,-53-15 16,-120-16-16,-16 38 16,-158 31-16,120 31 15,99-16 1</inkml:trace>
+  <inkml:trace contextRef="#ctx0" brushRef="#br0">7541 6853 0,'53'0'78,"105"-14"-78,-78 1 16,39 13-16,145 0 16,94 0-16,-200 0 15,266 0-15,78 0 16,-65 0-16,-331 0 16,105 0-16,-52 0 15,-146 0-15</inkml:trace>
+  <inkml:trace contextRef="#ctx0" brushRef="#br0" timeOffset="3225.56">7964 8215 0,'0'-13'78,"0"0"-62,79-14-16,1-26 15,78 27-15,-91 13 16,65 0 0,252-14-1,-40-13-15,-225 40 16,185 0-16,93 0 15,26 0-15,-277 0 16,145 0-16,0 0 16,-40 0-16,-158 0 15,79 0-15,-27 0 16,-13 0-16,-92 0 16,0 0-16,-27 0 15</inkml:trace>
+  <inkml:trace contextRef="#ctx0" brushRef="#br0" timeOffset="6491.01">9816 9737 0,'0'13'31,"27"0"-15,65-13-16,-52 13 15,92 27-15,-13-27 16,13 14-16,27-1 15,-79 1-15,52-1 16,13-13-16,-12 1 16,-94-1-16,-25-13 15</inkml:trace>
+  <inkml:trace contextRef="#ctx0" brushRef="#br0" timeOffset="9130.37">7422 10821 0,'26'0'0,"27"-13"15,13 13-15,40-13 16,13-13-16,-40 26 15,80 0-15,-40 0 16,53 0-16,-79 0 16,145 0-16,53 0 15,106 0-15,-278 0 16,198 0-16,54 0 16,-54 0-16,-211 0 15,93 0-15,-27 0 16,-14 0-16,-52-14 15,-79 14-15,52-13 16,0 13-16,-13 0 16,-39 0-16,39-13 15,0 13-15,-13 0 16,-40-13 0,14 13-16,-14 0 15,0 0-15</inkml:trace>
+  <inkml:trace contextRef="#ctx0" brushRef="#br0" timeOffset="13450.01">2606 10927 0,'80'0'63,"25"0"-48,54 0-15,13 0 16,-13 0-16,-67 0 16,199 0-16,146 0 15,66 0-15,-331 0 16,251 0-16,0 0 16,14 0-16,-331 0 15,158 0 1,-39 0-16,-53 0 15,-13 0-15,-146 0 16,53-26-16,-39 13 16,-1-1-16</inkml:trace>
+  <inkml:trace contextRef="#ctx0" brushRef="#br0" timeOffset="17041.93">3122 12237 0,'132'-13'157,"-26"13"-142,-26 0-15,105-13 16,26 13-16,54 0 16,-159-14-16,106 14 15,-1 0-15,54 0 16,-14 0-16,-171 0 15,144 0-15,28 0 16,-41 0 0,-118 0-16,119 0 0,13 0 15,26 0-15,-132 0 16,172 0 0,79 0-16,-12 0 15,-41 0-15,-211 0 16,198 0-16,-52 0 15,-1 0-15,-158 0 16,79 0-16,0 0 16,-14 0-16,-105 0 15,80 0-15,-28 0 16,14 0-16,-79 0 16,53 0-16,13 0 15,-54 0-15,1 0 16,-26 0-16,13 0 15,-14 0-15,40 0 16,-39 0-16,52-26 16,14 26-16,-1-13 15,-79 13-15,106-14 16,-52-25-16,-1 39 16,0 0-16,-53 0 15,0 0-15</inkml:trace>
 </inkml:ink>
 </file>
 
@@ -720,63 +479,26 @@
     <inkml:context xml:id="ctx0">
       <inkml:inkSource xml:id="inkSrc0">
         <inkml:traceFormat>
-          <inkml:channel name="X" type="integer" max="3360" units="cm"/>
-          <inkml:channel name="Y" type="integer" max="1872" units="cm"/>
+          <inkml:channel name="X" type="integer" max="5120" units="cm"/>
+          <inkml:channel name="Y" type="integer" max="1800" units="cm"/>
           <inkml:channel name="T" type="integer" max="2.14748E9" units="dev"/>
         </inkml:traceFormat>
         <inkml:channelProperties>
-          <inkml:channelProperty channel="X" name="resolution" value="114.28571" units="1/cm"/>
-          <inkml:channelProperty channel="Y" name="resolution" value="112.77109" units="1/cm"/>
+          <inkml:channelProperty channel="X" name="resolution" value="174.14966" units="1/cm"/>
+          <inkml:channelProperty channel="Y" name="resolution" value="109.09091" units="1/cm"/>
           <inkml:channelProperty channel="T" name="resolution" value="1" units="1/dev"/>
         </inkml:channelProperties>
       </inkml:inkSource>
-      <inkml:timestamp xml:id="ts0" timeString="2020-09-24T17:08:53.339"/>
+      <inkml:timestamp xml:id="ts0" timeString="2021-10-08T02:27:09.221"/>
     </inkml:context>
     <inkml:brush xml:id="br0">
       <inkml:brushProperty name="width" value="0.05292" units="cm"/>
       <inkml:brushProperty name="height" value="0.05292" units="cm"/>
       <inkml:brushProperty name="color" value="#FF0000"/>
     </inkml:brush>
-    <inkml:brush xml:id="br1">
-      <inkml:brushProperty name="width" value="0.05292" units="cm"/>
-      <inkml:brushProperty name="height" value="0.05292" units="cm"/>
-      <inkml:brushProperty name="color" value="#0070C0"/>
-    </inkml:brush>
   </inkml:definitions>
-  <inkml:trace contextRef="#ctx0" brushRef="#br0">1761 6609 0,'0'0'0,"0"0"16,0 0-16,0 0 16,8 0-1,7 8-15,8 0 16,15-1-16,-1 1 16,-6-8-1,-1 0-15,23 8 16,30-1-16,8 1 15,-8-8 1,8 0-16,14 0 16,9-8-16,-39 1 15,24-9-15,29-7 16,-22 8 0,0 0-16,22 0 15,-22 7-15,-23 0 16,31 1-16,14 7 15,-29 7 1,6 1-16,16 0 16,-37-1-16,-9 1 15,31 0-15,0-1 16,-8 1 0,8-1-16,7 1 15,-7 0-15,-23-8 16,31 7-1,-8-7-15,-1 0 16,-6 0-16,14 0 16,-15 0-16,-15 0 15,16 0-15,7 8 16,-8 0 0,0-1-16,8 1 15,0-8-15,-38 0 16,15 0-1,23 0-15,0 0 16,-16 8-16,9-1 16,-1 8-1,-7 1-15,-31-9 16,16 9-16,14-9 16,9 1-16,-16 0 15,23-8 1,0 0-16,-8 0 15,-38 0-15,23 0 16,1-8-16,14 8 16,-7 0-1,-1-8-15,16 1 16,-15-1-16,-15 0 16,-1-7-1,8-8-15,8 0 16,-23-7-16,0-1 15,-7 1-15,7-1 16,-8 1 0,8-1-16,-15 8 15,-8 0-15,-7 0 16,8-7-16,6-8 16,-6 0-1,-1-8-15,-15 8 16,1-1-16,-9 1 15,1 8-15,0-8 16,-1-16 0,-7-7-16,1 0 15,-9 0-15,1 8 16,-1-1 0,-7-15-16,0-7 15,0 0-15,-7 7 16,-1-7-16,1-23 15,-1 7 1,-7 23-16,0 1 16,0 7-16,-8-8 15,0 8 1,1 7-16,-9 9 16,1 6-16,0 9 15,0 7 1,-16 0-16,-22-7 15,-7 7-15,-8 0 16,-8 0-16,-15 8 16,0-1-1,0 1-15,-30 7 16,-15 8-16,-8-7 16,1 7-16,21-8 15,-52 8 1,8 8-16,-16-16 15,16 16-15,-38-1 16,7-7-16,23 8 16,-7 0-1,-39-1-15,31 1 16,30-16-16,-30 8 16,8-7-1,-9-1-15,47 0 16,-62-14-16,24-1 15,14 7-15,9 1 16,-24 0 0,16 0-16,22 7 15,30 0-15,-22 1 16,15 7-16,-8-8 16,16 0-1,30 1-15,-16-1 16,8 8-16,1-7 15,21-1-15,1 8 16,8 0 0,7 8-16,15-8 15,15 7-15,0 1 16,0-1 0,0 1-16,1 7 15,6 8-15,-6 8 16,6 7-1,1 0-15,0 8 16,0 15-16,7 31 16,8-1-16,7-7 15,1 8 1,-1 15-16,8-8 16,0-23-16,8 8 15,-1 15-15,1-15 16,-1-7-1,1 6-15,0 32 16,-1-8-16,1-23 16,-1 46-1,8-1-15,-7 1 16,7 30-16</inkml:trace>
-  <inkml:trace contextRef="#ctx0" brushRef="#br0" timeOffset="18829.41">17932 4602 0,'0'0'16,"0"0"-16,0 0 16,0 0-16,0 0 15,-8 0 1,1 0-16,-8-7 16,-8-1-16,-7 0 15,-8 1 1,-7-1-16,-1 8 15,1 0-15,-1 0 16,-6 0-16,-1 0 16,-15 0-1,0 0-15,22 0 16,8 8-16,-14-1 16,-9 1-16,-7 0 15,0-8 1,0 7-16,7 1 15,-7 7-15,0 0 16,-7 1 0,7-1-16,22 0 15,9 0-15,-9 8 16,-7 0-16,0 0 16,0 0-1,1 0-15,-1 0 16,7 0-16,1 0 15,-8 0 1,0-1-16,8 1 16,-1 0-16,9 8 15,-9-1 1,8 1-16,8 7 16,-8 0-16,-7 8 15,-8-8-15,8-7 16,-1-1-1,1 1-15,7-1 16,-7 16-16,7-8 16,-7 8-16,-1 0 15,-7-8 1,8 0-16,0 0 16,7-7-16,8-1 15,7 8 1,0 1-16,1-1 15,-1 8-15,-7-8 16,-1 0-16,1 0 16,8 0-1,-9 0-15,9 8 16,-1 0-16,0 0 16,1 0-16,6-8 15,1-8 1,0 1-16,0 7 15,0 0-15,0 8 16,0 0 0,7-1-16,1 1 15,-1-8-15,0 1 16,1 6-16,-1 1 16,-7 15-1,8 0-15,-1 8 16,1-16-16,-1 8 15,0 8 1,1 15-16,7-15 16,0-16-16,0 1 15,7-1 1,1 8-16,0 8 16,-1-1-16,1-6 15,-1 6-15,8 16 16,0 8-1,1-8-15,6-23 16,1 7-16,0 1 16,-1 7-16,9-14 15,-9-17 1,1-7-16,0 1 16,-8-1-16,7 0 15,1 0 1,0 8-16,-8-8 15,8 8-15,-8 0 16,-8-16 0,1-7-16,7 8 15,0-1-15,0 1 16,8-8-16,-8-1 16,8 9-1,-8-8-15,7 7 16,-6-7-16,-1 8 15,7 7-15,1-7 16,-8-1 0,8 1-16,7 7 15,0 0-15,1 8 16,-1 0 0,0-1-16,0 1 15,1-8-15,6-7 16,-6-1-16,6 1 15,1-1 1,-8-7-16,1 0 16,6 0-16,1 0 15,0 7 1,15-7-16,0 0 16,0 0-16,0 0 15,7 0-15,1 0 16,7 0-1,0-8-15,-8 0 16,-14 1-16,6-1 16,17 0-1,6 0-15,1 1 16,-8-1-16,15 0 16,-7-7-1,7 7-15,-8 0 16,-22 1-16,8-1 15,-1 8-15,8-8 16,0 0 0,0-7-16,-7 0 15,-1-1-15,8 1 16,15-8-16,-7 0 16,-23-8-1,15 1-15,23-9 16,7 1-16,-15 0 15,-7-8 1,14 0-16,1-8 16,-8 9-16,-37 6 15,29-7-15,8-7 16,1-8 0,-1-8-16,-15 8 15,7-8-15,1 0 16,-8 8-1,0 0-15,-23 7 16,-7 1-16,15-16 16,0-7-1,0-9-15,15 1 16,-15 8-16,0 0 16,-8-8-16,1-1 15,-1-6 1,-7 14-16,-8 1 15,0-1-15,8-7 16,0-30-16,0 7 16,-8 15-1,-7-7-15,-1-8 16,-7-8-16,-7 16 16,-1-31-1,1-23-15,-8 24 16,8 14-16,-8-30 15,0 15 1,0 23-16,-8-23 16,0-23-16,8 46 15,-15-7-15,0-16 16,-7-7 0,-9 7-16,-7-23 15,-7 0-15,7 23 16,-15-15-16,0-7 15,8 37 1,-8-30-16,-7-8 16,7 31-16,-8-8 15,8-7 1,8 14-16,0 16 16,-23-30-16,7-16 15,1 39-15,-8-24 16,0 1-1,0 7-15,0 23 16,-16 0-16,16 0 16,8 8-1,-23 7-15,-8 15 16,-22-14-16,-1 7 16,-29-8-16,29 16 15,-45-1 1,1 8-16,-31 23 15,0 16-15,-99 30 16,152-8 0</inkml:trace>
-  <inkml:trace contextRef="#ctx0" brushRef="#br0" timeOffset="22336.17">21568 4793 0,'0'0'0,"0"0"16,0-8-16,0-7 15,0 0-15,-7-8 16,-1 0 0,0 0-16,1 0 15,-1 0-15,-14-7 16,-9-1-16,-14 1 16,-15-8-1,-8 7-15,-16 1 16,-21 7-16,-1 7 15,30 9-15,-15-8 16,-14 7 0,-1 8-16,0 0 15,-23 0-15,16 8 16,30-1 0,-31 8-16,-14 16 15,15-8-15,-1 0 16,-14 7-1,37-7-15,8 8 16,-31 7-16,9 8 16,21-1-1,-6 16-15,-16-7 16,0-1-16,45-14 16,-7 14-16,-7 16 15,-16 7 1,16-7-16,6-16 15,1 0-15,0 9 16,-15 22-16,8-1 16,29-21-1,1 14-15,0 15 16,-8 9-16,0-9 16,7-7-1,-7 23-15,8-15 16,15-24-16,0 1 15,-8 7-15,8 16 16,7-16 0,0-15-16,8 8 15,0 15-15,-8 23 16,8-31-16,8 8 16,-8 38-1,-1-15-15,1-15 16,8 30-16,-1 0 15,8-38 1,0 0-16,8 23 16,-1-8-16,1-23 15,15 23 1,7 16-16,-8-24 16,1-7-16,15 46 15,-15-23-15,7-15 16,0-8-1,8 7-15,7-7 16,1-23-16,-9-15 16,-6-8-1,6 8-15,1 0 16,15 15-16,15 7 16,0-7-16,-15-15 15,8 8 1,7-9-16,15 17 15,0-9-15,-7 8 16,-31-23-16,23 8 16,23-8-1,-1-7-15,-6-8 16,21 7-16,1-7 16,-15-8-1,-15 1-15,22 6 16,30 17-16,-37-17 15,7 1 1,38 0-16,-30-7 16,-23-9-16,46 1 15,-8-8-15,-15-15 16,7-8 0,16-8-16,-46 1 15,15-1-15,31 1 16,-8-9-1,-8 1-15,15-15 16,-14-8-16,-1 0 16,31 0-16,-31 7 15,1 1 1,-1-24-16,-22 9 16,-16 7-16,9 0 15,14-8 1,-15 0-16,8-15 15,-8-7-15,0 7 16,-7-8-16,-8 1 16,-15 7-1,-23 23-15,0-23 16,0-16-16,-7 9 16,0 7-16,-1-8 15,-7-15 1,1 8-16,-1-8 15,-8-45-15,-7 37 16,0-22 0,-7-8-16,-1 30 15,1-14-15,-16-16 16,8 38 0,-8-23-16,0 0 15,8 31-15,-23-31 16,-7-15-1,-8 16-15,-22-24 16,-1 15-16,0 16 16,-14-30-16,-9 37 15,9-7 1,7 0-16,-23 8 16,-8 7-16,-44-31 15,-1 16-15,30 31 16,-105-47-1,-31 24-15,16 30 16,-174-15-16,332 76 16</inkml:trace>
-  <inkml:trace contextRef="#ctx0" brushRef="#br0" timeOffset="25780.56">18098 5694 0,'0'0'0,"8"0"16,14-8-16,1 0 16,15 1-1,7-1-15,16-7 16,7 0-16,7-8 16,-14 0-16,-8 0 15,15-8 1,7 1-16,1 7 15,0 0-15,-16 0 16,1 0 0,-8 8-16,-1 0 15,-14 7-15,-8 0 16,-7 1-16,-8 7 16,-7 0-1,-8 0-15</inkml:trace>
-  <inkml:trace contextRef="#ctx0" brushRef="#br0" timeOffset="26290.9">17592 6739 0,'7'0'0,"39"-15"16,37-16-16,-15 1 15,23-16-15,29-7 16,-6-1 0,-1 1-16,31-1 15,-23 9-15,30-16 16,8-8-16,-31 15 15,8 9 1,-22 14-16,-46 8 16,7 8-16,1 0 15,-15-1-15,-24 9 16,-14-1 0,-8 8-16,-7 0 15,-8 0-15,0 0 16</inkml:trace>
-  <inkml:trace contextRef="#ctx0" brushRef="#br0" timeOffset="26814.71">17728 7495 0,'0'0'0,"0"0"16,0 0-16,22 0 15,16-8 1,-8 1-16,23-16 16,31-15-16,21-16 15,-6-7 1,14 0-16,38 0 15,-45 7-15,68-29 16,-8-1 0,-14 15-16,14 8 15,-91 23-15,24 0 16,-9 7-16,-14 8 16,-23 0-1,-15 8-15,-8 7 16,-15 1-16,-7-1 15,-8 8-15</inkml:trace>
-  <inkml:trace contextRef="#ctx0" brushRef="#br0" timeOffset="27364.89">17728 8304 0,'0'0'16,"0"0"-16,0 0 16,22-8-1,16-7-15,8-8 16,52-15-1,46-23-15,-16-8 16,31-15-16,-23 16 16,0-1-16,53-30 15,-23-1-15,1 24 16,-77 23 0,39-16-16,-8 0 15,-31 16-15,-6 7 16,-24 8-16,-15 15 15,-14 8 1,-9 7-16,-6 0 16,-16 8-16,0 0 15,0 0 1</inkml:trace>
-  <inkml:trace contextRef="#ctx0" brushRef="#br0" timeOffset="28064.79">17894 9250 0,'0'0'0,"0"0"15,0 0 1,0 0-16,0 0 16,0 0-16,0 0 15,15-7 1,31-9-16,37-22 16,7-8-16,16-15 15,38 0 1,-16 0-16,16-15 15,45-31-15,-30 23 16,30 0-16,-76 15 16,61-7-1,-45 7-15,-1 8 16,1 8-16,-46 22 16,-30 9-16,-8-1 15,-7 7 1,-15 1-16,-16 7 15,-7 8-15</inkml:trace>
-  <inkml:trace contextRef="#ctx0" brushRef="#br0" timeOffset="49813.86">1958 9670 0,'0'0'15,"0"0"-15,0 0 16,0 0-16,0 0 15,0 0-15,0 0 16,0 0 0,0 0-16,0 0 15,8 0-15,7 0 16,7 0 0,16 0-16,15 0 15,8 8-15,7-1 16,-8 1-1,8 0-15,23-1 16,15 1-16,-38-1 16,22 1-16,16-8 15,8 0 1,-1 0-16,16 0 16,-8 0-16,-38 0 15,53 0-15,7 0 16,-14 0-1,15 0-15,-31 0 16,0 0-16,31 0 16,-23 0-16,23 0 15,-8 0 1,-38 0-16,46 0 16,7 0-16,8 8 15,-1-1 1,-52 1-16,38 0 15,-8 7-15,-8 0 16,31 8 0,-38-8-16,-30 1 15,37 6-15,8-6 16,0-1-16,8 0 16,-38 1-16,7-1 15,31 0 1,-23-7-16,15 7 15,0-7-15,-53-1 16,23 1 0,7-8-16,16 0 15,-23 0-15,22 7 16,-14-7-16,-16 0 16,23 0-1,7 8-15,-7-8 16,16 0-16,-24 0 15,-15 0 1,46 0-16,-16 0 16,-14 0-16,22-8 15,-30 1-15,7-8 16,46-1 0,-23-7-16,-8 1 15,8-17-15,-30 1 16,-7 0-16,-9 0 15,-14 0 1,-16 0-16,-7-1 16,-7-6-16,-9-1 15,1-8-15,-8 1 16,1 7 0,-9 0-16,-6-7 15,-9 0-15,-7-9 16,-7 9-1,-16 0-15,-15 7 16,-15 0-16,-15 8 16,-30-8-16,15 16 15,-31-1 1,-22 0-16,0 1 16,-30-1-16,22 9 15,-30-1-15,-30 0 16,0 0-1,38 8-15,-69-1 16,46 1-16,-60 7 16,7 1-1,0-1-15,8 1 16,52-1-16,-67 0 16,-1 8-1,39-7-15,-77 7 16,39 0-16,83-8 15,-99 8-15,0 0 16,92 0 0,-69 0-16,22 0 15,31-8-15,-53 16 16,31-16-16,-8 8 16,22-7-1,-22 14-15,0-7 16,67 0-16,-59 8 15,37 0-15,-15 7 16,60-7 0,-29 14-16,6 1 15,16 8-15,-15 15 16,30 7 0,8 8-16,-31 0 15,31 8-15,22 15 16,-7 15-16,7 0 15,91-99 1</inkml:trace>
-  <inkml:trace contextRef="#ctx0" brushRef="#br0" timeOffset="51696.62">3704 9998 0,'0'0'0,"-15"-7"16,-7-1-16,-16-7 15,0-1-15,0-14 16,-7-1 0,-8 1-16,-15-8 15,7 7-15,-14 1 16,-1-1 0,-15 8-16,8 8 15,0 7-15,15 1 16,0-1-16,-15 8 15,0 0 1,0 0-16,7 0 16,-22 8-16,-8-1 15,30 1 1,16 15-16,-16 0 16,-7 7-16,-8 16 15,8 7-15,15 1 16,-8 7-1,8 0-15,8 15 16,15 1-16,14-16 16,16-8-16,-7-7 15,14 7 1,8 1-16,8-1 16,14-7-16,8-8 15,8 8-15,15-8 16,23 8-1,22-8-15,8 0 16,-15-7-16,30-1 16,15 8-1,7-15-15,24 8 16,-39-16-16,38 8 16,8 0-16,15 0 15,-15 0 1,-7 0-16,29-1 15,-7 1-15,-7 0 16,6 8-16,9-1 16,15 9-1,-54-1-15,47 0 16,-1-15-16,7 7 16,-37-7-1,61 0-15,-31-8 16,-23 1-16,8-1 15,23 0-15,15 0 16,-76-7 0,91 0-16,-8-1 15,-52-14-15,22 7 16,0-8 0,7 0-16,-52 1 15,45-9-15,-30 1 16,30-8-16,-68 0 15,68-22 1,-30 6-16,30-14 16,-75 15-16,30-8 15,0 8-15,-31 0 16,8-8 0,-22 8-16,-31 0 15,0-16-15,0 8 16,-15 1-1,-15 6-15,-8 1 16,-14 0-16,-1-8 16,-8 1-16,-6-1 15,-16 0 1,-8 8-16,-15-16 16,-14 1-16,-47-31 15,-6 8 1,-24-1-16,-44 9 15,6 22-15,-22 0 16,46 16-16,-61 7 16,0 0-1,-30 0-15,60 15 16,-106-7-16,61 7 16,0 1-16,-45-1 15,7 8 1,30-8-16,-53 8 15,46 0-15,0-7 16,7-1 0,-37 1-16,-16-16 15,106 15-15,-60-7 16,23-1-16,7 1 16,-46 0-1,-14 7-15,30 1 16,-69 14-16,24 16 15,-1 8-15,122-8 16</inkml:trace>
-  <inkml:trace contextRef="#ctx0" brushRef="#br0" timeOffset="54871.05">2759 7647 0,'0'0'15,"0"0"-15,0 0 16,0 0-16,0 0 16,0 0-16,0 0 15,0 0 1,0 0-16,0 0 16,8-15-16,30-15 15,30-16 1,22-8-16,-6-7 15,-9-7-15,8-1 16,-7 16-16,-23 14 16,-15 17-16,-16 6 15,-7 1 1,-15 15-16</inkml:trace>
-  <inkml:trace contextRef="#ctx0" brushRef="#br0" timeOffset="55232.23">2714 7670 0,'0'0'0,"0"0"16,0 0-1,8-7-15,-1-16 16,1 0-16,-1-8 16,1 1-16,-1-1 15,-7 8 1,0 8-16,0 0 15,0 15-15,0 0 16,0 0-16,8 0 16,15 0-1,-23 0-15</inkml:trace>
-  <inkml:trace contextRef="#ctx0" brushRef="#br0" timeOffset="55944.28">7356 7617 0,'0'0'15,"0"0"-15,0 0 16,0 0-1,22-8-15,16-15 16,30-7-16,0-1 16,8-7-1,-16 0-15,8-23 16,8 0-16,-8 15 16,0 8-16,-15 7 15,-8 16 1,-14 0-16,-9 7 15,-7 8-15,-15 0 16</inkml:trace>
-  <inkml:trace contextRef="#ctx0" brushRef="#br0" timeOffset="56330.56">7310 7640 0,'0'0'16,"0"0"-16,0 0 15,0 0 1,0 0-16,0 0 15,8-8-15,-1 1 16,1-1-16,0-7 16,-1-1-1,1-6-15,-8 6 16,0 9-16,0-1 16,0 8-1,0 0-15,0 0 16,0 0-16,0 0 15,0 0-15,7 0 16,-7 0 0</inkml:trace>
-  <inkml:trace contextRef="#ctx0" brushRef="#br0" timeOffset="85565.92">18650 5060 0,'0'0'0,"0"0"16,0 0-16,0 0 16,0 8-1,0-1-15,0 9 16,0-1-16,8 8 15,14 0-15,16 7 16,30 8 0,8 1-16,-8-1 15,23 8-15,7 7 16,0 0-16,-30-7 16,15 8-1,0-1-15,1-7 16,-16-8-16,-15-15 15,-53-23 1</inkml:trace>
-  <inkml:trace contextRef="#ctx0" brushRef="#br0" timeOffset="86050.5">18166 5556 0,'0'0'0,"0"0"15,8 8-15,-1 0 16,8 7-16,16 8 16,14 0-1,23 15-15,23 8 16,0 7-16,14 16 15,39 7 1,-23-23-16,30 8 16,0 8-16,-52-15 15,52 22-15,-30-23 16,-23-15 0,8 8-16,-8-8 15,-45-15-15,-15 0 16,-38-23-1</inkml:trace>
-  <inkml:trace contextRef="#ctx0" brushRef="#br0" timeOffset="86518.02">17743 6434 0,'0'0'0,"0"0"16,15 0-16,15 15 16,8 8-16,30 8 15,45 22 1,-7 0-16,-15 1 16,38 7-16,-1 0 15,-30 8 1,46 15-16,7-16 15,16-7-15,-9-15 16,-67-15-16,45 7 16,0 0-1,-45-15-15,7 7 16,-15-7-16,-30-15 16,-53-8-16</inkml:trace>
-  <inkml:trace contextRef="#ctx0" brushRef="#br0" timeOffset="86983.83">17690 7388 0,'0'0'15,"38"8"-15,22 15 16,16 7-16,60 16 16,23 7-1,7 1-15,0 7 16,-45-8 0,61 16-16,-31-16 15,38 1-15,-91-16 16,46 8-16,15-1 15,-69-22 1,54 0-16,-38-15 16,-46 0-16,-14-8 15,-46 0-15</inkml:trace>
-  <inkml:trace contextRef="#ctx0" brushRef="#br0" timeOffset="87425.48">17894 8403 0,'0'0'0,"8"15"15,22 8-15,38 15 16,45 8-16,1-8 15,22-7 1,-30-8-16,-1-8 16,54 8-16,-38 0 15,38 7 1,0-7-16,-84-7 16,31-1-16,8 0 15,-31-7 1,-15-1-16,-68-7 15</inkml:trace>
-  <inkml:trace contextRef="#ctx0" brushRef="#br0" timeOffset="87789.31">18491 9311 0,'0'0'16,"15"8"-16,23 15 16,23 7-16,37 1 15,15-16-15,-113-15 16</inkml:trace>
-  <inkml:trace contextRef="#ctx0" brushRef="#br0" timeOffset="126976.7">18204 5365 0,'0'0'0,"0"0"0,0 0 16,159 8-16,-46-16 16,-7-7-16,75-8 15,-29 8-15,14-8 16,-37 8-1,-39 0-15,16 7 16,-15 0-16,-23 8 16,-30 0-16,-38 0 15</inkml:trace>
-  <inkml:trace contextRef="#ctx0" brushRef="#br0" timeOffset="127469.75">18166 6358 0,'0'0'0,"30"-16"15,54-14 1,67-1-16,-53 1 16,106 7-16,-45-8 15,68-7-15,-121 15 16,45 0-1,0 8-15,-30-8 16,23 8-16,-61 7 16,-83 8-1</inkml:trace>
-  <inkml:trace contextRef="#ctx0" brushRef="#br0" timeOffset="127928.47">18265 7006 0,'0'0'0,"0"0"15,30 0-15,45 0 16,31 0-16,-23-7 16,61 7-16,-8-16 15,-15-6 1,60-9-16,-90 8 16,53-7-16,22-1 15,-22 8 1,22 0-16,-7 0 15</inkml:trace>
-  <inkml:trace contextRef="#ctx0" brushRef="#br0" timeOffset="128310.67">18219 7876 0,'8'0'16,"45"8"-1,60 7-15,-15-7 16,16-8-16,60 0 16,-38 0-16,53-8 15,-83 1 1,-1-9-16,31 1 15,23 0-15</inkml:trace>
-  <inkml:trace contextRef="#ctx0" brushRef="#br0" timeOffset="128742.16">18015 8968 0,'0'0'16,"0"0"-16,15 7 16,31 9-1,29-1-15,8 0 16,46-7-16,-23-8 16,-23 0-1,60-8-15,-6-7 16,-1-16-16,30 1 15,-60-1-15,45-7 16,8-15 0,-46 7-16,16 0 15,-46 8-15,-83 38 16</inkml:trace>
-  <inkml:trace contextRef="#ctx0" brushRef="#br0" timeOffset="-136549.75">2079 5373 0,'0'0'0,"0"0"15,0 0-15,0 0 16,0 0 0,0 0-16,8-8 15,-1 1-15,1-1 16,7 1-16,0-1 16,0 0-1,8 1-15,-1-1 16,1 8-16,7 0 15,1 0 1,-1 0-16,8 0 16,-1 8-16,9-1 15,-1 1-15,8 0 16,0-1 0,-8 1-16,-7-8 15,7 7-15,16 1 16,7-8-1,15 8-15,-15-8 16,0 7-16,8-7 16,7 0-1,0 8-15,-30-8 16,7 0-16,24 0 16,6 0-16,-6 8 15,-1-8-15,7 0 16,1 0-1,0-8-15,-31 0 16,23 8-16,1 0 16,6 0-16,-7-7 15,-14 7 1,14 0-16,0 0 16,0 0-16,-30 0 15,15 7 1,8 1-16,7-8 15,-8 0-15,-7 8 16,0-8 0,8 0-16,7 0 15,0 0-15,-30 0 16,8 0-16,22 0 16,0 0-1,-15 7-15,0-7 16,-7 0-16,7 0 15,7 0-15,-7 0 16,-7 0 0,-16-7-16,16 7 15,22-8-15,0 8 16,-8-8-16,-6 1 16,14 7-1,0-8-15,-15 8 16,-8 0-16,-14-8 15,7 8 1,15 0-16,0-7 16,-8 7-16,-7-8 15,0 1-15,0 7 16,7-8 0,-7 0-16,-7 8 15,-16 0-15,-7 0 16,-1 0-16,-7-7 15,1-1 1,-9 0-16,1 1 16,-1-1-16,1 0 15,7-14-15,-8-9 16,9-7 0,-9-8-16,-7 0 15,0 1-15,-7-1 16,-1-8-1,0 1-15,1-1 16,-1 1-16,1 7 16,-1 8-1,1 8-15,-8-9 16,-1 9-16,-6-1 16,-9 1-16,1 7 15,-15 8 1,-23-1-16,-8 9 15,-14-1-15,22 8 16,-38 0-16,-23 0 16,23 0-1,-45 8-15,7-8 16,54 0-16,-61 0 16,7 0-16,-7 0 15,-16-8 1,62 0-16,-69 1 15,23 7 1,-8 0-16,0-8 16,53 8-16,-68-7 15,31-1-15,-9 8 16,1-8-16,45 1 16,-37 7-1,-1 0-15,16 0 16,-31 0-16,68 7 15,-7 1-15,-23 0 16,15-1 0,23 1-16,-15-1 15,7 1-15,8-8 16,22 8 0,1-1-16,-1 1 15,-7 0-15,15 7 16,8-7-1,0-1-15,7 8 16,0-7-16,8 0 16,0-1-16,-1 1 15,9 0 1,-1-1-16,8-7 16,0 0-16,7 0 15,1 0-15,-1 8 16,1-1-1,-1 1-15,0 0 16,1 15-16,-1 7 16,-7 16-16,0 0 15,0 7 1,0 1-16,0 7 16,-8 7-16,0 1 15,8-8-15,0-15 16,0 0-1,7 30-15,8-76 16</inkml:trace>
-  <inkml:trace contextRef="#ctx0" brushRef="#br1" timeOffset="-129737.96">2185 4503 0,'0'0'0,"0"0"15,0 0-15,0 0 16,0 0-16,0 0 15,0 0 1,0 0-16,0 0 16,0 8-16,-8 7 15,-7 15-15,0 9 16,-8 22 0,1 15-16,-1-7 15,15-16-15,1 1 16,-1-1-1,1 8-15,-1-15 16,1 0-16,7-16 16,0 1-16,0-8 15,0-8 1,0 0-16,0 0 16,0 1-16,0-9 15,0 1-15,0-1 16,0 1-1,0-8-15,0 0 16,0 0-16,0 0 16,0 0-1,0 8-15,0-8 16,0 7-16,7 1 16,1 0-16,7 7 15,8-7 1,7 7-16,0 0 15,8-7-15,7 7 16,1 0 0,6 1-16,9-1 15,-1 0-15,8-7 16,-15-1-16,0-7 16,0 0-16,8 0 15,14 0 1,1-7-16,-1 7 15,1 0 1,0 0-16,7 0 16,0 0-16,-15 0 15,8 0-15,7 7 16,0 1-16,0 0 16,-7-1-1,7 1-15,8-1 16,-1-7-16,-7 0 15,8 0-15,15 0 16,0 0 0,0-7-16,-1 7 15,1-8-15,-23 1 16,1-1 0,14 0-16,0 1 15,-15 7-15,8-8 16,7 0-1,-7 8-15,-15-7 16,7-1-16,23 1 16,-8-1-16,-15 0 15,-7 1 1,7-1-16,0 0 16,-7 1-16,-23-1 15,7 8-15,23-8 16,0 1-1,0-1-15,-14 1 16,-1-1-16,0 0 16,0 1-1,-8-1-15,-15 0 16,-7 1-16,-7-1 16,6 0-16,1 1 15,0-1 1,0 1-16,0-1 15,-8 0-15,0 1 16,0-1-16,0 0 16,-7 1-1,0-1-15,0 1 16,-1 7-16,-7 0 16,8-8-1,-8 8-15,0 0 16,0-8-16,0 8 15,1 0-15,-1 0 16,0-7 0,-8 7-16,1 0 15,-1 0-15,1-8 16,0 0-16,-1 1 16,1-9-1,-8 1-15,7-8 16,-7 0-16,0-7 15,0-1 1,0-7-16,0-15 16,0-8-16,-7 7 15,-1 8-15,-7 1 16,0 14 0,7 1-16,-7 7 15,-7-8-15,-1 8 16,-7 0-16,-16 1 15,-14 6 1,-1-7-16,-7 8 16,0 7-16,-7 1 15,-31-8 1,0-1-16,0 1 16,-22 7-16,14-7 15,8 8-15,-22-9 16,-8 9-1,-8-9-15,-7 9 16,30 7-16,-30-8 16,7 0-16,1 1 15,-9-1 1,39 1-16,-38-1 16,-8 0-16,-7 1 15,-1-1 1,46 0-16,-37 8 15,6 0-15,-6 0 16,-1 0-16,53 0 16,-68 8-1,23 0-15,-15 7 16,15 8-16,-1 7 16,-14 9-1,0 6-15,-8-7 16,60-7-16,-44 15 15,6-16-15,24 8 16,-23 1 0,60-9-16,8 1 15,-8-1-15,0 1 16,16-16-16,75-15 16</inkml:trace>
-  <inkml:trace contextRef="#ctx0" brushRef="#br1" timeOffset="-80257.14">2087 5877 0,'0'0'15,"0"0"-15,0 0 0,0 0 0,0 0 16,7 7-16,8 1 16,8 7-1,7-7-15,15 0 16,1-1-16,7 1 16,7-1-16,8 1 15,15-8 1,-7 0-16,-23-8 15,0 1-15,22-1 16,9 1 0,-1-9-16,-15 1 15,0 7-15,15 1 16,8-1-16,-23 1 16,-15-1-1,15 0-15,38 1 16,-16-1-16,-14 0 15,-1 1 1,24-1-16,-9 0 16,-14 8-16,-15-7 15,22 7-15,15 0 16,-15-8 0,0 1-16,16-1 15,-1 8-15,-15 0 16,-15-8-16,15 1 15,15 7 1,-14 0-16,-1-8 16,0 0-16,15 8 15,1 0-15,-31-7 16,0-1 0,15 8-16,7 0 15,-6 0-15,-9-7 16,8-1-1,-7 8-15,-8 0 16,-15 0-16,-8-8 16,-14 8-1,-1 0-15,0 0 16,0 0-16,0 0 16,-7 0-16,0-7 15,0 7-15,-1 0 16,-7 0-1,0 0-15,1 0 16,-1 0-16,0 0 16,-8 0-1,1 0-15,-1 0 16,1 0-16,-8 0 16,0 0-16,0 0 15,0 0 1,0 0-16,0 0 15,0 0-15,0 0 16,0 0 0,0 0-16,0 0 15,0 0-15,0 0 16</inkml:trace>
-  <inkml:trace contextRef="#ctx0" brushRef="#br1" timeOffset="-77615.17">2979 6587 0,'0'0'16,"0"0"-16,0 0 15,0 0-15,0 0 16,0 0 0,0 0-16,0 0 15,0 0-15,0 0 16,0 0 0,0 0-16,0 0 15,7 7-15,1 1 16,-1-1-16,1 1 15,-1 0 1,1-1-16,-1 1 16,1 0-16,0-8 15,7 7-15,0-7 16,0 8 0,8 0-16,-1-8 15,9 0-15,6 0 16,1 0-1,-8 0-15,1 0 16,-1 0-16,-7 0 16,-1 0-16,-7 0 15,0 0 1,1 0-16,6 0 16,1 0-16,15 0 15,0 0 1,-1 0-16,1 0 15,0 0-15,0 0 16,-8 0-16,-7 0 16,-1 0-1,1 0-15,-8 0 16,8 0-16,0 0 16,-1 0-16,1 0 15,7 0 1,0 0-16,1 0 15,-1 0-15,8 0 16,-8 0-16,-7 0 16,7 0-1,8 0-15,7 7 16,0-7-16,8 0 16,8 0-1,-8 0-15,0 0 16,-1 0-16,9 0 15,-8 0 1,15 0-16,-15 0 16,-15 0-16,7 0 15,8 0-15,7 0 16,8 0-16,-7 0 16,-16 0-1,1 8-15,-1-8 16,0 0-16,1 0 15,-1 7 1,0-7-16,-7 0 16,-15 0-16,-8 0 15,0 0-15,-7 0 16,-1 0 0,1 0-16,-8 0 15,0 0-15,0 0 16,0 0-1,0 0-15,0 0 16,0 0-16,0 0 16,0 0-16,0 0 15,0 0 1,0 0-16,0 0 16,0 0-16,0 0 15,0 0-15,0 0 16,0 0-1,0 0-15,0 0 16,0 0-16,0 0 16,0 0-1,0 0-15,0 0 16,0 0-16,0 0 16</inkml:trace>
-  <inkml:trace contextRef="#ctx0" brushRef="#br1" timeOffset="-75710.16">3145 6045 0,'0'0'16,"0"0"-16,0 0 15,0 0-15,0 0 16,0 0 0,0 0-16,0 0 15,0 0-15,0 0 16,0 7-16,-8 9 16,1 7-1,7 7-15,0 8 16,0 0-16,0 8 15,0-8 1,0 0-16,0 8 16,0 0-16,0-8 15,0 0-15,0-7 16,0-1 0,0-7-16,0-7 15,0-9-15,0-7 16</inkml:trace>
-  <inkml:trace contextRef="#ctx0" brushRef="#br1" timeOffset="-74897.15">3168 5984 0,'0'0'16,"0"0"-1,0 0-15,0 0 16,7 7-16,16 1 15,7 0 1,15-1-16,1 1 16,-8-8-16,-1 0 15,24 7-15,22 1 16,15-8 0,-22 0-16,15 0 15,14 0-15,9 0 16,-46 0-1,38 0-15,7-8 16,-7 1-16,0-1 16,15 1-16,-8 7 15,-37 0 1,30 0-16,15 7 16,-31-7-16,9 8 15,-9-1-15,-7 1 16,-22 0-1,-23-8-15,-16 0 16,1 0-16,0 7 16,7 1-1,0 0-15,0-1 16,1 1-16,-1 0 16,-7-1-16,-8 1 15,0-1 1,0 1-16,-7 0 15,-1-1-15,1 9 16,-1-1-16,1 8 16,-8 7-1,0 1-15,0-1 16,-8-7-16,1 8 16,-1-8-16,1 7 15,-1-7 1,-7 0-16,0-8 15,0 0-15,7-7 16,0 0 0,1-1-16,7-7 15</inkml:trace>
-  <inkml:trace contextRef="#ctx0" brushRef="#br1" timeOffset="-74077.97">6184 5892 0,'0'0'0,"0"0"15,-8 15 1,1 1-16,-1 14 16,-7 8-16,0 31 15,0 15 1,0 0-16,7-15 15,1 15-15,-1-1 16,8-6-16,0-24 16,0-7-1,0-8-15,0-7 16,0-8-16,0 0 16,0-8-1,8-8-15,-8-7 16,0 0-16</inkml:trace>
-  <inkml:trace contextRef="#ctx0" brushRef="#br1" timeOffset="-73403.97">6252 5839 0,'0'0'0,"15"0"16,0 7-16,31 1 15,37 7 1,38 0-16,-23-7 15,8-8-15,7 0 16,-7-8 0,23-7-16,22 8 15,-15-1-15,45 0 16,-60 1-16,30-9 16,8 1-1,-15-8-15,15 0 16,-54 0-16,47 1 15,-1 6-15,-23 1 16,8 7 0,-30 1-16,-38 7 15,-15 0-15,15 0 16,-7 7 0,-8 1-16,-8 7 15,-15 1-15,-7-1 16,0 8-16,-8 7 15,0 8 1,-15 8-16,-8 8 16,-7-1-16,-8 8 15,1 15-15,-8-7 16,7-15 0,0-16-16,8 0 15,0-8-15,0 1 16,0-1-16,7 1 15,1-8 1,-9 0-16,-6 0 16,22-23-16</inkml:trace>
-  <inkml:trace contextRef="#ctx0" brushRef="#br1" timeOffset="-72956.16">6275 6594 0,'0'0'15,"0"0"-15,15 8 16,7-1 0,54 1-16,60 7 15,8-15 1,67-7-16,-52-1 15,76-15-15,-9 8 16,-37-8-16,76 0 16,-38 8-16,-23 0 15,45 7 1,-52-7-16,52 7 16,-97 0-16,52 1 15,-38-1 1,-7 8-16</inkml:trace>
+  <inkml:trace contextRef="#ctx0" brushRef="#br0">16669 3188 0,'0'66'31,"0"67"-31,0-28 16,0-65-16,0 92 16,0 1-16,0-27 15,0-53-15,0-1 16,0 15-16,0-41 15,-13-26-15,13 13 16,0 14-16,0-14 16,-27-39 140,-13-41-156,14 1 16,-1-26-1,-12 12-15,39 41 16,-40-28-16,40 147 62,0 65-62,0-118 16,27 52-16,-14 1 16,0-54-16,0-13 15,0 0 1,1 14-16,-1-27 15,0 0 17,14 0-17,-1-13-15,14-27 16,-1-39-16,1 39 16,-27-13-16,1 40 15,-14-14-15,0 14 63,0-27-63,-14 40 15,-12-26-15,13-1 16,-14-12 0,14 26-16,0-1 15,0 1-15,-14 0 16</inkml:trace>
+  <inkml:trace contextRef="#ctx0" brushRef="#br0" timeOffset="1135.19">19434 2765 0,'13'79'15,"-13"27"1,0 53-16,13-80 16,0 80-16,-13-53 15,0 26-15,0-79 16,27 79-16,-27-26 16,0 0-16,13-53 15,-13 13 1,13-39-16,-13-1 15,0-13-15,0 0 32,0-26 30,-53-66-62,0-1 16,14 14-16,-14 0 15,40 66 1,-1 27 15,28 78-15,25 28-16,27-27 16,-13 26-16,-39-119 15,-14 0-15,13-13 16,0 0-16,0 0 15,27-39-15,0-107 16,-14-26-16,1 106 16,-14-27-1,13-12-15,-13 38 16,-13 28-16,0 25 78,-39 14-62,-14 0-1,-40 0-15,67 0 16,-27 0-16,0 0 16,-13 0-16,53 0 15,-1 0-15</inkml:trace>
 </inkml:ink>
 </file>
 
@@ -786,17 +508,17 @@
     <inkml:context xml:id="ctx0">
       <inkml:inkSource xml:id="inkSrc0">
         <inkml:traceFormat>
-          <inkml:channel name="X" type="integer" max="3360" units="cm"/>
-          <inkml:channel name="Y" type="integer" max="1872" units="cm"/>
+          <inkml:channel name="X" type="integer" max="5120" units="cm"/>
+          <inkml:channel name="Y" type="integer" max="1800" units="cm"/>
           <inkml:channel name="T" type="integer" max="2.14748E9" units="dev"/>
         </inkml:traceFormat>
         <inkml:channelProperties>
-          <inkml:channelProperty channel="X" name="resolution" value="114.28571" units="1/cm"/>
-          <inkml:channelProperty channel="Y" name="resolution" value="112.77109" units="1/cm"/>
+          <inkml:channelProperty channel="X" name="resolution" value="174.14966" units="1/cm"/>
+          <inkml:channelProperty channel="Y" name="resolution" value="109.09091" units="1/cm"/>
           <inkml:channelProperty channel="T" name="resolution" value="1" units="1/dev"/>
         </inkml:channelProperties>
       </inkml:inkSource>
-      <inkml:timestamp xml:id="ts0" timeString="2020-09-24T17:11:23.681"/>
+      <inkml:timestamp xml:id="ts0" timeString="2021-10-08T02:28:54.743"/>
     </inkml:context>
     <inkml:brush xml:id="br0">
       <inkml:brushProperty name="width" value="0.05292" units="cm"/>
@@ -804,103 +526,9 @@
       <inkml:brushProperty name="color" value="#FF0000"/>
     </inkml:brush>
   </inkml:definitions>
-  <inkml:trace contextRef="#ctx0" brushRef="#br0">19058 4900 0,'0'0'15,"0"0"-15,0 0 16,0 0 0,0 0-16,0 0 15,0 0-15,0 0 16,0 0 0,0 0-16,0 0 15,0 0-15,0 0 16,0 0-16,0 0 15,-7-8 1,-1 1-16,1-1 16,-8-7-16,-1-1 15,1 1-15,-7 0 16,-1-8 0,0 0-16,-7 0 15,0 8-15,0 0 16,-1-1-1,1 1-15,7 0 16,1 0-16,7 7 16,-1 0-16,-14-7 15,-8 0 1,1 7-16,-9-7 16,1 7-16,0 1 15,7 7 1,0 0-16,0 0 15,0 0-15,-7-8 16,-8 0-16,0 8 16,0-7-1,8 7-15,15 0 16,-8 0-16,-15 0 16,0 0-1,-8 0-15,9 0 16,-1 0-16,0 0 15,7 0-15,1 0 16,7 0 0,-7 0-16,0 0 15,-1 0-15,1 0 16,7 0 0,0 0-16,0 7 15,-15 1-15,1 0 16,-1-1-16,7 1 15,1 0 1,7-1-16,-7 1 16,-1-1-16,-7 9 15,1-1-15,-1-7 16,7 7 0,1 0-16,7-7 15,0 7-15,1 8 16,-9 0-1,1 0-15,7-8 16,-7 8-16,-8 0 16,0 0-1,7 0-15,-6 0 16,-1-1-16,-8 1 16,16 0-16,-1 0 15,1 0 1,7 8-16,-7-1 15,-8 8-15,-7 8 16,-1 0-16,1-8 16,-1 0-1,1 8-15,-8 7 16,0 8-16,15-15 16,0 0-1,15-8-15,8 0 16,-1 0-16,-6 16 15,-9 7 1,1 0-16,7 0 16,0-8-16,0 1 15,1-1 1,-1 1-16,8-16 16,-1 8-16,9-8 15,-1 0-15,0-7 16,1 7-1,-1-8-15,0 8 16,-7 1-16,0 6 16,-8 9-16,8-1 15,0-7 1,-1-8-16,9 8 16,-1 7-16,0 16 15,1 7 1,-1-15-16,0-7 15,-7 15-15,7 7 16,1 0-16,-1-7 16,0-8-1,8 8-15,0 15 16,8 0-16,-1-8 16,0-7-1,8 7-15,8 8 16,0-8-16,-1-7 15,1-16-15,7 8 16,0 0 0,8 8-16,-1-8 15,1-7-15,0-9 16,-8 1-16,7 15 16,1 8-1,7 0-15,-7-16 16,7-7-16,8 7 15,0 1 1,0-1-16,7 8 16,0-7-16,1-1 15,-9 0 1,9-7-16,7 8 16,0-1-16,0 1 15,0-1-15,-8-7 16,0 0-1,8-8-15,15 0 16,-7-8-16,7 16 16,0 0-16,0 0 15,7 0 1,1-1-16,-8-6 16,-23-9-16,16 1 15,7-1 1,0 1-16,0-1 15,0 1-15,15 7 16,-7 0 0,7 0-16,0-7 15,-15-1-15,8 1 16,14-8 0,-6 0-16,-1-8 15,-8 0-15,9 0 16,-1 1-16,0-9 15,-15 1-15,15-16 16,23-7 0,15-8-16,-8-7 15,1-9-15,-9 1 16,-14-8 0,15 8-16,7 0 15,1 0-15,-23 7 16,22-7-1,-22 8-15,-8-8 16,8-16-16,-8 1 16,-23 15-16,-7-1 15,-8 1 1,-14 15-16,-1 0 16,-7 8-16,-8 0 15,0 0-15,-8 7 16,1 0-1,0 1-15,-1-1 16,-7 8-16,0 0 16,0 0-1,0 0-15,0 0 16,0 0-16,0 0 16,0 0-1,0 0-15,0 0 16,0 0-16,0 0 15,0 0-15,0 0 16,0 0 0,0 0-16,0 0 15,0 0-15,0 0 16,0 0 0,8 8-16,-1-1 15,1 1-15,7 7 16,0 8-16,0 8 15,0-1 1,0 1-16,8 7 16,0-8-16,-1 1 15,1 0-15,7-1 16,-7-7 0,0 0-16,-1 0 15,9 7-15,6 1 16,1-1-1,8 1-15,6-8 16,1 0-16,0 0 16,0-8-1,-7 0-15,6 0 16,1-7-16,15 7 16,-15-7-16,0-1 15,15 1 1,31 0-16,-9-1 15,9-7-15,-9 0 16,16 0 0,-15-7-16,-23-9 15,8 1-15,-1 0 16,8-8-16,-7 0 16,-1 0-1,24-15-15,-1 8 16,-7-1-16,-8-7 15,38-8 1,-8 0-16,-7 1 16,0-9-16,-8 8 15,-15 8 1,-22 8-16,7-9 16,15-6-16,23-9 15,-15 1-15,7-8 16,23-8-16,-30 23 15,-23 0 1,7-15-16,-7 8 16,0-8-16,-22 15 15,-1 0 1,-7 1-16,0 6 16,-1-14-16,1 0 15,0-9-15,-8-6 16,0-1-1,-7 8-15,0-23 16,-8-8-16,-8 9 16,1-9-1,0-15-15,-8 8 16,0 0-16,-16-8 16,-6-31-16,-1 24 15,-7-16 1,-15-22-16,14 52 15,-7-29 1,1 6-16,-1 24 16,-7-15-16,-1 7 15,-7 8-15,15 7 16,1-22-16,-9-1 16,-14 1-1,-8-24-15,-15 9 16,15 29-16,0-7 15,-8 1 1,8 22-16,0 0 16,0 0-16,7 0 15,-7 7 1,-15 1-16,8 7 16,-31 1-16,0-9 15,-8 1-15,24 15 16,-1 15-1,-37-7-15,-1 15 16,0 0-16,1 7 16,7 16-1,8-1-15,-1 16 16,-45 0-16,8 0 16,0 8-16,-8 7 15,-37 8 1,-46 0-16,45 0 15,-98 8-15,-30 22 16,46 8 0,143-30-16</inkml:trace>
-  <inkml:trace contextRef="#ctx0" brushRef="#br0" timeOffset="11534.05">6796 9159 0,'0'0'0,"0"0"15,0 0 1,0 0-16,0 0 16,0 0-16,0 0 15,0 0-15,0 0 16,0 0 0,8-8-16,7 0 15,0 1-15,8-1 16,-1 0-16,9 1 15,-1-1 1,0 8-16,0 0 16,1 0-16,6 0 15,9 0-15,7 0 16,0 0 0,-8-7-16,0 7 15,1 0-15,-1 0 16,0-8-1,1 8-15,-1 0 16,-15 0-16,1 0 16,-9 0-16,1 0 15,0-8 1,-8 8-16,0 0 16,0-7-16,0 7 15,-7 0 1,-1 0-16,1 0 15,-1 0-15,-7 0 16,0 0-16,0 0 16,0 0-1,0 0-15,0 0 16,0 0-16,0 0 16,0 0-16,0 0 15,0 0 1,0 0-16,0 0 15,0 0-15,8 0 16,-8 0-16,0 0 16,0 0-1,0 0-15,0 0 16,0 0-16,0 0 16,0 0-1,0 0-15,0 0 16,0 0-16,7 0 15,-7 0 1,0 0-16,8 0 16,-8 0-16,0 0 15,8 7-15,7 31 16,-15-38-16</inkml:trace>
-  <inkml:trace contextRef="#ctx0" brushRef="#br0" timeOffset="13608.89">2366 9876 0,'0'0'16,"0"0"-16,0 0 15,-7-8 1,-1 1-16,-7-1 16,0-7-16,7 7 15,1 1-15,-1-1 16,1 0 0,7 8-16,0 0 15,0 0-15,15 0 16,15 8-1,15 7-15,23 8 16,8 0-16,0-8 16,-24 1-16,32-1 15,14 0 1,-7 0-16,14 1 16,9-9-16,-1-7 15,-30 8-15,8-8 16,23 0-1,-1 0-15,-7 0 16,-106 0-16</inkml:trace>
-  <inkml:trace contextRef="#ctx0" brushRef="#br0" timeOffset="113964.1">1406 4182 0,'0'0'16,"0"0"-16,0 0 16,0 0-1,0 0-15,0 0 16,0 0-16,15 8 15,-15 0-15,8-1 16,14 1 0,-14 15-16,15 15 15,7 23-15,-15 15 16,0 8 0,15 38-16,-14 8 15,6-15-15,1 30 16,7-23-16,-7 0 15,0 15 1,-1-22-16,-7-8 16,8 45-16,7-30 15,-7-15-15,15 46 16,-8-46 0,0 15-16,8 8 15,-15-24-15,-8-6 16,0-9-16,8-7 15,-1-7 1,1-32-16,-8-14 16,0-1-16,0 1 15,0-8 1,8 0-16,7 7 16,8-7-16,-8-8 15,1 1-15,6-9 16,16 1-1,31-8-15,-1-8 16,-15 1-16,15-1 16,45 0-1,16 8-15,0 0 16,30 8-16,-61 0 16,129-1-16,-83 1 15,67-8 1,-59-8-16,59 1 15,-14-16-15,-38 0 16,76-8-16,-24 16 16,-22-8-1,46 8-15,-16 0 16,1-1-16,-54 1 16,53-8-1,54 0-15,-122 8 16,83-8-16,39 16 15,-130-1 1,115 0-16,-24 8 16,-52 8-16,75 7 15,-8 8-15,-120-8 16,121 8-16,-91-7 16,15-9-1,-46-7-15,46-7 16,-68-9-16,8-7 15,-8-15 1,-53 8-16,-23-1 16,-7-7-16,0-8 15,-8 0-15,0-22 16,0-24 0,-15 16-16,-7-16 15,-16-45-15,-22 7 16,0-23-16,-15 1 15,-8 22 1,-23-30-16,8 38 16,0 0-16,-8-23 15,1 30 1,7 16-16,0-16 16,7 8-16,16 31 15,-16-15-15,-14-9 16,-16 1-1,15 30-15,1 8 16,-16 8-16,-7 0 16,22 14-16,-14 16 15,-47 8 1,17 15-16,-9 8 16,-37 7-16,60 0 15,-76 8 1,1 0-16,-23 0 15,53-15-15,-99 7 16,8-7-16,23-16 16,-121 0-1,45 1-15,83-9 16,-113 1-16,61-8 16,-39 0-16,16 0 15,45 16 1,-98-1-16,68 23 15,-68 16-15,45 7 16,83 0 0,-90 8-16,30 8 15,30 7-15,7 7 16,-7 1-16,84-23 16,-69 7-1,23 1-15,37 7 16,-52 0-16,68-23 15</inkml:trace>
-</inkml:ink>
-</file>
-
-<file path=ppt/ink/ink8.xml><?xml version="1.0" encoding="utf-8"?>
-<inkml:ink xmlns:inkml="http://www.w3.org/2003/InkML">
-  <inkml:definitions>
-    <inkml:context xml:id="ctx0">
-      <inkml:inkSource xml:id="inkSrc0">
-        <inkml:traceFormat>
-          <inkml:channel name="X" type="integer" max="3360" units="cm"/>
-          <inkml:channel name="Y" type="integer" max="1872" units="cm"/>
-          <inkml:channel name="T" type="integer" max="2.14748E9" units="dev"/>
-        </inkml:traceFormat>
-        <inkml:channelProperties>
-          <inkml:channelProperty channel="X" name="resolution" value="114.28571" units="1/cm"/>
-          <inkml:channelProperty channel="Y" name="resolution" value="112.77109" units="1/cm"/>
-          <inkml:channelProperty channel="T" name="resolution" value="1" units="1/dev"/>
-        </inkml:channelProperties>
-      </inkml:inkSource>
-      <inkml:timestamp xml:id="ts0" timeString="2020-09-24T17:11:58.716"/>
-    </inkml:context>
-    <inkml:brush xml:id="br0">
-      <inkml:brushProperty name="width" value="0.05292" units="cm"/>
-      <inkml:brushProperty name="height" value="0.05292" units="cm"/>
-      <inkml:brushProperty name="color" value="#FF0000"/>
-    </inkml:brush>
-  </inkml:definitions>
-  <inkml:trace contextRef="#ctx0" brushRef="#br0">2729 6190 0,'0'0'16,"0"0"0,0 0-16,0 0 15,0 0-15,0 0 16,0 0-16,-7-8 16,7 8-1,0 0-15,0 0 16,0 0-16,7-8 15,8 1-15,15-1 16,16 1 0,22-1-16,0 8 15,-8 8-15,1-1 16,30 8-16,7-7 16,-30-8-1,15-8-15,30 1 16,1-8-16,-8-1 15,30 1 1,-8 7-16,-22 1 16,38 7-16,7 0 15,8 7-15,-8 9 16,-38-9 0,61 1-16,-15-8 15,22 0-15,-37-8 16,22 1-16,1 7 15,-9 0 1,16 0-16,-53 0 16,53 15-16,-15-7 15,15-1 1,-31 1-16,-7-1 16,8-7-16,-8 0 15,30 8-15,-37-8 16,-1 0-1,16 0-15,-15 0 16,14 0-16,-7 0 16,-30-8-1,38 1-15,-8-8 16,23 7-16,7-7 16,-60 7-16,53 8 15,-31-8 1,-7 1-16,23 7 15,-38-8-15,-31 8 16,23 0-16,8 0 16,-7-7-1,-1-1-15,8 8 16,7 0-16,-30-8 16,0 1-1,16-1-15,-16 0 16,0 1-16,-15-9 15,8 1-15,7 0 16,-8-8 0,-22 8-16,0-8 15,0 0-15,-8 0 16,1 0 0,-1 0-16,-7 0 15,0 0-15,0 1 16,-1-9-16,1 8 15,0-7 1,-8-1-16,0 1 16,-7-1-16,0-7 15,-8 0-15,0 7 16,-7 1 0,-1 7-16,1 0 15,-8 0-15,0 0 16,-8 0-1,1-7-15,-16-1 16,-7-7-16,-23 0 16,-15 0-16,-31-1 15,9 9 1,-24 7-16,-52 8 16,-8 15-16,-30 7 15,7 1-15,-44 0 16,-9-1-1,46 9-15,-91-1 16,31-8-16,22 1 16,-46 15-1,46-8-15,-83 8 16,23 0-16,68-8 16,-61 8-16,45-8 15,-60-7 1,8 0-16,105-1 15,-105 1-15,53 0 16,60-8-16,-46-8 16,1 8-1,83 0-15,-46-8 16,16 8-16,7-7 16,23 7-16,22-8 15,-22 0 1,15 1-16,0-1 15,7 1-15,46-1 16,-8 8 0,-7 0-16,22 0 15,1 8-15,14-1 16,8 1-16,8 7 16,7 0-1,0 1-15,8 7 16,8 15-16,-1 15 15,8 1 1,7 14-16,16 1 16,14 45-16,1 1 15,-8 30-15,-15 38 16,0-23 0</inkml:trace>
-  <inkml:trace contextRef="#ctx0" brushRef="#br0" timeOffset="3485.06">10720 8678 0,'0'0'15,"0"0"-15,0 0 16,0 0 0,-8-8-16,-14-7 15,-9 0-15,-29-8 16,-1 0-16,-7 0 15,0 8 1,-38-1-16,1 1 16,29 8-16,-37 7 15,-31 0-15,15 7 16,-37 1 0,30-1-16,-15-7 15,-31 8-15,-7-16 16,-7 1-1,-8-8-15,-8-8 16,-52-8-16,97 8 16,-97-7-16,52 7 15,-7 8 1,-69-8-16,54 7 16,60 1-16,-75 0 15,14 0-15,1-1 16,-53-7-1,75 16-15,23-1 16,-7 8-16,-1 0 16,8 0-1,60 0-15,-37-7 16,7 7-16,8 0 16,-23-8-16,84 8 15,-54-8 1,8 8-16,15 0 15,-8 8-15,24 0 16,37 7 0,15 8-16,0 0 15,7 7-15,1 16 16,15-8-16,-1 8 16,9-8-1,7 8-15,0 7 16,-1 31-16,1-7 15,8-16-15,-1 0 16,8 23 0,0 0-16,8-8 15,7-15-15,0-8 16,0 16 0,8 7-16,-1-7 15,-6-16-15,-1-14 16,0-9-16,-8 1 15,1-1 1,0-7-16,-1 8 16,1-8-16,7-1 15,0 1 1,8 0-16,14 0 16,16 0-16,0-8 15,15 1-15,15-1 16,23 0-1,0 0-15,-23-7 16,53 0-16,16-1 16,-24 1-16,38 0 15,-37-1 1,45 8-16,7 1 16,8-9-16,-45 1 15,52 0-15,8-1 16,8 1-1,-23-1-15,46-7 16,-1 8-16,-60-8 16,75 8-1,-22-16-15,7 8 16,-37-8-16,37 1 16,31-1-16,-99 1 15,129-1 1,-61 8-16,-52-8 15,67 1-15,-7 7 16,-68 0-16,68 7 16,-45 1-1,-1 7-15,-30-7 16,39 7-16,-1 0 16,-46-7-1,1 0-15,-15-8 16,-31-8-16,16 0 15,-1-7-15,-60 0 16,0 0 0,-7-8-16,-1-8 15,8-7-15,-15 0 16,-7 0 0,-9 7-16,-6 1 15,-9-1-15,-7-7 16,-7 0-16,0-16 15,-16-7 1,0 8-16,-7-8 16,-15 0-16,0-16 15,0 9-15,-16-9 16,8 16 0,1 8-16,-1-1 15,-15-7-15,-23-15 16,-30 0-16,-7 7 15,-61 8 1,31 8-16,-107-8 16,-22 22-16,22 9 15,99 7 1</inkml:trace>
-  <inkml:trace contextRef="#ctx0" brushRef="#br0" timeOffset="4392.85">3198 7121 0,'0'0'16,"0"0"-16,0 0 16,0 0-1,0 0-15,7 7 16,16-7-16,0-7 16,-23 7-1</inkml:trace>
-  <inkml:trace contextRef="#ctx0" brushRef="#br0" timeOffset="6723.26">8898 6358 0,'0'0'16,"0"0"-16,-8-8 15,1 0-15,-8-7 16,-16 0 0,1-8-16,0 0 15,0 0-15,-8 0 16,0 0-16,8 0 15,0 8 1,-8 0-16,-8 0 16,-14 7-16,-16 0 15,1 8 1,7 8-16,-8 7 16,1 8-16,-1 0 15,15 0-15,24 8 16,-1-1-1,-7 1-15,-1-1 16,1 1-16,7-1 16,0 1-16,8 7 15,7 0 1,8-7-16,8 7 16,7 0-16,7 0 15,16 0-15,7 0 16,15 8-1,-7-8-15,23 0 16,7 1-16,22-1 16,-14-15-1,7 0-15,0-16 16,16-7-16,-24-7 16,-14-1-16,-1-7 15,1-8 1,-1 0-16,-14 0 15,-1-8-15,-7 1 16,-8-1 0,-7-14-16,-8-1 15,-8-15-15,-14 7 16,-8 1-16,-31-8 16,-7 7-1,-7 1-15,-8 15 16,-23 7-16,-22 8 15,7 23-15,0 8 16,15 0 0,31-1-16,60-7 15</inkml:trace>
-  <inkml:trace contextRef="#ctx0" brushRef="#br0" timeOffset="7564.86">11332 6174 0,'0'0'15,"-7"-7"-15,-9-1 16,-14-7 0,-8 0-16,1-1 15,-9 1-15,-14 8 16,-8-1-16,-23 8 16,15 8-1,16 7-15,-8 8 16,-23 22-16,1 9 15,14 7 1,8 0-16,23 8 16,7 15-16,15-16 15,15-14-15,16-8 16,7-1-16,23 9 16,45-1-1,23-7-15,-30-15 16,67-9-1,-22-14-15,15-23 16,31-8-16,-77-8 16,24-14-16,-1-1 15,-22-8 1,-31-14-16,-30-1 16,-22 16-16,-23-9 15,-46-21 1,-37 6-16,-98 1 15,-9 38-15,47 7 16</inkml:trace>
-  <inkml:trace contextRef="#ctx0" brushRef="#br0" timeOffset="10074.07">9087 7487 0,'0'0'16,"0"0"-16,-8-7 16,-7-1-16,0 0 15,-8-7-15,1 0 16,-1-8 0,-7 0-16,-16-8 15,-22-7 1,-15 0-16,15 8 15,15 7-15,-7 0 16,-16 0-16,1 8 16,-1 7-16,8 0 15,0 1 1,-8 7-16,1 0 16,7 0-16,15 7 15,0 9 1,-8 7-16,-7 7 15,0 1-15,8 14 16,14 1-16,1 0 16,7 7-1,8 8-15,7 1 16,8-1-16,8-8 16,14-7-16,1-8 15,7 0 1,23 16-16,15-9 15,22 1-15,-7-8 16,-7-7-16,30-1 16,22-7-1,-7-15-15,0-8 16,15-15-16,-31-1 16,-29 1-16,14-15 15,1-1 1,-8 1-16,-15 7 15,-8-8-15,-7 1 16,-8-9 0,-15-6-16,-7-9 15,-16-7-15,-37-15 16,-68-16 0,-61-7-16,-61 15 15,31 31-15,98 37 16,1 9-16,-16 7 15,38 0 1,83 0-16</inkml:trace>
-  <inkml:trace contextRef="#ctx0" brushRef="#br0" timeOffset="10968.46">11166 7128 0,'0'0'0,"0"0"16,0 0-16,0 0 15,0 0-15,-8-7 16,-7-8 0,-15-16-16,-31-7 15,-22-16-15,0 16 16,23 8 0,14 15-16,-22-1 15,-7 16-15,-16 16 16,0 14-16,1 23 15,-16 9 1,23-9-16,7 23 16,23 1-16,15-9 15,0-14 1,16-8-16,7-8 16,7 0-16,8 0 15,8 8-15,14 0 16,31 15-16,53 7 15,7-22 1,54 0-16,-16-16 16,23-7-16,0-30 15,-31-9 1,1-6-16,-46-17 16,-37-6-16,7-16 15,-23-8-15,-22 8 16,-31-31-1,-30-30-15,-143-15 16,-68 30-16,7 38 16,98 23-1</inkml:trace>
-  <inkml:trace contextRef="#ctx0" brushRef="#br0" timeOffset="14264.82">6426 10189 0,'0'0'0,"0"0"16,0 0-16,0 0 15,0 0-15,0 0 16,0-8 0,-8 1-16,8-1 15,0 0-15,0 1 16,0-1 0,-7 1-16,-1-1 15,8 0-15,-7 1 16,-1-1-16,-7-7 15,-15-8 1,-1 8-16,1-1 16,0 1-16,-8 0 15,0 0 1,-7-1-16,-8 1 16,-23-8-16,-22 0 15,8 0-15,29 8 16,-15 7-1,1 8-15,-1 8 16,8 0-16,15 7 16,8 8-16,-8 15 15,8 0 1,7 8-16,-8 30 16,9 1-16,14-16 15,15 0 1,8-8-16,23 23 15,15-7-15,15-15 16,45-1-16,38 0 16,-30-30-1,83 0-15,-30-15 16,37 0-16,-82-16 16,29-7-16,16-24 15,-68-6 1,0-9-16,-16 1 15,-22 15-15,-23 7 16,-7 1 0,-8-1-16,-22-15 15,-46-53-15,-68-8 16,-99-38-16,-52 8 16,151 76-1</inkml:trace>
-  <inkml:trace contextRef="#ctx0" brushRef="#br0" timeOffset="15117.48">3523 9922 0,'-23'0'0,"-60"8"16,-30 7-1,7 0-15,0 0 16,8 1-16,30 6 16,7 1-16,8 8 15,-7 15 1,-8 22-16,7 9 15,16-1-15,15 8 16,7 8 0,23-24-16,15 1 15,23 0-15,22 7 16,-7-23-16,53 1 16,38-24-16,7-30 15,53-15 1,-75-8-16,82-15 15,-60 0 1,8-16-16,-45-7 16,7-38-16,-8-8 15,-7-7-15,-38-1 16,-30 8 0,-23 8-16,-23-8 15,-75-22-15,-23 37 16,-37 23-16,-54 39 15,-22 45 1,83 16-16,-53 37 16,7 39-16,31 0 15,23 0-15,-1-8 16</inkml:trace>
-  <inkml:trace contextRef="#ctx0" brushRef="#br0" timeOffset="16793.5">6539 10899 0,'0'0'15,"0"0"-15,0 0 16,0 0-16,0 0 16,8-8-1,-8 8-15,0 0 16,0 0 0,0-7-16,-8-1 15,-14-7-15,-9-8 16,1 7-16,-8 1 15,-30 0-15,-7 0 16,-16-1 0,8 9-16,-23 7 15,8 7-15,15 1 16,30 7 0,-23 8-16,-30 23 15,15 7-15,16 8 16,7 1-16,15-1 15,8 23 1,7 0-16,23-8 16,15-15-16,15 0 15,15 15 1,23 1-16,22-1 16,16-23-16,-23-14 15,38-1-15,45-8 16,16-15-1,29-7-15,-90-8 16,68-8-16,-15-7 16,-1-8-16,-22-15 15,-52-15 1,-9-8-16,1 0 16,-23 7-16,-8 1 15,-15-1 1,-15 1-16,-22-8 15,-23-8-15,-8 8 16,-15-8-16,-68-15 16,-30-7-1,-16 22-15,9 23 16,14 31-16,-53 7 16,46 16-16,-30 30 15,22 8 1,0-8-16</inkml:trace>
-  <inkml:trace contextRef="#ctx0" brushRef="#br0" timeOffset="17727.74">3818 11044 0,'0'0'15,"-31"0"1,-37-8-16,-7 8 15,22 0-15,0 0 16,-15 0-16,-8 8 16,1-1-1,7 1-15,-15 15 16,7 0-16,8 7 16,0 16-1,0 31-15,22-9 16,16 1-16,8 0 15,6-1-15,9 1 16,7-8 0,0-8-16,7-7 15,16 0-15,22 0 16,31 7-16,-8-15 16,15-7-1,53-1-15,-30-14 16,-23-16-16,46-16 15,-16-6 1,-14-9-16,14-15 16,-7 0-16,-15-7 15,-23-16-15,0 1 16,0-1 0,-15 8-16,-1 0 15,-21-8-15,-24-7 16,-29 15-1,-39-8-15,-15 0 16,-120 1-16,-38 52 16,60 39-16,15-7 15</inkml:trace>
-  <inkml:trace contextRef="#ctx0" brushRef="#br0" timeOffset="63548.04">12126 11601 0,'0'15'0,"-8"23"0,1 8 15,-280 244-15,166-221 16,30-31-16,23-7 15,15-1-15,-30 1 16,-8-8-16,15-16 16,8 1-1,0-8-15,-7-8 16,-1-7-16,1-8 16,29-8-1,-7-7-15,8-7 16,-8-1-16,-7 0 15,-1-7-15,-7-9 16,15 9 0,0-31-16,-7 0 15,-1-7-15,-14-32 16,14 9-16,16 7 16,-1-7-1,9-1-15,14 24 16,0 14-16,-7-7 15,7 0 1,8 16-16,0 7 16,0-8-16,7 0 15,8 0-15,16 8 16,-1 16 0,0 6-16,7 1 15,1 8-15,30-1 16,30 1-1,23 7-15,-8 15 16,23 8-16,0 0 16,-30 8-16,38 7 15,-1 8 1,-30 0-16,8 7 16,8 9-16,-39-9 15,-14 8-15,-1 8 16,-60-46-1</inkml:trace>
-  <inkml:trace contextRef="#ctx0" brushRef="#br0" timeOffset="65164.93">6751 5289 0,'0'0'16,"15"8"-16,8 15 15,15 7-15,14 24 16,1 7 0,-7 7-16,-8 1 15,-1 30-15,16 46 16,15-7-16,15 52 15,-22-37 1,-8 46-16,-23-47 16,8 54-16,-15-45 15,-16 29 1,-7-29-16,-7 22 16,-9-31-16,-6 16 15,-1-15-15,-7 0 16,-31 7-1,8-46-15,-15 9 16,15-1-16,1-31 16,-32 8-16,-14 24 15,23-24 1,-9-8-16,-14 24 16,-15 7-16,52-46 15,1-7 1,-39 7-16,-14-7 15,22-23-15,-22 0 16,-8-16-16,45-15 16,1 1-1,-31-1-15,0-7 16,31-8-16,-1 0 16,-15-8-16,8-15 15,7 0 1,16-7-16,15-1 15,-8-7-15,0 0 16,-8-16 0,-7-7-16,8-7 15,7-9-15,23 16 16,-1-8-16,1-22 16,0-16-1,7 15-15,8-7 16,0-31-16,15 24 15,8-32-15,-1-7 16,8 23 0,8-38-16,0 7 15,-1 8-15,16-23 16,0 39 0,7-24-16,-7 31 15,7-8-15,8-30 16,-15 38-1,7-16-15,8 1 16,0 22-16,23-7 16,-1-23-16,-14 23 15,15-23-15,-1 31 16,1 14 0,-8-6-16,-15 6 15,7 16-15,8 16 16,15-1-1,1 8-15,-1 8 16,15-1-16,0 24 16,-30 14-16,31 9 15,29 14 1,1 31-16,-1 16 16,31 22-16,-46 8 15,-113-84-15</inkml:trace>
-</inkml:ink>
-</file>
-
-<file path=ppt/ink/ink9.xml><?xml version="1.0" encoding="utf-8"?>
-<inkml:ink xmlns:inkml="http://www.w3.org/2003/InkML">
-  <inkml:definitions>
-    <inkml:context xml:id="ctx0">
-      <inkml:inkSource xml:id="inkSrc0">
-        <inkml:traceFormat>
-          <inkml:channel name="X" type="integer" max="3360" units="cm"/>
-          <inkml:channel name="Y" type="integer" max="1872" units="cm"/>
-          <inkml:channel name="T" type="integer" max="2.14748E9" units="dev"/>
-        </inkml:traceFormat>
-        <inkml:channelProperties>
-          <inkml:channelProperty channel="X" name="resolution" value="114.28571" units="1/cm"/>
-          <inkml:channelProperty channel="Y" name="resolution" value="112.77109" units="1/cm"/>
-          <inkml:channelProperty channel="T" name="resolution" value="1" units="1/dev"/>
-        </inkml:channelProperties>
-      </inkml:inkSource>
-      <inkml:timestamp xml:id="ts0" timeString="2020-09-24T17:15:21.319"/>
-    </inkml:context>
-    <inkml:brush xml:id="br0">
-      <inkml:brushProperty name="width" value="0.05292" units="cm"/>
-      <inkml:brushProperty name="height" value="0.05292" units="cm"/>
-      <inkml:brushProperty name="color" value="#0070C0"/>
-    </inkml:brush>
-  </inkml:definitions>
-  <inkml:trace contextRef="#ctx0" brushRef="#br0">18038 5388 0,'0'0'0,"0"0"16,0 0-16,0 0 16,0 0-16,-8 0 15,1-7 1,-1-1-16,0 0 15,1 1-15,-1-1 16,1 1 0,-1 7-16,-7-8 15,0 0-15,-15-7 16,0 0-16,-1-1 16,-7 1-1,1 0-15,-1 0 16,0-1-16,0 1 15,0 8-15,8-9 16,-8 9 0,-7-9-16,-8 1 15,-7 0-15,7 7 16,7 1 0,-6-1-16,-1 0 15,-8-7-15,-7 7 16,8 8-16,-8 0 15,7 0 1,-7 0-16,-15 0 16,7 0-16,8 0 15,0 8 1,-7 0-16,-16 7 16,15-7-16,1 7 15,-1 0 1,-15 0-16,16 1 15,7 7-15,0-8 16,-23 8-16,0 0 16,16-8-1,-16 8-15,15 0 16,-7-8-16,-8 8 16,31 0-1,7 0-15,-15 7 16,-8 1-16,1-1 15,7 1-15,0-1 16,-15 1 0,7-1-16,0 1 15,8-1-15,23 1 16,0 15 0,-8-1-16,-8 1 15,1 0-15,7-8 16,0 0-16,0 1 15,0 14 1,8-7-16,-1 7 16,1 8-16,0-7 15,-1-1-15,9 1 16,-1 7 0,7 7-16,1 1 15,8-23-15,-1 7 16,0 1-1,1 7-15,-1 7 16,0-7-16,8-7 16,0-8-16,-8 7 15,1 0 1,-1 16-16,8 7 16,7-14-16,1-9 15,-1 0 1,1 8-16,7-7 15,0 7-15,0-15 16,0-8-16,0 0 16,0-7-1,0 7-15,-8 8 16,0-1-16,1 24 16,7-8-1,0-7-15,0-9 16,0 9-16,-8 7 15,8 15-15,0-15 16,0-7 0,0-1-16,-7 8 15,7 15-15,-8-7 16,8 0 0,0-23-16,0 7 15,0 16-15,0 7 16,0 0-1,8-7-15,-1-16 16,1 9-16,-1 6 16,1 1-16,0-16 15,14 1 1,1-16-16,0 0 16,-1 0-16,1 0 15,0 8 1,-1 8-16,1-1 15,-8-7-15,0-8 16,0 0-16,8 8 16,0 0-1,7 7-15,8 16 16,0-16-16,-1-15 16,1 1-1,-8-9-15,8 1 16,-8-1-16,1 1 15,6-1-15,1 1 16,0-1-16,0 8 16,0-7-1,7 0-15,-7-1 16,-16-7-16,1 0 16,15 7-1,7 1-15,8-1 16,0 1-16,8 7 15,-8 0 1,-1 0-16,1-7 16,0-1-16,0-7 15,8 0-15,-1 0 16,-22-8 0,0 1-16,15-1 15,15 0-15,0 0 16,0 1-1,0 7-15,-8 0 16,16-1-16,0 1 16,-8-7-16,-8-1 15,-7 0 1,0 0-16,15 1 16,7-1-16,-6 0 15,-9-7 1,0 7-16,9 0 15,6 1-15,1-1 16,-16 0 0,-14-7-16,6-1 15,17 1-15,6 0 16,-7-1-16,0 1 16,-15 0-1,15-1-15,0 1 16,-15-8-16,8 7 15,-16-7-15,-7 0 16,-8 0 0,15 8-16,1-8 15,14 0-15,-7 8 16,0-8 0,0 0-16,-8 7 15,1-7-15,-1 0 16,-7 8-16,0-8 15,-1 8 1,1-8-16,0 0 16,-8 0-16,-7 0 15,0 0 1,-8 0-16,7 0 16,1 0-16,0 0 15,-1-8-15,1 8 16,7-8-1,1 1-15,-9 7 16,9 0-16,-9-8 16,1 8-1,0 0-15,-8 0 16,0 0-16,-8 0 16,1 0-1,-1 0-15,-7 0 16,0 0-16,0 0 15,8 0-15,-8 0 16,0 0 0,0 0-16,0 0 15,0 0-15,0 0 16,0 0-16,0 0 16,0 0-1,0 0-15,0 0 16,0 0-16,0 0 15,0 0 1,0 0-16,0 0 16,0 0-16,0 0 15,0 0 1,0 0-16,0 0 16,0 0-16,0 0 15,0 0-15,0 0 16,0 0-1,0 0-15,0 0 16,0 0-16,0 0 16,-8-8-16,8 8 15</inkml:trace>
-  <inkml:trace contextRef="#ctx0" brushRef="#br0" timeOffset="3825.18">18257 5343 0,'0'0'16,"0"0"-16,-8 0 15,-14 7-15,-9 1 16,-14 7 0,-8 0-16,0 8 15,15 8-15,-14-1 16,-9 8-16,-22 8 16,15-8-1,7 1-15,8 6 16,8 16-16,0 8 15,-1 0 1,1-8-16,0 0 16,-1 23-1,1 0-15,7-8 16,8 0-16,-8 24 16,0 7-16,8-16 15,0 16-15,-8 23 16,8-16-1,0 1-15,7 14 16,0-22-16,8-23 16,-8 31-16,8-8 15,0-16 1,0 1-16,8 7 16,-1 0-16,0-15 15,1 23 1,-1 7-16,1-7 15,7-7-15,-8 14 16,8-7-16,0-23 16,0 7-1,8 1-15,-1-8 16,1-15-16,7-1 16,0-7-1,0 8-15,8 7 16,0 1-16,7-9 15,0 9-15,15 14 16,1 1 0,-16-23-16,0 7 15,0 16-15,8-16 16,0-7 0,7-8-16,1 0 15,7 7-15,0 9 16,-8-16-1,0-8-15,8 1 16,-7-9-16,7 1 16,7 0-1,-15-8-15,-14-7 16,-1-1-16,8 1 16,-1 7-16,1-8 15,-8-7 1,1-7-16,-9-1 15,1 0-15,0 0 16,-8-7-16,0 0 16,8 7-1,-8-8-15,0 1 16,-8 0-16,1-1 16,0 1-1,-1 0-15,1-1 16,-8 1-16,0 7 15,0 0-15,0 1 16,0-1 0,0-7-16,0 7 15,0 0-15,-8 0 16,-7 8 0,-8 0-16,-14 15 15,-1-7-15,-8 7 16,9 0-16,37-38 15</inkml:trace>
-  <inkml:trace contextRef="#ctx0" brushRef="#br0" timeOffset="46783.8">18763 5457 0,'0'0'0,"0"-8"16,-7 1-16,-1-8 15,1-8-15,-1 7 16,1-7 0,-1 1-16,1 6 15,-9-7-15,9 8 16,-8 0 0,0 7-16,-16 1 15,-22 14-15,-22 8 16,-16 8-1,-22 23-15,-16 15 16,23 16-16,1-9 16,-39 24-16,15 7 15,16 8-15,-8 7 16,-15 31 0,30 0-16,-30 39 15,15-1-15,8-8 16,-8 31-1,30-45-15,23-1 16,23-15-16,14 8 16,9-54-1,7 8-15,15 0 16,15-1-16,-8-22 16,16 46-16,0-8 15,14-7 1,16 14-16,8-14 15,-8-31-15,0 0 16,7 23-16,-7-16 16,0-14-1,0-1-15,0 8 16,0 7-16,-15-7 16,-1 8-1,9 30-15,-1 0 16,0-7-16,16 30 15,-16-46-15,1-8 16,7-7 0,-8 8-16,8-8 15,0-23-15,0 0 16,0 15 0,-8-7-16,-15 0 15,-7-16-15,-8-15 16,0-7-1,0-8-15,-7-8 16,-1 0-16,1-7 16,-8 0-16,0-1 15,0-7 1,0 8-16,0-8 16,0 0-16,0 7 15,0-7-15,0 0 16,0 0-1,0 0-15,0 0 16,0 8-16,0 0 16,0-8-1,0 7-15,0 1 16,0 0-16,0-8 16,7 7-16,1 1 15,0 7 1,-8 0-16,0 1 15,0-1-15,0 0 16,0 1 0,0 6-16,0 1 15,0-7-15,-8 6 16,-7 1-16,-15 16 16,-31-1-1,-22 7-15,15-6 16,-8 6-16,-14 1 15,-16 8 1,38-16-16,15-8 16,-15 9-16,-15-9 15,-16 8-15,16-7 16,8-1 0,-16-7-16,-15-8 15,38 1-15,15-9 16,-22-7-1,-24 0-15,9 0 16,14 0-16,-7 0 16,-31-15-16,16 0 15,38 0 1,-16-1-16,-15-7 16,-15 8-16,16-8 15,-1 0 1,-15-7-16,8-1 15,30-7-15,-15-15 16,-23-8 0,15 7-16,0 1 15,8-8-15,-7-8 16,-9-7-16,31 22 16,15 1-16,-15-8 15,-22-16 1,-9-7-16,16 8 15,0 7-15,-15 1 16,-8-16 0,38 8-16,0-1 15,-8 8-15,-37-14 16,45 14 0,0-15-16,0 8 15,15-1-15,-38-30 16,15 1-16,24 14 15,6-30 1,8-8-16,1 23 16,-1 0-16,-8-7 15,16 22 1,-8 1-16,1-16 16,14 8-16,0 7 15,8-15-15,0-45 16,7 29-1,1-44-15,7 37 16,0 0-16,15-15 16,8 15-1,-1-30-15,9 23 16,-1 30-16,15-23 16,8-7-16,-8 22 15,16-53 1,52 0-16,-22 8 15,-15 23-15,-1-8 16,61-31-16,-45 77 16,7 0-1,31-23-15,-1 22 16,8 16-16,23-7 16,-30 7-1,67-15-15,-14 30 16,52-7-16,-60 15 15,68-23-15,-30 15 16,-23 16 0,22 14-16,24 9 15,-31 15-15,22 7 16,1 8 0,-15 15-16,-38 0 15,7 16-15,8 15 16,0 15-1,-75-8-15,29 16 16,-22 0-16,-7 15 16,-1 22-16,-30-14 15,-15 15 1,-15 38-16,-38-23 16,-15-122-16</inkml:trace>
-  <inkml:trace contextRef="#ctx0" brushRef="#br0" timeOffset="61192.96">15437 5579 0,'0'0'0,"0"0"16,0 0-16,0 0 16,-15 8-1,-8-1-15,-22 9 16,-15 14-16,-9 16 16,1 23-1,16 15-15,21-16 16,1 16-16,7 8 15,16-1-15,7-22 16,7-23 0,1-16-16,7-7 15,15-7-15,38-1 16,8-15-16,-8 0 16,-15-8-1,0 1-15,0-9 16,-53 16-16</inkml:trace>
-  <inkml:trace contextRef="#ctx0" brushRef="#br0" timeOffset="61470.97">15679 6342 0,'0'0'15,"-7"-7"1,-9-1-16,1 0 16,0 1-16,-8-1 15,1-7-15,-1-8 16,0-7 0,1-1-16,7-7 15,7 7-15,8 1 16,8-1-1,22-15-15,0 1 16,-30 45-16</inkml:trace>
-  <inkml:trace contextRef="#ctx0" brushRef="#br0" timeOffset="61865.82">15951 5846 0,'0'0'0,"0"0"16,0 0-16,0 0 15,8 0 1,-1-7-16,8-1 16,-7 0-16,0 1 15,7-9 1,-8 1-16,1 0 15,-8 0-15,-15-8 16,-8 8-16,-15 7 16,-7 8-1,7 8-15,-15 37 16,0 32-16,15-9 16,8 9-1,23-1-15,14-15 16,8 0-16,8-23 15,37-15-15,69-38 16,22-46 0,0 0-16</inkml:trace>
-  <inkml:trace contextRef="#ctx0" brushRef="#br0" timeOffset="62815.67">20404 5449 0,'0'0'0,"0"0"16,0 0-16,0 0 15,0 16-15,8 29 16,-8 17 0,7 44-16,-7 16 15,0-30-15,0-8 16,0-8-16,8-22 16,-8-24-1,0-7-15,0-8 16,0-15-16</inkml:trace>
-  <inkml:trace contextRef="#ctx0" brushRef="#br0" timeOffset="63230.08">20207 5411 0,'0'0'16,"0"0"-16,16-7 15,21-1-15,9-7 16,14-8 0,-7 8-16,0-1 15,7 1-15,1 15 16,-8 0-16,-15 8 15,-16-1 1,1 16-16,0 31 16,-1 7-16,-14-8 15,0 1 1,-8-9-16,-16 9 16,-6-1-16,-16 1 15,-7-9-15,7-14 16,8-1-1,-1-14-15,16-1 16,0-7-16,15-8 16</inkml:trace>
-  <inkml:trace contextRef="#ctx0" brushRef="#br0" timeOffset="63710.38">20956 5877 0,'0'0'16,"7"0"-16,16 0 15,15 0-15,0-8 16,-1 1-1,-6-9-15,-1 1 16,0-8 0,-7 0-16,0-7 15,-8 7-15,-8 0 16,-14 0-16,-1 8 16,1 7-1,-9 0-15,1 1 16,-15 7-16,-8 0 15,8 7-15,0 9 16,7 7 0,0 7-16,8 8 15,8 16-15,7-8 16,7-8 0,16 0-16,7-8 15,16-7-15,14-7 16,23-9-16,-22-14 15,-61 7 1</inkml:trace>
-  <inkml:trace contextRef="#ctx0" brushRef="#br0" timeOffset="64208.45">21432 5259 0,'0'0'0,"0"0"16,0 0 0,0 0-16,-7 7 15,-1 16-15,0 23 16,8 30-1,0 1-15,8-24 16,0-15-16,-8-7 16,0-8-1,0-8-15,-8 0 16,8-7-16,0-1 16,0 1-1,0-8-15,8 8 16,-1-8-16,1 0 15,7 7-15,0 1 16,15 7-16,0 16 16,-15 7-1,-7 0-15,-8-7 16,-8-1-16,-7 1 16,0-9-1,-15 9-15,-23-8 16,-7 0-16,-8 7 15,68-30 1</inkml:trace>
-  <inkml:trace contextRef="#ctx0" brushRef="#br0" timeOffset="67728.46">17894 7045 0,'0'0'0,"0"0"16,-15 7-16,-23 8 15,-7 1 1,-16 22-16,1 31 16,7 22-16,23-15 15,7 16 1,15-8-16,16-8 16,15-30-16,7-8 15,8-7 1,15-16-16,0-15 15,-16-8-15,-6 1 16,14-16-16,8 0 16,0 0-1,0 8-15,-8 7 16,-7 8-16,0 0 16,-16 8-1,-7-8-15,1 0 16,-9 0-16,-7 0 15,0 0-15,0 0 16,0 0 0,0-8-16,0-7 15,0-8-15,0 0 16,0-15 0,8-8-16,-1-7 15,1 7-15,-1 0 16,9 16-16,-9 7 15,1 7 1,-1 9-16,-7 7 16</inkml:trace>
-  <inkml:trace contextRef="#ctx0" brushRef="#br0" timeOffset="68107.38">18741 7319 0,'0'0'0,"7"-7"15,8-1 1,16-7-16,-9-1 16,1 1-16,0 0 15,-8 0-15,-8-1 16,1-6-1,-8-1-15,-8 0 16,-7 7-16,-15 9 16,-8 7-16,8 7 15,-8 32 1,0 52-16,16-14 16,-1 7-16,16-8 15,7-7 1,7-24-16,1-22 15,22 8-15,23-16 16,7-7-16,-60-8 16</inkml:trace>
-  <inkml:trace contextRef="#ctx0" brushRef="#br0" timeOffset="68672.91">17864 8914 0,'0'0'15,"0"0"-15,0 0 16,0 0-16,0 8 16,7 7-16,1 23 15,0 16 1,7 15-16,-8-16 15,1 0-15,-1 1 16,1-8 0,-1-8-16,-7-15 15,8 0-15,0-8 16,-8-15-16,0 0 16,0 0-1,0 0-15</inkml:trace>
-  <inkml:trace contextRef="#ctx0" brushRef="#br0" timeOffset="68709.89">17939 9128 0,'0'0'16</inkml:trace>
-  <inkml:trace contextRef="#ctx0" brushRef="#br0" timeOffset="69067.05">17924 8838 0,'0'0'0,"0"0"15,0 0-15,0 0 16,0 0-1,8 0-15,7-8 16,8 1-16,7 7 16,8 7-16,7 1 15,-7 7-15,0 1 16,-1 7 0,-6 7-16,-9 16 15,1 7 1,-8 8-16,-7-15 15,-8-8-15,-8-7 16,-7-1 0,-8 1-16,1-8 15,-9 0-15,1 0 16,8-8-16,6-8 16,9 1-1,-1-8-15,8 0 16,0 0-16</inkml:trace>
-  <inkml:trace contextRef="#ctx0" brushRef="#br0" timeOffset="69544.31">18567 9075 0,'0'0'0,"0"0"15,0 0-15,0 0 16,0 0-16,0 0 16,7-8-1,1 0-15,0 1 16,7-8-16,0-1 16,0 1-1,0 0-15,-7-1 16,-1 1-16,1-8 15,-8 0 1,0 1-16,0 6 16,0 9-16,0 7 15,-8 0-15,1 0 16,-8 7 0,-1 9-16,9-1 15,-1 15-15,8 8 16,8 8-1,-1-15-15,1-8 16,0 0-16,-1-8 16,8-8-16,0 1 15,8-8 1,7-8-16,8-7 16,0-15-16,-38 30 15</inkml:trace>
-  <inkml:trace contextRef="#ctx0" brushRef="#br0" timeOffset="70542.2">18832 8434 0,'0'0'0,"0"0"15,0 0-15,0 0 16,0 0-16,0 0 16,0 0-1,0 0-15,0 0 16,7 7-16,1 1 16,-1-1-16,1 1 15,-1 0 1,1-1-16,7 1 15,-7 0-15,-1-1 16,1-7 0,-1 0-16,1 0 15,-8 0-15,0 0 16,0 0-16,7 0 16,1 8-1,-1 0-15,1-1 16,0 1-16,-1 7 15,8 8 1,0 0-16,-7 0 16,0-8-16,-1 0 15,1 1-15,-8-9 16,0-7 0,0 8-16,0-8 15,0 7-15,0-7 16,0 0-1,0 8-15,0-8 16,0 0-16,0 0 16,0 0-16,0 8 15,0-8 1,0 7-16,0 1 16,0 0-16,0-8 15,0 7 1,0 1-16,0 0 15,0-1-15,0 8 16,0-7 0,0 0-16,0-1 15,0 1-15,0 0 16,0-1-16,0-7 16,0 0-1,0 0-15,0 0 16,0 0-16,7 0 15,8 0 1,8-7-16,7-9 16,0 1-16,1 0 15,-1 7-15,-7 1 16,-1-1 0,-7 8-16,1 0 15,-1 8-15,-8-1 16,1 8-1,-1 1-15,1-1 16,-8 0-16,-8-7 16,1 7-16,-8 0 15,-8-7 1,0 0-16,1-1 16,-1 1-16,23-8 15</inkml:trace>
-  <inkml:trace contextRef="#ctx0" brushRef="#br0" timeOffset="91482.31">2480 2709 0,'0'0'0,"0"0"16,0 0-16,0 0 16,0 0-16,0 0 15,0 0 1,0 0-16,7 0 15,8-7-15,31-1 16,7 16 0,7-1-16,23 9 15,23-1-15,0 0 16,-15 0-16,7-7 16,8-8-16,-38 0 15,-23 0 1,-15 0-16,-7 0 15,-8 0-15,-7 0 16,-8 0-16,0 0 16</inkml:trace>
-  <inkml:trace contextRef="#ctx0" brushRef="#br0" timeOffset="94573.04">2888 1198 0,'0'0'16,"0"0"-16,0 0 15</inkml:trace>
-  <inkml:trace contextRef="#ctx0" brushRef="#br0" timeOffset="94941.57">2767 1236 0,'0'0'16,"0"0"-16,0 0 16,0 0-16,0 0 15,0 0 1,0 0-16,0 0 15,0 8-15,0 0 16,0 15 0,0 15-16,-8 15 15,8 8-15,0 8 16,0-23-16,0-8 16,0 0-1,0-15-15,0 0 16,0-23-16</inkml:trace>
-  <inkml:trace contextRef="#ctx0" brushRef="#br0" timeOffset="95685.84">2767 1122 0,'0'0'15,"0"0"-15,0 0 16,0 0-16,0 0 15,0 0-15,0 0 16,0 0 0,0 0-16,0 0 15,0 0-15,0 0 16,7-8 0,16 1-16,7-1 15,1 0-15,-1 8 16,-7 0-16,7 0 15,-8 8 1,1 7-16,-8-7 16,0 15-16,-7 0 15,-8 0-15,-8 7 16,-7 1 0,0-1-16,0 1 15,-8-8-15,8 0 16,0-8-16,0 0 15,7-7 1,1-1-16,-1 1 16,8-8-16,0 0 15,0 0 1,0 0-16,0 0 16,0 0-16,15 0 15,8 0-15,0 0 16,-1 8-1,1-1-15,0 1 16,-8-1-16,0 1 16,0 0-1,-7-1-15,-1 1 16,1 0-16,-1-1 16,-7-7-16,0 0 15,8 0 1,-8 0-16</inkml:trace>
-  <inkml:trace contextRef="#ctx0" brushRef="#br0" timeOffset="95978.58">3326 1374 0,'0'0'0,"0"0"16,0 0-16,0 0 16,0 7-1,0 16-15,0 0 16,0 0-16,0 0 16,0 0-16,0-8 15,0 0 1,0-7-16,8 0 15,-1-1-15,1-7 16,-8 0 0</inkml:trace>
-  <inkml:trace contextRef="#ctx0" brushRef="#br0" timeOffset="96407.2">3757 1351 0,'0'0'16,"0"0"-16,0 0 16,0 0-1,0 0-15,0 0 16,0 0-16,-7 0 16,-8 8-1,-1-1-15,1 8 16,-7 1-16,7-1 15,7 0-15,0 0 16,8 8 0,8-7-16,7 7 15,0-1-15,0 1 16,0-7 0,1-1-16,-1 0 15,-8 0-15,1 1 16,-1 7-1,-7-1-15,-7 1 16,-1-7-16,-7 7 16,0-8-16,0 0 15,0-7-15,7-1 16,1-7 0,7 0-16</inkml:trace>
-  <inkml:trace contextRef="#ctx0" brushRef="#br0" timeOffset="96928.1">4090 1084 0,'0'0'16,"0"7"-16,7 16 16,1 23-16,-8 0 15,0 0-15,-8 7 16,1 1 0,-1-1-16,1-15 15,-1 0-15,1-7 16,-1-8-1,1 0-15,-1-8 16,8-7-16,0-8 16,0 0-1,0 0-15,0 0 16,15-16-16,8-7 16,7-7-16,-7-1 15,-8 8-15,0 16 16,-8-1-1,-7 8-15,0 0 16,8 15 0,0 8-16,-1 0 15,1 0-15,-8-8 16,0-7-16,7 0 16,1-1-1,-1 1-15,-7-8 16</inkml:trace>
-  <inkml:trace contextRef="#ctx0" brushRef="#br0" timeOffset="97208">4672 954 0,'0'0'16,"-8"15"-16,1 46 15,-1 23-15,-7-15 16,0 7-16,0 1 16,0-16-1,7-23-15,1-8 16,-8-7-16,7-15 15,8-8-15</inkml:trace>
-  <inkml:trace contextRef="#ctx0" brushRef="#br0" timeOffset="97349.99">4551 1313 0,'0'0'0,"0"0"15,30 0-15,38 0 16,-68 0 0</inkml:trace>
+  <inkml:trace contextRef="#ctx0" brushRef="#br0">7011 7289 0,'93'-53'47,"-14"27"-31,1 13-16,12-1 15,-65 14-15,79 0 16,0 0-16,26 0 16,-79 0-16,132 0 15,-106 0-15,120 0 16,-93 0-16,158 0 15,27 0-15,66 0 16,-211 0-16,198 0 16,-53 0-16,26 0 15,-184 0-15,158 0 16,-40 0-16,-26 0 16,-159 0-16,53 0 15,14 0-15,-120 0 31</inkml:trace>
+  <inkml:trace contextRef="#ctx0" brushRef="#br0" timeOffset="1068.23">7951 8850 0,'13'0'0,"13"-13"16,14 13-16,53-13 16,-1-27-16,-65 40 15,65 0-15,54-13 16,-14-27-16,-92 40 15,39 0-15,106 0 16,-13 0-16,-79 0 16,119 0-16,39 0 15,80 0-15,-252 0 16,212 0-16,40 0 16,0 0-1,-80 0-15,-145 0 16,106 0-16,-40 0 15,-67 0-15,-78 0 16,-14 0-16</inkml:trace>
+  <inkml:trace contextRef="#ctx0" brushRef="#br0" timeOffset="20444.95">3836 2421 0,'0'13'16,"27"-13"0,13-13-1,92-53-15,-13-27 16,-40 53-16,67-26 16,-1-13-16,14 39 15,-106 1-15,26-14 16,-52 26-16</inkml:trace>
 </inkml:ink>
 </file>
 
@@ -4308,7 +3936,7 @@
           <a:p>
             <a:fld id="{00DBF6A6-50B5-43C4-86A5-B2443BF00A40}" type="datetimeFigureOut">
               <a:rPr lang="en-US" smtClean="0"/>
-              <a:t>9/24/2020</a:t>
+              <a:t>10/7/2021</a:t>
             </a:fld>
             <a:endParaRPr lang="en-US"/>
           </a:p>
@@ -5905,8 +5533,142 @@
           <a:lstStyle/>
           <a:p>
             <a:r>
+              <a:rPr lang="es-MX" dirty="0" err="1"/>
+              <a:t>Joins</a:t>
+            </a:r>
+            <a:endParaRPr lang="es-MX" dirty="0"/>
+          </a:p>
+        </p:txBody>
+      </p:sp>
+      <p:sp>
+        <p:nvSpPr>
+          <p:cNvPr id="6" name="Marcador de texto 5"/>
+          <p:cNvSpPr>
+            <a:spLocks noGrp="1"/>
+          </p:cNvSpPr>
+          <p:nvPr>
+            <p:ph type="body" idx="1"/>
+          </p:nvPr>
+        </p:nvSpPr>
+        <p:spPr/>
+        <p:txBody>
+          <a:bodyPr/>
+          <a:lstStyle/>
+          <a:p>
+            <a:r>
+              <a:rPr lang="es-MX" dirty="0" err="1"/>
+              <a:t>Inner</a:t>
+            </a:r>
+            <a:r>
               <a:rPr lang="es-MX" dirty="0"/>
-              <a:t>Natural-</a:t>
+              <a:t> </a:t>
+            </a:r>
+            <a:r>
+              <a:rPr lang="es-MX" dirty="0" err="1"/>
+              <a:t>Join</a:t>
+            </a:r>
+            <a:endParaRPr lang="es-MX" dirty="0"/>
+          </a:p>
+          <a:p>
+            <a:r>
+              <a:rPr lang="es-MX" dirty="0" err="1"/>
+              <a:t>Outer</a:t>
+            </a:r>
+            <a:r>
+              <a:rPr lang="es-MX" dirty="0"/>
+              <a:t> </a:t>
+            </a:r>
+            <a:r>
+              <a:rPr lang="es-MX" dirty="0" err="1"/>
+              <a:t>Join</a:t>
+            </a:r>
+            <a:endParaRPr lang="es-MX" dirty="0"/>
+          </a:p>
+          <a:p>
+            <a:r>
+              <a:rPr lang="es-MX" dirty="0" err="1"/>
+              <a:t>Left</a:t>
+            </a:r>
+            <a:r>
+              <a:rPr lang="es-MX" dirty="0"/>
+              <a:t> </a:t>
+            </a:r>
+            <a:r>
+              <a:rPr lang="es-MX" dirty="0" err="1"/>
+              <a:t>Inner</a:t>
+            </a:r>
+            <a:r>
+              <a:rPr lang="es-MX" dirty="0"/>
+              <a:t> </a:t>
+            </a:r>
+            <a:r>
+              <a:rPr lang="es-MX" dirty="0" err="1"/>
+              <a:t>Join</a:t>
+            </a:r>
+            <a:endParaRPr lang="es-MX" dirty="0"/>
+          </a:p>
+          <a:p>
+            <a:r>
+              <a:rPr lang="es-MX" dirty="0" err="1"/>
+              <a:t>Left</a:t>
+            </a:r>
+            <a:r>
+              <a:rPr lang="es-MX" dirty="0"/>
+              <a:t> </a:t>
+            </a:r>
+            <a:r>
+              <a:rPr lang="es-MX" dirty="0" err="1"/>
+              <a:t>Outer</a:t>
+            </a:r>
+            <a:r>
+              <a:rPr lang="es-MX" dirty="0"/>
+              <a:t> </a:t>
+            </a:r>
+            <a:r>
+              <a:rPr lang="es-MX" dirty="0" err="1"/>
+              <a:t>Join</a:t>
+            </a:r>
+            <a:endParaRPr lang="es-MX" dirty="0"/>
+          </a:p>
+          <a:p>
+            <a:r>
+              <a:rPr lang="es-MX" dirty="0" err="1"/>
+              <a:t>Right</a:t>
+            </a:r>
+            <a:r>
+              <a:rPr lang="es-MX" dirty="0"/>
+              <a:t> </a:t>
+            </a:r>
+            <a:r>
+              <a:rPr lang="es-MX" dirty="0" err="1"/>
+              <a:t>Inner</a:t>
+            </a:r>
+            <a:r>
+              <a:rPr lang="es-MX" dirty="0"/>
+              <a:t> </a:t>
+            </a:r>
+            <a:r>
+              <a:rPr lang="es-MX" dirty="0" err="1"/>
+              <a:t>Join</a:t>
+            </a:r>
+            <a:endParaRPr lang="es-MX" dirty="0"/>
+          </a:p>
+          <a:p>
+            <a:r>
+              <a:rPr lang="es-MX" dirty="0" err="1"/>
+              <a:t>Right</a:t>
+            </a:r>
+            <a:r>
+              <a:rPr lang="es-MX" dirty="0"/>
+              <a:t> </a:t>
+            </a:r>
+            <a:r>
+              <a:rPr lang="es-MX" dirty="0" err="1"/>
+              <a:t>Outer</a:t>
+            </a:r>
+            <a:r>
+              <a:rPr lang="es-MX" dirty="0"/>
+              <a:t> </a:t>
             </a:r>
             <a:r>
               <a:rPr lang="es-MX" dirty="0" err="1"/>
@@ -5948,855 +5710,14 @@
           </a:p>
         </p:txBody>
       </p:sp>
-      <p:sp>
-        <p:nvSpPr>
-          <p:cNvPr id="7" name="CuadroTexto 6"/>
-          <p:cNvSpPr txBox="1"/>
-          <p:nvPr/>
-        </p:nvSpPr>
-        <p:spPr>
-          <a:xfrm>
-            <a:off x="1959434" y="1644816"/>
-            <a:ext cx="413896" cy="307777"/>
-          </a:xfrm>
-          <a:prstGeom prst="rect">
-            <a:avLst/>
-          </a:prstGeom>
-          <a:noFill/>
-        </p:spPr>
-        <p:txBody>
-          <a:bodyPr wrap="none" rtlCol="0">
-            <a:spAutoFit/>
-          </a:bodyPr>
-          <a:lstStyle/>
-          <a:p>
-            <a:r>
-              <a:rPr lang="es-MX" dirty="0"/>
-              <a:t>R3</a:t>
-            </a:r>
-          </a:p>
-        </p:txBody>
-      </p:sp>
-      <p:graphicFrame>
-        <p:nvGraphicFramePr>
-          <p:cNvPr id="8" name="Tabla 7"/>
-          <p:cNvGraphicFramePr>
-            <a:graphicFrameLocks noGrp="1"/>
-          </p:cNvGraphicFramePr>
-          <p:nvPr>
-            <p:extLst>
-              <p:ext uri="{D42A27DB-BD31-4B8C-83A1-F6EECF244321}">
-                <p14:modId xmlns:p14="http://schemas.microsoft.com/office/powerpoint/2010/main" val="883244812"/>
-              </p:ext>
-            </p:extLst>
-          </p:nvPr>
-        </p:nvGraphicFramePr>
-        <p:xfrm>
-          <a:off x="2079769" y="2221171"/>
-          <a:ext cx="4536788" cy="1885635"/>
-        </p:xfrm>
-        <a:graphic>
-          <a:graphicData uri="http://schemas.openxmlformats.org/drawingml/2006/table">
-            <a:tbl>
-              <a:tblPr firstRow="1" bandRow="1">
-                <a:tableStyleId>{3C2FFA5D-87B4-456A-9821-1D502468CF0F}</a:tableStyleId>
-              </a:tblPr>
-              <a:tblGrid>
-                <a:gridCol w="1134197">
-                  <a:extLst>
-                    <a:ext uri="{9D8B030D-6E8A-4147-A177-3AD203B41FA5}">
-                      <a16:colId xmlns:a16="http://schemas.microsoft.com/office/drawing/2014/main" val="854045907"/>
-                    </a:ext>
-                  </a:extLst>
-                </a:gridCol>
-                <a:gridCol w="1134197">
-                  <a:extLst>
-                    <a:ext uri="{9D8B030D-6E8A-4147-A177-3AD203B41FA5}">
-                      <a16:colId xmlns:a16="http://schemas.microsoft.com/office/drawing/2014/main" val="3694374799"/>
-                    </a:ext>
-                  </a:extLst>
-                </a:gridCol>
-                <a:gridCol w="1134197">
-                  <a:extLst>
-                    <a:ext uri="{9D8B030D-6E8A-4147-A177-3AD203B41FA5}">
-                      <a16:colId xmlns:a16="http://schemas.microsoft.com/office/drawing/2014/main" val="1321079999"/>
-                    </a:ext>
-                  </a:extLst>
-                </a:gridCol>
-                <a:gridCol w="1134197">
-                  <a:extLst>
-                    <a:ext uri="{9D8B030D-6E8A-4147-A177-3AD203B41FA5}">
-                      <a16:colId xmlns:a16="http://schemas.microsoft.com/office/drawing/2014/main" val="1728768038"/>
-                    </a:ext>
-                  </a:extLst>
-                </a:gridCol>
-              </a:tblGrid>
-              <a:tr h="344065">
-                <a:tc>
-                  <a:txBody>
-                    <a:bodyPr/>
-                    <a:lstStyle/>
-                    <a:p>
-                      <a:pPr algn="ctr"/>
-                      <a:r>
-                        <a:rPr lang="es-MX" sz="1100" b="1" dirty="0"/>
-                        <a:t>Plaza</a:t>
-                      </a:r>
-                    </a:p>
-                  </a:txBody>
-                  <a:tcPr/>
-                </a:tc>
-                <a:tc>
-                  <a:txBody>
-                    <a:bodyPr/>
-                    <a:lstStyle/>
-                    <a:p>
-                      <a:pPr algn="ctr"/>
-                      <a:r>
-                        <a:rPr lang="es-MX" sz="1100" b="1" dirty="0"/>
-                        <a:t>Tienda</a:t>
-                      </a:r>
-                    </a:p>
-                  </a:txBody>
-                  <a:tcPr/>
-                </a:tc>
-                <a:tc>
-                  <a:txBody>
-                    <a:bodyPr/>
-                    <a:lstStyle/>
-                    <a:p>
-                      <a:pPr algn="ctr"/>
-                      <a:r>
-                        <a:rPr lang="es-MX" sz="1100" b="1" dirty="0"/>
-                        <a:t>Número</a:t>
-                      </a:r>
-                    </a:p>
-                  </a:txBody>
-                  <a:tcPr/>
-                </a:tc>
-                <a:tc>
-                  <a:txBody>
-                    <a:bodyPr/>
-                    <a:lstStyle/>
-                    <a:p>
-                      <a:pPr algn="ctr"/>
-                      <a:r>
-                        <a:rPr lang="es-MX" sz="1100" b="1" dirty="0"/>
-                        <a:t>Colonia</a:t>
-                      </a:r>
-                    </a:p>
-                  </a:txBody>
-                  <a:tcPr/>
-                </a:tc>
-                <a:extLst>
-                  <a:ext uri="{0D108BD9-81ED-4DB2-BD59-A6C34878D82A}">
-                    <a16:rowId xmlns:a16="http://schemas.microsoft.com/office/drawing/2014/main" val="2949837132"/>
-                  </a:ext>
-                </a:extLst>
-              </a:tr>
-              <a:tr h="344065">
-                <a:tc>
-                  <a:txBody>
-                    <a:bodyPr/>
-                    <a:lstStyle/>
-                    <a:p>
-                      <a:pPr algn="ctr"/>
-                      <a:r>
-                        <a:rPr lang="es-MX" sz="1100" b="1" dirty="0"/>
-                        <a:t>Parque</a:t>
-                      </a:r>
-                      <a:r>
-                        <a:rPr lang="es-MX" sz="1100" b="1" baseline="0" dirty="0"/>
-                        <a:t> Delta</a:t>
-                      </a:r>
-                      <a:endParaRPr lang="es-MX" sz="1100" b="1" dirty="0"/>
-                    </a:p>
-                  </a:txBody>
-                  <a:tcPr/>
-                </a:tc>
-                <a:tc>
-                  <a:txBody>
-                    <a:bodyPr/>
-                    <a:lstStyle/>
-                    <a:p>
-                      <a:pPr algn="ctr"/>
-                      <a:r>
-                        <a:rPr lang="es-MX" sz="1100" b="1" dirty="0"/>
-                        <a:t>Starbucks</a:t>
-                      </a:r>
-                    </a:p>
-                  </a:txBody>
-                  <a:tcPr/>
-                </a:tc>
-                <a:tc>
-                  <a:txBody>
-                    <a:bodyPr/>
-                    <a:lstStyle/>
-                    <a:p>
-                      <a:pPr algn="ctr"/>
-                      <a:r>
-                        <a:rPr lang="es-MX" sz="1100" b="1" dirty="0"/>
-                        <a:t>2</a:t>
-                      </a:r>
-                    </a:p>
-                  </a:txBody>
-                  <a:tcPr/>
-                </a:tc>
-                <a:tc>
-                  <a:txBody>
-                    <a:bodyPr/>
-                    <a:lstStyle/>
-                    <a:p>
-                      <a:pPr algn="ctr"/>
-                      <a:r>
-                        <a:rPr lang="es-MX" sz="1100" b="1" dirty="0"/>
-                        <a:t>Roma</a:t>
-                      </a:r>
-                    </a:p>
-                  </a:txBody>
-                  <a:tcPr/>
-                </a:tc>
-                <a:extLst>
-                  <a:ext uri="{0D108BD9-81ED-4DB2-BD59-A6C34878D82A}">
-                    <a16:rowId xmlns:a16="http://schemas.microsoft.com/office/drawing/2014/main" val="128101960"/>
-                  </a:ext>
-                </a:extLst>
-              </a:tr>
-              <a:tr h="344065">
-                <a:tc>
-                  <a:txBody>
-                    <a:bodyPr/>
-                    <a:lstStyle/>
-                    <a:p>
-                      <a:pPr algn="ctr"/>
-                      <a:r>
-                        <a:rPr lang="es-MX" sz="1100" b="1" dirty="0"/>
-                        <a:t>Parque Delta</a:t>
-                      </a:r>
-                    </a:p>
-                  </a:txBody>
-                  <a:tcPr/>
-                </a:tc>
-                <a:tc>
-                  <a:txBody>
-                    <a:bodyPr/>
-                    <a:lstStyle/>
-                    <a:p>
-                      <a:pPr algn="ctr"/>
-                      <a:r>
-                        <a:rPr lang="es-MX" sz="1100" b="1" dirty="0" err="1"/>
-                        <a:t>Marti</a:t>
-                      </a:r>
-                      <a:endParaRPr lang="es-MX" sz="1100" b="1" dirty="0"/>
-                    </a:p>
-                  </a:txBody>
-                  <a:tcPr/>
-                </a:tc>
-                <a:tc>
-                  <a:txBody>
-                    <a:bodyPr/>
-                    <a:lstStyle/>
-                    <a:p>
-                      <a:pPr algn="ctr"/>
-                      <a:r>
-                        <a:rPr lang="es-MX" sz="1100" b="1" dirty="0"/>
-                        <a:t>1</a:t>
-                      </a:r>
-                    </a:p>
-                  </a:txBody>
-                  <a:tcPr/>
-                </a:tc>
-                <a:tc>
-                  <a:txBody>
-                    <a:bodyPr/>
-                    <a:lstStyle/>
-                    <a:p>
-                      <a:pPr algn="ctr"/>
-                      <a:r>
-                        <a:rPr lang="es-MX" sz="1100" b="1" dirty="0"/>
-                        <a:t>Roma</a:t>
-                      </a:r>
-                    </a:p>
-                  </a:txBody>
-                  <a:tcPr/>
-                </a:tc>
-                <a:extLst>
-                  <a:ext uri="{0D108BD9-81ED-4DB2-BD59-A6C34878D82A}">
-                    <a16:rowId xmlns:a16="http://schemas.microsoft.com/office/drawing/2014/main" val="1804458209"/>
-                  </a:ext>
-                </a:extLst>
-              </a:tr>
-              <a:tr h="344065">
-                <a:tc>
-                  <a:txBody>
-                    <a:bodyPr/>
-                    <a:lstStyle/>
-                    <a:p>
-                      <a:pPr algn="ctr"/>
-                      <a:r>
-                        <a:rPr lang="es-MX" sz="1100" b="1" dirty="0"/>
-                        <a:t>Galerías Insurgentes</a:t>
-                      </a:r>
-                    </a:p>
-                  </a:txBody>
-                  <a:tcPr/>
-                </a:tc>
-                <a:tc>
-                  <a:txBody>
-                    <a:bodyPr/>
-                    <a:lstStyle/>
-                    <a:p>
-                      <a:pPr algn="ctr"/>
-                      <a:r>
-                        <a:rPr lang="es-MX" sz="1100" b="1" dirty="0"/>
-                        <a:t>Starbucks </a:t>
-                      </a:r>
-                    </a:p>
-                  </a:txBody>
-                  <a:tcPr/>
-                </a:tc>
-                <a:tc>
-                  <a:txBody>
-                    <a:bodyPr/>
-                    <a:lstStyle/>
-                    <a:p>
-                      <a:pPr algn="ctr"/>
-                      <a:r>
-                        <a:rPr lang="es-MX" sz="1100" b="1" dirty="0"/>
-                        <a:t>1</a:t>
-                      </a:r>
-                    </a:p>
-                  </a:txBody>
-                  <a:tcPr/>
-                </a:tc>
-                <a:tc>
-                  <a:txBody>
-                    <a:bodyPr/>
-                    <a:lstStyle/>
-                    <a:p>
-                      <a:pPr algn="ctr"/>
-                      <a:r>
-                        <a:rPr lang="es-MX" sz="1100" b="1" dirty="0"/>
-                        <a:t>Del Valle</a:t>
-                      </a:r>
-                    </a:p>
-                  </a:txBody>
-                  <a:tcPr/>
-                </a:tc>
-                <a:extLst>
-                  <a:ext uri="{0D108BD9-81ED-4DB2-BD59-A6C34878D82A}">
-                    <a16:rowId xmlns:a16="http://schemas.microsoft.com/office/drawing/2014/main" val="3838666371"/>
-                  </a:ext>
-                </a:extLst>
-              </a:tr>
-              <a:tr h="344065">
-                <a:tc>
-                  <a:txBody>
-                    <a:bodyPr/>
-                    <a:lstStyle/>
-                    <a:p>
-                      <a:pPr algn="ctr"/>
-                      <a:r>
-                        <a:rPr lang="es-MX" sz="1100" b="1" dirty="0"/>
-                        <a:t>Galerías Insurgentes</a:t>
-                      </a:r>
-                    </a:p>
-                  </a:txBody>
-                  <a:tcPr/>
-                </a:tc>
-                <a:tc>
-                  <a:txBody>
-                    <a:bodyPr/>
-                    <a:lstStyle/>
-                    <a:p>
-                      <a:pPr algn="ctr"/>
-                      <a:r>
-                        <a:rPr lang="es-MX" sz="1100" b="1" dirty="0" err="1"/>
-                        <a:t>Marti</a:t>
-                      </a:r>
-                      <a:endParaRPr lang="es-MX" sz="1100" b="1" dirty="0"/>
-                    </a:p>
-                  </a:txBody>
-                  <a:tcPr/>
-                </a:tc>
-                <a:tc>
-                  <a:txBody>
-                    <a:bodyPr/>
-                    <a:lstStyle/>
-                    <a:p>
-                      <a:pPr algn="ctr"/>
-                      <a:r>
-                        <a:rPr lang="es-MX" sz="1100" b="1" dirty="0"/>
-                        <a:t>1</a:t>
-                      </a:r>
-                    </a:p>
-                  </a:txBody>
-                  <a:tcPr/>
-                </a:tc>
-                <a:tc>
-                  <a:txBody>
-                    <a:bodyPr/>
-                    <a:lstStyle/>
-                    <a:p>
-                      <a:pPr algn="ctr"/>
-                      <a:r>
-                        <a:rPr lang="es-MX" sz="1100" b="1" dirty="0"/>
-                        <a:t>Del Valle</a:t>
-                      </a:r>
-                    </a:p>
-                  </a:txBody>
-                  <a:tcPr/>
-                </a:tc>
-                <a:extLst>
-                  <a:ext uri="{0D108BD9-81ED-4DB2-BD59-A6C34878D82A}">
-                    <a16:rowId xmlns:a16="http://schemas.microsoft.com/office/drawing/2014/main" val="283040193"/>
-                  </a:ext>
-                </a:extLst>
-              </a:tr>
-            </a:tbl>
-          </a:graphicData>
-        </a:graphic>
-      </p:graphicFrame>
-    </p:spTree>
-    <p:extLst>
-      <p:ext uri="{BB962C8B-B14F-4D97-AF65-F5344CB8AC3E}">
-        <p14:creationId xmlns:p14="http://schemas.microsoft.com/office/powerpoint/2010/main" val="3183703178"/>
-      </p:ext>
-    </p:extLst>
-  </p:cSld>
-  <p:clrMapOvr>
-    <a:masterClrMapping/>
-  </p:clrMapOvr>
-</p:sld>
-</file>
-
-<file path=ppt/slides/slide11.xml><?xml version="1.0" encoding="utf-8"?>
-<p:sld xmlns:a="http://schemas.openxmlformats.org/drawingml/2006/main" xmlns:r="http://schemas.openxmlformats.org/officeDocument/2006/relationships" xmlns:p="http://schemas.openxmlformats.org/presentationml/2006/main">
-  <p:cSld>
-    <p:spTree>
-      <p:nvGrpSpPr>
-        <p:cNvPr id="1" name="Shape 220"/>
-        <p:cNvGrpSpPr/>
-        <p:nvPr/>
-      </p:nvGrpSpPr>
-      <p:grpSpPr>
-        <a:xfrm>
-          <a:off x="0" y="0"/>
-          <a:ext cx="0" cy="0"/>
-          <a:chOff x="0" y="0"/>
-          <a:chExt cx="0" cy="0"/>
-        </a:xfrm>
-      </p:grpSpPr>
-      <p:sp>
-        <p:nvSpPr>
-          <p:cNvPr id="221" name="Google Shape;221;p14"/>
-          <p:cNvSpPr txBox="1">
-            <a:spLocks noGrp="1"/>
-          </p:cNvSpPr>
-          <p:nvPr>
-            <p:ph type="ctrTitle"/>
-          </p:nvPr>
-        </p:nvSpPr>
-        <p:spPr>
-          <a:xfrm>
-            <a:off x="463525" y="2871148"/>
-            <a:ext cx="4094400" cy="1159800"/>
-          </a:xfrm>
-          <a:prstGeom prst="rect">
-            <a:avLst/>
-          </a:prstGeom>
-        </p:spPr>
-        <p:txBody>
-          <a:bodyPr spcFirstLastPara="1" wrap="square" lIns="91425" tIns="91425" rIns="91425" bIns="91425" anchor="b" anchorCtr="0">
-            <a:noAutofit/>
-          </a:bodyPr>
-          <a:lstStyle/>
-          <a:p>
-            <a:pPr marL="0" lvl="0" indent="0" rtl="0">
-              <a:spcBef>
-                <a:spcPts val="0"/>
-              </a:spcBef>
-              <a:spcAft>
-                <a:spcPts val="0"/>
-              </a:spcAft>
-              <a:buNone/>
-            </a:pPr>
-            <a:r>
-              <a:rPr lang="es-MX" dirty="0"/>
-              <a:t>Algebra Relacional / SQL</a:t>
-            </a:r>
-          </a:p>
-        </p:txBody>
-      </p:sp>
-      <p:sp>
-        <p:nvSpPr>
-          <p:cNvPr id="222" name="Google Shape;222;p14"/>
-          <p:cNvSpPr txBox="1">
-            <a:spLocks noGrp="1"/>
-          </p:cNvSpPr>
-          <p:nvPr>
-            <p:ph type="subTitle" idx="1"/>
-          </p:nvPr>
-        </p:nvSpPr>
-        <p:spPr>
-          <a:xfrm>
-            <a:off x="463525" y="3975449"/>
-            <a:ext cx="4094400" cy="784800"/>
-          </a:xfrm>
-          <a:prstGeom prst="rect">
-            <a:avLst/>
-          </a:prstGeom>
-        </p:spPr>
-        <p:txBody>
-          <a:bodyPr spcFirstLastPara="1" wrap="square" lIns="91425" tIns="91425" rIns="91425" bIns="91425" anchor="t" anchorCtr="0">
-            <a:noAutofit/>
-          </a:bodyPr>
-          <a:lstStyle/>
-          <a:p>
-            <a:pPr marL="0" lvl="0" indent="0" rtl="0">
-              <a:spcBef>
-                <a:spcPts val="0"/>
-              </a:spcBef>
-              <a:spcAft>
-                <a:spcPts val="1000"/>
-              </a:spcAft>
-              <a:buNone/>
-            </a:pPr>
-            <a:endParaRPr lang="es-MX" dirty="0"/>
-          </a:p>
-        </p:txBody>
-      </p:sp>
-      <p:sp>
-        <p:nvSpPr>
-          <p:cNvPr id="223" name="Google Shape;223;p14"/>
-          <p:cNvSpPr txBox="1">
-            <a:spLocks noGrp="1"/>
-          </p:cNvSpPr>
-          <p:nvPr>
-            <p:ph type="sldNum" idx="12"/>
-          </p:nvPr>
-        </p:nvSpPr>
-        <p:spPr>
-          <a:xfrm>
-            <a:off x="7618000" y="4636500"/>
-            <a:ext cx="1487400" cy="315600"/>
-          </a:xfrm>
-          <a:prstGeom prst="rect">
-            <a:avLst/>
-          </a:prstGeom>
-        </p:spPr>
-        <p:txBody>
-          <a:bodyPr spcFirstLastPara="1" wrap="square" lIns="91425" tIns="91425" rIns="91425" bIns="91425" anchor="ctr" anchorCtr="0">
-            <a:noAutofit/>
-          </a:bodyPr>
-          <a:lstStyle/>
-          <a:p>
-            <a:pPr marL="0" lvl="0" indent="0">
-              <a:spcBef>
-                <a:spcPts val="0"/>
-              </a:spcBef>
-              <a:spcAft>
-                <a:spcPts val="0"/>
-              </a:spcAft>
-              <a:buNone/>
-            </a:pPr>
-            <a:fld id="{00000000-1234-1234-1234-123412341234}" type="slidenum">
-              <a:rPr lang="en"/>
-              <a:t>11</a:t>
-            </a:fld>
-            <a:endParaRPr/>
-          </a:p>
-        </p:txBody>
-      </p:sp>
-      <p:sp>
-        <p:nvSpPr>
-          <p:cNvPr id="224" name="Google Shape;224;p14"/>
-          <p:cNvSpPr txBox="1"/>
-          <p:nvPr/>
-        </p:nvSpPr>
-        <p:spPr>
-          <a:xfrm>
-            <a:off x="463525" y="0"/>
-            <a:ext cx="2181600" cy="3136200"/>
-          </a:xfrm>
-          <a:prstGeom prst="rect">
-            <a:avLst/>
-          </a:prstGeom>
-          <a:noFill/>
-          <a:ln>
-            <a:noFill/>
-          </a:ln>
-        </p:spPr>
-        <p:txBody>
-          <a:bodyPr spcFirstLastPara="1" wrap="square" lIns="91425" tIns="91425" rIns="91425" bIns="91425" anchor="b" anchorCtr="0">
-            <a:noAutofit/>
-          </a:bodyPr>
-          <a:lstStyle/>
-          <a:p>
-            <a:pPr marL="0" lvl="0" indent="0">
-              <a:spcBef>
-                <a:spcPts val="0"/>
-              </a:spcBef>
-              <a:spcAft>
-                <a:spcPts val="0"/>
-              </a:spcAft>
-              <a:buNone/>
-            </a:pPr>
-            <a:r>
-              <a:rPr lang="es-MX" sz="3000" b="1" dirty="0">
-                <a:solidFill>
-                  <a:srgbClr val="3F5378"/>
-                </a:solidFill>
-                <a:latin typeface="Roboto Condensed"/>
-                <a:ea typeface="Roboto Condensed"/>
-                <a:cs typeface="Roboto Condensed"/>
-                <a:sym typeface="Roboto Condensed"/>
-              </a:rPr>
-              <a:t>3</a:t>
-            </a:r>
-            <a:endParaRPr sz="3000" b="1" dirty="0">
-              <a:solidFill>
-                <a:srgbClr val="3F5378"/>
-              </a:solidFill>
-              <a:latin typeface="Roboto Condensed"/>
-              <a:ea typeface="Roboto Condensed"/>
-              <a:cs typeface="Roboto Condensed"/>
-              <a:sym typeface="Roboto Condensed"/>
-            </a:endParaRPr>
-          </a:p>
-        </p:txBody>
-      </p:sp>
-    </p:spTree>
-    <p:extLst>
-      <p:ext uri="{BB962C8B-B14F-4D97-AF65-F5344CB8AC3E}">
-        <p14:creationId xmlns:p14="http://schemas.microsoft.com/office/powerpoint/2010/main" val="1233832948"/>
-      </p:ext>
-    </p:extLst>
-  </p:cSld>
-  <p:clrMapOvr>
-    <a:masterClrMapping/>
-  </p:clrMapOvr>
-</p:sld>
-</file>
-
-<file path=ppt/slides/slide12.xml><?xml version="1.0" encoding="utf-8"?>
-<p:sld xmlns:a="http://schemas.openxmlformats.org/drawingml/2006/main" xmlns:r="http://schemas.openxmlformats.org/officeDocument/2006/relationships" xmlns:p="http://schemas.openxmlformats.org/presentationml/2006/main">
-  <p:cSld>
-    <p:spTree>
-      <p:nvGrpSpPr>
-        <p:cNvPr id="1" name=""/>
-        <p:cNvGrpSpPr/>
-        <p:nvPr/>
-      </p:nvGrpSpPr>
-      <p:grpSpPr>
-        <a:xfrm>
-          <a:off x="0" y="0"/>
-          <a:ext cx="0" cy="0"/>
-          <a:chOff x="0" y="0"/>
-          <a:chExt cx="0" cy="0"/>
-        </a:xfrm>
-      </p:grpSpPr>
-      <p:sp>
-        <p:nvSpPr>
-          <p:cNvPr id="5" name="Título 4"/>
-          <p:cNvSpPr>
-            <a:spLocks noGrp="1"/>
-          </p:cNvSpPr>
-          <p:nvPr>
-            <p:ph type="title"/>
-          </p:nvPr>
-        </p:nvSpPr>
-        <p:spPr/>
-        <p:txBody>
-          <a:bodyPr/>
-          <a:lstStyle/>
-          <a:p>
-            <a:r>
-              <a:rPr lang="es-MX" dirty="0" err="1"/>
-              <a:t>Joins</a:t>
-            </a:r>
-            <a:endParaRPr lang="es-MX" dirty="0"/>
-          </a:p>
-        </p:txBody>
-      </p:sp>
-      <p:sp>
-        <p:nvSpPr>
-          <p:cNvPr id="6" name="Marcador de texto 5"/>
-          <p:cNvSpPr>
-            <a:spLocks noGrp="1"/>
-          </p:cNvSpPr>
-          <p:nvPr>
-            <p:ph type="body" idx="1"/>
-          </p:nvPr>
-        </p:nvSpPr>
-        <p:spPr/>
-        <p:txBody>
-          <a:bodyPr/>
-          <a:lstStyle/>
-          <a:p>
-            <a:r>
-              <a:rPr lang="es-MX" dirty="0" err="1"/>
-              <a:t>Inner</a:t>
-            </a:r>
-            <a:r>
-              <a:rPr lang="es-MX" dirty="0"/>
-              <a:t> </a:t>
-            </a:r>
-            <a:r>
-              <a:rPr lang="es-MX" dirty="0" err="1"/>
-              <a:t>Join</a:t>
-            </a:r>
-            <a:endParaRPr lang="es-MX" dirty="0"/>
-          </a:p>
-          <a:p>
-            <a:r>
-              <a:rPr lang="es-MX" dirty="0" err="1"/>
-              <a:t>Outer</a:t>
-            </a:r>
-            <a:r>
-              <a:rPr lang="es-MX" dirty="0"/>
-              <a:t> </a:t>
-            </a:r>
-            <a:r>
-              <a:rPr lang="es-MX" dirty="0" err="1"/>
-              <a:t>Join</a:t>
-            </a:r>
-            <a:endParaRPr lang="es-MX" dirty="0"/>
-          </a:p>
-          <a:p>
-            <a:r>
-              <a:rPr lang="es-MX" dirty="0" err="1"/>
-              <a:t>Left</a:t>
-            </a:r>
-            <a:r>
-              <a:rPr lang="es-MX" dirty="0"/>
-              <a:t> </a:t>
-            </a:r>
-            <a:r>
-              <a:rPr lang="es-MX" dirty="0" err="1"/>
-              <a:t>Inner</a:t>
-            </a:r>
-            <a:r>
-              <a:rPr lang="es-MX" dirty="0"/>
-              <a:t> </a:t>
-            </a:r>
-            <a:r>
-              <a:rPr lang="es-MX" dirty="0" err="1"/>
-              <a:t>Join</a:t>
-            </a:r>
-            <a:endParaRPr lang="es-MX" dirty="0"/>
-          </a:p>
-          <a:p>
-            <a:r>
-              <a:rPr lang="es-MX" dirty="0" err="1"/>
-              <a:t>Left</a:t>
-            </a:r>
-            <a:r>
-              <a:rPr lang="es-MX" dirty="0"/>
-              <a:t> </a:t>
-            </a:r>
-            <a:r>
-              <a:rPr lang="es-MX" dirty="0" err="1"/>
-              <a:t>Outer</a:t>
-            </a:r>
-            <a:r>
-              <a:rPr lang="es-MX" dirty="0"/>
-              <a:t> </a:t>
-            </a:r>
-            <a:r>
-              <a:rPr lang="es-MX" dirty="0" err="1"/>
-              <a:t>Join</a:t>
-            </a:r>
-            <a:endParaRPr lang="es-MX" dirty="0"/>
-          </a:p>
-          <a:p>
-            <a:r>
-              <a:rPr lang="es-MX" dirty="0" err="1"/>
-              <a:t>Right</a:t>
-            </a:r>
-            <a:r>
-              <a:rPr lang="es-MX" dirty="0"/>
-              <a:t> </a:t>
-            </a:r>
-            <a:r>
-              <a:rPr lang="es-MX" dirty="0" err="1"/>
-              <a:t>Inner</a:t>
-            </a:r>
-            <a:r>
-              <a:rPr lang="es-MX" dirty="0"/>
-              <a:t> </a:t>
-            </a:r>
-            <a:r>
-              <a:rPr lang="es-MX" dirty="0" err="1"/>
-              <a:t>Join</a:t>
-            </a:r>
-            <a:endParaRPr lang="es-MX" dirty="0"/>
-          </a:p>
-          <a:p>
-            <a:r>
-              <a:rPr lang="es-MX" dirty="0" err="1"/>
-              <a:t>Right</a:t>
-            </a:r>
-            <a:r>
-              <a:rPr lang="es-MX" dirty="0"/>
-              <a:t> </a:t>
-            </a:r>
-            <a:r>
-              <a:rPr lang="es-MX" dirty="0" err="1"/>
-              <a:t>Outer</a:t>
-            </a:r>
-            <a:r>
-              <a:rPr lang="es-MX" dirty="0"/>
-              <a:t> </a:t>
-            </a:r>
-            <a:r>
-              <a:rPr lang="es-MX" dirty="0" err="1"/>
-              <a:t>Join</a:t>
-            </a:r>
-            <a:endParaRPr lang="es-MX" dirty="0"/>
-          </a:p>
-        </p:txBody>
-      </p:sp>
-      <p:sp>
-        <p:nvSpPr>
-          <p:cNvPr id="4" name="Marcador de número de diapositiva 3"/>
-          <p:cNvSpPr>
-            <a:spLocks noGrp="1"/>
-          </p:cNvSpPr>
-          <p:nvPr>
-            <p:ph type="sldNum" idx="12"/>
-          </p:nvPr>
-        </p:nvSpPr>
-        <p:spPr/>
-        <p:txBody>
-          <a:bodyPr/>
-          <a:lstStyle/>
-          <a:p>
-            <a:pPr marL="0" lvl="0" indent="0">
-              <a:spcBef>
-                <a:spcPts val="0"/>
-              </a:spcBef>
-              <a:spcAft>
-                <a:spcPts val="0"/>
-              </a:spcAft>
-              <a:buNone/>
-            </a:pPr>
-            <a:fld id="{00000000-1234-1234-1234-123412341234}" type="slidenum">
-              <a:rPr lang="es-MX" smtClean="0"/>
-              <a:t>12</a:t>
-            </a:fld>
-            <a:endParaRPr lang="es-MX"/>
-          </a:p>
-        </p:txBody>
-      </p:sp>
       <mc:AlternateContent xmlns:mc="http://schemas.openxmlformats.org/markup-compatibility/2006">
         <mc:Choice xmlns:p14="http://schemas.microsoft.com/office/powerpoint/2010/main" Requires="p14">
           <p:contentPart p14:bwMode="auto" r:id="rId2">
             <p14:nvContentPartPr>
-              <p14:cNvPr id="2" name="Ink 1">
+              <p14:cNvPr id="3" name="Ink 2">
                 <a:extLst>
                   <a:ext uri="{FF2B5EF4-FFF2-40B4-BE49-F238E27FC236}">
-                    <a16:creationId xmlns:a16="http://schemas.microsoft.com/office/drawing/2014/main" id="{AE113AE0-25FB-4E0C-AA76-05D760932209}"/>
+                    <a16:creationId xmlns:a16="http://schemas.microsoft.com/office/drawing/2014/main" id="{BA98630A-632E-4205-80F4-9E597310A7EF}"/>
                   </a:ext>
                 </a:extLst>
               </p14:cNvPr>
@@ -6804,18 +5725,18 @@
               <p14:nvPr/>
             </p14:nvContentPartPr>
             <p14:xfrm>
-              <a:off x="726480" y="500040"/>
-              <a:ext cx="3350880" cy="3671280"/>
+              <a:off x="1195560" y="1866960"/>
+              <a:ext cx="4253040" cy="2410200"/>
             </p14:xfrm>
           </p:contentPart>
         </mc:Choice>
         <mc:Fallback>
           <p:pic>
             <p:nvPicPr>
-              <p:cNvPr id="2" name="Ink 1">
+              <p:cNvPr id="3" name="Ink 2">
                 <a:extLst>
                   <a:ext uri="{FF2B5EF4-FFF2-40B4-BE49-F238E27FC236}">
-                    <a16:creationId xmlns:a16="http://schemas.microsoft.com/office/drawing/2014/main" id="{AE113AE0-25FB-4E0C-AA76-05D760932209}"/>
+                    <a16:creationId xmlns:a16="http://schemas.microsoft.com/office/drawing/2014/main" id="{BA98630A-632E-4205-80F4-9E597310A7EF}"/>
                   </a:ext>
                 </a:extLst>
               </p:cNvPr>
@@ -6830,8 +5751,8 @@
             </p:blipFill>
             <p:spPr>
               <a:xfrm>
-                <a:off x="717120" y="490680"/>
-                <a:ext cx="3369600" cy="3690000"/>
+                <a:off x="1186200" y="1857600"/>
+                <a:ext cx="4271760" cy="2428920"/>
               </a:xfrm>
               <a:prstGeom prst="rect">
                 <a:avLst/>
@@ -6853,7 +5774,7 @@
 </p:sld>
 </file>
 
-<file path=ppt/slides/slide13.xml><?xml version="1.0" encoding="utf-8"?>
+<file path=ppt/slides/slide11.xml><?xml version="1.0" encoding="utf-8"?>
 <p:sld xmlns:a="http://schemas.openxmlformats.org/drawingml/2006/main" xmlns:r="http://schemas.openxmlformats.org/officeDocument/2006/relationships" xmlns:p="http://schemas.openxmlformats.org/presentationml/2006/main">
   <p:cSld>
     <p:spTree>
@@ -6918,7 +5839,7 @@
             </a:pPr>
             <a:fld id="{00000000-1234-1234-1234-123412341234}" type="slidenum">
               <a:rPr lang="es-MX" smtClean="0"/>
-              <a:t>13</a:t>
+              <a:t>11</a:t>
             </a:fld>
             <a:endParaRPr lang="es-MX"/>
           </a:p>
@@ -7456,10 +6377,10 @@
         <mc:Choice xmlns:p14="http://schemas.microsoft.com/office/powerpoint/2010/main" Requires="p14">
           <p:contentPart p14:bwMode="auto" r:id="rId2">
             <p14:nvContentPartPr>
-              <p14:cNvPr id="3" name="Ink 2">
+              <p14:cNvPr id="9" name="Ink 8">
                 <a:extLst>
                   <a:ext uri="{FF2B5EF4-FFF2-40B4-BE49-F238E27FC236}">
-                    <a16:creationId xmlns:a16="http://schemas.microsoft.com/office/drawing/2014/main" id="{864458D6-FA29-469C-9723-4274B91A56DD}"/>
+                    <a16:creationId xmlns:a16="http://schemas.microsoft.com/office/drawing/2014/main" id="{DBD8C1E6-E065-4364-97C7-F889DEA28E50}"/>
                   </a:ext>
                 </a:extLst>
               </p14:cNvPr>
@@ -7467,18 +6388,18 @@
               <p14:nvPr/>
             </p14:nvContentPartPr>
             <p14:xfrm>
-              <a:off x="2697120" y="2618280"/>
-              <a:ext cx="5220360" cy="1215000"/>
+              <a:off x="1595520" y="1295280"/>
+              <a:ext cx="6324840" cy="3272400"/>
             </p14:xfrm>
           </p:contentPart>
         </mc:Choice>
         <mc:Fallback>
           <p:pic>
             <p:nvPicPr>
-              <p:cNvPr id="3" name="Ink 2">
+              <p:cNvPr id="9" name="Ink 8">
                 <a:extLst>
                   <a:ext uri="{FF2B5EF4-FFF2-40B4-BE49-F238E27FC236}">
-                    <a16:creationId xmlns:a16="http://schemas.microsoft.com/office/drawing/2014/main" id="{864458D6-FA29-469C-9723-4274B91A56DD}"/>
+                    <a16:creationId xmlns:a16="http://schemas.microsoft.com/office/drawing/2014/main" id="{DBD8C1E6-E065-4364-97C7-F889DEA28E50}"/>
                   </a:ext>
                 </a:extLst>
               </p:cNvPr>
@@ -7493,8 +6414,8 @@
             </p:blipFill>
             <p:spPr>
               <a:xfrm>
-                <a:off x="2687760" y="2608920"/>
-                <a:ext cx="5239080" cy="1233720"/>
+                <a:off x="1586160" y="1285920"/>
+                <a:ext cx="6343560" cy="3291120"/>
               </a:xfrm>
               <a:prstGeom prst="rect">
                 <a:avLst/>
@@ -7516,7 +6437,7 @@
 </p:sld>
 </file>
 
-<file path=ppt/slides/slide14.xml><?xml version="1.0" encoding="utf-8"?>
+<file path=ppt/slides/slide12.xml><?xml version="1.0" encoding="utf-8"?>
 <p:sld xmlns:a="http://schemas.openxmlformats.org/drawingml/2006/main" xmlns:r="http://schemas.openxmlformats.org/officeDocument/2006/relationships" xmlns:p="http://schemas.openxmlformats.org/presentationml/2006/main">
   <p:cSld>
     <p:spTree>
@@ -7590,7 +6511,7 @@
             </a:pPr>
             <a:fld id="{00000000-1234-1234-1234-123412341234}" type="slidenum">
               <a:rPr lang="es-MX" smtClean="0"/>
-              <a:t>14</a:t>
+              <a:t>12</a:t>
             </a:fld>
             <a:endParaRPr lang="es-MX"/>
           </a:p>
@@ -8170,10 +7091,10 @@
         <mc:Choice xmlns:p14="http://schemas.microsoft.com/office/powerpoint/2010/main" Requires="p14">
           <p:contentPart p14:bwMode="auto" r:id="rId3">
             <p14:nvContentPartPr>
-              <p14:cNvPr id="3" name="Ink 2">
+              <p14:cNvPr id="8" name="Ink 7">
                 <a:extLst>
                   <a:ext uri="{FF2B5EF4-FFF2-40B4-BE49-F238E27FC236}">
-                    <a16:creationId xmlns:a16="http://schemas.microsoft.com/office/drawing/2014/main" id="{722E5E5E-C9A9-4682-961B-5C9AA3B5CD48}"/>
+                    <a16:creationId xmlns:a16="http://schemas.microsoft.com/office/drawing/2014/main" id="{0EE792EC-BB84-4CDE-A870-11786ABE1AC5}"/>
                   </a:ext>
                 </a:extLst>
               </p14:cNvPr>
@@ -8181,18 +7102,18 @@
               <p14:nvPr/>
             </p14:nvContentPartPr>
             <p14:xfrm>
-              <a:off x="402840" y="1398600"/>
-              <a:ext cx="7911720" cy="2753280"/>
+              <a:off x="619200" y="1585800"/>
+              <a:ext cx="7706160" cy="2576880"/>
             </p14:xfrm>
           </p:contentPart>
         </mc:Choice>
         <mc:Fallback>
           <p:pic>
             <p:nvPicPr>
-              <p:cNvPr id="3" name="Ink 2">
+              <p:cNvPr id="8" name="Ink 7">
                 <a:extLst>
                   <a:ext uri="{FF2B5EF4-FFF2-40B4-BE49-F238E27FC236}">
-                    <a16:creationId xmlns:a16="http://schemas.microsoft.com/office/drawing/2014/main" id="{722E5E5E-C9A9-4682-961B-5C9AA3B5CD48}"/>
+                    <a16:creationId xmlns:a16="http://schemas.microsoft.com/office/drawing/2014/main" id="{0EE792EC-BB84-4CDE-A870-11786ABE1AC5}"/>
                   </a:ext>
                 </a:extLst>
               </p:cNvPr>
@@ -8207,8 +7128,8 @@
             </p:blipFill>
             <p:spPr>
               <a:xfrm>
-                <a:off x="393480" y="1389240"/>
-                <a:ext cx="7930440" cy="2772000"/>
+                <a:off x="609840" y="1576440"/>
+                <a:ext cx="7724880" cy="2595600"/>
               </a:xfrm>
               <a:prstGeom prst="rect">
                 <a:avLst/>
@@ -8230,7 +7151,7 @@
 </p:sld>
 </file>
 
-<file path=ppt/slides/slide15.xml><?xml version="1.0" encoding="utf-8"?>
+<file path=ppt/slides/slide13.xml><?xml version="1.0" encoding="utf-8"?>
 <p:sld xmlns:a="http://schemas.openxmlformats.org/drawingml/2006/main" xmlns:r="http://schemas.openxmlformats.org/officeDocument/2006/relationships" xmlns:p="http://schemas.openxmlformats.org/presentationml/2006/main">
   <p:cSld>
     <p:spTree>
@@ -8304,7 +7225,7 @@
             </a:pPr>
             <a:fld id="{00000000-1234-1234-1234-123412341234}" type="slidenum">
               <a:rPr lang="es-MX" smtClean="0"/>
-              <a:t>15</a:t>
+              <a:t>13</a:t>
             </a:fld>
             <a:endParaRPr lang="es-MX"/>
           </a:p>
@@ -8552,10 +7473,10 @@
         <mc:Choice xmlns:p14="http://schemas.microsoft.com/office/powerpoint/2010/main" Requires="p14">
           <p:contentPart p14:bwMode="auto" r:id="rId3">
             <p14:nvContentPartPr>
-              <p14:cNvPr id="3" name="Ink 2">
+              <p14:cNvPr id="6" name="Ink 5">
                 <a:extLst>
                   <a:ext uri="{FF2B5EF4-FFF2-40B4-BE49-F238E27FC236}">
-                    <a16:creationId xmlns:a16="http://schemas.microsoft.com/office/drawing/2014/main" id="{414234AE-A7F4-402B-814A-77B42450685E}"/>
+                    <a16:creationId xmlns:a16="http://schemas.microsoft.com/office/drawing/2014/main" id="{4BD7986D-D76A-484B-9D04-32FB761DA17E}"/>
                   </a:ext>
                 </a:extLst>
               </p14:cNvPr>
@@ -8563,18 +7484,18 @@
               <p14:nvPr/>
             </p14:nvContentPartPr>
             <p14:xfrm>
-              <a:off x="383760" y="1469880"/>
-              <a:ext cx="8083440" cy="2289240"/>
+              <a:off x="1614600" y="2190600"/>
+              <a:ext cx="1905120" cy="105120"/>
             </p14:xfrm>
           </p:contentPart>
         </mc:Choice>
         <mc:Fallback>
           <p:pic>
             <p:nvPicPr>
-              <p:cNvPr id="3" name="Ink 2">
+              <p:cNvPr id="6" name="Ink 5">
                 <a:extLst>
                   <a:ext uri="{FF2B5EF4-FFF2-40B4-BE49-F238E27FC236}">
-                    <a16:creationId xmlns:a16="http://schemas.microsoft.com/office/drawing/2014/main" id="{414234AE-A7F4-402B-814A-77B42450685E}"/>
+                    <a16:creationId xmlns:a16="http://schemas.microsoft.com/office/drawing/2014/main" id="{4BD7986D-D76A-484B-9D04-32FB761DA17E}"/>
                   </a:ext>
                 </a:extLst>
               </p:cNvPr>
@@ -8589,8 +7510,8 @@
             </p:blipFill>
             <p:spPr>
               <a:xfrm>
-                <a:off x="374400" y="1460520"/>
-                <a:ext cx="8102160" cy="2307960"/>
+                <a:off x="1605240" y="2181240"/>
+                <a:ext cx="1923840" cy="123840"/>
               </a:xfrm>
               <a:prstGeom prst="rect">
                 <a:avLst/>
@@ -8612,7 +7533,7 @@
 </p:sld>
 </file>
 
-<file path=ppt/slides/slide16.xml><?xml version="1.0" encoding="utf-8"?>
+<file path=ppt/slides/slide14.xml><?xml version="1.0" encoding="utf-8"?>
 <p:sld xmlns:a="http://schemas.openxmlformats.org/drawingml/2006/main" xmlns:r="http://schemas.openxmlformats.org/officeDocument/2006/relationships" xmlns:p="http://schemas.openxmlformats.org/presentationml/2006/main">
   <p:cSld>
     <p:spTree>
@@ -8686,7 +7607,7 @@
             </a:pPr>
             <a:fld id="{00000000-1234-1234-1234-123412341234}" type="slidenum">
               <a:rPr lang="es-MX" smtClean="0"/>
-              <a:t>16</a:t>
+              <a:t>14</a:t>
             </a:fld>
             <a:endParaRPr lang="es-MX"/>
           </a:p>
@@ -9195,10 +8116,10 @@
         <mc:Choice xmlns:p14="http://schemas.microsoft.com/office/powerpoint/2010/main" Requires="p14">
           <p:contentPart p14:bwMode="auto" r:id="rId2">
             <p14:nvContentPartPr>
-              <p14:cNvPr id="3" name="Ink 2">
+              <p14:cNvPr id="6" name="Ink 5">
                 <a:extLst>
                   <a:ext uri="{FF2B5EF4-FFF2-40B4-BE49-F238E27FC236}">
-                    <a16:creationId xmlns:a16="http://schemas.microsoft.com/office/drawing/2014/main" id="{827C3388-6CB0-4AC6-BF57-07862384D89C}"/>
+                    <a16:creationId xmlns:a16="http://schemas.microsoft.com/office/drawing/2014/main" id="{E9898056-6A85-46D2-8105-589C3266110F}"/>
                   </a:ext>
                 </a:extLst>
               </p14:cNvPr>
@@ -9206,18 +8127,18 @@
               <p14:nvPr/>
             </p14:nvContentPartPr>
             <p14:xfrm>
-              <a:off x="909000" y="1824480"/>
-              <a:ext cx="3456720" cy="2577600"/>
+              <a:off x="938160" y="2457360"/>
+              <a:ext cx="3405600" cy="1948320"/>
             </p14:xfrm>
           </p:contentPart>
         </mc:Choice>
         <mc:Fallback>
           <p:pic>
             <p:nvPicPr>
-              <p:cNvPr id="3" name="Ink 2">
+              <p:cNvPr id="6" name="Ink 5">
                 <a:extLst>
                   <a:ext uri="{FF2B5EF4-FFF2-40B4-BE49-F238E27FC236}">
-                    <a16:creationId xmlns:a16="http://schemas.microsoft.com/office/drawing/2014/main" id="{827C3388-6CB0-4AC6-BF57-07862384D89C}"/>
+                    <a16:creationId xmlns:a16="http://schemas.microsoft.com/office/drawing/2014/main" id="{E9898056-6A85-46D2-8105-589C3266110F}"/>
                   </a:ext>
                 </a:extLst>
               </p:cNvPr>
@@ -9232,8 +8153,8 @@
             </p:blipFill>
             <p:spPr>
               <a:xfrm>
-                <a:off x="899640" y="1815120"/>
-                <a:ext cx="3475440" cy="2596320"/>
+                <a:off x="928800" y="2448000"/>
+                <a:ext cx="3424320" cy="1967040"/>
               </a:xfrm>
               <a:prstGeom prst="rect">
                 <a:avLst/>
@@ -9255,7 +8176,7 @@
 </p:sld>
 </file>
 
-<file path=ppt/slides/slide17.xml><?xml version="1.0" encoding="utf-8"?>
+<file path=ppt/slides/slide15.xml><?xml version="1.0" encoding="utf-8"?>
 <p:sld xmlns:a="http://schemas.openxmlformats.org/drawingml/2006/main" xmlns:r="http://schemas.openxmlformats.org/officeDocument/2006/relationships" xmlns:p="http://schemas.openxmlformats.org/presentationml/2006/main">
   <p:cSld>
     <p:spTree>
@@ -9337,7 +8258,7 @@
             </a:pPr>
             <a:fld id="{00000000-1234-1234-1234-123412341234}" type="slidenum">
               <a:rPr lang="es-MX" smtClean="0"/>
-              <a:t>17</a:t>
+              <a:t>15</a:t>
             </a:fld>
             <a:endParaRPr lang="es-MX"/>
           </a:p>
@@ -9587,10 +8508,10 @@
         <mc:Choice xmlns:p14="http://schemas.microsoft.com/office/powerpoint/2010/main" Requires="p14">
           <p:contentPart p14:bwMode="auto" r:id="rId3">
             <p14:nvContentPartPr>
-              <p14:cNvPr id="3" name="Ink 2">
+              <p14:cNvPr id="6" name="Ink 5">
                 <a:extLst>
                   <a:ext uri="{FF2B5EF4-FFF2-40B4-BE49-F238E27FC236}">
-                    <a16:creationId xmlns:a16="http://schemas.microsoft.com/office/drawing/2014/main" id="{455A6F85-2992-43A6-80E3-C08911D33F4B}"/>
+                    <a16:creationId xmlns:a16="http://schemas.microsoft.com/office/drawing/2014/main" id="{931A34F5-1B13-4E1D-B008-3678F54CEBF5}"/>
                   </a:ext>
                 </a:extLst>
               </p14:cNvPr>
@@ -9598,18 +8519,18 @@
               <p14:nvPr/>
             </p14:nvContentPartPr>
             <p14:xfrm>
-              <a:off x="892800" y="343440"/>
-              <a:ext cx="6866640" cy="3965040"/>
+              <a:off x="5924520" y="995400"/>
+              <a:ext cx="1171800" cy="590760"/>
             </p14:xfrm>
           </p:contentPart>
         </mc:Choice>
         <mc:Fallback>
           <p:pic>
             <p:nvPicPr>
-              <p:cNvPr id="3" name="Ink 2">
+              <p:cNvPr id="6" name="Ink 5">
                 <a:extLst>
                   <a:ext uri="{FF2B5EF4-FFF2-40B4-BE49-F238E27FC236}">
-                    <a16:creationId xmlns:a16="http://schemas.microsoft.com/office/drawing/2014/main" id="{455A6F85-2992-43A6-80E3-C08911D33F4B}"/>
+                    <a16:creationId xmlns:a16="http://schemas.microsoft.com/office/drawing/2014/main" id="{931A34F5-1B13-4E1D-B008-3678F54CEBF5}"/>
                   </a:ext>
                 </a:extLst>
               </p:cNvPr>
@@ -9624,8 +8545,8 @@
             </p:blipFill>
             <p:spPr>
               <a:xfrm>
-                <a:off x="883440" y="334080"/>
-                <a:ext cx="6885360" cy="3983760"/>
+                <a:off x="5915160" y="986040"/>
+                <a:ext cx="1190520" cy="609480"/>
               </a:xfrm>
               <a:prstGeom prst="rect">
                 <a:avLst/>
@@ -9647,7 +8568,7 @@
 </p:sld>
 </file>
 
-<file path=ppt/slides/slide18.xml><?xml version="1.0" encoding="utf-8"?>
+<file path=ppt/slides/slide16.xml><?xml version="1.0" encoding="utf-8"?>
 <p:sld xmlns:a="http://schemas.openxmlformats.org/drawingml/2006/main" xmlns:r="http://schemas.openxmlformats.org/officeDocument/2006/relationships" xmlns:p="http://schemas.openxmlformats.org/presentationml/2006/main">
   <p:cSld>
     <p:spTree>
@@ -9729,7 +8650,7 @@
             </a:pPr>
             <a:fld id="{00000000-1234-1234-1234-123412341234}" type="slidenum">
               <a:rPr lang="es-MX" smtClean="0"/>
-              <a:t>18</a:t>
+              <a:t>16</a:t>
             </a:fld>
             <a:endParaRPr lang="es-MX"/>
           </a:p>
@@ -9983,10 +8904,10 @@
         <mc:Choice xmlns:p14="http://schemas.microsoft.com/office/powerpoint/2010/main" Requires="p14">
           <p:contentPart p14:bwMode="auto" r:id="rId2">
             <p14:nvContentPartPr>
-              <p14:cNvPr id="3" name="Ink 2">
+              <p14:cNvPr id="6" name="Ink 5">
                 <a:extLst>
                   <a:ext uri="{FF2B5EF4-FFF2-40B4-BE49-F238E27FC236}">
-                    <a16:creationId xmlns:a16="http://schemas.microsoft.com/office/drawing/2014/main" id="{83A91255-60F2-4813-BCDF-5BB378E19C75}"/>
+                    <a16:creationId xmlns:a16="http://schemas.microsoft.com/office/drawing/2014/main" id="{1F92846D-E057-4555-AACE-DFE44B4A3401}"/>
                   </a:ext>
                 </a:extLst>
               </p14:cNvPr>
@@ -9994,18 +8915,18 @@
               <p14:nvPr/>
             </p14:nvContentPartPr>
             <p14:xfrm>
-              <a:off x="4242960" y="2244960"/>
-              <a:ext cx="759600" cy="530640"/>
+              <a:off x="1380960" y="690480"/>
+              <a:ext cx="2900880" cy="2495880"/>
             </p14:xfrm>
           </p:contentPart>
         </mc:Choice>
         <mc:Fallback>
           <p:pic>
             <p:nvPicPr>
-              <p:cNvPr id="3" name="Ink 2">
+              <p:cNvPr id="6" name="Ink 5">
                 <a:extLst>
                   <a:ext uri="{FF2B5EF4-FFF2-40B4-BE49-F238E27FC236}">
-                    <a16:creationId xmlns:a16="http://schemas.microsoft.com/office/drawing/2014/main" id="{83A91255-60F2-4813-BCDF-5BB378E19C75}"/>
+                    <a16:creationId xmlns:a16="http://schemas.microsoft.com/office/drawing/2014/main" id="{1F92846D-E057-4555-AACE-DFE44B4A3401}"/>
                   </a:ext>
                 </a:extLst>
               </p:cNvPr>
@@ -10020,8 +8941,8 @@
             </p:blipFill>
             <p:spPr>
               <a:xfrm>
-                <a:off x="4233600" y="2235600"/>
-                <a:ext cx="778320" cy="549360"/>
+                <a:off x="1371600" y="681120"/>
+                <a:ext cx="2919600" cy="2514600"/>
               </a:xfrm>
               <a:prstGeom prst="rect">
                 <a:avLst/>
@@ -10043,7 +8964,7 @@
 </p:sld>
 </file>
 
-<file path=ppt/slides/slide19.xml><?xml version="1.0" encoding="utf-8"?>
+<file path=ppt/slides/slide17.xml><?xml version="1.0" encoding="utf-8"?>
 <p:sld xmlns:a="http://schemas.openxmlformats.org/drawingml/2006/main" xmlns:r="http://schemas.openxmlformats.org/officeDocument/2006/relationships" xmlns:p="http://schemas.openxmlformats.org/presentationml/2006/main">
   <p:cSld>
     <p:spTree>
@@ -10124,7 +9045,7 @@
             </a:pPr>
             <a:fld id="{00000000-1234-1234-1234-123412341234}" type="slidenum">
               <a:rPr lang="es-MX" smtClean="0"/>
-              <a:t>19</a:t>
+              <a:t>17</a:t>
             </a:fld>
             <a:endParaRPr lang="es-MX"/>
           </a:p>
@@ -10182,6 +9103,399 @@
     <p:extLst>
       <p:ext uri="{BB962C8B-B14F-4D97-AF65-F5344CB8AC3E}">
         <p14:creationId xmlns:p14="http://schemas.microsoft.com/office/powerpoint/2010/main" val="1998563465"/>
+      </p:ext>
+    </p:extLst>
+  </p:cSld>
+  <p:clrMapOvr>
+    <a:masterClrMapping/>
+  </p:clrMapOvr>
+</p:sld>
+</file>
+
+<file path=ppt/slides/slide18.xml><?xml version="1.0" encoding="utf-8"?>
+<p:sld xmlns:a="http://schemas.openxmlformats.org/drawingml/2006/main" xmlns:r="http://schemas.openxmlformats.org/officeDocument/2006/relationships" xmlns:p="http://schemas.openxmlformats.org/presentationml/2006/main">
+  <p:cSld>
+    <p:spTree>
+      <p:nvGrpSpPr>
+        <p:cNvPr id="1" name=""/>
+        <p:cNvGrpSpPr/>
+        <p:nvPr/>
+      </p:nvGrpSpPr>
+      <p:grpSpPr>
+        <a:xfrm>
+          <a:off x="0" y="0"/>
+          <a:ext cx="0" cy="0"/>
+          <a:chOff x="0" y="0"/>
+          <a:chExt cx="0" cy="0"/>
+        </a:xfrm>
+      </p:grpSpPr>
+      <p:sp>
+        <p:nvSpPr>
+          <p:cNvPr id="5" name="Título 4"/>
+          <p:cNvSpPr>
+            <a:spLocks noGrp="1"/>
+          </p:cNvSpPr>
+          <p:nvPr>
+            <p:ph type="ctrTitle"/>
+          </p:nvPr>
+        </p:nvSpPr>
+        <p:spPr/>
+        <p:txBody>
+          <a:bodyPr/>
+          <a:lstStyle/>
+          <a:p>
+            <a:r>
+              <a:rPr lang="es-MX" dirty="0"/>
+              <a:t>SQL</a:t>
+            </a:r>
+          </a:p>
+        </p:txBody>
+      </p:sp>
+      <p:sp>
+        <p:nvSpPr>
+          <p:cNvPr id="6" name="Subtítulo 5"/>
+          <p:cNvSpPr>
+            <a:spLocks noGrp="1"/>
+          </p:cNvSpPr>
+          <p:nvPr>
+            <p:ph type="subTitle" idx="1"/>
+          </p:nvPr>
+        </p:nvSpPr>
+        <p:spPr/>
+        <p:txBody>
+          <a:bodyPr/>
+          <a:lstStyle/>
+          <a:p>
+            <a:endParaRPr lang="es-MX"/>
+          </a:p>
+        </p:txBody>
+      </p:sp>
+      <p:sp>
+        <p:nvSpPr>
+          <p:cNvPr id="4" name="Marcador de número de diapositiva 3"/>
+          <p:cNvSpPr>
+            <a:spLocks noGrp="1"/>
+          </p:cNvSpPr>
+          <p:nvPr>
+            <p:ph type="sldNum" idx="12"/>
+          </p:nvPr>
+        </p:nvSpPr>
+        <p:spPr/>
+        <p:txBody>
+          <a:bodyPr/>
+          <a:lstStyle/>
+          <a:p>
+            <a:pPr marL="0" lvl="0" indent="0">
+              <a:spcBef>
+                <a:spcPts val="0"/>
+              </a:spcBef>
+              <a:spcAft>
+                <a:spcPts val="0"/>
+              </a:spcAft>
+              <a:buNone/>
+            </a:pPr>
+            <a:fld id="{00000000-1234-1234-1234-123412341234}" type="slidenum">
+              <a:rPr lang="es-MX" smtClean="0"/>
+              <a:t>18</a:t>
+            </a:fld>
+            <a:endParaRPr lang="es-MX"/>
+          </a:p>
+        </p:txBody>
+      </p:sp>
+    </p:spTree>
+    <p:extLst>
+      <p:ext uri="{BB962C8B-B14F-4D97-AF65-F5344CB8AC3E}">
+        <p14:creationId xmlns:p14="http://schemas.microsoft.com/office/powerpoint/2010/main" val="2705519751"/>
+      </p:ext>
+    </p:extLst>
+  </p:cSld>
+  <p:clrMapOvr>
+    <a:masterClrMapping/>
+  </p:clrMapOvr>
+</p:sld>
+</file>
+
+<file path=ppt/slides/slide19.xml><?xml version="1.0" encoding="utf-8"?>
+<p:sld xmlns:a="http://schemas.openxmlformats.org/drawingml/2006/main" xmlns:r="http://schemas.openxmlformats.org/officeDocument/2006/relationships" xmlns:p="http://schemas.openxmlformats.org/presentationml/2006/main">
+  <p:cSld>
+    <p:spTree>
+      <p:nvGrpSpPr>
+        <p:cNvPr id="1" name=""/>
+        <p:cNvGrpSpPr/>
+        <p:nvPr/>
+      </p:nvGrpSpPr>
+      <p:grpSpPr>
+        <a:xfrm>
+          <a:off x="0" y="0"/>
+          <a:ext cx="0" cy="0"/>
+          <a:chOff x="0" y="0"/>
+          <a:chExt cx="0" cy="0"/>
+        </a:xfrm>
+      </p:grpSpPr>
+      <p:sp>
+        <p:nvSpPr>
+          <p:cNvPr id="2" name="Título 1"/>
+          <p:cNvSpPr>
+            <a:spLocks noGrp="1"/>
+          </p:cNvSpPr>
+          <p:nvPr>
+            <p:ph type="title"/>
+          </p:nvPr>
+        </p:nvSpPr>
+        <p:spPr/>
+        <p:txBody>
+          <a:bodyPr/>
+          <a:lstStyle/>
+          <a:p>
+            <a:br>
+              <a:rPr lang="es-MX" dirty="0"/>
+            </a:br>
+            <a:r>
+              <a:rPr lang="es-MX" dirty="0"/>
+              <a:t>SELECT</a:t>
+            </a:r>
+          </a:p>
+        </p:txBody>
+      </p:sp>
+      <p:sp>
+        <p:nvSpPr>
+          <p:cNvPr id="3" name="Marcador de texto 2"/>
+          <p:cNvSpPr>
+            <a:spLocks noGrp="1"/>
+          </p:cNvSpPr>
+          <p:nvPr>
+            <p:ph type="body" idx="1"/>
+          </p:nvPr>
+        </p:nvSpPr>
+        <p:spPr/>
+        <p:txBody>
+          <a:bodyPr/>
+          <a:lstStyle/>
+          <a:p>
+            <a:r>
+              <a:rPr lang="es-MX" dirty="0" err="1"/>
+              <a:t>Select</a:t>
+            </a:r>
+            <a:r>
+              <a:rPr lang="es-MX" dirty="0"/>
+              <a:t> A1, A2, A3, ….., AN</a:t>
+            </a:r>
+          </a:p>
+          <a:p>
+            <a:r>
+              <a:rPr lang="es-MX" dirty="0" err="1"/>
+              <a:t>From</a:t>
+            </a:r>
+            <a:r>
+              <a:rPr lang="es-MX" dirty="0"/>
+              <a:t> R1</a:t>
+            </a:r>
+          </a:p>
+          <a:p>
+            <a:r>
+              <a:rPr lang="es-MX" dirty="0"/>
+              <a:t>WHERE </a:t>
+            </a:r>
+            <a:r>
+              <a:rPr lang="es-MX" dirty="0" err="1"/>
+              <a:t>Condition</a:t>
+            </a:r>
+            <a:endParaRPr lang="es-MX" dirty="0"/>
+          </a:p>
+        </p:txBody>
+      </p:sp>
+      <p:sp>
+        <p:nvSpPr>
+          <p:cNvPr id="4" name="Marcador de número de diapositiva 3"/>
+          <p:cNvSpPr>
+            <a:spLocks noGrp="1"/>
+          </p:cNvSpPr>
+          <p:nvPr>
+            <p:ph type="sldNum" idx="12"/>
+          </p:nvPr>
+        </p:nvSpPr>
+        <p:spPr/>
+        <p:txBody>
+          <a:bodyPr/>
+          <a:lstStyle/>
+          <a:p>
+            <a:pPr marL="0" lvl="0" indent="0">
+              <a:spcBef>
+                <a:spcPts val="0"/>
+              </a:spcBef>
+              <a:spcAft>
+                <a:spcPts val="0"/>
+              </a:spcAft>
+              <a:buNone/>
+            </a:pPr>
+            <a:fld id="{00000000-1234-1234-1234-123412341234}" type="slidenum">
+              <a:rPr lang="es-MX" smtClean="0"/>
+              <a:t>19</a:t>
+            </a:fld>
+            <a:endParaRPr lang="es-MX"/>
+          </a:p>
+        </p:txBody>
+      </p:sp>
+      <p:sp>
+        <p:nvSpPr>
+          <p:cNvPr id="5" name="Rectángulo 4"/>
+          <p:cNvSpPr/>
+          <p:nvPr/>
+        </p:nvSpPr>
+        <p:spPr>
+          <a:xfrm>
+            <a:off x="2197100" y="2324100"/>
+            <a:ext cx="2362200" cy="342900"/>
+          </a:xfrm>
+          <a:prstGeom prst="rect">
+            <a:avLst/>
+          </a:prstGeom>
+          <a:solidFill>
+            <a:srgbClr val="FF0000">
+              <a:alpha val="27059"/>
+            </a:srgbClr>
+          </a:solidFill>
+        </p:spPr>
+        <p:style>
+          <a:lnRef idx="2">
+            <a:schemeClr val="accent2">
+              <a:shade val="50000"/>
+            </a:schemeClr>
+          </a:lnRef>
+          <a:fillRef idx="1">
+            <a:schemeClr val="accent2"/>
+          </a:fillRef>
+          <a:effectRef idx="0">
+            <a:schemeClr val="accent2"/>
+          </a:effectRef>
+          <a:fontRef idx="minor">
+            <a:schemeClr val="lt1"/>
+          </a:fontRef>
+        </p:style>
+        <p:txBody>
+          <a:bodyPr rtlCol="0" anchor="ctr"/>
+          <a:lstStyle/>
+          <a:p>
+            <a:pPr algn="ctr"/>
+            <a:endParaRPr lang="es-MX"/>
+          </a:p>
+        </p:txBody>
+      </p:sp>
+      <p:sp>
+        <p:nvSpPr>
+          <p:cNvPr id="6" name="CuadroTexto 5"/>
+          <p:cNvSpPr txBox="1"/>
+          <p:nvPr/>
+        </p:nvSpPr>
+        <p:spPr>
+          <a:xfrm>
+            <a:off x="4559300" y="2324100"/>
+            <a:ext cx="1237839" cy="307777"/>
+          </a:xfrm>
+          <a:prstGeom prst="rect">
+            <a:avLst/>
+          </a:prstGeom>
+          <a:noFill/>
+        </p:spPr>
+        <p:txBody>
+          <a:bodyPr wrap="none" rtlCol="0">
+            <a:spAutoFit/>
+          </a:bodyPr>
+          <a:lstStyle/>
+          <a:p>
+            <a:r>
+              <a:rPr lang="es-MX" dirty="0">
+                <a:solidFill>
+                  <a:srgbClr val="FF0000"/>
+                </a:solidFill>
+              </a:rPr>
+              <a:t>Que regresar</a:t>
+            </a:r>
+          </a:p>
+        </p:txBody>
+      </p:sp>
+      <p:sp>
+        <p:nvSpPr>
+          <p:cNvPr id="7" name="Rectángulo 6"/>
+          <p:cNvSpPr/>
+          <p:nvPr/>
+        </p:nvSpPr>
+        <p:spPr>
+          <a:xfrm>
+            <a:off x="2057400" y="2755900"/>
+            <a:ext cx="323850" cy="342900"/>
+          </a:xfrm>
+          <a:prstGeom prst="rect">
+            <a:avLst/>
+          </a:prstGeom>
+          <a:solidFill>
+            <a:srgbClr val="FF0000">
+              <a:alpha val="27059"/>
+            </a:srgbClr>
+          </a:solidFill>
+        </p:spPr>
+        <p:style>
+          <a:lnRef idx="2">
+            <a:schemeClr val="accent2">
+              <a:shade val="50000"/>
+            </a:schemeClr>
+          </a:lnRef>
+          <a:fillRef idx="1">
+            <a:schemeClr val="accent2"/>
+          </a:fillRef>
+          <a:effectRef idx="0">
+            <a:schemeClr val="accent2"/>
+          </a:effectRef>
+          <a:fontRef idx="minor">
+            <a:schemeClr val="lt1"/>
+          </a:fontRef>
+        </p:style>
+        <p:txBody>
+          <a:bodyPr rtlCol="0" anchor="ctr"/>
+          <a:lstStyle/>
+          <a:p>
+            <a:pPr algn="ctr"/>
+            <a:endParaRPr lang="es-MX"/>
+          </a:p>
+        </p:txBody>
+      </p:sp>
+      <p:sp>
+        <p:nvSpPr>
+          <p:cNvPr id="8" name="CuadroTexto 7"/>
+          <p:cNvSpPr txBox="1"/>
+          <p:nvPr/>
+        </p:nvSpPr>
+        <p:spPr>
+          <a:xfrm>
+            <a:off x="2482850" y="2791023"/>
+            <a:ext cx="1388522" cy="307777"/>
+          </a:xfrm>
+          <a:prstGeom prst="rect">
+            <a:avLst/>
+          </a:prstGeom>
+          <a:noFill/>
+        </p:spPr>
+        <p:txBody>
+          <a:bodyPr wrap="none" rtlCol="0">
+            <a:spAutoFit/>
+          </a:bodyPr>
+          <a:lstStyle/>
+          <a:p>
+            <a:r>
+              <a:rPr lang="es-MX" dirty="0">
+                <a:solidFill>
+                  <a:srgbClr val="FF0000"/>
+                </a:solidFill>
+              </a:rPr>
+              <a:t>Que relaciones</a:t>
+            </a:r>
+          </a:p>
+        </p:txBody>
+      </p:sp>
+    </p:spTree>
+    <p:extLst>
+      <p:ext uri="{BB962C8B-B14F-4D97-AF65-F5344CB8AC3E}">
+        <p14:creationId xmlns:p14="http://schemas.microsoft.com/office/powerpoint/2010/main" val="2647420011"/>
       </p:ext>
     </p:extLst>
   </p:cSld>
@@ -10419,12 +9733,12 @@
       </p:grpSpPr>
       <p:sp>
         <p:nvSpPr>
-          <p:cNvPr id="5" name="Título 4"/>
+          <p:cNvPr id="2" name="Título 1"/>
           <p:cNvSpPr>
             <a:spLocks noGrp="1"/>
           </p:cNvSpPr>
           <p:nvPr>
-            <p:ph type="ctrTitle"/>
+            <p:ph type="title"/>
           </p:nvPr>
         </p:nvSpPr>
         <p:spPr/>
@@ -10434,19 +9748,19 @@
           <a:p>
             <a:r>
               <a:rPr lang="es-MX" dirty="0"/>
-              <a:t>SQL</a:t>
+              <a:t>Patrones</a:t>
             </a:r>
           </a:p>
         </p:txBody>
       </p:sp>
       <p:sp>
         <p:nvSpPr>
-          <p:cNvPr id="6" name="Subtítulo 5"/>
+          <p:cNvPr id="3" name="Marcador de texto 2"/>
           <p:cNvSpPr>
             <a:spLocks noGrp="1"/>
           </p:cNvSpPr>
           <p:nvPr>
-            <p:ph type="subTitle" idx="1"/>
+            <p:ph type="body" idx="1"/>
           </p:nvPr>
         </p:nvSpPr>
         <p:spPr/>
@@ -10454,7 +9768,82 @@
           <a:bodyPr/>
           <a:lstStyle/>
           <a:p>
-            <a:endParaRPr lang="es-MX"/>
+            <a:r>
+              <a:rPr lang="es-MX" dirty="0"/>
+              <a:t>Las instrucciones WHERE pueden tener condiciones donde la comparamos con un </a:t>
+            </a:r>
+            <a:r>
+              <a:rPr lang="es-MX" dirty="0" err="1"/>
+              <a:t>string</a:t>
+            </a:r>
+            <a:r>
+              <a:rPr lang="es-MX" dirty="0"/>
+              <a:t>:</a:t>
+            </a:r>
+          </a:p>
+          <a:p>
+            <a:pPr lvl="1"/>
+            <a:r>
+              <a:rPr lang="es-MX" dirty="0"/>
+              <a:t>&lt;</a:t>
+            </a:r>
+            <a:r>
+              <a:rPr lang="es-MX" dirty="0" err="1"/>
+              <a:t>Attributo</a:t>
+            </a:r>
+            <a:r>
+              <a:rPr lang="es-MX" dirty="0"/>
+              <a:t>&gt; LIKE &lt;</a:t>
+            </a:r>
+            <a:r>
+              <a:rPr lang="es-MX" dirty="0" err="1"/>
+              <a:t>Patron</a:t>
+            </a:r>
+            <a:r>
+              <a:rPr lang="es-MX" dirty="0"/>
+              <a:t>&gt; o</a:t>
+            </a:r>
+          </a:p>
+          <a:p>
+            <a:pPr lvl="1"/>
+            <a:r>
+              <a:rPr lang="es-MX" dirty="0"/>
+              <a:t>&lt;</a:t>
+            </a:r>
+            <a:r>
+              <a:rPr lang="es-MX" dirty="0" err="1"/>
+              <a:t>Attributo</a:t>
+            </a:r>
+            <a:r>
+              <a:rPr lang="es-MX" dirty="0"/>
+              <a:t>&gt; NOT LIKE &lt;</a:t>
+            </a:r>
+            <a:r>
+              <a:rPr lang="es-MX" dirty="0" err="1"/>
+              <a:t>Patron</a:t>
+            </a:r>
+            <a:r>
+              <a:rPr lang="es-MX" dirty="0"/>
+              <a:t>&gt;</a:t>
+            </a:r>
+          </a:p>
+          <a:p>
+            <a:r>
+              <a:rPr lang="es-MX" dirty="0" err="1"/>
+              <a:t>Patron</a:t>
+            </a:r>
+            <a:r>
+              <a:rPr lang="es-MX" dirty="0"/>
+              <a:t> es un </a:t>
+            </a:r>
+            <a:r>
+              <a:rPr lang="es-MX" dirty="0" err="1"/>
+              <a:t>string</a:t>
+            </a:r>
+            <a:r>
+              <a:rPr lang="es-MX" dirty="0"/>
+              <a:t>.</a:t>
+            </a:r>
           </a:p>
         </p:txBody>
       </p:sp>
@@ -10493,7 +9882,7 @@
     </p:spTree>
     <p:extLst>
       <p:ext uri="{BB962C8B-B14F-4D97-AF65-F5344CB8AC3E}">
-        <p14:creationId xmlns:p14="http://schemas.microsoft.com/office/powerpoint/2010/main" val="2705519751"/>
+        <p14:creationId xmlns:p14="http://schemas.microsoft.com/office/powerpoint/2010/main" val="2448771727"/>
       </p:ext>
     </p:extLst>
   </p:cSld>
@@ -10535,60 +9924,10 @@
           <a:bodyPr/>
           <a:lstStyle/>
           <a:p>
-            <a:br>
+            <a:r>
               <a:rPr lang="es-MX" dirty="0"/>
-            </a:br>
-            <a:r>
-              <a:rPr lang="es-MX" dirty="0"/>
-              <a:t>SELECT</a:t>
-            </a:r>
-          </a:p>
-        </p:txBody>
-      </p:sp>
-      <p:sp>
-        <p:nvSpPr>
-          <p:cNvPr id="3" name="Marcador de texto 2"/>
-          <p:cNvSpPr>
-            <a:spLocks noGrp="1"/>
-          </p:cNvSpPr>
-          <p:nvPr>
-            <p:ph type="body" idx="1"/>
-          </p:nvPr>
-        </p:nvSpPr>
-        <p:spPr/>
-        <p:txBody>
-          <a:bodyPr/>
-          <a:lstStyle/>
-          <a:p>
-            <a:r>
-              <a:rPr lang="es-MX" dirty="0" err="1"/>
-              <a:t>Select</a:t>
-            </a:r>
-            <a:r>
-              <a:rPr lang="es-MX" dirty="0"/>
-              <a:t> A1, A2, A3, ….., AN</a:t>
-            </a:r>
-          </a:p>
-          <a:p>
-            <a:r>
-              <a:rPr lang="es-MX" dirty="0" err="1"/>
-              <a:t>From</a:t>
-            </a:r>
-            <a:r>
-              <a:rPr lang="es-MX" dirty="0"/>
-              <a:t> R1</a:t>
-            </a:r>
-          </a:p>
-          <a:p>
-            <a:r>
-              <a:rPr lang="es-MX" dirty="0"/>
-              <a:t>WHERE </a:t>
-            </a:r>
-            <a:r>
-              <a:rPr lang="es-MX" dirty="0" err="1"/>
-              <a:t>Condition</a:t>
-            </a:r>
-            <a:endParaRPr lang="es-MX" dirty="0"/>
+              <a:t>Patrones</a:t>
+            </a:r>
           </a:p>
         </p:txBody>
       </p:sp>
@@ -10619,526 +9958,6 @@
             <a:fld id="{00000000-1234-1234-1234-123412341234}" type="slidenum">
               <a:rPr lang="es-MX" smtClean="0"/>
               <a:t>21</a:t>
-            </a:fld>
-            <a:endParaRPr lang="es-MX"/>
-          </a:p>
-        </p:txBody>
-      </p:sp>
-      <p:sp>
-        <p:nvSpPr>
-          <p:cNvPr id="5" name="Rectángulo 4"/>
-          <p:cNvSpPr/>
-          <p:nvPr/>
-        </p:nvSpPr>
-        <p:spPr>
-          <a:xfrm>
-            <a:off x="2197100" y="2324100"/>
-            <a:ext cx="2362200" cy="342900"/>
-          </a:xfrm>
-          <a:prstGeom prst="rect">
-            <a:avLst/>
-          </a:prstGeom>
-          <a:solidFill>
-            <a:srgbClr val="FF0000">
-              <a:alpha val="27059"/>
-            </a:srgbClr>
-          </a:solidFill>
-        </p:spPr>
-        <p:style>
-          <a:lnRef idx="2">
-            <a:schemeClr val="accent2">
-              <a:shade val="50000"/>
-            </a:schemeClr>
-          </a:lnRef>
-          <a:fillRef idx="1">
-            <a:schemeClr val="accent2"/>
-          </a:fillRef>
-          <a:effectRef idx="0">
-            <a:schemeClr val="accent2"/>
-          </a:effectRef>
-          <a:fontRef idx="minor">
-            <a:schemeClr val="lt1"/>
-          </a:fontRef>
-        </p:style>
-        <p:txBody>
-          <a:bodyPr rtlCol="0" anchor="ctr"/>
-          <a:lstStyle/>
-          <a:p>
-            <a:pPr algn="ctr"/>
-            <a:endParaRPr lang="es-MX"/>
-          </a:p>
-        </p:txBody>
-      </p:sp>
-      <p:sp>
-        <p:nvSpPr>
-          <p:cNvPr id="6" name="CuadroTexto 5"/>
-          <p:cNvSpPr txBox="1"/>
-          <p:nvPr/>
-        </p:nvSpPr>
-        <p:spPr>
-          <a:xfrm>
-            <a:off x="4559300" y="2324100"/>
-            <a:ext cx="1237839" cy="307777"/>
-          </a:xfrm>
-          <a:prstGeom prst="rect">
-            <a:avLst/>
-          </a:prstGeom>
-          <a:noFill/>
-        </p:spPr>
-        <p:txBody>
-          <a:bodyPr wrap="none" rtlCol="0">
-            <a:spAutoFit/>
-          </a:bodyPr>
-          <a:lstStyle/>
-          <a:p>
-            <a:r>
-              <a:rPr lang="es-MX" dirty="0">
-                <a:solidFill>
-                  <a:srgbClr val="FF0000"/>
-                </a:solidFill>
-              </a:rPr>
-              <a:t>Que regresar</a:t>
-            </a:r>
-          </a:p>
-        </p:txBody>
-      </p:sp>
-      <p:sp>
-        <p:nvSpPr>
-          <p:cNvPr id="7" name="Rectángulo 6"/>
-          <p:cNvSpPr/>
-          <p:nvPr/>
-        </p:nvSpPr>
-        <p:spPr>
-          <a:xfrm>
-            <a:off x="2057400" y="2755900"/>
-            <a:ext cx="323850" cy="342900"/>
-          </a:xfrm>
-          <a:prstGeom prst="rect">
-            <a:avLst/>
-          </a:prstGeom>
-          <a:solidFill>
-            <a:srgbClr val="FF0000">
-              <a:alpha val="27059"/>
-            </a:srgbClr>
-          </a:solidFill>
-        </p:spPr>
-        <p:style>
-          <a:lnRef idx="2">
-            <a:schemeClr val="accent2">
-              <a:shade val="50000"/>
-            </a:schemeClr>
-          </a:lnRef>
-          <a:fillRef idx="1">
-            <a:schemeClr val="accent2"/>
-          </a:fillRef>
-          <a:effectRef idx="0">
-            <a:schemeClr val="accent2"/>
-          </a:effectRef>
-          <a:fontRef idx="minor">
-            <a:schemeClr val="lt1"/>
-          </a:fontRef>
-        </p:style>
-        <p:txBody>
-          <a:bodyPr rtlCol="0" anchor="ctr"/>
-          <a:lstStyle/>
-          <a:p>
-            <a:pPr algn="ctr"/>
-            <a:endParaRPr lang="es-MX"/>
-          </a:p>
-        </p:txBody>
-      </p:sp>
-      <p:sp>
-        <p:nvSpPr>
-          <p:cNvPr id="8" name="CuadroTexto 7"/>
-          <p:cNvSpPr txBox="1"/>
-          <p:nvPr/>
-        </p:nvSpPr>
-        <p:spPr>
-          <a:xfrm>
-            <a:off x="2482850" y="2791023"/>
-            <a:ext cx="1388522" cy="307777"/>
-          </a:xfrm>
-          <a:prstGeom prst="rect">
-            <a:avLst/>
-          </a:prstGeom>
-          <a:noFill/>
-        </p:spPr>
-        <p:txBody>
-          <a:bodyPr wrap="none" rtlCol="0">
-            <a:spAutoFit/>
-          </a:bodyPr>
-          <a:lstStyle/>
-          <a:p>
-            <a:r>
-              <a:rPr lang="es-MX" dirty="0">
-                <a:solidFill>
-                  <a:srgbClr val="FF0000"/>
-                </a:solidFill>
-              </a:rPr>
-              <a:t>Que relaciones</a:t>
-            </a:r>
-          </a:p>
-        </p:txBody>
-      </p:sp>
-      <mc:AlternateContent xmlns:mc="http://schemas.openxmlformats.org/markup-compatibility/2006">
-        <mc:Choice xmlns:p14="http://schemas.microsoft.com/office/powerpoint/2010/main" Requires="p14">
-          <p:contentPart p14:bwMode="auto" r:id="rId2">
-            <p14:nvContentPartPr>
-              <p14:cNvPr id="9" name="Ink 8">
-                <a:extLst>
-                  <a:ext uri="{FF2B5EF4-FFF2-40B4-BE49-F238E27FC236}">
-                    <a16:creationId xmlns:a16="http://schemas.microsoft.com/office/drawing/2014/main" id="{5D1D734F-EC08-47C8-9B62-A4443ACC8098}"/>
-                  </a:ext>
-                </a:extLst>
-              </p14:cNvPr>
-              <p14:cNvContentPartPr/>
-              <p14:nvPr/>
-            </p14:nvContentPartPr>
-            <p14:xfrm>
-              <a:off x="1284480" y="1557720"/>
-              <a:ext cx="7628760" cy="2522880"/>
-            </p14:xfrm>
-          </p:contentPart>
-        </mc:Choice>
-        <mc:Fallback>
-          <p:pic>
-            <p:nvPicPr>
-              <p:cNvPr id="9" name="Ink 8">
-                <a:extLst>
-                  <a:ext uri="{FF2B5EF4-FFF2-40B4-BE49-F238E27FC236}">
-                    <a16:creationId xmlns:a16="http://schemas.microsoft.com/office/drawing/2014/main" id="{5D1D734F-EC08-47C8-9B62-A4443ACC8098}"/>
-                  </a:ext>
-                </a:extLst>
-              </p:cNvPr>
-              <p:cNvPicPr/>
-              <p:nvPr/>
-            </p:nvPicPr>
-            <p:blipFill>
-              <a:blip r:embed="rId3"/>
-              <a:stretch>
-                <a:fillRect/>
-              </a:stretch>
-            </p:blipFill>
-            <p:spPr>
-              <a:xfrm>
-                <a:off x="1275120" y="1548360"/>
-                <a:ext cx="7647480" cy="2541600"/>
-              </a:xfrm>
-              <a:prstGeom prst="rect">
-                <a:avLst/>
-              </a:prstGeom>
-            </p:spPr>
-          </p:pic>
-        </mc:Fallback>
-      </mc:AlternateContent>
-    </p:spTree>
-    <p:extLst>
-      <p:ext uri="{BB962C8B-B14F-4D97-AF65-F5344CB8AC3E}">
-        <p14:creationId xmlns:p14="http://schemas.microsoft.com/office/powerpoint/2010/main" val="2647420011"/>
-      </p:ext>
-    </p:extLst>
-  </p:cSld>
-  <p:clrMapOvr>
-    <a:masterClrMapping/>
-  </p:clrMapOvr>
-</p:sld>
-</file>
-
-<file path=ppt/slides/slide22.xml><?xml version="1.0" encoding="utf-8"?>
-<p:sld xmlns:a="http://schemas.openxmlformats.org/drawingml/2006/main" xmlns:r="http://schemas.openxmlformats.org/officeDocument/2006/relationships" xmlns:p="http://schemas.openxmlformats.org/presentationml/2006/main">
-  <p:cSld>
-    <p:spTree>
-      <p:nvGrpSpPr>
-        <p:cNvPr id="1" name=""/>
-        <p:cNvGrpSpPr/>
-        <p:nvPr/>
-      </p:nvGrpSpPr>
-      <p:grpSpPr>
-        <a:xfrm>
-          <a:off x="0" y="0"/>
-          <a:ext cx="0" cy="0"/>
-          <a:chOff x="0" y="0"/>
-          <a:chExt cx="0" cy="0"/>
-        </a:xfrm>
-      </p:grpSpPr>
-      <p:sp>
-        <p:nvSpPr>
-          <p:cNvPr id="2" name="Título 1"/>
-          <p:cNvSpPr>
-            <a:spLocks noGrp="1"/>
-          </p:cNvSpPr>
-          <p:nvPr>
-            <p:ph type="title"/>
-          </p:nvPr>
-        </p:nvSpPr>
-        <p:spPr/>
-        <p:txBody>
-          <a:bodyPr/>
-          <a:lstStyle/>
-          <a:p>
-            <a:r>
-              <a:rPr lang="es-MX" dirty="0"/>
-              <a:t>Patrones</a:t>
-            </a:r>
-          </a:p>
-        </p:txBody>
-      </p:sp>
-      <p:sp>
-        <p:nvSpPr>
-          <p:cNvPr id="3" name="Marcador de texto 2"/>
-          <p:cNvSpPr>
-            <a:spLocks noGrp="1"/>
-          </p:cNvSpPr>
-          <p:nvPr>
-            <p:ph type="body" idx="1"/>
-          </p:nvPr>
-        </p:nvSpPr>
-        <p:spPr/>
-        <p:txBody>
-          <a:bodyPr/>
-          <a:lstStyle/>
-          <a:p>
-            <a:r>
-              <a:rPr lang="es-MX" dirty="0"/>
-              <a:t>Las instrucciones WHERE pueden tener condiciones donde la comparamos con un </a:t>
-            </a:r>
-            <a:r>
-              <a:rPr lang="es-MX" dirty="0" err="1"/>
-              <a:t>string</a:t>
-            </a:r>
-            <a:r>
-              <a:rPr lang="es-MX" dirty="0"/>
-              <a:t>:</a:t>
-            </a:r>
-          </a:p>
-          <a:p>
-            <a:pPr lvl="1"/>
-            <a:r>
-              <a:rPr lang="es-MX" dirty="0"/>
-              <a:t>&lt;</a:t>
-            </a:r>
-            <a:r>
-              <a:rPr lang="es-MX" dirty="0" err="1"/>
-              <a:t>Attributo</a:t>
-            </a:r>
-            <a:r>
-              <a:rPr lang="es-MX" dirty="0"/>
-              <a:t>&gt; LIKE &lt;</a:t>
-            </a:r>
-            <a:r>
-              <a:rPr lang="es-MX" dirty="0" err="1"/>
-              <a:t>Patron</a:t>
-            </a:r>
-            <a:r>
-              <a:rPr lang="es-MX" dirty="0"/>
-              <a:t>&gt; o</a:t>
-            </a:r>
-          </a:p>
-          <a:p>
-            <a:pPr lvl="1"/>
-            <a:r>
-              <a:rPr lang="es-MX" dirty="0"/>
-              <a:t>&lt;</a:t>
-            </a:r>
-            <a:r>
-              <a:rPr lang="es-MX" dirty="0" err="1"/>
-              <a:t>Attributo</a:t>
-            </a:r>
-            <a:r>
-              <a:rPr lang="es-MX" dirty="0"/>
-              <a:t>&gt; NOT LIKE &lt;</a:t>
-            </a:r>
-            <a:r>
-              <a:rPr lang="es-MX" dirty="0" err="1"/>
-              <a:t>Patron</a:t>
-            </a:r>
-            <a:r>
-              <a:rPr lang="es-MX" dirty="0"/>
-              <a:t>&gt;</a:t>
-            </a:r>
-          </a:p>
-          <a:p>
-            <a:r>
-              <a:rPr lang="es-MX" dirty="0" err="1"/>
-              <a:t>Patron</a:t>
-            </a:r>
-            <a:r>
-              <a:rPr lang="es-MX" dirty="0"/>
-              <a:t> es un </a:t>
-            </a:r>
-            <a:r>
-              <a:rPr lang="es-MX" dirty="0" err="1"/>
-              <a:t>string</a:t>
-            </a:r>
-            <a:r>
-              <a:rPr lang="es-MX" dirty="0"/>
-              <a:t>.</a:t>
-            </a:r>
-          </a:p>
-        </p:txBody>
-      </p:sp>
-      <p:sp>
-        <p:nvSpPr>
-          <p:cNvPr id="4" name="Marcador de número de diapositiva 3"/>
-          <p:cNvSpPr>
-            <a:spLocks noGrp="1"/>
-          </p:cNvSpPr>
-          <p:nvPr>
-            <p:ph type="sldNum" idx="12"/>
-          </p:nvPr>
-        </p:nvSpPr>
-        <p:spPr/>
-        <p:txBody>
-          <a:bodyPr/>
-          <a:lstStyle/>
-          <a:p>
-            <a:pPr marL="0" lvl="0" indent="0">
-              <a:spcBef>
-                <a:spcPts val="0"/>
-              </a:spcBef>
-              <a:spcAft>
-                <a:spcPts val="0"/>
-              </a:spcAft>
-              <a:buNone/>
-            </a:pPr>
-            <a:fld id="{00000000-1234-1234-1234-123412341234}" type="slidenum">
-              <a:rPr lang="es-MX" smtClean="0"/>
-              <a:t>22</a:t>
-            </a:fld>
-            <a:endParaRPr lang="es-MX"/>
-          </a:p>
-        </p:txBody>
-      </p:sp>
-      <mc:AlternateContent xmlns:mc="http://schemas.openxmlformats.org/markup-compatibility/2006">
-        <mc:Choice xmlns:p14="http://schemas.microsoft.com/office/powerpoint/2010/main" Requires="p14">
-          <p:contentPart p14:bwMode="auto" r:id="rId2">
-            <p14:nvContentPartPr>
-              <p14:cNvPr id="5" name="Ink 4">
-                <a:extLst>
-                  <a:ext uri="{FF2B5EF4-FFF2-40B4-BE49-F238E27FC236}">
-                    <a16:creationId xmlns:a16="http://schemas.microsoft.com/office/drawing/2014/main" id="{207B9D1B-47A7-4C92-9872-A67402479F66}"/>
-                  </a:ext>
-                </a:extLst>
-              </p14:cNvPr>
-              <p14:cNvContentPartPr/>
-              <p14:nvPr/>
-            </p14:nvContentPartPr>
-            <p14:xfrm>
-              <a:off x="1184040" y="2733840"/>
-              <a:ext cx="3206160" cy="1060920"/>
-            </p14:xfrm>
-          </p:contentPart>
-        </mc:Choice>
-        <mc:Fallback>
-          <p:pic>
-            <p:nvPicPr>
-              <p:cNvPr id="5" name="Ink 4">
-                <a:extLst>
-                  <a:ext uri="{FF2B5EF4-FFF2-40B4-BE49-F238E27FC236}">
-                    <a16:creationId xmlns:a16="http://schemas.microsoft.com/office/drawing/2014/main" id="{207B9D1B-47A7-4C92-9872-A67402479F66}"/>
-                  </a:ext>
-                </a:extLst>
-              </p:cNvPr>
-              <p:cNvPicPr/>
-              <p:nvPr/>
-            </p:nvPicPr>
-            <p:blipFill>
-              <a:blip r:embed="rId3"/>
-              <a:stretch>
-                <a:fillRect/>
-              </a:stretch>
-            </p:blipFill>
-            <p:spPr>
-              <a:xfrm>
-                <a:off x="1174680" y="2724480"/>
-                <a:ext cx="3224880" cy="1079640"/>
-              </a:xfrm>
-              <a:prstGeom prst="rect">
-                <a:avLst/>
-              </a:prstGeom>
-            </p:spPr>
-          </p:pic>
-        </mc:Fallback>
-      </mc:AlternateContent>
-    </p:spTree>
-    <p:extLst>
-      <p:ext uri="{BB962C8B-B14F-4D97-AF65-F5344CB8AC3E}">
-        <p14:creationId xmlns:p14="http://schemas.microsoft.com/office/powerpoint/2010/main" val="2448771727"/>
-      </p:ext>
-    </p:extLst>
-  </p:cSld>
-  <p:clrMapOvr>
-    <a:masterClrMapping/>
-  </p:clrMapOvr>
-</p:sld>
-</file>
-
-<file path=ppt/slides/slide23.xml><?xml version="1.0" encoding="utf-8"?>
-<p:sld xmlns:a="http://schemas.openxmlformats.org/drawingml/2006/main" xmlns:r="http://schemas.openxmlformats.org/officeDocument/2006/relationships" xmlns:p="http://schemas.openxmlformats.org/presentationml/2006/main">
-  <p:cSld>
-    <p:spTree>
-      <p:nvGrpSpPr>
-        <p:cNvPr id="1" name=""/>
-        <p:cNvGrpSpPr/>
-        <p:nvPr/>
-      </p:nvGrpSpPr>
-      <p:grpSpPr>
-        <a:xfrm>
-          <a:off x="0" y="0"/>
-          <a:ext cx="0" cy="0"/>
-          <a:chOff x="0" y="0"/>
-          <a:chExt cx="0" cy="0"/>
-        </a:xfrm>
-      </p:grpSpPr>
-      <p:sp>
-        <p:nvSpPr>
-          <p:cNvPr id="2" name="Título 1"/>
-          <p:cNvSpPr>
-            <a:spLocks noGrp="1"/>
-          </p:cNvSpPr>
-          <p:nvPr>
-            <p:ph type="title"/>
-          </p:nvPr>
-        </p:nvSpPr>
-        <p:spPr/>
-        <p:txBody>
-          <a:bodyPr/>
-          <a:lstStyle/>
-          <a:p>
-            <a:r>
-              <a:rPr lang="es-MX" dirty="0"/>
-              <a:t>Patrones</a:t>
-            </a:r>
-          </a:p>
-        </p:txBody>
-      </p:sp>
-      <p:sp>
-        <p:nvSpPr>
-          <p:cNvPr id="4" name="Marcador de número de diapositiva 3"/>
-          <p:cNvSpPr>
-            <a:spLocks noGrp="1"/>
-          </p:cNvSpPr>
-          <p:nvPr>
-            <p:ph type="sldNum" idx="12"/>
-          </p:nvPr>
-        </p:nvSpPr>
-        <p:spPr/>
-        <p:txBody>
-          <a:bodyPr/>
-          <a:lstStyle/>
-          <a:p>
-            <a:pPr marL="0" lvl="0" indent="0">
-              <a:spcBef>
-                <a:spcPts val="0"/>
-              </a:spcBef>
-              <a:spcAft>
-                <a:spcPts val="0"/>
-              </a:spcAft>
-              <a:buNone/>
-            </a:pPr>
-            <a:fld id="{00000000-1234-1234-1234-123412341234}" type="slidenum">
-              <a:rPr lang="es-MX" smtClean="0"/>
-              <a:t>23</a:t>
             </a:fld>
             <a:endParaRPr lang="es-MX"/>
           </a:p>
@@ -11192,57 +10011,6 @@
           </a:prstGeom>
         </p:spPr>
       </p:pic>
-      <mc:AlternateContent xmlns:mc="http://schemas.openxmlformats.org/markup-compatibility/2006">
-        <mc:Choice xmlns:p14="http://schemas.microsoft.com/office/powerpoint/2010/main" Requires="p14">
-          <p:contentPart p14:bwMode="auto" r:id="rId4">
-            <p14:nvContentPartPr>
-              <p14:cNvPr id="3" name="Ink 2">
-                <a:extLst>
-                  <a:ext uri="{FF2B5EF4-FFF2-40B4-BE49-F238E27FC236}">
-                    <a16:creationId xmlns:a16="http://schemas.microsoft.com/office/drawing/2014/main" id="{96342754-93C8-4068-9061-650BC9ACCFB7}"/>
-                  </a:ext>
-                </a:extLst>
-              </p14:cNvPr>
-              <p14:cNvContentPartPr/>
-              <p14:nvPr/>
-            </p14:nvContentPartPr>
-            <p14:xfrm>
-              <a:off x="928080" y="1684440"/>
-              <a:ext cx="6357960" cy="1849320"/>
-            </p14:xfrm>
-          </p:contentPart>
-        </mc:Choice>
-        <mc:Fallback>
-          <p:pic>
-            <p:nvPicPr>
-              <p:cNvPr id="3" name="Ink 2">
-                <a:extLst>
-                  <a:ext uri="{FF2B5EF4-FFF2-40B4-BE49-F238E27FC236}">
-                    <a16:creationId xmlns:a16="http://schemas.microsoft.com/office/drawing/2014/main" id="{96342754-93C8-4068-9061-650BC9ACCFB7}"/>
-                  </a:ext>
-                </a:extLst>
-              </p:cNvPr>
-              <p:cNvPicPr/>
-              <p:nvPr/>
-            </p:nvPicPr>
-            <p:blipFill>
-              <a:blip r:embed="rId5"/>
-              <a:stretch>
-                <a:fillRect/>
-              </a:stretch>
-            </p:blipFill>
-            <p:spPr>
-              <a:xfrm>
-                <a:off x="918720" y="1675080"/>
-                <a:ext cx="6376680" cy="1868040"/>
-              </a:xfrm>
-              <a:prstGeom prst="rect">
-                <a:avLst/>
-              </a:prstGeom>
-            </p:spPr>
-          </p:pic>
-        </mc:Fallback>
-      </mc:AlternateContent>
     </p:spTree>
     <p:extLst>
       <p:ext uri="{BB962C8B-B14F-4D97-AF65-F5344CB8AC3E}">
@@ -11256,7 +10024,7 @@
 </p:sld>
 </file>
 
-<file path=ppt/slides/slide24.xml><?xml version="1.0" encoding="utf-8"?>
+<file path=ppt/slides/slide22.xml><?xml version="1.0" encoding="utf-8"?>
 <p:sld xmlns:a="http://schemas.openxmlformats.org/drawingml/2006/main" xmlns:r="http://schemas.openxmlformats.org/officeDocument/2006/relationships" xmlns:p="http://schemas.openxmlformats.org/presentationml/2006/main">
   <p:cSld>
     <p:spTree>
@@ -11318,7 +10086,7 @@
             </a:pPr>
             <a:fld id="{00000000-1234-1234-1234-123412341234}" type="slidenum">
               <a:rPr lang="es-MX" smtClean="0"/>
-              <a:t>24</a:t>
+              <a:t>22</a:t>
             </a:fld>
             <a:endParaRPr lang="es-MX"/>
           </a:p>
@@ -11372,57 +10140,6 @@
           </a:prstGeom>
         </p:spPr>
       </p:pic>
-      <mc:AlternateContent xmlns:mc="http://schemas.openxmlformats.org/markup-compatibility/2006">
-        <mc:Choice xmlns:p14="http://schemas.microsoft.com/office/powerpoint/2010/main" Requires="p14">
-          <p:contentPart p14:bwMode="auto" r:id="rId4">
-            <p14:nvContentPartPr>
-              <p14:cNvPr id="3" name="Ink 2">
-                <a:extLst>
-                  <a:ext uri="{FF2B5EF4-FFF2-40B4-BE49-F238E27FC236}">
-                    <a16:creationId xmlns:a16="http://schemas.microsoft.com/office/drawing/2014/main" id="{05BA29B4-521B-41E3-8D5F-CFA0CF0866E1}"/>
-                  </a:ext>
-                </a:extLst>
-              </p14:cNvPr>
-              <p14:cNvContentPartPr/>
-              <p14:nvPr/>
-            </p14:nvContentPartPr>
-            <p14:xfrm>
-              <a:off x="2354040" y="3077280"/>
-              <a:ext cx="435960" cy="258840"/>
-            </p14:xfrm>
-          </p:contentPart>
-        </mc:Choice>
-        <mc:Fallback>
-          <p:pic>
-            <p:nvPicPr>
-              <p:cNvPr id="3" name="Ink 2">
-                <a:extLst>
-                  <a:ext uri="{FF2B5EF4-FFF2-40B4-BE49-F238E27FC236}">
-                    <a16:creationId xmlns:a16="http://schemas.microsoft.com/office/drawing/2014/main" id="{05BA29B4-521B-41E3-8D5F-CFA0CF0866E1}"/>
-                  </a:ext>
-                </a:extLst>
-              </p:cNvPr>
-              <p:cNvPicPr/>
-              <p:nvPr/>
-            </p:nvPicPr>
-            <p:blipFill>
-              <a:blip r:embed="rId5"/>
-              <a:stretch>
-                <a:fillRect/>
-              </a:stretch>
-            </p:blipFill>
-            <p:spPr>
-              <a:xfrm>
-                <a:off x="2344680" y="3067920"/>
-                <a:ext cx="454680" cy="277560"/>
-              </a:xfrm>
-              <a:prstGeom prst="rect">
-                <a:avLst/>
-              </a:prstGeom>
-            </p:spPr>
-          </p:pic>
-        </mc:Fallback>
-      </mc:AlternateContent>
     </p:spTree>
     <p:extLst>
       <p:ext uri="{BB962C8B-B14F-4D97-AF65-F5344CB8AC3E}">
@@ -11436,7 +10153,7 @@
 </p:sld>
 </file>
 
-<file path=ppt/slides/slide25.xml><?xml version="1.0" encoding="utf-8"?>
+<file path=ppt/slides/slide23.xml><?xml version="1.0" encoding="utf-8"?>
 <p:sld xmlns:a="http://schemas.openxmlformats.org/drawingml/2006/main" xmlns:r="http://schemas.openxmlformats.org/officeDocument/2006/relationships" xmlns:p="http://schemas.openxmlformats.org/presentationml/2006/main">
   <p:cSld>
     <p:spTree>
@@ -11517,7 +10234,7 @@
             </a:pPr>
             <a:fld id="{00000000-1234-1234-1234-123412341234}" type="slidenum">
               <a:rPr lang="es-MX" smtClean="0"/>
-              <a:t>25</a:t>
+              <a:t>23</a:t>
             </a:fld>
             <a:endParaRPr lang="es-MX"/>
           </a:p>
@@ -12366,57 +11083,6 @@
           </a:p>
         </p:txBody>
       </p:sp>
-      <mc:AlternateContent xmlns:mc="http://schemas.openxmlformats.org/markup-compatibility/2006">
-        <mc:Choice xmlns:p14="http://schemas.microsoft.com/office/powerpoint/2010/main" Requires="p14">
-          <p:contentPart p14:bwMode="auto" r:id="rId2">
-            <p14:nvContentPartPr>
-              <p14:cNvPr id="5" name="Ink 4">
-                <a:extLst>
-                  <a:ext uri="{FF2B5EF4-FFF2-40B4-BE49-F238E27FC236}">
-                    <a16:creationId xmlns:a16="http://schemas.microsoft.com/office/drawing/2014/main" id="{8469EBB7-E13F-4667-9192-C2985EAFBCD2}"/>
-                  </a:ext>
-                </a:extLst>
-              </p14:cNvPr>
-              <p14:cNvContentPartPr/>
-              <p14:nvPr/>
-            </p14:nvContentPartPr>
-            <p14:xfrm>
-              <a:off x="2427480" y="1503000"/>
-              <a:ext cx="6445080" cy="2552760"/>
-            </p14:xfrm>
-          </p:contentPart>
-        </mc:Choice>
-        <mc:Fallback>
-          <p:pic>
-            <p:nvPicPr>
-              <p:cNvPr id="5" name="Ink 4">
-                <a:extLst>
-                  <a:ext uri="{FF2B5EF4-FFF2-40B4-BE49-F238E27FC236}">
-                    <a16:creationId xmlns:a16="http://schemas.microsoft.com/office/drawing/2014/main" id="{8469EBB7-E13F-4667-9192-C2985EAFBCD2}"/>
-                  </a:ext>
-                </a:extLst>
-              </p:cNvPr>
-              <p:cNvPicPr/>
-              <p:nvPr/>
-            </p:nvPicPr>
-            <p:blipFill>
-              <a:blip r:embed="rId3"/>
-              <a:stretch>
-                <a:fillRect/>
-              </a:stretch>
-            </p:blipFill>
-            <p:spPr>
-              <a:xfrm>
-                <a:off x="2418120" y="1493640"/>
-                <a:ext cx="6463800" cy="2571480"/>
-              </a:xfrm>
-              <a:prstGeom prst="rect">
-                <a:avLst/>
-              </a:prstGeom>
-            </p:spPr>
-          </p:pic>
-        </mc:Fallback>
-      </mc:AlternateContent>
     </p:spTree>
     <p:extLst>
       <p:ext uri="{BB962C8B-B14F-4D97-AF65-F5344CB8AC3E}">
@@ -12569,57 +11235,6 @@
           </a:p>
         </p:txBody>
       </p:sp>
-      <mc:AlternateContent xmlns:mc="http://schemas.openxmlformats.org/markup-compatibility/2006">
-        <mc:Choice xmlns:p14="http://schemas.microsoft.com/office/powerpoint/2010/main" Requires="p14">
-          <p:contentPart p14:bwMode="auto" r:id="rId2">
-            <p14:nvContentPartPr>
-              <p14:cNvPr id="5" name="Ink 4">
-                <a:extLst>
-                  <a:ext uri="{FF2B5EF4-FFF2-40B4-BE49-F238E27FC236}">
-                    <a16:creationId xmlns:a16="http://schemas.microsoft.com/office/drawing/2014/main" id="{09205F5C-B15B-4D7A-9504-9B67FFF2687A}"/>
-                  </a:ext>
-                </a:extLst>
-              </p14:cNvPr>
-              <p14:cNvContentPartPr/>
-              <p14:nvPr/>
-            </p14:nvContentPartPr>
-            <p14:xfrm>
-              <a:off x="993240" y="931320"/>
-              <a:ext cx="4978080" cy="2539080"/>
-            </p14:xfrm>
-          </p:contentPart>
-        </mc:Choice>
-        <mc:Fallback>
-          <p:pic>
-            <p:nvPicPr>
-              <p:cNvPr id="5" name="Ink 4">
-                <a:extLst>
-                  <a:ext uri="{FF2B5EF4-FFF2-40B4-BE49-F238E27FC236}">
-                    <a16:creationId xmlns:a16="http://schemas.microsoft.com/office/drawing/2014/main" id="{09205F5C-B15B-4D7A-9504-9B67FFF2687A}"/>
-                  </a:ext>
-                </a:extLst>
-              </p:cNvPr>
-              <p:cNvPicPr/>
-              <p:nvPr/>
-            </p:nvPicPr>
-            <p:blipFill>
-              <a:blip r:embed="rId3"/>
-              <a:stretch>
-                <a:fillRect/>
-              </a:stretch>
-            </p:blipFill>
-            <p:spPr>
-              <a:xfrm>
-                <a:off x="983880" y="921960"/>
-                <a:ext cx="4996800" cy="2557800"/>
-              </a:xfrm>
-              <a:prstGeom prst="rect">
-                <a:avLst/>
-              </a:prstGeom>
-            </p:spPr>
-          </p:pic>
-        </mc:Fallback>
-      </mc:AlternateContent>
     </p:spTree>
     <p:extLst>
       <p:ext uri="{BB962C8B-B14F-4D97-AF65-F5344CB8AC3E}">
@@ -12638,7 +11253,7 @@
   <p:cSld>
     <p:spTree>
       <p:nvGrpSpPr>
-        <p:cNvPr id="1" name=""/>
+        <p:cNvPr id="1" name="Shape 220"/>
         <p:cNvGrpSpPr/>
         <p:nvPr/>
       </p:nvGrpSpPr>
@@ -12652,44 +11267,106 @@
       </p:grpSpPr>
       <p:sp>
         <p:nvSpPr>
-          <p:cNvPr id="2" name="Título 1"/>
-          <p:cNvSpPr>
+          <p:cNvPr id="221" name="Google Shape;221;p14"/>
+          <p:cNvSpPr txBox="1">
             <a:spLocks noGrp="1"/>
           </p:cNvSpPr>
           <p:nvPr>
-            <p:ph type="title"/>
+            <p:ph type="ctrTitle"/>
           </p:nvPr>
         </p:nvSpPr>
-        <p:spPr/>
+        <p:spPr>
+          <a:xfrm>
+            <a:off x="463525" y="2871148"/>
+            <a:ext cx="4094400" cy="1159800"/>
+          </a:xfrm>
+          <a:prstGeom prst="rect">
+            <a:avLst/>
+          </a:prstGeom>
+        </p:spPr>
         <p:txBody>
-          <a:bodyPr/>
+          <a:bodyPr spcFirstLastPara="1" wrap="square" lIns="91425" tIns="91425" rIns="91425" bIns="91425" anchor="b" anchorCtr="0">
+            <a:noAutofit/>
+          </a:bodyPr>
           <a:lstStyle/>
           <a:p>
+            <a:pPr marL="0" lvl="0" indent="0" rtl="0">
+              <a:spcBef>
+                <a:spcPts val="0"/>
+              </a:spcBef>
+              <a:spcAft>
+                <a:spcPts val="0"/>
+              </a:spcAft>
+              <a:buNone/>
+            </a:pPr>
             <a:r>
               <a:rPr lang="es-MX" dirty="0"/>
-              <a:t>Natural - </a:t>
-            </a:r>
-            <a:r>
-              <a:rPr lang="es-MX" dirty="0" err="1"/>
-              <a:t>Join</a:t>
-            </a:r>
-            <a:endParaRPr lang="es-MX" dirty="0"/>
+              <a:t>Algebra Relacional / SQL</a:t>
+            </a:r>
           </a:p>
         </p:txBody>
       </p:sp>
       <p:sp>
         <p:nvSpPr>
-          <p:cNvPr id="4" name="Marcador de número de diapositiva 3"/>
-          <p:cNvSpPr>
+          <p:cNvPr id="222" name="Google Shape;222;p14"/>
+          <p:cNvSpPr txBox="1">
+            <a:spLocks noGrp="1"/>
+          </p:cNvSpPr>
+          <p:nvPr>
+            <p:ph type="subTitle" idx="1"/>
+          </p:nvPr>
+        </p:nvSpPr>
+        <p:spPr>
+          <a:xfrm>
+            <a:off x="463525" y="3975449"/>
+            <a:ext cx="4094400" cy="784800"/>
+          </a:xfrm>
+          <a:prstGeom prst="rect">
+            <a:avLst/>
+          </a:prstGeom>
+        </p:spPr>
+        <p:txBody>
+          <a:bodyPr spcFirstLastPara="1" wrap="square" lIns="91425" tIns="91425" rIns="91425" bIns="91425" anchor="t" anchorCtr="0">
+            <a:noAutofit/>
+          </a:bodyPr>
+          <a:lstStyle/>
+          <a:p>
+            <a:pPr marL="0" lvl="0" indent="0" rtl="0">
+              <a:spcBef>
+                <a:spcPts val="0"/>
+              </a:spcBef>
+              <a:spcAft>
+                <a:spcPts val="1000"/>
+              </a:spcAft>
+              <a:buNone/>
+            </a:pPr>
+            <a:endParaRPr lang="es-MX" dirty="0"/>
+          </a:p>
+        </p:txBody>
+      </p:sp>
+      <p:sp>
+        <p:nvSpPr>
+          <p:cNvPr id="223" name="Google Shape;223;p14"/>
+          <p:cNvSpPr txBox="1">
             <a:spLocks noGrp="1"/>
           </p:cNvSpPr>
           <p:nvPr>
             <p:ph type="sldNum" idx="12"/>
           </p:nvPr>
         </p:nvSpPr>
-        <p:spPr/>
+        <p:spPr>
+          <a:xfrm>
+            <a:off x="7618000" y="4636500"/>
+            <a:ext cx="1487400" cy="315600"/>
+          </a:xfrm>
+          <a:prstGeom prst="rect">
+            <a:avLst/>
+          </a:prstGeom>
+        </p:spPr>
         <p:txBody>
-          <a:bodyPr/>
+          <a:bodyPr spcFirstLastPara="1" wrap="square" lIns="91425" tIns="91425" rIns="91425" bIns="91425" anchor="ctr" anchorCtr="0">
+            <a:noAutofit/>
+          </a:bodyPr>
           <a:lstStyle/>
           <a:p>
             <a:pPr marL="0" lvl="0" indent="0">
@@ -12702,629 +11379,75 @@
               <a:buNone/>
             </a:pPr>
             <a:fld id="{00000000-1234-1234-1234-123412341234}" type="slidenum">
-              <a:rPr lang="es-MX" smtClean="0"/>
+              <a:rPr lang="en"/>
               <a:t>9</a:t>
             </a:fld>
-            <a:endParaRPr lang="es-MX"/>
+            <a:endParaRPr/>
           </a:p>
         </p:txBody>
       </p:sp>
-      <p:graphicFrame>
-        <p:nvGraphicFramePr>
-          <p:cNvPr id="5" name="Tabla 4"/>
-          <p:cNvGraphicFramePr>
-            <a:graphicFrameLocks noGrp="1"/>
-          </p:cNvGraphicFramePr>
-          <p:nvPr>
-            <p:extLst>
-              <p:ext uri="{D42A27DB-BD31-4B8C-83A1-F6EECF244321}">
-                <p14:modId xmlns:p14="http://schemas.microsoft.com/office/powerpoint/2010/main" val="3055324471"/>
-              </p:ext>
-            </p:extLst>
-          </p:nvPr>
-        </p:nvGraphicFramePr>
-        <p:xfrm>
-          <a:off x="1074615" y="1760219"/>
-          <a:ext cx="3286020" cy="1885635"/>
-        </p:xfrm>
-        <a:graphic>
-          <a:graphicData uri="http://schemas.openxmlformats.org/drawingml/2006/table">
-            <a:tbl>
-              <a:tblPr firstRow="1" bandRow="1">
-                <a:tableStyleId>{3C2FFA5D-87B4-456A-9821-1D502468CF0F}</a:tableStyleId>
-              </a:tblPr>
-              <a:tblGrid>
-                <a:gridCol w="1095340">
-                  <a:extLst>
-                    <a:ext uri="{9D8B030D-6E8A-4147-A177-3AD203B41FA5}">
-                      <a16:colId xmlns:a16="http://schemas.microsoft.com/office/drawing/2014/main" val="854045907"/>
-                    </a:ext>
-                  </a:extLst>
-                </a:gridCol>
-                <a:gridCol w="1095340">
-                  <a:extLst>
-                    <a:ext uri="{9D8B030D-6E8A-4147-A177-3AD203B41FA5}">
-                      <a16:colId xmlns:a16="http://schemas.microsoft.com/office/drawing/2014/main" val="3694374799"/>
-                    </a:ext>
-                  </a:extLst>
-                </a:gridCol>
-                <a:gridCol w="1095340">
-                  <a:extLst>
-                    <a:ext uri="{9D8B030D-6E8A-4147-A177-3AD203B41FA5}">
-                      <a16:colId xmlns:a16="http://schemas.microsoft.com/office/drawing/2014/main" val="1321079999"/>
-                    </a:ext>
-                  </a:extLst>
-                </a:gridCol>
-              </a:tblGrid>
-              <a:tr h="344065">
-                <a:tc>
-                  <a:txBody>
-                    <a:bodyPr/>
-                    <a:lstStyle/>
-                    <a:p>
-                      <a:pPr algn="ctr"/>
-                      <a:r>
-                        <a:rPr lang="es-MX" sz="1100" b="1" dirty="0"/>
-                        <a:t>Plaza</a:t>
-                      </a:r>
-                    </a:p>
-                  </a:txBody>
-                  <a:tcPr/>
-                </a:tc>
-                <a:tc>
-                  <a:txBody>
-                    <a:bodyPr/>
-                    <a:lstStyle/>
-                    <a:p>
-                      <a:pPr algn="ctr"/>
-                      <a:r>
-                        <a:rPr lang="es-MX" sz="1100" b="1" dirty="0"/>
-                        <a:t>Tienda</a:t>
-                      </a:r>
-                    </a:p>
-                  </a:txBody>
-                  <a:tcPr/>
-                </a:tc>
-                <a:tc>
-                  <a:txBody>
-                    <a:bodyPr/>
-                    <a:lstStyle/>
-                    <a:p>
-                      <a:pPr algn="ctr"/>
-                      <a:r>
-                        <a:rPr lang="es-MX" sz="1100" b="1" dirty="0"/>
-                        <a:t>Número</a:t>
-                      </a:r>
-                    </a:p>
-                  </a:txBody>
-                  <a:tcPr/>
-                </a:tc>
-                <a:extLst>
-                  <a:ext uri="{0D108BD9-81ED-4DB2-BD59-A6C34878D82A}">
-                    <a16:rowId xmlns:a16="http://schemas.microsoft.com/office/drawing/2014/main" val="2949837132"/>
-                  </a:ext>
-                </a:extLst>
-              </a:tr>
-              <a:tr h="344065">
-                <a:tc>
-                  <a:txBody>
-                    <a:bodyPr/>
-                    <a:lstStyle/>
-                    <a:p>
-                      <a:pPr algn="ctr"/>
-                      <a:r>
-                        <a:rPr lang="es-MX" sz="1100" b="1" dirty="0"/>
-                        <a:t>Parque</a:t>
-                      </a:r>
-                      <a:r>
-                        <a:rPr lang="es-MX" sz="1100" b="1" baseline="0" dirty="0"/>
-                        <a:t> Delta</a:t>
-                      </a:r>
-                      <a:endParaRPr lang="es-MX" sz="1100" b="1" dirty="0"/>
-                    </a:p>
-                  </a:txBody>
-                  <a:tcPr/>
-                </a:tc>
-                <a:tc>
-                  <a:txBody>
-                    <a:bodyPr/>
-                    <a:lstStyle/>
-                    <a:p>
-                      <a:pPr algn="ctr"/>
-                      <a:r>
-                        <a:rPr lang="es-MX" sz="1100" b="1" dirty="0"/>
-                        <a:t>Starbucks</a:t>
-                      </a:r>
-                    </a:p>
-                  </a:txBody>
-                  <a:tcPr/>
-                </a:tc>
-                <a:tc>
-                  <a:txBody>
-                    <a:bodyPr/>
-                    <a:lstStyle/>
-                    <a:p>
-                      <a:pPr algn="ctr"/>
-                      <a:r>
-                        <a:rPr lang="es-MX" sz="1100" b="1" dirty="0"/>
-                        <a:t>2</a:t>
-                      </a:r>
-                    </a:p>
-                  </a:txBody>
-                  <a:tcPr/>
-                </a:tc>
-                <a:extLst>
-                  <a:ext uri="{0D108BD9-81ED-4DB2-BD59-A6C34878D82A}">
-                    <a16:rowId xmlns:a16="http://schemas.microsoft.com/office/drawing/2014/main" val="128101960"/>
-                  </a:ext>
-                </a:extLst>
-              </a:tr>
-              <a:tr h="344065">
-                <a:tc>
-                  <a:txBody>
-                    <a:bodyPr/>
-                    <a:lstStyle/>
-                    <a:p>
-                      <a:pPr algn="ctr"/>
-                      <a:r>
-                        <a:rPr lang="es-MX" sz="1100" b="1" dirty="0"/>
-                        <a:t>Parque Delta</a:t>
-                      </a:r>
-                    </a:p>
-                  </a:txBody>
-                  <a:tcPr/>
-                </a:tc>
-                <a:tc>
-                  <a:txBody>
-                    <a:bodyPr/>
-                    <a:lstStyle/>
-                    <a:p>
-                      <a:pPr algn="ctr"/>
-                      <a:r>
-                        <a:rPr lang="es-MX" sz="1100" b="1" dirty="0" err="1"/>
-                        <a:t>Marti</a:t>
-                      </a:r>
-                      <a:endParaRPr lang="es-MX" sz="1100" b="1" dirty="0"/>
-                    </a:p>
-                  </a:txBody>
-                  <a:tcPr/>
-                </a:tc>
-                <a:tc>
-                  <a:txBody>
-                    <a:bodyPr/>
-                    <a:lstStyle/>
-                    <a:p>
-                      <a:pPr algn="ctr"/>
-                      <a:r>
-                        <a:rPr lang="es-MX" sz="1100" b="1" dirty="0"/>
-                        <a:t>1</a:t>
-                      </a:r>
-                    </a:p>
-                  </a:txBody>
-                  <a:tcPr/>
-                </a:tc>
-                <a:extLst>
-                  <a:ext uri="{0D108BD9-81ED-4DB2-BD59-A6C34878D82A}">
-                    <a16:rowId xmlns:a16="http://schemas.microsoft.com/office/drawing/2014/main" val="1804458209"/>
-                  </a:ext>
-                </a:extLst>
-              </a:tr>
-              <a:tr h="344065">
-                <a:tc>
-                  <a:txBody>
-                    <a:bodyPr/>
-                    <a:lstStyle/>
-                    <a:p>
-                      <a:pPr algn="ctr"/>
-                      <a:r>
-                        <a:rPr lang="es-MX" sz="1100" b="1" dirty="0"/>
-                        <a:t>Galerías Insurgentes</a:t>
-                      </a:r>
-                    </a:p>
-                  </a:txBody>
-                  <a:tcPr/>
-                </a:tc>
-                <a:tc>
-                  <a:txBody>
-                    <a:bodyPr/>
-                    <a:lstStyle/>
-                    <a:p>
-                      <a:pPr algn="ctr"/>
-                      <a:r>
-                        <a:rPr lang="es-MX" sz="1100" b="1" dirty="0"/>
-                        <a:t>Starbucks </a:t>
-                      </a:r>
-                    </a:p>
-                  </a:txBody>
-                  <a:tcPr/>
-                </a:tc>
-                <a:tc>
-                  <a:txBody>
-                    <a:bodyPr/>
-                    <a:lstStyle/>
-                    <a:p>
-                      <a:pPr algn="ctr"/>
-                      <a:r>
-                        <a:rPr lang="es-MX" sz="1100" b="1" dirty="0"/>
-                        <a:t>1</a:t>
-                      </a:r>
-                    </a:p>
-                  </a:txBody>
-                  <a:tcPr/>
-                </a:tc>
-                <a:extLst>
-                  <a:ext uri="{0D108BD9-81ED-4DB2-BD59-A6C34878D82A}">
-                    <a16:rowId xmlns:a16="http://schemas.microsoft.com/office/drawing/2014/main" val="3838666371"/>
-                  </a:ext>
-                </a:extLst>
-              </a:tr>
-              <a:tr h="344065">
-                <a:tc>
-                  <a:txBody>
-                    <a:bodyPr/>
-                    <a:lstStyle/>
-                    <a:p>
-                      <a:pPr algn="ctr"/>
-                      <a:r>
-                        <a:rPr lang="es-MX" sz="1100" b="1" dirty="0"/>
-                        <a:t>Galerías Insurgentes</a:t>
-                      </a:r>
-                    </a:p>
-                  </a:txBody>
-                  <a:tcPr/>
-                </a:tc>
-                <a:tc>
-                  <a:txBody>
-                    <a:bodyPr/>
-                    <a:lstStyle/>
-                    <a:p>
-                      <a:pPr algn="ctr"/>
-                      <a:r>
-                        <a:rPr lang="es-MX" sz="1100" b="1" dirty="0" err="1"/>
-                        <a:t>Marti</a:t>
-                      </a:r>
-                      <a:endParaRPr lang="es-MX" sz="1100" b="1" dirty="0"/>
-                    </a:p>
-                  </a:txBody>
-                  <a:tcPr/>
-                </a:tc>
-                <a:tc>
-                  <a:txBody>
-                    <a:bodyPr/>
-                    <a:lstStyle/>
-                    <a:p>
-                      <a:pPr algn="ctr"/>
-                      <a:r>
-                        <a:rPr lang="es-MX" sz="1100" b="1" dirty="0"/>
-                        <a:t>1</a:t>
-                      </a:r>
-                    </a:p>
-                  </a:txBody>
-                  <a:tcPr/>
-                </a:tc>
-                <a:extLst>
-                  <a:ext uri="{0D108BD9-81ED-4DB2-BD59-A6C34878D82A}">
-                    <a16:rowId xmlns:a16="http://schemas.microsoft.com/office/drawing/2014/main" val="283040193"/>
-                  </a:ext>
-                </a:extLst>
-              </a:tr>
-            </a:tbl>
-          </a:graphicData>
-        </a:graphic>
-      </p:graphicFrame>
       <p:sp>
         <p:nvSpPr>
-          <p:cNvPr id="6" name="CuadroTexto 5"/>
+          <p:cNvPr id="224" name="Google Shape;224;p14"/>
           <p:cNvSpPr txBox="1"/>
           <p:nvPr/>
         </p:nvSpPr>
         <p:spPr>
           <a:xfrm>
-            <a:off x="660719" y="1541063"/>
-            <a:ext cx="413896" cy="307777"/>
+            <a:off x="463525" y="0"/>
+            <a:ext cx="2181600" cy="3136200"/>
           </a:xfrm>
           <a:prstGeom prst="rect">
             <a:avLst/>
           </a:prstGeom>
           <a:noFill/>
+          <a:ln>
+            <a:noFill/>
+          </a:ln>
         </p:spPr>
         <p:txBody>
-          <a:bodyPr wrap="none" rtlCol="0">
-            <a:spAutoFit/>
+          <a:bodyPr spcFirstLastPara="1" wrap="square" lIns="91425" tIns="91425" rIns="91425" bIns="91425" anchor="b" anchorCtr="0">
+            <a:noAutofit/>
           </a:bodyPr>
           <a:lstStyle/>
           <a:p>
-            <a:r>
-              <a:rPr lang="es-MX" dirty="0"/>
-              <a:t>R1</a:t>
-            </a:r>
+            <a:pPr marL="0" lvl="0" indent="0">
+              <a:spcBef>
+                <a:spcPts val="0"/>
+              </a:spcBef>
+              <a:spcAft>
+                <a:spcPts val="0"/>
+              </a:spcAft>
+              <a:buNone/>
+            </a:pPr>
+            <a:r>
+              <a:rPr lang="es-MX" sz="3000" b="1" dirty="0">
+                <a:solidFill>
+                  <a:srgbClr val="3F5378"/>
+                </a:solidFill>
+                <a:latin typeface="Roboto Condensed"/>
+                <a:ea typeface="Roboto Condensed"/>
+                <a:cs typeface="Roboto Condensed"/>
+                <a:sym typeface="Roboto Condensed"/>
+              </a:rPr>
+              <a:t>3</a:t>
+            </a:r>
+            <a:endParaRPr sz="3000" b="1" dirty="0">
+              <a:solidFill>
+                <a:srgbClr val="3F5378"/>
+              </a:solidFill>
+              <a:latin typeface="Roboto Condensed"/>
+              <a:ea typeface="Roboto Condensed"/>
+              <a:cs typeface="Roboto Condensed"/>
+              <a:sym typeface="Roboto Condensed"/>
+            </a:endParaRPr>
           </a:p>
         </p:txBody>
       </p:sp>
-      <p:graphicFrame>
-        <p:nvGraphicFramePr>
-          <p:cNvPr id="7" name="Tabla 6"/>
-          <p:cNvGraphicFramePr>
-            <a:graphicFrameLocks noGrp="1"/>
-          </p:cNvGraphicFramePr>
-          <p:nvPr>
-            <p:extLst>
-              <p:ext uri="{D42A27DB-BD31-4B8C-83A1-F6EECF244321}">
-                <p14:modId xmlns:p14="http://schemas.microsoft.com/office/powerpoint/2010/main" val="1375337107"/>
-              </p:ext>
-            </p:extLst>
-          </p:nvPr>
-        </p:nvGraphicFramePr>
-        <p:xfrm>
-          <a:off x="5437427" y="1713429"/>
-          <a:ext cx="3018896" cy="1203960"/>
-        </p:xfrm>
-        <a:graphic>
-          <a:graphicData uri="http://schemas.openxmlformats.org/drawingml/2006/table">
-            <a:tbl>
-              <a:tblPr firstRow="1" bandRow="1">
-                <a:tableStyleId>{3C2FFA5D-87B4-456A-9821-1D502468CF0F}</a:tableStyleId>
-              </a:tblPr>
-              <a:tblGrid>
-                <a:gridCol w="1509448">
-                  <a:extLst>
-                    <a:ext uri="{9D8B030D-6E8A-4147-A177-3AD203B41FA5}">
-                      <a16:colId xmlns:a16="http://schemas.microsoft.com/office/drawing/2014/main" val="854045907"/>
-                    </a:ext>
-                  </a:extLst>
-                </a:gridCol>
-                <a:gridCol w="1509448">
-                  <a:extLst>
-                    <a:ext uri="{9D8B030D-6E8A-4147-A177-3AD203B41FA5}">
-                      <a16:colId xmlns:a16="http://schemas.microsoft.com/office/drawing/2014/main" val="3694374799"/>
-                    </a:ext>
-                  </a:extLst>
-                </a:gridCol>
-              </a:tblGrid>
-              <a:tr h="250933">
-                <a:tc>
-                  <a:txBody>
-                    <a:bodyPr/>
-                    <a:lstStyle/>
-                    <a:p>
-                      <a:pPr algn="ctr"/>
-                      <a:r>
-                        <a:rPr lang="es-MX" sz="1100" b="1" dirty="0"/>
-                        <a:t>Plaza</a:t>
-                      </a:r>
-                    </a:p>
-                  </a:txBody>
-                  <a:tcPr/>
-                </a:tc>
-                <a:tc>
-                  <a:txBody>
-                    <a:bodyPr/>
-                    <a:lstStyle/>
-                    <a:p>
-                      <a:pPr algn="ctr"/>
-                      <a:r>
-                        <a:rPr lang="es-MX" sz="1100" b="1" dirty="0"/>
-                        <a:t>Colonia</a:t>
-                      </a:r>
-                    </a:p>
-                  </a:txBody>
-                  <a:tcPr/>
-                </a:tc>
-                <a:extLst>
-                  <a:ext uri="{0D108BD9-81ED-4DB2-BD59-A6C34878D82A}">
-                    <a16:rowId xmlns:a16="http://schemas.microsoft.com/office/drawing/2014/main" val="2949837132"/>
-                  </a:ext>
-                </a:extLst>
-              </a:tr>
-              <a:tr h="250933">
-                <a:tc>
-                  <a:txBody>
-                    <a:bodyPr/>
-                    <a:lstStyle/>
-                    <a:p>
-                      <a:pPr algn="ctr"/>
-                      <a:r>
-                        <a:rPr lang="es-MX" sz="1100" b="1" dirty="0"/>
-                        <a:t>Parque</a:t>
-                      </a:r>
-                      <a:r>
-                        <a:rPr lang="es-MX" sz="1100" b="1" baseline="0" dirty="0"/>
-                        <a:t> Delta</a:t>
-                      </a:r>
-                      <a:endParaRPr lang="es-MX" sz="1100" b="1" dirty="0"/>
-                    </a:p>
-                  </a:txBody>
-                  <a:tcPr/>
-                </a:tc>
-                <a:tc>
-                  <a:txBody>
-                    <a:bodyPr/>
-                    <a:lstStyle/>
-                    <a:p>
-                      <a:pPr algn="ctr"/>
-                      <a:r>
-                        <a:rPr lang="es-MX" sz="1100" b="1" dirty="0"/>
-                        <a:t>Roma</a:t>
-                      </a:r>
-                    </a:p>
-                  </a:txBody>
-                  <a:tcPr/>
-                </a:tc>
-                <a:extLst>
-                  <a:ext uri="{0D108BD9-81ED-4DB2-BD59-A6C34878D82A}">
-                    <a16:rowId xmlns:a16="http://schemas.microsoft.com/office/drawing/2014/main" val="128101960"/>
-                  </a:ext>
-                </a:extLst>
-              </a:tr>
-              <a:tr h="250933">
-                <a:tc>
-                  <a:txBody>
-                    <a:bodyPr/>
-                    <a:lstStyle/>
-                    <a:p>
-                      <a:pPr algn="ctr"/>
-                      <a:r>
-                        <a:rPr lang="es-MX" sz="1100" b="1" dirty="0"/>
-                        <a:t>Galerías</a:t>
-                      </a:r>
-                      <a:r>
-                        <a:rPr lang="es-MX" sz="1100" b="1" baseline="0" dirty="0"/>
-                        <a:t> Insurgentes</a:t>
-                      </a:r>
-                      <a:endParaRPr lang="es-MX" sz="1100" b="1" dirty="0"/>
-                    </a:p>
-                  </a:txBody>
-                  <a:tcPr/>
-                </a:tc>
-                <a:tc>
-                  <a:txBody>
-                    <a:bodyPr/>
-                    <a:lstStyle/>
-                    <a:p>
-                      <a:pPr algn="ctr"/>
-                      <a:r>
-                        <a:rPr lang="es-MX" sz="1100" b="1" dirty="0"/>
-                        <a:t>Del</a:t>
-                      </a:r>
-                      <a:r>
-                        <a:rPr lang="es-MX" sz="1100" b="1" baseline="0" dirty="0"/>
-                        <a:t> Valle</a:t>
-                      </a:r>
-                      <a:endParaRPr lang="es-MX" sz="1100" b="1" dirty="0"/>
-                    </a:p>
-                  </a:txBody>
-                  <a:tcPr/>
-                </a:tc>
-                <a:extLst>
-                  <a:ext uri="{0D108BD9-81ED-4DB2-BD59-A6C34878D82A}">
-                    <a16:rowId xmlns:a16="http://schemas.microsoft.com/office/drawing/2014/main" val="1804458209"/>
-                  </a:ext>
-                </a:extLst>
-              </a:tr>
-              <a:tr h="250933">
-                <a:tc>
-                  <a:txBody>
-                    <a:bodyPr/>
-                    <a:lstStyle/>
-                    <a:p>
-                      <a:pPr algn="ctr"/>
-                      <a:r>
-                        <a:rPr lang="es-MX" sz="1100" b="1" dirty="0" err="1"/>
-                        <a:t>Perisur</a:t>
-                      </a:r>
-                      <a:endParaRPr lang="es-MX" sz="1100" b="1" dirty="0"/>
-                    </a:p>
-                  </a:txBody>
-                  <a:tcPr/>
-                </a:tc>
-                <a:tc>
-                  <a:txBody>
-                    <a:bodyPr/>
-                    <a:lstStyle/>
-                    <a:p>
-                      <a:pPr algn="ctr"/>
-                      <a:r>
-                        <a:rPr lang="es-MX" sz="1100" b="1" dirty="0"/>
-                        <a:t>Pedregal</a:t>
-                      </a:r>
-                    </a:p>
-                  </a:txBody>
-                  <a:tcPr/>
-                </a:tc>
-                <a:extLst>
-                  <a:ext uri="{0D108BD9-81ED-4DB2-BD59-A6C34878D82A}">
-                    <a16:rowId xmlns:a16="http://schemas.microsoft.com/office/drawing/2014/main" val="2449452759"/>
-                  </a:ext>
-                </a:extLst>
-              </a:tr>
-            </a:tbl>
-          </a:graphicData>
-        </a:graphic>
-      </p:graphicFrame>
-      <p:sp>
-        <p:nvSpPr>
-          <p:cNvPr id="8" name="CuadroTexto 7"/>
-          <p:cNvSpPr txBox="1"/>
-          <p:nvPr/>
-        </p:nvSpPr>
-        <p:spPr>
-          <a:xfrm>
-            <a:off x="4970139" y="1591644"/>
-            <a:ext cx="413896" cy="307777"/>
-          </a:xfrm>
-          <a:prstGeom prst="rect">
-            <a:avLst/>
-          </a:prstGeom>
-          <a:noFill/>
-        </p:spPr>
-        <p:txBody>
-          <a:bodyPr wrap="none" rtlCol="0">
-            <a:spAutoFit/>
-          </a:bodyPr>
-          <a:lstStyle/>
-          <a:p>
-            <a:r>
-              <a:rPr lang="es-MX" dirty="0"/>
-              <a:t>R2</a:t>
-            </a:r>
-          </a:p>
-        </p:txBody>
-      </p:sp>
-      <mc:AlternateContent xmlns:mc="http://schemas.openxmlformats.org/markup-compatibility/2006">
-        <mc:Choice xmlns:p14="http://schemas.microsoft.com/office/powerpoint/2010/main" Requires="p14">
-          <p:contentPart p14:bwMode="auto" r:id="rId2">
-            <p14:nvContentPartPr>
-              <p14:cNvPr id="3" name="Ink 2">
-                <a:extLst>
-                  <a:ext uri="{FF2B5EF4-FFF2-40B4-BE49-F238E27FC236}">
-                    <a16:creationId xmlns:a16="http://schemas.microsoft.com/office/drawing/2014/main" id="{D63B1305-E52F-4E0F-908B-96AFA024676B}"/>
-                  </a:ext>
-                </a:extLst>
-              </p14:cNvPr>
-              <p14:cNvContentPartPr/>
-              <p14:nvPr/>
-            </p14:nvContentPartPr>
-            <p14:xfrm>
-              <a:off x="639720" y="1478160"/>
-              <a:ext cx="4727520" cy="588240"/>
-            </p14:xfrm>
-          </p:contentPart>
-        </mc:Choice>
-        <mc:Fallback>
-          <p:pic>
-            <p:nvPicPr>
-              <p:cNvPr id="3" name="Ink 2">
-                <a:extLst>
-                  <a:ext uri="{FF2B5EF4-FFF2-40B4-BE49-F238E27FC236}">
-                    <a16:creationId xmlns:a16="http://schemas.microsoft.com/office/drawing/2014/main" id="{D63B1305-E52F-4E0F-908B-96AFA024676B}"/>
-                  </a:ext>
-                </a:extLst>
-              </p:cNvPr>
-              <p:cNvPicPr/>
-              <p:nvPr/>
-            </p:nvPicPr>
-            <p:blipFill>
-              <a:blip r:embed="rId3"/>
-              <a:stretch>
-                <a:fillRect/>
-              </a:stretch>
-            </p:blipFill>
-            <p:spPr>
-              <a:xfrm>
-                <a:off x="630360" y="1468800"/>
-                <a:ext cx="4746240" cy="606960"/>
-              </a:xfrm>
-              <a:prstGeom prst="rect">
-                <a:avLst/>
-              </a:prstGeom>
-            </p:spPr>
-          </p:pic>
-        </mc:Fallback>
-      </mc:AlternateContent>
     </p:spTree>
     <p:extLst>
       <p:ext uri="{BB962C8B-B14F-4D97-AF65-F5344CB8AC3E}">
-        <p14:creationId xmlns:p14="http://schemas.microsoft.com/office/powerpoint/2010/main" val="1775564819"/>
+        <p14:creationId xmlns:p14="http://schemas.microsoft.com/office/powerpoint/2010/main" val="1233832948"/>
       </p:ext>
     </p:extLst>
   </p:cSld>
